--- a/doc/Convolutional Neural Network.pptx
+++ b/doc/Convolutional Neural Network.pptx
@@ -6,8 +6,9 @@
   </p:sldMasterIdLst>
   <p:sldIdLst>
     <p:sldId id="256" r:id="rId2"/>
-    <p:sldId id="257" r:id="rId3"/>
+    <p:sldId id="259" r:id="rId3"/>
     <p:sldId id="258" r:id="rId4"/>
+    <p:sldId id="257" r:id="rId5"/>
   </p:sldIdLst>
   <p:sldSz cx="9144000" cy="6858000" type="screen4x3"/>
   <p:notesSz cx="6858000" cy="9144000"/>
@@ -290,7 +291,8 @@
           <a:p>
             <a:fld id="{1341731E-BA3B-499E-8ED1-A0FD9ABBEFDE}" type="datetimeFigureOut">
               <a:rPr lang="zh-CN" altLang="en-US" smtClean="0"/>
-              <a:t>2014/10/12</a:t>
+              <a:pPr/>
+              <a:t>2014/10/19</a:t>
             </a:fld>
             <a:endParaRPr lang="zh-CN" altLang="en-US"/>
           </a:p>
@@ -332,6 +334,7 @@
           <a:p>
             <a:fld id="{A465FE46-79D8-4D67-B2A0-0F16B5D3A121}" type="slidenum">
               <a:rPr lang="zh-CN" altLang="en-US" smtClean="0"/>
+              <a:pPr/>
               <a:t>‹#›</a:t>
             </a:fld>
             <a:endParaRPr lang="zh-CN" altLang="en-US"/>
@@ -455,7 +458,8 @@
           <a:p>
             <a:fld id="{1341731E-BA3B-499E-8ED1-A0FD9ABBEFDE}" type="datetimeFigureOut">
               <a:rPr lang="zh-CN" altLang="en-US" smtClean="0"/>
-              <a:t>2014/10/12</a:t>
+              <a:pPr/>
+              <a:t>2014/10/19</a:t>
             </a:fld>
             <a:endParaRPr lang="zh-CN" altLang="en-US"/>
           </a:p>
@@ -497,6 +501,7 @@
           <a:p>
             <a:fld id="{A465FE46-79D8-4D67-B2A0-0F16B5D3A121}" type="slidenum">
               <a:rPr lang="zh-CN" altLang="en-US" smtClean="0"/>
+              <a:pPr/>
               <a:t>‹#›</a:t>
             </a:fld>
             <a:endParaRPr lang="zh-CN" altLang="en-US"/>
@@ -630,7 +635,8 @@
           <a:p>
             <a:fld id="{1341731E-BA3B-499E-8ED1-A0FD9ABBEFDE}" type="datetimeFigureOut">
               <a:rPr lang="zh-CN" altLang="en-US" smtClean="0"/>
-              <a:t>2014/10/12</a:t>
+              <a:pPr/>
+              <a:t>2014/10/19</a:t>
             </a:fld>
             <a:endParaRPr lang="zh-CN" altLang="en-US"/>
           </a:p>
@@ -672,6 +678,7 @@
           <a:p>
             <a:fld id="{A465FE46-79D8-4D67-B2A0-0F16B5D3A121}" type="slidenum">
               <a:rPr lang="zh-CN" altLang="en-US" smtClean="0"/>
+              <a:pPr/>
               <a:t>‹#›</a:t>
             </a:fld>
             <a:endParaRPr lang="zh-CN" altLang="en-US"/>
@@ -795,7 +802,8 @@
           <a:p>
             <a:fld id="{1341731E-BA3B-499E-8ED1-A0FD9ABBEFDE}" type="datetimeFigureOut">
               <a:rPr lang="zh-CN" altLang="en-US" smtClean="0"/>
-              <a:t>2014/10/12</a:t>
+              <a:pPr/>
+              <a:t>2014/10/19</a:t>
             </a:fld>
             <a:endParaRPr lang="zh-CN" altLang="en-US"/>
           </a:p>
@@ -837,6 +845,7 @@
           <a:p>
             <a:fld id="{A465FE46-79D8-4D67-B2A0-0F16B5D3A121}" type="slidenum">
               <a:rPr lang="zh-CN" altLang="en-US" smtClean="0"/>
+              <a:pPr/>
               <a:t>‹#›</a:t>
             </a:fld>
             <a:endParaRPr lang="zh-CN" altLang="en-US"/>
@@ -1036,7 +1045,8 @@
           <a:p>
             <a:fld id="{1341731E-BA3B-499E-8ED1-A0FD9ABBEFDE}" type="datetimeFigureOut">
               <a:rPr lang="zh-CN" altLang="en-US" smtClean="0"/>
-              <a:t>2014/10/12</a:t>
+              <a:pPr/>
+              <a:t>2014/10/19</a:t>
             </a:fld>
             <a:endParaRPr lang="zh-CN" altLang="en-US"/>
           </a:p>
@@ -1078,6 +1088,7 @@
           <a:p>
             <a:fld id="{A465FE46-79D8-4D67-B2A0-0F16B5D3A121}" type="slidenum">
               <a:rPr lang="zh-CN" altLang="en-US" smtClean="0"/>
+              <a:pPr/>
               <a:t>‹#›</a:t>
             </a:fld>
             <a:endParaRPr lang="zh-CN" altLang="en-US"/>
@@ -1319,7 +1330,8 @@
           <a:p>
             <a:fld id="{1341731E-BA3B-499E-8ED1-A0FD9ABBEFDE}" type="datetimeFigureOut">
               <a:rPr lang="zh-CN" altLang="en-US" smtClean="0"/>
-              <a:t>2014/10/12</a:t>
+              <a:pPr/>
+              <a:t>2014/10/19</a:t>
             </a:fld>
             <a:endParaRPr lang="zh-CN" altLang="en-US"/>
           </a:p>
@@ -1361,6 +1373,7 @@
           <a:p>
             <a:fld id="{A465FE46-79D8-4D67-B2A0-0F16B5D3A121}" type="slidenum">
               <a:rPr lang="zh-CN" altLang="en-US" smtClean="0"/>
+              <a:pPr/>
               <a:t>‹#›</a:t>
             </a:fld>
             <a:endParaRPr lang="zh-CN" altLang="en-US"/>
@@ -1736,7 +1749,8 @@
           <a:p>
             <a:fld id="{1341731E-BA3B-499E-8ED1-A0FD9ABBEFDE}" type="datetimeFigureOut">
               <a:rPr lang="zh-CN" altLang="en-US" smtClean="0"/>
-              <a:t>2014/10/12</a:t>
+              <a:pPr/>
+              <a:t>2014/10/19</a:t>
             </a:fld>
             <a:endParaRPr lang="zh-CN" altLang="en-US"/>
           </a:p>
@@ -1778,6 +1792,7 @@
           <a:p>
             <a:fld id="{A465FE46-79D8-4D67-B2A0-0F16B5D3A121}" type="slidenum">
               <a:rPr lang="zh-CN" altLang="en-US" smtClean="0"/>
+              <a:pPr/>
               <a:t>‹#›</a:t>
             </a:fld>
             <a:endParaRPr lang="zh-CN" altLang="en-US"/>
@@ -1849,7 +1864,8 @@
           <a:p>
             <a:fld id="{1341731E-BA3B-499E-8ED1-A0FD9ABBEFDE}" type="datetimeFigureOut">
               <a:rPr lang="zh-CN" altLang="en-US" smtClean="0"/>
-              <a:t>2014/10/12</a:t>
+              <a:pPr/>
+              <a:t>2014/10/19</a:t>
             </a:fld>
             <a:endParaRPr lang="zh-CN" altLang="en-US"/>
           </a:p>
@@ -1891,6 +1907,7 @@
           <a:p>
             <a:fld id="{A465FE46-79D8-4D67-B2A0-0F16B5D3A121}" type="slidenum">
               <a:rPr lang="zh-CN" altLang="en-US" smtClean="0"/>
+              <a:pPr/>
               <a:t>‹#›</a:t>
             </a:fld>
             <a:endParaRPr lang="zh-CN" altLang="en-US"/>
@@ -1939,7 +1956,8 @@
           <a:p>
             <a:fld id="{1341731E-BA3B-499E-8ED1-A0FD9ABBEFDE}" type="datetimeFigureOut">
               <a:rPr lang="zh-CN" altLang="en-US" smtClean="0"/>
-              <a:t>2014/10/12</a:t>
+              <a:pPr/>
+              <a:t>2014/10/19</a:t>
             </a:fld>
             <a:endParaRPr lang="zh-CN" altLang="en-US"/>
           </a:p>
@@ -1981,6 +1999,7 @@
           <a:p>
             <a:fld id="{A465FE46-79D8-4D67-B2A0-0F16B5D3A121}" type="slidenum">
               <a:rPr lang="zh-CN" altLang="en-US" smtClean="0"/>
+              <a:pPr/>
               <a:t>‹#›</a:t>
             </a:fld>
             <a:endParaRPr lang="zh-CN" altLang="en-US"/>
@@ -2211,7 +2230,8 @@
           <a:p>
             <a:fld id="{1341731E-BA3B-499E-8ED1-A0FD9ABBEFDE}" type="datetimeFigureOut">
               <a:rPr lang="zh-CN" altLang="en-US" smtClean="0"/>
-              <a:t>2014/10/12</a:t>
+              <a:pPr/>
+              <a:t>2014/10/19</a:t>
             </a:fld>
             <a:endParaRPr lang="zh-CN" altLang="en-US"/>
           </a:p>
@@ -2253,6 +2273,7 @@
           <a:p>
             <a:fld id="{A465FE46-79D8-4D67-B2A0-0F16B5D3A121}" type="slidenum">
               <a:rPr lang="zh-CN" altLang="en-US" smtClean="0"/>
+              <a:pPr/>
               <a:t>‹#›</a:t>
             </a:fld>
             <a:endParaRPr lang="zh-CN" altLang="en-US"/>
@@ -2459,7 +2480,8 @@
           <a:p>
             <a:fld id="{1341731E-BA3B-499E-8ED1-A0FD9ABBEFDE}" type="datetimeFigureOut">
               <a:rPr lang="zh-CN" altLang="en-US" smtClean="0"/>
-              <a:t>2014/10/12</a:t>
+              <a:pPr/>
+              <a:t>2014/10/19</a:t>
             </a:fld>
             <a:endParaRPr lang="zh-CN" altLang="en-US"/>
           </a:p>
@@ -2501,6 +2523,7 @@
           <a:p>
             <a:fld id="{A465FE46-79D8-4D67-B2A0-0F16B5D3A121}" type="slidenum">
               <a:rPr lang="zh-CN" altLang="en-US" smtClean="0"/>
+              <a:pPr/>
               <a:t>‹#›</a:t>
             </a:fld>
             <a:endParaRPr lang="zh-CN" altLang="en-US"/>
@@ -2667,7 +2690,8 @@
           <a:p>
             <a:fld id="{1341731E-BA3B-499E-8ED1-A0FD9ABBEFDE}" type="datetimeFigureOut">
               <a:rPr lang="zh-CN" altLang="en-US" smtClean="0"/>
-              <a:t>2014/10/12</a:t>
+              <a:pPr/>
+              <a:t>2014/10/19</a:t>
             </a:fld>
             <a:endParaRPr lang="zh-CN" altLang="en-US"/>
           </a:p>
@@ -2745,6 +2769,7 @@
           <a:p>
             <a:fld id="{A465FE46-79D8-4D67-B2A0-0F16B5D3A121}" type="slidenum">
               <a:rPr lang="zh-CN" altLang="en-US" smtClean="0"/>
+              <a:pPr/>
               <a:t>‹#›</a:t>
             </a:fld>
             <a:endParaRPr lang="zh-CN" altLang="en-US"/>
@@ -3092,6 +3117,306 @@
 </file>
 
 <file path=ppt/slides/slide2.xml><?xml version="1.0" encoding="utf-8"?>
+<p:sld xmlns:a="http://schemas.openxmlformats.org/drawingml/2006/main" xmlns:r="http://schemas.openxmlformats.org/officeDocument/2006/relationships" xmlns:p="http://schemas.openxmlformats.org/presentationml/2006/main">
+  <p:cSld>
+    <p:spTree>
+      <p:nvGrpSpPr>
+        <p:cNvPr id="1" name=""/>
+        <p:cNvGrpSpPr/>
+        <p:nvPr/>
+      </p:nvGrpSpPr>
+      <p:grpSpPr>
+        <a:xfrm>
+          <a:off x="0" y="0"/>
+          <a:ext cx="0" cy="0"/>
+          <a:chOff x="0" y="0"/>
+          <a:chExt cx="0" cy="0"/>
+        </a:xfrm>
+      </p:grpSpPr>
+      <p:sp>
+        <p:nvSpPr>
+          <p:cNvPr id="7" name="标题 6"/>
+          <p:cNvSpPr>
+            <a:spLocks noGrp="1"/>
+          </p:cNvSpPr>
+          <p:nvPr>
+            <p:ph type="title"/>
+          </p:nvPr>
+        </p:nvSpPr>
+        <p:spPr/>
+        <p:txBody>
+          <a:bodyPr/>
+          <a:lstStyle/>
+          <a:p>
+            <a:r>
+              <a:rPr lang="en-US" altLang="zh-CN" dirty="0" smtClean="0"/>
+              <a:t>Content</a:t>
+            </a:r>
+            <a:endParaRPr lang="zh-CN" altLang="en-US" dirty="0"/>
+          </a:p>
+        </p:txBody>
+      </p:sp>
+      <p:sp>
+        <p:nvSpPr>
+          <p:cNvPr id="8" name="内容占位符 7"/>
+          <p:cNvSpPr>
+            <a:spLocks noGrp="1"/>
+          </p:cNvSpPr>
+          <p:nvPr>
+            <p:ph idx="1"/>
+          </p:nvPr>
+        </p:nvSpPr>
+        <p:spPr/>
+        <p:txBody>
+          <a:bodyPr>
+            <a:normAutofit fontScale="92500" lnSpcReduction="20000"/>
+          </a:bodyPr>
+          <a:lstStyle/>
+          <a:p>
+            <a:r>
+              <a:rPr lang="en-US" altLang="zh-CN" dirty="0" smtClean="0"/>
+              <a:t>Derivation</a:t>
+            </a:r>
+          </a:p>
+          <a:p>
+            <a:endParaRPr lang="en-US" altLang="zh-CN" dirty="0" smtClean="0"/>
+          </a:p>
+          <a:p>
+            <a:r>
+              <a:rPr lang="en-US" altLang="zh-CN" dirty="0" smtClean="0"/>
+              <a:t>Definition</a:t>
+            </a:r>
+          </a:p>
+          <a:p>
+            <a:endParaRPr lang="en-US" altLang="zh-CN" dirty="0" smtClean="0"/>
+          </a:p>
+          <a:p>
+            <a:r>
+              <a:rPr lang="en-US" altLang="zh-CN" dirty="0" smtClean="0"/>
+              <a:t>Application</a:t>
+            </a:r>
+          </a:p>
+          <a:p>
+            <a:endParaRPr lang="en-US" altLang="zh-CN" dirty="0" smtClean="0"/>
+          </a:p>
+          <a:p>
+            <a:r>
+              <a:rPr lang="en-US" altLang="zh-CN" dirty="0" smtClean="0"/>
+              <a:t>Implementation</a:t>
+            </a:r>
+          </a:p>
+          <a:p>
+            <a:endParaRPr lang="en-US" altLang="zh-CN" dirty="0" smtClean="0"/>
+          </a:p>
+          <a:p>
+            <a:r>
+              <a:rPr lang="en-US" altLang="zh-CN" dirty="0" smtClean="0"/>
+              <a:t>Extension</a:t>
+            </a:r>
+            <a:endParaRPr lang="en-US" altLang="zh-CN" dirty="0" smtClean="0"/>
+          </a:p>
+          <a:p>
+            <a:endParaRPr lang="zh-CN" altLang="en-US" dirty="0"/>
+          </a:p>
+        </p:txBody>
+      </p:sp>
+    </p:spTree>
+  </p:cSld>
+  <p:clrMapOvr>
+    <a:masterClrMapping/>
+  </p:clrMapOvr>
+</p:sld>
+</file>
+
+<file path=ppt/slides/slide3.xml><?xml version="1.0" encoding="utf-8"?>
+<p:sld xmlns:a="http://schemas.openxmlformats.org/drawingml/2006/main" xmlns:r="http://schemas.openxmlformats.org/officeDocument/2006/relationships" xmlns:p="http://schemas.openxmlformats.org/presentationml/2006/main">
+  <p:cSld>
+    <p:spTree>
+      <p:nvGrpSpPr>
+        <p:cNvPr id="1" name=""/>
+        <p:cNvGrpSpPr/>
+        <p:nvPr/>
+      </p:nvGrpSpPr>
+      <p:grpSpPr>
+        <a:xfrm>
+          <a:off x="0" y="0"/>
+          <a:ext cx="0" cy="0"/>
+          <a:chOff x="0" y="0"/>
+          <a:chExt cx="0" cy="0"/>
+        </a:xfrm>
+      </p:grpSpPr>
+      <p:sp>
+        <p:nvSpPr>
+          <p:cNvPr id="2" name="矩形 1"/>
+          <p:cNvSpPr/>
+          <p:nvPr/>
+        </p:nvSpPr>
+        <p:spPr>
+          <a:xfrm>
+            <a:off x="3059832" y="2852936"/>
+            <a:ext cx="3237296" cy="646331"/>
+          </a:xfrm>
+          <a:prstGeom prst="rect">
+            <a:avLst/>
+          </a:prstGeom>
+        </p:spPr>
+        <p:txBody>
+          <a:bodyPr wrap="none">
+            <a:spAutoFit/>
+          </a:bodyPr>
+          <a:lstStyle/>
+          <a:p>
+            <a:r>
+              <a:rPr lang="en-US" altLang="zh-CN" sz="3600" b="1" dirty="0">
+                <a:effectLst>
+                  <a:outerShdw blurRad="38100" dist="38100" dir="2700000" algn="tl">
+                    <a:srgbClr val="000000">
+                      <a:alpha val="43137"/>
+                    </a:srgbClr>
+                  </a:outerShdw>
+                </a:effectLst>
+              </a:rPr>
+              <a:t>Neural Network</a:t>
+            </a:r>
+            <a:endParaRPr lang="zh-CN" altLang="en-US" sz="3600" b="1" dirty="0">
+              <a:effectLst>
+                <a:outerShdw blurRad="38100" dist="38100" dir="2700000" algn="tl">
+                  <a:srgbClr val="000000">
+                    <a:alpha val="43137"/>
+                  </a:srgbClr>
+                </a:outerShdw>
+              </a:effectLst>
+            </a:endParaRPr>
+          </a:p>
+        </p:txBody>
+      </p:sp>
+      <p:sp>
+        <p:nvSpPr>
+          <p:cNvPr id="3" name="TextBox 2"/>
+          <p:cNvSpPr txBox="1"/>
+          <p:nvPr/>
+        </p:nvSpPr>
+        <p:spPr>
+          <a:xfrm>
+            <a:off x="1547664" y="4005064"/>
+            <a:ext cx="2401748" cy="461665"/>
+          </a:xfrm>
+          <a:prstGeom prst="rect">
+            <a:avLst/>
+          </a:prstGeom>
+          <a:noFill/>
+        </p:spPr>
+        <p:txBody>
+          <a:bodyPr wrap="none" rtlCol="0">
+            <a:spAutoFit/>
+          </a:bodyPr>
+          <a:lstStyle/>
+          <a:p>
+            <a:r>
+              <a:rPr lang="en-US" altLang="zh-CN" sz="2400" dirty="0" smtClean="0"/>
+              <a:t>Layer/Connection</a:t>
+            </a:r>
+            <a:endParaRPr lang="en-US" altLang="zh-CN" sz="2400" dirty="0" smtClean="0"/>
+          </a:p>
+        </p:txBody>
+      </p:sp>
+      <p:sp>
+        <p:nvSpPr>
+          <p:cNvPr id="4" name="TextBox 3"/>
+          <p:cNvSpPr txBox="1"/>
+          <p:nvPr/>
+        </p:nvSpPr>
+        <p:spPr>
+          <a:xfrm>
+            <a:off x="5364088" y="2060848"/>
+            <a:ext cx="2349618" cy="461665"/>
+          </a:xfrm>
+          <a:prstGeom prst="rect">
+            <a:avLst/>
+          </a:prstGeom>
+          <a:noFill/>
+        </p:spPr>
+        <p:txBody>
+          <a:bodyPr wrap="none" rtlCol="0">
+            <a:spAutoFit/>
+          </a:bodyPr>
+          <a:lstStyle/>
+          <a:p>
+            <a:r>
+              <a:rPr lang="en-US" altLang="zh-CN" sz="2400" dirty="0" smtClean="0"/>
+              <a:t>Back Propagation</a:t>
+            </a:r>
+          </a:p>
+        </p:txBody>
+      </p:sp>
+      <p:sp>
+        <p:nvSpPr>
+          <p:cNvPr id="5" name="TextBox 4"/>
+          <p:cNvSpPr txBox="1"/>
+          <p:nvPr/>
+        </p:nvSpPr>
+        <p:spPr>
+          <a:xfrm>
+            <a:off x="1835696" y="1988840"/>
+            <a:ext cx="1896353" cy="461665"/>
+          </a:xfrm>
+          <a:prstGeom prst="rect">
+            <a:avLst/>
+          </a:prstGeom>
+          <a:noFill/>
+        </p:spPr>
+        <p:txBody>
+          <a:bodyPr wrap="none" rtlCol="0">
+            <a:spAutoFit/>
+          </a:bodyPr>
+          <a:lstStyle/>
+          <a:p>
+            <a:r>
+              <a:rPr lang="en-US" altLang="zh-CN" sz="2400" dirty="0" smtClean="0"/>
+              <a:t>Feed Forward</a:t>
+            </a:r>
+            <a:endParaRPr lang="en-US" altLang="zh-CN" sz="2400" dirty="0" smtClean="0"/>
+          </a:p>
+        </p:txBody>
+      </p:sp>
+      <p:sp>
+        <p:nvSpPr>
+          <p:cNvPr id="6" name="TextBox 5"/>
+          <p:cNvSpPr txBox="1"/>
+          <p:nvPr/>
+        </p:nvSpPr>
+        <p:spPr>
+          <a:xfrm>
+            <a:off x="5580112" y="4005064"/>
+            <a:ext cx="2116477" cy="461665"/>
+          </a:xfrm>
+          <a:prstGeom prst="rect">
+            <a:avLst/>
+          </a:prstGeom>
+          <a:noFill/>
+        </p:spPr>
+        <p:txBody>
+          <a:bodyPr wrap="none" rtlCol="0">
+            <a:spAutoFit/>
+          </a:bodyPr>
+          <a:lstStyle/>
+          <a:p>
+            <a:r>
+              <a:rPr lang="en-US" altLang="zh-CN" sz="2400" dirty="0" smtClean="0"/>
+              <a:t>Active Function</a:t>
+            </a:r>
+          </a:p>
+        </p:txBody>
+      </p:sp>
+    </p:spTree>
+  </p:cSld>
+  <p:clrMapOvr>
+    <a:masterClrMapping/>
+  </p:clrMapOvr>
+</p:sld>
+</file>
+
+<file path=ppt/slides/slide4.xml><?xml version="1.0" encoding="utf-8"?>
 <p:sld xmlns:a="http://schemas.openxmlformats.org/drawingml/2006/main" xmlns:r="http://schemas.openxmlformats.org/officeDocument/2006/relationships" xmlns:p="http://schemas.openxmlformats.org/presentationml/2006/main">
   <p:cSld>
     <p:spTree>
@@ -4946,134 +5271,6 @@
 </p:sld>
 </file>
 
-<file path=ppt/slides/slide3.xml><?xml version="1.0" encoding="utf-8"?>
-<p:sld xmlns:a="http://schemas.openxmlformats.org/drawingml/2006/main" xmlns:r="http://schemas.openxmlformats.org/officeDocument/2006/relationships" xmlns:p="http://schemas.openxmlformats.org/presentationml/2006/main">
-  <p:cSld>
-    <p:spTree>
-      <p:nvGrpSpPr>
-        <p:cNvPr id="1" name=""/>
-        <p:cNvGrpSpPr/>
-        <p:nvPr/>
-      </p:nvGrpSpPr>
-      <p:grpSpPr>
-        <a:xfrm>
-          <a:off x="0" y="0"/>
-          <a:ext cx="0" cy="0"/>
-          <a:chOff x="0" y="0"/>
-          <a:chExt cx="0" cy="0"/>
-        </a:xfrm>
-      </p:grpSpPr>
-      <p:sp>
-        <p:nvSpPr>
-          <p:cNvPr id="2" name="矩形 1"/>
-          <p:cNvSpPr/>
-          <p:nvPr/>
-        </p:nvSpPr>
-        <p:spPr>
-          <a:xfrm>
-            <a:off x="3059832" y="2852936"/>
-            <a:ext cx="3237296" cy="646331"/>
-          </a:xfrm>
-          <a:prstGeom prst="rect">
-            <a:avLst/>
-          </a:prstGeom>
-        </p:spPr>
-        <p:txBody>
-          <a:bodyPr wrap="none">
-            <a:spAutoFit/>
-          </a:bodyPr>
-          <a:lstStyle/>
-          <a:p>
-            <a:r>
-              <a:rPr lang="en-US" altLang="zh-CN" sz="3600" b="1" dirty="0">
-                <a:effectLst>
-                  <a:outerShdw blurRad="38100" dist="38100" dir="2700000" algn="tl">
-                    <a:srgbClr val="000000">
-                      <a:alpha val="43137"/>
-                    </a:srgbClr>
-                  </a:outerShdw>
-                </a:effectLst>
-              </a:rPr>
-              <a:t>Neural Network</a:t>
-            </a:r>
-            <a:endParaRPr lang="zh-CN" altLang="en-US" sz="3600" b="1" dirty="0">
-              <a:effectLst>
-                <a:outerShdw blurRad="38100" dist="38100" dir="2700000" algn="tl">
-                  <a:srgbClr val="000000">
-                    <a:alpha val="43137"/>
-                  </a:srgbClr>
-                </a:outerShdw>
-              </a:effectLst>
-            </a:endParaRPr>
-          </a:p>
-        </p:txBody>
-      </p:sp>
-      <p:sp>
-        <p:nvSpPr>
-          <p:cNvPr id="3" name="TextBox 2"/>
-          <p:cNvSpPr txBox="1"/>
-          <p:nvPr/>
-        </p:nvSpPr>
-        <p:spPr>
-          <a:xfrm>
-            <a:off x="1691680" y="2060848"/>
-            <a:ext cx="2127505" cy="461665"/>
-          </a:xfrm>
-          <a:prstGeom prst="rect">
-            <a:avLst/>
-          </a:prstGeom>
-          <a:noFill/>
-        </p:spPr>
-        <p:txBody>
-          <a:bodyPr wrap="none" rtlCol="0">
-            <a:spAutoFit/>
-          </a:bodyPr>
-          <a:lstStyle/>
-          <a:p>
-            <a:r>
-              <a:rPr lang="en-US" altLang="zh-CN" sz="2400" dirty="0" smtClean="0"/>
-              <a:t>Full Connection</a:t>
-            </a:r>
-          </a:p>
-        </p:txBody>
-      </p:sp>
-      <p:sp>
-        <p:nvSpPr>
-          <p:cNvPr id="4" name="TextBox 3"/>
-          <p:cNvSpPr txBox="1"/>
-          <p:nvPr/>
-        </p:nvSpPr>
-        <p:spPr>
-          <a:xfrm>
-            <a:off x="5364088" y="2060848"/>
-            <a:ext cx="2349618" cy="461665"/>
-          </a:xfrm>
-          <a:prstGeom prst="rect">
-            <a:avLst/>
-          </a:prstGeom>
-          <a:noFill/>
-        </p:spPr>
-        <p:txBody>
-          <a:bodyPr wrap="none" rtlCol="0">
-            <a:spAutoFit/>
-          </a:bodyPr>
-          <a:lstStyle/>
-          <a:p>
-            <a:r>
-              <a:rPr lang="en-US" altLang="zh-CN" sz="2400" dirty="0" smtClean="0"/>
-              <a:t>Back Propagation</a:t>
-            </a:r>
-          </a:p>
-        </p:txBody>
-      </p:sp>
-    </p:spTree>
-  </p:cSld>
-  <p:clrMapOvr>
-    <a:masterClrMapping/>
-  </p:clrMapOvr>
-</p:sld>
-</file>
-
 <file path=ppt/theme/theme1.xml><?xml version="1.0" encoding="utf-8"?>
 <a:theme xmlns:a="http://schemas.openxmlformats.org/drawingml/2006/main" name="Office 主题">
   <a:themeElements>

--- a/doc/Convolutional Neural Network.pptx
+++ b/doc/Convolutional Neural Network.pptx
@@ -7,8 +7,23 @@
   <p:sldIdLst>
     <p:sldId id="256" r:id="rId2"/>
     <p:sldId id="259" r:id="rId3"/>
-    <p:sldId id="258" r:id="rId4"/>
-    <p:sldId id="257" r:id="rId5"/>
+    <p:sldId id="260" r:id="rId4"/>
+    <p:sldId id="258" r:id="rId5"/>
+    <p:sldId id="257" r:id="rId6"/>
+    <p:sldId id="261" r:id="rId7"/>
+    <p:sldId id="262" r:id="rId8"/>
+    <p:sldId id="263" r:id="rId9"/>
+    <p:sldId id="264" r:id="rId10"/>
+    <p:sldId id="265" r:id="rId11"/>
+    <p:sldId id="266" r:id="rId12"/>
+    <p:sldId id="267" r:id="rId13"/>
+    <p:sldId id="268" r:id="rId14"/>
+    <p:sldId id="269" r:id="rId15"/>
+    <p:sldId id="270" r:id="rId16"/>
+    <p:sldId id="271" r:id="rId17"/>
+    <p:sldId id="274" r:id="rId18"/>
+    <p:sldId id="272" r:id="rId19"/>
+    <p:sldId id="273" r:id="rId20"/>
   </p:sldIdLst>
   <p:sldSz cx="9144000" cy="6858000" type="screen4x3"/>
   <p:notesSz cx="6858000" cy="9144000"/>
@@ -551,13 +566,21 @@
         </p:spPr>
         <p:txBody>
           <a:bodyPr vert="eaVert"/>
-          <a:lstStyle/>
-          <a:p>
-            <a:r>
-              <a:rPr lang="zh-CN" altLang="en-US" smtClean="0"/>
-              <a:t>单击此处编辑母版标题样式</a:t>
-            </a:r>
-            <a:endParaRPr lang="zh-CN" altLang="en-US"/>
+          <a:lstStyle>
+            <a:lvl1pPr>
+              <a:defRPr/>
+            </a:lvl1pPr>
+          </a:lstStyle>
+          <a:p>
+            <a:r>
+              <a:rPr lang="zh-CN" altLang="en-US" dirty="0" smtClean="0"/>
+              <a:t>单击此处编辑母版标题</a:t>
+            </a:r>
+            <a:r>
+              <a:rPr lang="zh-CN" altLang="en-US" dirty="0" smtClean="0"/>
+              <a:t>样式</a:t>
+            </a:r>
+            <a:endParaRPr lang="zh-CN" altLang="en-US" dirty="0"/>
           </a:p>
         </p:txBody>
       </p:sp>
@@ -690,6 +713,153 @@
   <p:clrMapOvr>
     <a:masterClrMapping/>
   </p:clrMapOvr>
+  <p:timing>
+    <p:tnLst>
+      <p:par>
+        <p:cTn id="1" dur="indefinite" restart="never" nodeType="tmRoot"/>
+      </p:par>
+    </p:tnLst>
+  </p:timing>
+</p:sldLayout>
+</file>
+
+<file path=ppt/slideLayouts/slideLayout12.xml><?xml version="1.0" encoding="utf-8"?>
+<p:sldLayout xmlns:a="http://schemas.openxmlformats.org/drawingml/2006/main" xmlns:r="http://schemas.openxmlformats.org/officeDocument/2006/relationships" xmlns:p="http://schemas.openxmlformats.org/presentationml/2006/main" preserve="1" userDrawn="1">
+  <p:cSld name="自定义版式">
+    <p:spTree>
+      <p:nvGrpSpPr>
+        <p:cNvPr id="1" name=""/>
+        <p:cNvGrpSpPr/>
+        <p:nvPr/>
+      </p:nvGrpSpPr>
+      <p:grpSpPr>
+        <a:xfrm>
+          <a:off x="0" y="0"/>
+          <a:ext cx="0" cy="0"/>
+          <a:chOff x="0" y="0"/>
+          <a:chExt cx="0" cy="0"/>
+        </a:xfrm>
+      </p:grpSpPr>
+      <p:sp>
+        <p:nvSpPr>
+          <p:cNvPr id="3" name="日期占位符 2"/>
+          <p:cNvSpPr>
+            <a:spLocks noGrp="1"/>
+          </p:cNvSpPr>
+          <p:nvPr>
+            <p:ph type="dt" sz="half" idx="10"/>
+          </p:nvPr>
+        </p:nvSpPr>
+        <p:spPr/>
+        <p:txBody>
+          <a:bodyPr/>
+          <a:lstStyle/>
+          <a:p>
+            <a:fld id="{1341731E-BA3B-499E-8ED1-A0FD9ABBEFDE}" type="datetimeFigureOut">
+              <a:rPr lang="zh-CN" altLang="en-US" smtClean="0"/>
+              <a:pPr/>
+              <a:t>2014/10/19</a:t>
+            </a:fld>
+            <a:endParaRPr lang="zh-CN" altLang="en-US"/>
+          </a:p>
+        </p:txBody>
+      </p:sp>
+      <p:sp>
+        <p:nvSpPr>
+          <p:cNvPr id="4" name="页脚占位符 3"/>
+          <p:cNvSpPr>
+            <a:spLocks noGrp="1"/>
+          </p:cNvSpPr>
+          <p:nvPr>
+            <p:ph type="ftr" sz="quarter" idx="11"/>
+          </p:nvPr>
+        </p:nvSpPr>
+        <p:spPr/>
+        <p:txBody>
+          <a:bodyPr/>
+          <a:lstStyle/>
+          <a:p>
+            <a:endParaRPr lang="zh-CN" altLang="en-US"/>
+          </a:p>
+        </p:txBody>
+      </p:sp>
+      <p:sp>
+        <p:nvSpPr>
+          <p:cNvPr id="5" name="灯片编号占位符 4"/>
+          <p:cNvSpPr>
+            <a:spLocks noGrp="1"/>
+          </p:cNvSpPr>
+          <p:nvPr>
+            <p:ph type="sldNum" sz="quarter" idx="12"/>
+          </p:nvPr>
+        </p:nvSpPr>
+        <p:spPr/>
+        <p:txBody>
+          <a:bodyPr/>
+          <a:lstStyle/>
+          <a:p>
+            <a:fld id="{A465FE46-79D8-4D67-B2A0-0F16B5D3A121}" type="slidenum">
+              <a:rPr lang="zh-CN" altLang="en-US" smtClean="0"/>
+              <a:pPr/>
+              <a:t>‹#›</a:t>
+            </a:fld>
+            <a:endParaRPr lang="zh-CN" altLang="en-US"/>
+          </a:p>
+        </p:txBody>
+      </p:sp>
+      <p:sp>
+        <p:nvSpPr>
+          <p:cNvPr id="17" name="竖排文字占位符 16"/>
+          <p:cNvSpPr>
+            <a:spLocks noGrp="1"/>
+          </p:cNvSpPr>
+          <p:nvPr>
+            <p:ph type="body" orient="vert" sz="quarter" idx="13"/>
+          </p:nvPr>
+        </p:nvSpPr>
+        <p:spPr>
+          <a:xfrm>
+            <a:off x="107504" y="260648"/>
+            <a:ext cx="432048" cy="5904656"/>
+          </a:xfrm>
+        </p:spPr>
+        <p:txBody>
+          <a:bodyPr vert="vert270">
+            <a:normAutofit/>
+          </a:bodyPr>
+          <a:lstStyle>
+            <a:lvl1pPr marL="0" indent="0">
+              <a:buNone/>
+              <a:defRPr sz="1800"/>
+            </a:lvl1pPr>
+          </a:lstStyle>
+          <a:p>
+            <a:pPr lvl="0"/>
+            <a:r>
+              <a:rPr lang="zh-CN" altLang="en-US" dirty="0" smtClean="0"/>
+              <a:t>单击此处编辑母版文</a:t>
+            </a:r>
+            <a:endParaRPr lang="zh-CN" altLang="en-US" dirty="0"/>
+          </a:p>
+        </p:txBody>
+      </p:sp>
+    </p:spTree>
+    <p:extLst>
+      <p:ext uri="{BB962C8B-B14F-4D97-AF65-F5344CB8AC3E}">
+        <p14:creationId xmlns:p14="http://schemas.microsoft.com/office/powerpoint/2010/main" val="4115256803"/>
+      </p:ext>
+    </p:extLst>
+  </p:cSld>
+  <p:clrMapOvr>
+    <a:masterClrMapping/>
+  </p:clrMapOvr>
+  <p:timing>
+    <p:tnLst>
+      <p:par>
+        <p:cTn id="1" dur="indefinite" restart="never" nodeType="tmRoot"/>
+      </p:par>
+    </p:tnLst>
+  </p:timing>
 </p:sldLayout>
 </file>
 
@@ -857,6 +1027,13 @@
   <p:clrMapOvr>
     <a:masterClrMapping/>
   </p:clrMapOvr>
+  <p:timing>
+    <p:tnLst>
+      <p:par>
+        <p:cTn id="1" dur="indefinite" restart="never" nodeType="tmRoot"/>
+      </p:par>
+    </p:tnLst>
+  </p:timing>
 </p:sldLayout>
 </file>
 
@@ -2011,6 +2188,13 @@
   <p:clrMapOvr>
     <a:masterClrMapping/>
   </p:clrMapOvr>
+  <p:timing>
+    <p:tnLst>
+      <p:par>
+        <p:cTn id="1" dur="indefinite" restart="never" nodeType="tmRoot"/>
+      </p:par>
+    </p:tnLst>
+  </p:timing>
 </p:sldLayout>
 </file>
 
@@ -2791,6 +2975,7 @@
     <p:sldLayoutId id="2147483657" r:id="rId9"/>
     <p:sldLayoutId id="2147483658" r:id="rId10"/>
     <p:sldLayoutId id="2147483659" r:id="rId11"/>
+    <p:sldLayoutId id="2147483660" r:id="rId12"/>
   </p:sldLayoutIdLst>
   <p:txStyles>
     <p:titleStyle>
@@ -3113,6 +3298,684 @@
   <p:clrMapOvr>
     <a:masterClrMapping/>
   </p:clrMapOvr>
+  <p:timing>
+    <p:tnLst>
+      <p:par>
+        <p:cTn id="1" dur="indefinite" restart="never" nodeType="tmRoot"/>
+      </p:par>
+    </p:tnLst>
+  </p:timing>
+</p:sld>
+</file>
+
+<file path=ppt/slides/slide10.xml><?xml version="1.0" encoding="utf-8"?>
+<p:sld xmlns:a="http://schemas.openxmlformats.org/drawingml/2006/main" xmlns:r="http://schemas.openxmlformats.org/officeDocument/2006/relationships" xmlns:p="http://schemas.openxmlformats.org/presentationml/2006/main">
+  <p:cSld>
+    <p:spTree>
+      <p:nvGrpSpPr>
+        <p:cNvPr id="1" name=""/>
+        <p:cNvGrpSpPr/>
+        <p:nvPr/>
+      </p:nvGrpSpPr>
+      <p:grpSpPr>
+        <a:xfrm>
+          <a:off x="0" y="0"/>
+          <a:ext cx="0" cy="0"/>
+          <a:chOff x="0" y="0"/>
+          <a:chExt cx="0" cy="0"/>
+        </a:xfrm>
+      </p:grpSpPr>
+      <p:sp>
+        <p:nvSpPr>
+          <p:cNvPr id="2" name="竖排文字占位符 1"/>
+          <p:cNvSpPr>
+            <a:spLocks noGrp="1"/>
+          </p:cNvSpPr>
+          <p:nvPr>
+            <p:ph type="body" orient="vert" sz="quarter" idx="13"/>
+          </p:nvPr>
+        </p:nvSpPr>
+        <p:spPr/>
+        <p:txBody>
+          <a:bodyPr>
+            <a:normAutofit lnSpcReduction="10000"/>
+          </a:bodyPr>
+          <a:lstStyle/>
+          <a:p>
+            <a:r>
+              <a:rPr lang="en-US" altLang="zh-CN" dirty="0" smtClean="0"/>
+              <a:t>Definition </a:t>
+            </a:r>
+            <a:r>
+              <a:rPr lang="en-US" altLang="zh-CN" dirty="0"/>
+              <a:t>– </a:t>
+            </a:r>
+            <a:r>
+              <a:rPr lang="en-US" altLang="zh-CN" dirty="0" smtClean="0"/>
+              <a:t>Pooling Layer</a:t>
+            </a:r>
+            <a:endParaRPr lang="zh-CN" altLang="en-US" dirty="0"/>
+          </a:p>
+        </p:txBody>
+      </p:sp>
+    </p:spTree>
+    <p:extLst>
+      <p:ext uri="{BB962C8B-B14F-4D97-AF65-F5344CB8AC3E}">
+        <p14:creationId xmlns:p14="http://schemas.microsoft.com/office/powerpoint/2010/main" val="3566627902"/>
+      </p:ext>
+    </p:extLst>
+  </p:cSld>
+  <p:clrMapOvr>
+    <a:masterClrMapping/>
+  </p:clrMapOvr>
+  <p:timing>
+    <p:tnLst>
+      <p:par>
+        <p:cTn id="1" dur="indefinite" restart="never" nodeType="tmRoot"/>
+      </p:par>
+    </p:tnLst>
+  </p:timing>
+</p:sld>
+</file>
+
+<file path=ppt/slides/slide11.xml><?xml version="1.0" encoding="utf-8"?>
+<p:sld xmlns:a="http://schemas.openxmlformats.org/drawingml/2006/main" xmlns:r="http://schemas.openxmlformats.org/officeDocument/2006/relationships" xmlns:p="http://schemas.openxmlformats.org/presentationml/2006/main">
+  <p:cSld>
+    <p:spTree>
+      <p:nvGrpSpPr>
+        <p:cNvPr id="1" name=""/>
+        <p:cNvGrpSpPr/>
+        <p:nvPr/>
+      </p:nvGrpSpPr>
+      <p:grpSpPr>
+        <a:xfrm>
+          <a:off x="0" y="0"/>
+          <a:ext cx="0" cy="0"/>
+          <a:chOff x="0" y="0"/>
+          <a:chExt cx="0" cy="0"/>
+        </a:xfrm>
+      </p:grpSpPr>
+      <p:sp>
+        <p:nvSpPr>
+          <p:cNvPr id="2" name="竖排文字占位符 1"/>
+          <p:cNvSpPr>
+            <a:spLocks noGrp="1"/>
+          </p:cNvSpPr>
+          <p:nvPr>
+            <p:ph type="body" orient="vert" sz="quarter" idx="13"/>
+          </p:nvPr>
+        </p:nvSpPr>
+        <p:spPr/>
+        <p:txBody>
+          <a:bodyPr>
+            <a:normAutofit lnSpcReduction="10000"/>
+          </a:bodyPr>
+          <a:lstStyle/>
+          <a:p>
+            <a:r>
+              <a:rPr lang="en-US" altLang="zh-CN" dirty="0" smtClean="0"/>
+              <a:t>Definition </a:t>
+            </a:r>
+            <a:r>
+              <a:rPr lang="en-US" altLang="zh-CN" dirty="0"/>
+              <a:t>– </a:t>
+            </a:r>
+            <a:r>
+              <a:rPr lang="en-US" altLang="zh-CN" dirty="0" smtClean="0"/>
+              <a:t>Active Function</a:t>
+            </a:r>
+            <a:endParaRPr lang="zh-CN" altLang="en-US" dirty="0"/>
+          </a:p>
+        </p:txBody>
+      </p:sp>
+    </p:spTree>
+    <p:extLst>
+      <p:ext uri="{BB962C8B-B14F-4D97-AF65-F5344CB8AC3E}">
+        <p14:creationId xmlns:p14="http://schemas.microsoft.com/office/powerpoint/2010/main" val="3566627902"/>
+      </p:ext>
+    </p:extLst>
+  </p:cSld>
+  <p:clrMapOvr>
+    <a:masterClrMapping/>
+  </p:clrMapOvr>
+  <p:timing>
+    <p:tnLst>
+      <p:par>
+        <p:cTn id="1" dur="indefinite" restart="never" nodeType="tmRoot"/>
+      </p:par>
+    </p:tnLst>
+  </p:timing>
+</p:sld>
+</file>
+
+<file path=ppt/slides/slide12.xml><?xml version="1.0" encoding="utf-8"?>
+<p:sld xmlns:a="http://schemas.openxmlformats.org/drawingml/2006/main" xmlns:r="http://schemas.openxmlformats.org/officeDocument/2006/relationships" xmlns:p="http://schemas.openxmlformats.org/presentationml/2006/main">
+  <p:cSld>
+    <p:spTree>
+      <p:nvGrpSpPr>
+        <p:cNvPr id="1" name=""/>
+        <p:cNvGrpSpPr/>
+        <p:nvPr/>
+      </p:nvGrpSpPr>
+      <p:grpSpPr>
+        <a:xfrm>
+          <a:off x="0" y="0"/>
+          <a:ext cx="0" cy="0"/>
+          <a:chOff x="0" y="0"/>
+          <a:chExt cx="0" cy="0"/>
+        </a:xfrm>
+      </p:grpSpPr>
+      <p:sp>
+        <p:nvSpPr>
+          <p:cNvPr id="2" name="竖排文字占位符 1"/>
+          <p:cNvSpPr>
+            <a:spLocks noGrp="1"/>
+          </p:cNvSpPr>
+          <p:nvPr>
+            <p:ph type="body" orient="vert" sz="quarter" idx="13"/>
+          </p:nvPr>
+        </p:nvSpPr>
+        <p:spPr/>
+        <p:txBody>
+          <a:bodyPr>
+            <a:normAutofit lnSpcReduction="10000"/>
+          </a:bodyPr>
+          <a:lstStyle/>
+          <a:p>
+            <a:r>
+              <a:rPr lang="en-US" altLang="zh-CN" dirty="0" smtClean="0"/>
+              <a:t>Application – Image</a:t>
+            </a:r>
+          </a:p>
+        </p:txBody>
+      </p:sp>
+    </p:spTree>
+    <p:extLst>
+      <p:ext uri="{BB962C8B-B14F-4D97-AF65-F5344CB8AC3E}">
+        <p14:creationId xmlns:p14="http://schemas.microsoft.com/office/powerpoint/2010/main" val="942761673"/>
+      </p:ext>
+    </p:extLst>
+  </p:cSld>
+  <p:clrMapOvr>
+    <a:masterClrMapping/>
+  </p:clrMapOvr>
+  <p:timing>
+    <p:tnLst>
+      <p:par>
+        <p:cTn id="1" dur="indefinite" restart="never" nodeType="tmRoot"/>
+      </p:par>
+    </p:tnLst>
+  </p:timing>
+</p:sld>
+</file>
+
+<file path=ppt/slides/slide13.xml><?xml version="1.0" encoding="utf-8"?>
+<p:sld xmlns:a="http://schemas.openxmlformats.org/drawingml/2006/main" xmlns:r="http://schemas.openxmlformats.org/officeDocument/2006/relationships" xmlns:p="http://schemas.openxmlformats.org/presentationml/2006/main">
+  <p:cSld>
+    <p:spTree>
+      <p:nvGrpSpPr>
+        <p:cNvPr id="1" name=""/>
+        <p:cNvGrpSpPr/>
+        <p:nvPr/>
+      </p:nvGrpSpPr>
+      <p:grpSpPr>
+        <a:xfrm>
+          <a:off x="0" y="0"/>
+          <a:ext cx="0" cy="0"/>
+          <a:chOff x="0" y="0"/>
+          <a:chExt cx="0" cy="0"/>
+        </a:xfrm>
+      </p:grpSpPr>
+      <p:sp>
+        <p:nvSpPr>
+          <p:cNvPr id="2" name="竖排文字占位符 1"/>
+          <p:cNvSpPr>
+            <a:spLocks noGrp="1"/>
+          </p:cNvSpPr>
+          <p:nvPr>
+            <p:ph type="body" orient="vert" sz="quarter" idx="13"/>
+          </p:nvPr>
+        </p:nvSpPr>
+        <p:spPr/>
+        <p:txBody>
+          <a:bodyPr>
+            <a:normAutofit lnSpcReduction="10000"/>
+          </a:bodyPr>
+          <a:lstStyle/>
+          <a:p>
+            <a:r>
+              <a:rPr lang="en-US" altLang="zh-CN" dirty="0" smtClean="0"/>
+              <a:t>Application – Voice &amp; Text</a:t>
+            </a:r>
+          </a:p>
+        </p:txBody>
+      </p:sp>
+    </p:spTree>
+    <p:extLst>
+      <p:ext uri="{BB962C8B-B14F-4D97-AF65-F5344CB8AC3E}">
+        <p14:creationId xmlns:p14="http://schemas.microsoft.com/office/powerpoint/2010/main" val="2950921926"/>
+      </p:ext>
+    </p:extLst>
+  </p:cSld>
+  <p:clrMapOvr>
+    <a:masterClrMapping/>
+  </p:clrMapOvr>
+  <p:timing>
+    <p:tnLst>
+      <p:par>
+        <p:cTn id="1" dur="indefinite" restart="never" nodeType="tmRoot"/>
+      </p:par>
+    </p:tnLst>
+  </p:timing>
+</p:sld>
+</file>
+
+<file path=ppt/slides/slide14.xml><?xml version="1.0" encoding="utf-8"?>
+<p:sld xmlns:a="http://schemas.openxmlformats.org/drawingml/2006/main" xmlns:r="http://schemas.openxmlformats.org/officeDocument/2006/relationships" xmlns:p="http://schemas.openxmlformats.org/presentationml/2006/main">
+  <p:cSld>
+    <p:spTree>
+      <p:nvGrpSpPr>
+        <p:cNvPr id="1" name=""/>
+        <p:cNvGrpSpPr/>
+        <p:nvPr/>
+      </p:nvGrpSpPr>
+      <p:grpSpPr>
+        <a:xfrm>
+          <a:off x="0" y="0"/>
+          <a:ext cx="0" cy="0"/>
+          <a:chOff x="0" y="0"/>
+          <a:chExt cx="0" cy="0"/>
+        </a:xfrm>
+      </p:grpSpPr>
+      <p:sp>
+        <p:nvSpPr>
+          <p:cNvPr id="2" name="竖排文字占位符 1"/>
+          <p:cNvSpPr>
+            <a:spLocks noGrp="1"/>
+          </p:cNvSpPr>
+          <p:nvPr>
+            <p:ph type="body" orient="vert" sz="quarter" idx="13"/>
+          </p:nvPr>
+        </p:nvSpPr>
+        <p:spPr/>
+        <p:txBody>
+          <a:bodyPr>
+            <a:normAutofit lnSpcReduction="10000"/>
+          </a:bodyPr>
+          <a:lstStyle/>
+          <a:p>
+            <a:r>
+              <a:rPr lang="en-US" altLang="zh-CN" dirty="0" smtClean="0"/>
+              <a:t>Implementation – expand/</a:t>
+            </a:r>
+            <a:r>
+              <a:rPr lang="en-US" altLang="zh-CN" dirty="0" err="1" smtClean="0"/>
+              <a:t>unexpand</a:t>
+            </a:r>
+            <a:endParaRPr lang="en-US" altLang="zh-CN" dirty="0" smtClean="0"/>
+          </a:p>
+        </p:txBody>
+      </p:sp>
+    </p:spTree>
+    <p:extLst>
+      <p:ext uri="{BB962C8B-B14F-4D97-AF65-F5344CB8AC3E}">
+        <p14:creationId xmlns:p14="http://schemas.microsoft.com/office/powerpoint/2010/main" val="380738623"/>
+      </p:ext>
+    </p:extLst>
+  </p:cSld>
+  <p:clrMapOvr>
+    <a:masterClrMapping/>
+  </p:clrMapOvr>
+  <p:timing>
+    <p:tnLst>
+      <p:par>
+        <p:cTn id="1" dur="indefinite" restart="never" nodeType="tmRoot"/>
+      </p:par>
+    </p:tnLst>
+  </p:timing>
+</p:sld>
+</file>
+
+<file path=ppt/slides/slide15.xml><?xml version="1.0" encoding="utf-8"?>
+<p:sld xmlns:a="http://schemas.openxmlformats.org/drawingml/2006/main" xmlns:r="http://schemas.openxmlformats.org/officeDocument/2006/relationships" xmlns:p="http://schemas.openxmlformats.org/presentationml/2006/main">
+  <p:cSld>
+    <p:spTree>
+      <p:nvGrpSpPr>
+        <p:cNvPr id="1" name=""/>
+        <p:cNvGrpSpPr/>
+        <p:nvPr/>
+      </p:nvGrpSpPr>
+      <p:grpSpPr>
+        <a:xfrm>
+          <a:off x="0" y="0"/>
+          <a:ext cx="0" cy="0"/>
+          <a:chOff x="0" y="0"/>
+          <a:chExt cx="0" cy="0"/>
+        </a:xfrm>
+      </p:grpSpPr>
+      <p:sp>
+        <p:nvSpPr>
+          <p:cNvPr id="2" name="竖排文字占位符 1"/>
+          <p:cNvSpPr>
+            <a:spLocks noGrp="1"/>
+          </p:cNvSpPr>
+          <p:nvPr>
+            <p:ph type="body" orient="vert" sz="quarter" idx="13"/>
+          </p:nvPr>
+        </p:nvSpPr>
+        <p:spPr/>
+        <p:txBody>
+          <a:bodyPr>
+            <a:normAutofit lnSpcReduction="10000"/>
+          </a:bodyPr>
+          <a:lstStyle/>
+          <a:p>
+            <a:r>
+              <a:rPr lang="en-US" altLang="zh-CN" dirty="0" smtClean="0"/>
+              <a:t>Implementation – </a:t>
+            </a:r>
+            <a:r>
+              <a:rPr lang="en-US" altLang="zh-CN" dirty="0" err="1" smtClean="0"/>
+              <a:t>duda-convnet</a:t>
+            </a:r>
+            <a:endParaRPr lang="en-US" altLang="zh-CN" dirty="0" smtClean="0"/>
+          </a:p>
+        </p:txBody>
+      </p:sp>
+    </p:spTree>
+    <p:extLst>
+      <p:ext uri="{BB962C8B-B14F-4D97-AF65-F5344CB8AC3E}">
+        <p14:creationId xmlns:p14="http://schemas.microsoft.com/office/powerpoint/2010/main" val="4163181458"/>
+      </p:ext>
+    </p:extLst>
+  </p:cSld>
+  <p:clrMapOvr>
+    <a:masterClrMapping/>
+  </p:clrMapOvr>
+  <p:timing>
+    <p:tnLst>
+      <p:par>
+        <p:cTn id="1" dur="indefinite" restart="never" nodeType="tmRoot"/>
+      </p:par>
+    </p:tnLst>
+  </p:timing>
+</p:sld>
+</file>
+
+<file path=ppt/slides/slide16.xml><?xml version="1.0" encoding="utf-8"?>
+<p:sld xmlns:a="http://schemas.openxmlformats.org/drawingml/2006/main" xmlns:r="http://schemas.openxmlformats.org/officeDocument/2006/relationships" xmlns:p="http://schemas.openxmlformats.org/presentationml/2006/main">
+  <p:cSld>
+    <p:spTree>
+      <p:nvGrpSpPr>
+        <p:cNvPr id="1" name=""/>
+        <p:cNvGrpSpPr/>
+        <p:nvPr/>
+      </p:nvGrpSpPr>
+      <p:grpSpPr>
+        <a:xfrm>
+          <a:off x="0" y="0"/>
+          <a:ext cx="0" cy="0"/>
+          <a:chOff x="0" y="0"/>
+          <a:chExt cx="0" cy="0"/>
+        </a:xfrm>
+      </p:grpSpPr>
+      <p:sp>
+        <p:nvSpPr>
+          <p:cNvPr id="2" name="竖排文字占位符 1"/>
+          <p:cNvSpPr>
+            <a:spLocks noGrp="1"/>
+          </p:cNvSpPr>
+          <p:nvPr>
+            <p:ph type="body" orient="vert" sz="quarter" idx="13"/>
+          </p:nvPr>
+        </p:nvSpPr>
+        <p:spPr/>
+        <p:txBody>
+          <a:bodyPr>
+            <a:normAutofit lnSpcReduction="10000"/>
+          </a:bodyPr>
+          <a:lstStyle/>
+          <a:p>
+            <a:r>
+              <a:rPr lang="en-US" altLang="zh-CN" dirty="0" smtClean="0"/>
+              <a:t>Extension – Network in Network</a:t>
+            </a:r>
+            <a:endParaRPr lang="zh-CN" altLang="en-US" dirty="0"/>
+          </a:p>
+        </p:txBody>
+      </p:sp>
+    </p:spTree>
+    <p:extLst>
+      <p:ext uri="{BB962C8B-B14F-4D97-AF65-F5344CB8AC3E}">
+        <p14:creationId xmlns:p14="http://schemas.microsoft.com/office/powerpoint/2010/main" val="3706038794"/>
+      </p:ext>
+    </p:extLst>
+  </p:cSld>
+  <p:clrMapOvr>
+    <a:masterClrMapping/>
+  </p:clrMapOvr>
+  <p:timing>
+    <p:tnLst>
+      <p:par>
+        <p:cTn id="1" dur="indefinite" restart="never" nodeType="tmRoot"/>
+      </p:par>
+    </p:tnLst>
+  </p:timing>
+</p:sld>
+</file>
+
+<file path=ppt/slides/slide17.xml><?xml version="1.0" encoding="utf-8"?>
+<p:sld xmlns:a="http://schemas.openxmlformats.org/drawingml/2006/main" xmlns:r="http://schemas.openxmlformats.org/officeDocument/2006/relationships" xmlns:p="http://schemas.openxmlformats.org/presentationml/2006/main">
+  <p:cSld>
+    <p:spTree>
+      <p:nvGrpSpPr>
+        <p:cNvPr id="1" name=""/>
+        <p:cNvGrpSpPr/>
+        <p:nvPr/>
+      </p:nvGrpSpPr>
+      <p:grpSpPr>
+        <a:xfrm>
+          <a:off x="0" y="0"/>
+          <a:ext cx="0" cy="0"/>
+          <a:chOff x="0" y="0"/>
+          <a:chExt cx="0" cy="0"/>
+        </a:xfrm>
+      </p:grpSpPr>
+      <p:sp>
+        <p:nvSpPr>
+          <p:cNvPr id="2" name="竖排文字占位符 1"/>
+          <p:cNvSpPr>
+            <a:spLocks noGrp="1"/>
+          </p:cNvSpPr>
+          <p:nvPr>
+            <p:ph type="body" orient="vert" sz="quarter" idx="13"/>
+          </p:nvPr>
+        </p:nvSpPr>
+        <p:spPr/>
+        <p:txBody>
+          <a:bodyPr>
+            <a:normAutofit lnSpcReduction="10000"/>
+          </a:bodyPr>
+          <a:lstStyle/>
+          <a:p>
+            <a:r>
+              <a:rPr lang="en-US" altLang="zh-CN" dirty="0" smtClean="0"/>
+              <a:t>Extension – Parameterize CNN</a:t>
+            </a:r>
+            <a:endParaRPr lang="zh-CN" altLang="en-US" dirty="0"/>
+          </a:p>
+        </p:txBody>
+      </p:sp>
+    </p:spTree>
+    <p:extLst>
+      <p:ext uri="{BB962C8B-B14F-4D97-AF65-F5344CB8AC3E}">
+        <p14:creationId xmlns:p14="http://schemas.microsoft.com/office/powerpoint/2010/main" val="1738104852"/>
+      </p:ext>
+    </p:extLst>
+  </p:cSld>
+  <p:clrMapOvr>
+    <a:masterClrMapping/>
+  </p:clrMapOvr>
+  <p:timing>
+    <p:tnLst>
+      <p:par>
+        <p:cTn id="1" dur="indefinite" restart="never" nodeType="tmRoot"/>
+      </p:par>
+    </p:tnLst>
+  </p:timing>
+</p:sld>
+</file>
+
+<file path=ppt/slides/slide18.xml><?xml version="1.0" encoding="utf-8"?>
+<p:sld xmlns:a="http://schemas.openxmlformats.org/drawingml/2006/main" xmlns:r="http://schemas.openxmlformats.org/officeDocument/2006/relationships" xmlns:p="http://schemas.openxmlformats.org/presentationml/2006/main">
+  <p:cSld>
+    <p:spTree>
+      <p:nvGrpSpPr>
+        <p:cNvPr id="1" name=""/>
+        <p:cNvGrpSpPr/>
+        <p:nvPr/>
+      </p:nvGrpSpPr>
+      <p:grpSpPr>
+        <a:xfrm>
+          <a:off x="0" y="0"/>
+          <a:ext cx="0" cy="0"/>
+          <a:chOff x="0" y="0"/>
+          <a:chExt cx="0" cy="0"/>
+        </a:xfrm>
+      </p:grpSpPr>
+      <p:sp>
+        <p:nvSpPr>
+          <p:cNvPr id="2" name="竖排文字占位符 1"/>
+          <p:cNvSpPr>
+            <a:spLocks noGrp="1"/>
+          </p:cNvSpPr>
+          <p:nvPr>
+            <p:ph type="body" orient="vert" sz="quarter" idx="13"/>
+          </p:nvPr>
+        </p:nvSpPr>
+        <p:spPr/>
+        <p:txBody>
+          <a:bodyPr>
+            <a:normAutofit lnSpcReduction="10000"/>
+          </a:bodyPr>
+          <a:lstStyle/>
+          <a:p>
+            <a:r>
+              <a:rPr lang="en-US" altLang="zh-CN" dirty="0" smtClean="0"/>
+              <a:t>Extension – </a:t>
+            </a:r>
+            <a:r>
+              <a:rPr lang="en-US" altLang="zh-CN" dirty="0" err="1" smtClean="0"/>
+              <a:t>Colinear</a:t>
+            </a:r>
+            <a:r>
+              <a:rPr lang="en-US" altLang="zh-CN" dirty="0" smtClean="0"/>
+              <a:t> CNN</a:t>
+            </a:r>
+            <a:endParaRPr lang="zh-CN" altLang="en-US" dirty="0"/>
+          </a:p>
+        </p:txBody>
+      </p:sp>
+    </p:spTree>
+    <p:extLst>
+      <p:ext uri="{BB962C8B-B14F-4D97-AF65-F5344CB8AC3E}">
+        <p14:creationId xmlns:p14="http://schemas.microsoft.com/office/powerpoint/2010/main" val="3011291719"/>
+      </p:ext>
+    </p:extLst>
+  </p:cSld>
+  <p:clrMapOvr>
+    <a:masterClrMapping/>
+  </p:clrMapOvr>
+  <p:timing>
+    <p:tnLst>
+      <p:par>
+        <p:cTn id="1" dur="indefinite" restart="never" nodeType="tmRoot"/>
+      </p:par>
+    </p:tnLst>
+  </p:timing>
+</p:sld>
+</file>
+
+<file path=ppt/slides/slide19.xml><?xml version="1.0" encoding="utf-8"?>
+<p:sld xmlns:a="http://schemas.openxmlformats.org/drawingml/2006/main" xmlns:r="http://schemas.openxmlformats.org/officeDocument/2006/relationships" xmlns:p="http://schemas.openxmlformats.org/presentationml/2006/main">
+  <p:cSld>
+    <p:spTree>
+      <p:nvGrpSpPr>
+        <p:cNvPr id="1" name=""/>
+        <p:cNvGrpSpPr/>
+        <p:nvPr/>
+      </p:nvGrpSpPr>
+      <p:grpSpPr>
+        <a:xfrm>
+          <a:off x="0" y="0"/>
+          <a:ext cx="0" cy="0"/>
+          <a:chOff x="0" y="0"/>
+          <a:chExt cx="0" cy="0"/>
+        </a:xfrm>
+      </p:grpSpPr>
+      <p:sp>
+        <p:nvSpPr>
+          <p:cNvPr id="3" name="标题 2"/>
+          <p:cNvSpPr>
+            <a:spLocks noGrp="1"/>
+          </p:cNvSpPr>
+          <p:nvPr>
+            <p:ph type="ctrTitle"/>
+          </p:nvPr>
+        </p:nvSpPr>
+        <p:spPr/>
+        <p:txBody>
+          <a:bodyPr/>
+          <a:lstStyle/>
+          <a:p>
+            <a:r>
+              <a:rPr lang="en-US" altLang="zh-CN" dirty="0" smtClean="0"/>
+              <a:t>Q &amp; A</a:t>
+            </a:r>
+            <a:endParaRPr lang="zh-CN" altLang="en-US" dirty="0"/>
+          </a:p>
+        </p:txBody>
+      </p:sp>
+      <p:sp>
+        <p:nvSpPr>
+          <p:cNvPr id="4" name="副标题 3"/>
+          <p:cNvSpPr>
+            <a:spLocks noGrp="1"/>
+          </p:cNvSpPr>
+          <p:nvPr>
+            <p:ph type="subTitle" idx="1"/>
+          </p:nvPr>
+        </p:nvSpPr>
+        <p:spPr/>
+        <p:txBody>
+          <a:bodyPr/>
+          <a:lstStyle/>
+          <a:p>
+            <a:r>
+              <a:rPr lang="en-US" altLang="zh-CN" dirty="0" smtClean="0"/>
+              <a:t>Thanks!</a:t>
+            </a:r>
+            <a:endParaRPr lang="zh-CN" altLang="en-US" dirty="0"/>
+          </a:p>
+        </p:txBody>
+      </p:sp>
+    </p:spTree>
+    <p:extLst>
+      <p:ext uri="{BB962C8B-B14F-4D97-AF65-F5344CB8AC3E}">
+        <p14:creationId xmlns:p14="http://schemas.microsoft.com/office/powerpoint/2010/main" val="3466724238"/>
+      </p:ext>
+    </p:extLst>
+  </p:cSld>
+  <p:clrMapOvr>
+    <a:masterClrMapping/>
+  </p:clrMapOvr>
+  <p:timing>
+    <p:tnLst>
+      <p:par>
+        <p:cTn id="1" dur="indefinite" restart="never" nodeType="tmRoot"/>
+      </p:par>
+    </p:tnLst>
+  </p:timing>
 </p:sld>
 </file>
 
@@ -3213,7 +4076,6 @@
               <a:rPr lang="en-US" altLang="zh-CN" dirty="0" smtClean="0"/>
               <a:t>Extension</a:t>
             </a:r>
-            <a:endParaRPr lang="en-US" altLang="zh-CN" dirty="0" smtClean="0"/>
           </a:p>
           <a:p>
             <a:endParaRPr lang="zh-CN" altLang="en-US" dirty="0"/>
@@ -3225,6 +4087,13 @@
   <p:clrMapOvr>
     <a:masterClrMapping/>
   </p:clrMapOvr>
+  <p:timing>
+    <p:tnLst>
+      <p:par>
+        <p:cTn id="1" dur="indefinite" restart="never" nodeType="tmRoot"/>
+      </p:par>
+    </p:tnLst>
+  </p:timing>
 </p:sld>
 </file>
 
@@ -3247,172 +4116,252 @@
       </p:grpSpPr>
       <p:sp>
         <p:nvSpPr>
-          <p:cNvPr id="2" name="矩形 1"/>
-          <p:cNvSpPr/>
-          <p:nvPr/>
-        </p:nvSpPr>
-        <p:spPr>
-          <a:xfrm>
-            <a:off x="3059832" y="2852936"/>
-            <a:ext cx="3237296" cy="646331"/>
-          </a:xfrm>
-          <a:prstGeom prst="rect">
-            <a:avLst/>
-          </a:prstGeom>
-        </p:spPr>
-        <p:txBody>
-          <a:bodyPr wrap="none">
-            <a:spAutoFit/>
+          <p:cNvPr id="7" name="标题 6"/>
+          <p:cNvSpPr>
+            <a:spLocks noGrp="1"/>
+          </p:cNvSpPr>
+          <p:nvPr>
+            <p:ph type="title"/>
+          </p:nvPr>
+        </p:nvSpPr>
+        <p:spPr/>
+        <p:txBody>
+          <a:bodyPr/>
+          <a:lstStyle/>
+          <a:p>
+            <a:r>
+              <a:rPr lang="en-US" altLang="zh-CN" dirty="0" smtClean="0"/>
+              <a:t>Content</a:t>
+            </a:r>
+            <a:endParaRPr lang="zh-CN" altLang="en-US" dirty="0"/>
+          </a:p>
+        </p:txBody>
+      </p:sp>
+      <p:sp>
+        <p:nvSpPr>
+          <p:cNvPr id="8" name="内容占位符 7"/>
+          <p:cNvSpPr>
+            <a:spLocks noGrp="1"/>
+          </p:cNvSpPr>
+          <p:nvPr>
+            <p:ph idx="1"/>
+          </p:nvPr>
+        </p:nvSpPr>
+        <p:spPr/>
+        <p:txBody>
+          <a:bodyPr>
+            <a:normAutofit fontScale="40000" lnSpcReduction="20000"/>
           </a:bodyPr>
           <a:lstStyle/>
           <a:p>
             <a:r>
-              <a:rPr lang="en-US" altLang="zh-CN" sz="3600" b="1" dirty="0">
-                <a:effectLst>
-                  <a:outerShdw blurRad="38100" dist="38100" dir="2700000" algn="tl">
-                    <a:srgbClr val="000000">
-                      <a:alpha val="43137"/>
-                    </a:srgbClr>
-                  </a:outerShdw>
-                </a:effectLst>
+              <a:rPr lang="en-US" altLang="zh-CN" dirty="0" smtClean="0"/>
+              <a:t>Derivation</a:t>
+            </a:r>
+          </a:p>
+          <a:p>
+            <a:pPr lvl="1"/>
+            <a:r>
+              <a:rPr lang="en-US" altLang="zh-CN" dirty="0" smtClean="0"/>
+              <a:t>Term expand</a:t>
+            </a:r>
+          </a:p>
+          <a:p>
+            <a:pPr lvl="1"/>
+            <a:r>
+              <a:rPr lang="en-US" altLang="zh-CN" dirty="0" smtClean="0"/>
+              <a:t>Digital image process</a:t>
+            </a:r>
+          </a:p>
+          <a:p>
+            <a:pPr lvl="2"/>
+            <a:r>
+              <a:rPr lang="en-US" altLang="zh-CN" dirty="0" smtClean="0"/>
+              <a:t>Edge detection</a:t>
+            </a:r>
+          </a:p>
+          <a:p>
+            <a:pPr lvl="2"/>
+            <a:r>
+              <a:rPr lang="en-US" altLang="zh-CN" dirty="0" smtClean="0"/>
+              <a:t>SIFT features</a:t>
+            </a:r>
+          </a:p>
+          <a:p>
+            <a:pPr lvl="1"/>
+            <a:r>
+              <a:rPr lang="en-US" altLang="zh-CN" dirty="0" smtClean="0"/>
+              <a:t>Important properties</a:t>
+            </a:r>
+          </a:p>
+          <a:p>
+            <a:pPr lvl="2"/>
+            <a:r>
+              <a:rPr lang="en-US" altLang="zh-CN" dirty="0" smtClean="0"/>
+              <a:t>Local invariance</a:t>
+            </a:r>
+          </a:p>
+          <a:p>
+            <a:pPr lvl="2"/>
+            <a:r>
+              <a:rPr lang="en-US" altLang="zh-CN" dirty="0" smtClean="0"/>
+              <a:t>Hierarchical structure</a:t>
+            </a:r>
+          </a:p>
+          <a:p>
+            <a:r>
+              <a:rPr lang="en-US" altLang="zh-CN" dirty="0" smtClean="0">
+                <a:solidFill>
+                  <a:srgbClr val="FF0000"/>
+                </a:solidFill>
               </a:rPr>
-              <a:t>Neural Network</a:t>
-            </a:r>
-            <a:endParaRPr lang="zh-CN" altLang="en-US" sz="3600" b="1" dirty="0">
-              <a:effectLst>
-                <a:outerShdw blurRad="38100" dist="38100" dir="2700000" algn="tl">
-                  <a:srgbClr val="000000">
-                    <a:alpha val="43137"/>
-                  </a:srgbClr>
-                </a:outerShdw>
-              </a:effectLst>
-            </a:endParaRPr>
-          </a:p>
-        </p:txBody>
-      </p:sp>
-      <p:sp>
-        <p:nvSpPr>
-          <p:cNvPr id="3" name="TextBox 2"/>
-          <p:cNvSpPr txBox="1"/>
-          <p:nvPr/>
-        </p:nvSpPr>
-        <p:spPr>
-          <a:xfrm>
-            <a:off x="1547664" y="4005064"/>
-            <a:ext cx="2401748" cy="461665"/>
-          </a:xfrm>
-          <a:prstGeom prst="rect">
-            <a:avLst/>
-          </a:prstGeom>
-          <a:noFill/>
-        </p:spPr>
-        <p:txBody>
-          <a:bodyPr wrap="none" rtlCol="0">
-            <a:spAutoFit/>
-          </a:bodyPr>
-          <a:lstStyle/>
-          <a:p>
-            <a:r>
-              <a:rPr lang="en-US" altLang="zh-CN" sz="2400" dirty="0" smtClean="0"/>
-              <a:t>Layer/Connection</a:t>
-            </a:r>
-            <a:endParaRPr lang="en-US" altLang="zh-CN" sz="2400" dirty="0" smtClean="0"/>
-          </a:p>
-        </p:txBody>
-      </p:sp>
-      <p:sp>
-        <p:nvSpPr>
-          <p:cNvPr id="4" name="TextBox 3"/>
-          <p:cNvSpPr txBox="1"/>
-          <p:nvPr/>
-        </p:nvSpPr>
-        <p:spPr>
-          <a:xfrm>
-            <a:off x="5364088" y="2060848"/>
-            <a:ext cx="2349618" cy="461665"/>
-          </a:xfrm>
-          <a:prstGeom prst="rect">
-            <a:avLst/>
-          </a:prstGeom>
-          <a:noFill/>
-        </p:spPr>
-        <p:txBody>
-          <a:bodyPr wrap="none" rtlCol="0">
-            <a:spAutoFit/>
-          </a:bodyPr>
-          <a:lstStyle/>
-          <a:p>
-            <a:r>
-              <a:rPr lang="en-US" altLang="zh-CN" sz="2400" dirty="0" smtClean="0"/>
-              <a:t>Back Propagation</a:t>
-            </a:r>
-          </a:p>
-        </p:txBody>
-      </p:sp>
-      <p:sp>
-        <p:nvSpPr>
-          <p:cNvPr id="5" name="TextBox 4"/>
-          <p:cNvSpPr txBox="1"/>
-          <p:nvPr/>
-        </p:nvSpPr>
-        <p:spPr>
-          <a:xfrm>
-            <a:off x="1835696" y="1988840"/>
-            <a:ext cx="1896353" cy="461665"/>
-          </a:xfrm>
-          <a:prstGeom prst="rect">
-            <a:avLst/>
-          </a:prstGeom>
-          <a:noFill/>
-        </p:spPr>
-        <p:txBody>
-          <a:bodyPr wrap="none" rtlCol="0">
-            <a:spAutoFit/>
-          </a:bodyPr>
-          <a:lstStyle/>
-          <a:p>
-            <a:r>
-              <a:rPr lang="en-US" altLang="zh-CN" sz="2400" dirty="0" smtClean="0"/>
-              <a:t>Feed Forward</a:t>
-            </a:r>
-            <a:endParaRPr lang="en-US" altLang="zh-CN" sz="2400" dirty="0" smtClean="0"/>
-          </a:p>
-        </p:txBody>
-      </p:sp>
-      <p:sp>
-        <p:nvSpPr>
-          <p:cNvPr id="6" name="TextBox 5"/>
-          <p:cNvSpPr txBox="1"/>
-          <p:nvPr/>
-        </p:nvSpPr>
-        <p:spPr>
-          <a:xfrm>
-            <a:off x="5580112" y="4005064"/>
-            <a:ext cx="2116477" cy="461665"/>
-          </a:xfrm>
-          <a:prstGeom prst="rect">
-            <a:avLst/>
-          </a:prstGeom>
-          <a:noFill/>
-        </p:spPr>
-        <p:txBody>
-          <a:bodyPr wrap="none" rtlCol="0">
-            <a:spAutoFit/>
-          </a:bodyPr>
-          <a:lstStyle/>
-          <a:p>
-            <a:r>
-              <a:rPr lang="en-US" altLang="zh-CN" sz="2400" dirty="0" smtClean="0"/>
-              <a:t>Active Function</a:t>
-            </a:r>
+              <a:t>Definition</a:t>
+            </a:r>
+          </a:p>
+          <a:p>
+            <a:pPr lvl="1"/>
+            <a:r>
+              <a:rPr lang="en-US" altLang="zh-CN" dirty="0" smtClean="0"/>
+              <a:t>Convolutional Layer (with padding)</a:t>
+            </a:r>
+          </a:p>
+          <a:p>
+            <a:pPr lvl="1"/>
+            <a:r>
+              <a:rPr lang="en-US" altLang="zh-CN" dirty="0" smtClean="0"/>
+              <a:t>Pooling Layer</a:t>
+            </a:r>
+          </a:p>
+          <a:p>
+            <a:pPr lvl="1"/>
+            <a:r>
+              <a:rPr lang="en-US" altLang="zh-CN" dirty="0" smtClean="0"/>
+              <a:t>Active function - </a:t>
+            </a:r>
+            <a:r>
+              <a:rPr lang="en-US" altLang="zh-CN" dirty="0" err="1" smtClean="0"/>
+              <a:t>Relu</a:t>
+            </a:r>
+            <a:endParaRPr lang="en-US" altLang="zh-CN" dirty="0" smtClean="0"/>
+          </a:p>
+          <a:p>
+            <a:r>
+              <a:rPr lang="en-US" altLang="zh-CN" dirty="0" smtClean="0"/>
+              <a:t>Application</a:t>
+            </a:r>
+          </a:p>
+          <a:p>
+            <a:pPr lvl="1"/>
+            <a:r>
+              <a:rPr lang="en-US" altLang="zh-CN" dirty="0" smtClean="0"/>
+              <a:t>Image</a:t>
+            </a:r>
+          </a:p>
+          <a:p>
+            <a:pPr lvl="1"/>
+            <a:r>
+              <a:rPr lang="en-US" altLang="zh-CN" dirty="0" smtClean="0"/>
+              <a:t>Voice</a:t>
+            </a:r>
+          </a:p>
+          <a:p>
+            <a:pPr lvl="1"/>
+            <a:r>
+              <a:rPr lang="en-US" altLang="zh-CN" dirty="0" smtClean="0"/>
+              <a:t>Text</a:t>
+            </a:r>
+          </a:p>
+          <a:p>
+            <a:r>
+              <a:rPr lang="en-US" altLang="zh-CN" dirty="0" smtClean="0">
+                <a:solidFill>
+                  <a:srgbClr val="FF0000"/>
+                </a:solidFill>
+              </a:rPr>
+              <a:t>Implementation</a:t>
+            </a:r>
+          </a:p>
+          <a:p>
+            <a:pPr lvl="1"/>
+            <a:r>
+              <a:rPr lang="en-US" altLang="zh-CN" dirty="0" smtClean="0"/>
+              <a:t>Expand / </a:t>
+            </a:r>
+            <a:r>
+              <a:rPr lang="en-US" altLang="zh-CN" dirty="0" err="1" smtClean="0"/>
+              <a:t>Unexpand</a:t>
+            </a:r>
+            <a:r>
+              <a:rPr lang="en-US" altLang="zh-CN" dirty="0" smtClean="0"/>
+              <a:t> method</a:t>
+            </a:r>
+          </a:p>
+          <a:p>
+            <a:pPr lvl="1"/>
+            <a:r>
+              <a:rPr lang="en-US" altLang="zh-CN" dirty="0" err="1" smtClean="0"/>
+              <a:t>Cuda-convnet</a:t>
+            </a:r>
+            <a:endParaRPr lang="en-US" altLang="zh-CN" dirty="0" smtClean="0"/>
+          </a:p>
+          <a:p>
+            <a:r>
+              <a:rPr lang="en-US" altLang="zh-CN" dirty="0" smtClean="0"/>
+              <a:t>Extension</a:t>
+            </a:r>
+            <a:endParaRPr lang="en-US" altLang="zh-CN" dirty="0" smtClean="0"/>
+          </a:p>
+          <a:p>
+            <a:pPr lvl="1"/>
+            <a:r>
+              <a:rPr lang="en-US" altLang="zh-CN" dirty="0" smtClean="0"/>
+              <a:t>Network in Network</a:t>
+            </a:r>
+          </a:p>
+          <a:p>
+            <a:pPr lvl="1"/>
+            <a:r>
+              <a:rPr lang="en-US" altLang="zh-CN" dirty="0" smtClean="0"/>
+              <a:t>Saliency </a:t>
+            </a:r>
+            <a:r>
+              <a:rPr lang="en-US" altLang="zh-CN" dirty="0" smtClean="0"/>
+              <a:t>base improve</a:t>
+            </a:r>
+          </a:p>
+          <a:p>
+            <a:pPr lvl="1"/>
+            <a:r>
+              <a:rPr lang="en-US" altLang="zh-CN" dirty="0" err="1" smtClean="0"/>
+              <a:t>Colinear</a:t>
+            </a:r>
+            <a:r>
+              <a:rPr lang="en-US" altLang="zh-CN" dirty="0" smtClean="0"/>
+              <a:t> Convolutional Layer</a:t>
+            </a:r>
+          </a:p>
+          <a:p>
+            <a:endParaRPr lang="zh-CN" altLang="en-US" dirty="0"/>
           </a:p>
         </p:txBody>
       </p:sp>
     </p:spTree>
+    <p:extLst>
+      <p:ext uri="{BB962C8B-B14F-4D97-AF65-F5344CB8AC3E}">
+        <p14:creationId xmlns:p14="http://schemas.microsoft.com/office/powerpoint/2010/main" val="2963454392"/>
+      </p:ext>
+    </p:extLst>
   </p:cSld>
   <p:clrMapOvr>
     <a:masterClrMapping/>
   </p:clrMapOvr>
+  <p:timing>
+    <p:tnLst>
+      <p:par>
+        <p:cTn id="1" dur="indefinite" restart="never" nodeType="tmRoot"/>
+      </p:par>
+    </p:tnLst>
+  </p:timing>
 </p:sld>
 </file>
 
@@ -3435,13 +4384,2072 @@
       </p:grpSpPr>
       <p:sp>
         <p:nvSpPr>
+          <p:cNvPr id="2" name="矩形 1"/>
+          <p:cNvSpPr/>
+          <p:nvPr/>
+        </p:nvSpPr>
+        <p:spPr>
+          <a:xfrm>
+            <a:off x="3059832" y="2964857"/>
+            <a:ext cx="3237296" cy="646331"/>
+          </a:xfrm>
+          <a:prstGeom prst="rect">
+            <a:avLst/>
+          </a:prstGeom>
+        </p:spPr>
+        <p:txBody>
+          <a:bodyPr wrap="none">
+            <a:spAutoFit/>
+          </a:bodyPr>
+          <a:lstStyle/>
+          <a:p>
+            <a:r>
+              <a:rPr lang="en-US" altLang="zh-CN" sz="3600" b="1" dirty="0">
+                <a:effectLst>
+                  <a:outerShdw blurRad="38100" dist="38100" dir="2700000" algn="tl">
+                    <a:srgbClr val="000000">
+                      <a:alpha val="43137"/>
+                    </a:srgbClr>
+                  </a:outerShdw>
+                </a:effectLst>
+              </a:rPr>
+              <a:t>Neural Network</a:t>
+            </a:r>
+            <a:endParaRPr lang="zh-CN" altLang="en-US" sz="3600" b="1" dirty="0">
+              <a:effectLst>
+                <a:outerShdw blurRad="38100" dist="38100" dir="2700000" algn="tl">
+                  <a:srgbClr val="000000">
+                    <a:alpha val="43137"/>
+                  </a:srgbClr>
+                </a:outerShdw>
+              </a:effectLst>
+            </a:endParaRPr>
+          </a:p>
+        </p:txBody>
+      </p:sp>
+      <p:sp>
+        <p:nvSpPr>
+          <p:cNvPr id="3" name="TextBox 2"/>
+          <p:cNvSpPr txBox="1"/>
+          <p:nvPr/>
+        </p:nvSpPr>
+        <p:spPr>
+          <a:xfrm>
+            <a:off x="1547664" y="4116985"/>
+            <a:ext cx="2401748" cy="461665"/>
+          </a:xfrm>
+          <a:prstGeom prst="rect">
+            <a:avLst/>
+          </a:prstGeom>
+          <a:noFill/>
+        </p:spPr>
+        <p:txBody>
+          <a:bodyPr wrap="none" rtlCol="0">
+            <a:spAutoFit/>
+          </a:bodyPr>
+          <a:lstStyle/>
+          <a:p>
+            <a:r>
+              <a:rPr lang="en-US" altLang="zh-CN" sz="2400" dirty="0" smtClean="0"/>
+              <a:t>Layer/Connection</a:t>
+            </a:r>
+          </a:p>
+        </p:txBody>
+      </p:sp>
+      <p:sp>
+        <p:nvSpPr>
           <p:cNvPr id="4" name="TextBox 3"/>
           <p:cNvSpPr txBox="1"/>
           <p:nvPr/>
         </p:nvSpPr>
         <p:spPr>
           <a:xfrm>
-            <a:off x="3203848" y="2276872"/>
+            <a:off x="5364088" y="2172769"/>
+            <a:ext cx="2349618" cy="461665"/>
+          </a:xfrm>
+          <a:prstGeom prst="rect">
+            <a:avLst/>
+          </a:prstGeom>
+          <a:noFill/>
+        </p:spPr>
+        <p:txBody>
+          <a:bodyPr wrap="none" rtlCol="0">
+            <a:spAutoFit/>
+          </a:bodyPr>
+          <a:lstStyle/>
+          <a:p>
+            <a:r>
+              <a:rPr lang="en-US" altLang="zh-CN" sz="2400" dirty="0" smtClean="0"/>
+              <a:t>Back Propagation</a:t>
+            </a:r>
+          </a:p>
+        </p:txBody>
+      </p:sp>
+      <p:sp>
+        <p:nvSpPr>
+          <p:cNvPr id="5" name="TextBox 4"/>
+          <p:cNvSpPr txBox="1"/>
+          <p:nvPr/>
+        </p:nvSpPr>
+        <p:spPr>
+          <a:xfrm>
+            <a:off x="1835696" y="2100761"/>
+            <a:ext cx="1896353" cy="461665"/>
+          </a:xfrm>
+          <a:prstGeom prst="rect">
+            <a:avLst/>
+          </a:prstGeom>
+          <a:noFill/>
+        </p:spPr>
+        <p:txBody>
+          <a:bodyPr wrap="none" rtlCol="0">
+            <a:spAutoFit/>
+          </a:bodyPr>
+          <a:lstStyle/>
+          <a:p>
+            <a:r>
+              <a:rPr lang="en-US" altLang="zh-CN" sz="2400" dirty="0" smtClean="0"/>
+              <a:t>Feed Forward</a:t>
+            </a:r>
+          </a:p>
+        </p:txBody>
+      </p:sp>
+      <p:sp>
+        <p:nvSpPr>
+          <p:cNvPr id="6" name="TextBox 5"/>
+          <p:cNvSpPr txBox="1"/>
+          <p:nvPr/>
+        </p:nvSpPr>
+        <p:spPr>
+          <a:xfrm>
+            <a:off x="5580112" y="4116985"/>
+            <a:ext cx="2116477" cy="461665"/>
+          </a:xfrm>
+          <a:prstGeom prst="rect">
+            <a:avLst/>
+          </a:prstGeom>
+          <a:noFill/>
+        </p:spPr>
+        <p:txBody>
+          <a:bodyPr wrap="none" rtlCol="0">
+            <a:spAutoFit/>
+          </a:bodyPr>
+          <a:lstStyle/>
+          <a:p>
+            <a:r>
+              <a:rPr lang="en-US" altLang="zh-CN" sz="2400" dirty="0" smtClean="0"/>
+              <a:t>Active Function</a:t>
+            </a:r>
+          </a:p>
+        </p:txBody>
+      </p:sp>
+      <p:sp>
+        <p:nvSpPr>
+          <p:cNvPr id="7" name="TextBox 6"/>
+          <p:cNvSpPr txBox="1"/>
+          <p:nvPr/>
+        </p:nvSpPr>
+        <p:spPr>
+          <a:xfrm>
+            <a:off x="5788904" y="4581880"/>
+            <a:ext cx="1221809" cy="923330"/>
+          </a:xfrm>
+          <a:prstGeom prst="rect">
+            <a:avLst/>
+          </a:prstGeom>
+          <a:noFill/>
+        </p:spPr>
+        <p:txBody>
+          <a:bodyPr wrap="none" rtlCol="0">
+            <a:spAutoFit/>
+          </a:bodyPr>
+          <a:lstStyle/>
+          <a:p>
+            <a:pPr marL="285750" indent="-285750">
+              <a:buFont typeface="Arial" panose="020B0604020202020204" pitchFamily="34" charset="0"/>
+              <a:buChar char="•"/>
+            </a:pPr>
+            <a:r>
+              <a:rPr lang="en-US" altLang="zh-CN" dirty="0" smtClean="0"/>
+              <a:t>Sigmoid</a:t>
+            </a:r>
+          </a:p>
+          <a:p>
+            <a:pPr marL="285750" indent="-285750">
+              <a:buFont typeface="Arial" panose="020B0604020202020204" pitchFamily="34" charset="0"/>
+              <a:buChar char="•"/>
+            </a:pPr>
+            <a:r>
+              <a:rPr lang="en-US" altLang="zh-CN" dirty="0" err="1" smtClean="0"/>
+              <a:t>Tanh</a:t>
+            </a:r>
+            <a:endParaRPr lang="en-US" altLang="zh-CN" dirty="0" smtClean="0"/>
+          </a:p>
+          <a:p>
+            <a:pPr marL="285750" indent="-285750">
+              <a:buFont typeface="Arial" panose="020B0604020202020204" pitchFamily="34" charset="0"/>
+              <a:buChar char="•"/>
+            </a:pPr>
+            <a:r>
+              <a:rPr lang="en-US" altLang="zh-CN" dirty="0" smtClean="0"/>
+              <a:t>Rectify</a:t>
+            </a:r>
+            <a:endParaRPr lang="zh-CN" altLang="en-US" dirty="0"/>
+          </a:p>
+        </p:txBody>
+      </p:sp>
+      <p:sp>
+        <p:nvSpPr>
+          <p:cNvPr id="8" name="TextBox 7"/>
+          <p:cNvSpPr txBox="1"/>
+          <p:nvPr/>
+        </p:nvSpPr>
+        <p:spPr>
+          <a:xfrm>
+            <a:off x="1823865" y="4593902"/>
+            <a:ext cx="1920013" cy="923330"/>
+          </a:xfrm>
+          <a:prstGeom prst="rect">
+            <a:avLst/>
+          </a:prstGeom>
+          <a:noFill/>
+        </p:spPr>
+        <p:txBody>
+          <a:bodyPr wrap="none" rtlCol="0">
+            <a:spAutoFit/>
+          </a:bodyPr>
+          <a:lstStyle/>
+          <a:p>
+            <a:pPr marL="285750" indent="-285750">
+              <a:buFont typeface="Arial" panose="020B0604020202020204" pitchFamily="34" charset="0"/>
+              <a:buChar char="•"/>
+            </a:pPr>
+            <a:r>
+              <a:rPr lang="en-US" altLang="zh-CN" dirty="0" smtClean="0"/>
+              <a:t>Full-Conn Layer</a:t>
+            </a:r>
+          </a:p>
+          <a:p>
+            <a:pPr marL="285750" indent="-285750">
+              <a:buFont typeface="Arial" panose="020B0604020202020204" pitchFamily="34" charset="0"/>
+              <a:buChar char="•"/>
+            </a:pPr>
+            <a:r>
+              <a:rPr lang="en-US" altLang="zh-CN" dirty="0" err="1" smtClean="0"/>
+              <a:t>Conv</a:t>
+            </a:r>
+            <a:r>
+              <a:rPr lang="en-US" altLang="zh-CN" dirty="0" smtClean="0"/>
+              <a:t> Layer</a:t>
+            </a:r>
+          </a:p>
+          <a:p>
+            <a:pPr marL="285750" indent="-285750">
+              <a:buFont typeface="Arial" panose="020B0604020202020204" pitchFamily="34" charset="0"/>
+              <a:buChar char="•"/>
+            </a:pPr>
+            <a:r>
+              <a:rPr lang="en-US" altLang="zh-CN" dirty="0" smtClean="0"/>
+              <a:t>Pooling Layer</a:t>
+            </a:r>
+            <a:endParaRPr lang="zh-CN" altLang="en-US" dirty="0"/>
+          </a:p>
+        </p:txBody>
+      </p:sp>
+      <p:sp>
+        <p:nvSpPr>
+          <p:cNvPr id="9" name="椭圆 8"/>
+          <p:cNvSpPr/>
+          <p:nvPr/>
+        </p:nvSpPr>
+        <p:spPr>
+          <a:xfrm>
+            <a:off x="2232756" y="1215751"/>
+            <a:ext cx="144016" cy="144016"/>
+          </a:xfrm>
+          <a:prstGeom prst="ellipse">
+            <a:avLst/>
+          </a:prstGeom>
+        </p:spPr>
+        <p:style>
+          <a:lnRef idx="2">
+            <a:schemeClr val="accent1">
+              <a:shade val="50000"/>
+            </a:schemeClr>
+          </a:lnRef>
+          <a:fillRef idx="1">
+            <a:schemeClr val="accent1"/>
+          </a:fillRef>
+          <a:effectRef idx="0">
+            <a:schemeClr val="accent1"/>
+          </a:effectRef>
+          <a:fontRef idx="minor">
+            <a:schemeClr val="lt1"/>
+          </a:fontRef>
+        </p:style>
+        <p:txBody>
+          <a:bodyPr rtlCol="0" anchor="ctr"/>
+          <a:lstStyle/>
+          <a:p>
+            <a:pPr algn="ctr"/>
+            <a:endParaRPr lang="zh-CN" altLang="en-US"/>
+          </a:p>
+        </p:txBody>
+      </p:sp>
+      <p:sp>
+        <p:nvSpPr>
+          <p:cNvPr id="10" name="椭圆 9"/>
+          <p:cNvSpPr/>
+          <p:nvPr/>
+        </p:nvSpPr>
+        <p:spPr>
+          <a:xfrm>
+            <a:off x="2232756" y="1531675"/>
+            <a:ext cx="144016" cy="144016"/>
+          </a:xfrm>
+          <a:prstGeom prst="ellipse">
+            <a:avLst/>
+          </a:prstGeom>
+        </p:spPr>
+        <p:style>
+          <a:lnRef idx="2">
+            <a:schemeClr val="accent1">
+              <a:shade val="50000"/>
+            </a:schemeClr>
+          </a:lnRef>
+          <a:fillRef idx="1">
+            <a:schemeClr val="accent1"/>
+          </a:fillRef>
+          <a:effectRef idx="0">
+            <a:schemeClr val="accent1"/>
+          </a:effectRef>
+          <a:fontRef idx="minor">
+            <a:schemeClr val="lt1"/>
+          </a:fontRef>
+        </p:style>
+        <p:txBody>
+          <a:bodyPr rtlCol="0" anchor="ctr"/>
+          <a:lstStyle/>
+          <a:p>
+            <a:pPr algn="ctr"/>
+            <a:endParaRPr lang="zh-CN" altLang="en-US"/>
+          </a:p>
+        </p:txBody>
+      </p:sp>
+      <p:sp>
+        <p:nvSpPr>
+          <p:cNvPr id="11" name="椭圆 10"/>
+          <p:cNvSpPr/>
+          <p:nvPr/>
+        </p:nvSpPr>
+        <p:spPr>
+          <a:xfrm>
+            <a:off x="2232756" y="1842346"/>
+            <a:ext cx="144016" cy="144016"/>
+          </a:xfrm>
+          <a:prstGeom prst="ellipse">
+            <a:avLst/>
+          </a:prstGeom>
+        </p:spPr>
+        <p:style>
+          <a:lnRef idx="2">
+            <a:schemeClr val="accent1">
+              <a:shade val="50000"/>
+            </a:schemeClr>
+          </a:lnRef>
+          <a:fillRef idx="1">
+            <a:schemeClr val="accent1"/>
+          </a:fillRef>
+          <a:effectRef idx="0">
+            <a:schemeClr val="accent1"/>
+          </a:effectRef>
+          <a:fontRef idx="minor">
+            <a:schemeClr val="lt1"/>
+          </a:fontRef>
+        </p:style>
+        <p:txBody>
+          <a:bodyPr rtlCol="0" anchor="ctr"/>
+          <a:lstStyle/>
+          <a:p>
+            <a:pPr algn="ctr"/>
+            <a:endParaRPr lang="zh-CN" altLang="en-US"/>
+          </a:p>
+        </p:txBody>
+      </p:sp>
+      <p:sp>
+        <p:nvSpPr>
+          <p:cNvPr id="13" name="椭圆 12"/>
+          <p:cNvSpPr/>
+          <p:nvPr/>
+        </p:nvSpPr>
+        <p:spPr>
+          <a:xfrm>
+            <a:off x="2732030" y="1337836"/>
+            <a:ext cx="144016" cy="144016"/>
+          </a:xfrm>
+          <a:prstGeom prst="ellipse">
+            <a:avLst/>
+          </a:prstGeom>
+        </p:spPr>
+        <p:style>
+          <a:lnRef idx="2">
+            <a:schemeClr val="accent1">
+              <a:shade val="50000"/>
+            </a:schemeClr>
+          </a:lnRef>
+          <a:fillRef idx="1">
+            <a:schemeClr val="accent1"/>
+          </a:fillRef>
+          <a:effectRef idx="0">
+            <a:schemeClr val="accent1"/>
+          </a:effectRef>
+          <a:fontRef idx="minor">
+            <a:schemeClr val="lt1"/>
+          </a:fontRef>
+        </p:style>
+        <p:txBody>
+          <a:bodyPr rtlCol="0" anchor="ctr"/>
+          <a:lstStyle/>
+          <a:p>
+            <a:pPr algn="ctr"/>
+            <a:endParaRPr lang="zh-CN" altLang="en-US"/>
+          </a:p>
+        </p:txBody>
+      </p:sp>
+      <p:sp>
+        <p:nvSpPr>
+          <p:cNvPr id="14" name="椭圆 13"/>
+          <p:cNvSpPr/>
+          <p:nvPr/>
+        </p:nvSpPr>
+        <p:spPr>
+          <a:xfrm>
+            <a:off x="2732030" y="1691778"/>
+            <a:ext cx="144016" cy="144016"/>
+          </a:xfrm>
+          <a:prstGeom prst="ellipse">
+            <a:avLst/>
+          </a:prstGeom>
+        </p:spPr>
+        <p:style>
+          <a:lnRef idx="2">
+            <a:schemeClr val="accent1">
+              <a:shade val="50000"/>
+            </a:schemeClr>
+          </a:lnRef>
+          <a:fillRef idx="1">
+            <a:schemeClr val="accent1"/>
+          </a:fillRef>
+          <a:effectRef idx="0">
+            <a:schemeClr val="accent1"/>
+          </a:effectRef>
+          <a:fontRef idx="minor">
+            <a:schemeClr val="lt1"/>
+          </a:fontRef>
+        </p:style>
+        <p:txBody>
+          <a:bodyPr rtlCol="0" anchor="ctr"/>
+          <a:lstStyle/>
+          <a:p>
+            <a:pPr algn="ctr"/>
+            <a:endParaRPr lang="zh-CN" altLang="en-US"/>
+          </a:p>
+        </p:txBody>
+      </p:sp>
+      <p:sp>
+        <p:nvSpPr>
+          <p:cNvPr id="15" name="椭圆 14"/>
+          <p:cNvSpPr/>
+          <p:nvPr/>
+        </p:nvSpPr>
+        <p:spPr>
+          <a:xfrm>
+            <a:off x="3244878" y="1241374"/>
+            <a:ext cx="144016" cy="144016"/>
+          </a:xfrm>
+          <a:prstGeom prst="ellipse">
+            <a:avLst/>
+          </a:prstGeom>
+        </p:spPr>
+        <p:style>
+          <a:lnRef idx="2">
+            <a:schemeClr val="accent1">
+              <a:shade val="50000"/>
+            </a:schemeClr>
+          </a:lnRef>
+          <a:fillRef idx="1">
+            <a:schemeClr val="accent1"/>
+          </a:fillRef>
+          <a:effectRef idx="0">
+            <a:schemeClr val="accent1"/>
+          </a:effectRef>
+          <a:fontRef idx="minor">
+            <a:schemeClr val="lt1"/>
+          </a:fontRef>
+        </p:style>
+        <p:txBody>
+          <a:bodyPr rtlCol="0" anchor="ctr"/>
+          <a:lstStyle/>
+          <a:p>
+            <a:pPr algn="ctr"/>
+            <a:endParaRPr lang="zh-CN" altLang="en-US"/>
+          </a:p>
+        </p:txBody>
+      </p:sp>
+      <p:sp>
+        <p:nvSpPr>
+          <p:cNvPr id="16" name="椭圆 15"/>
+          <p:cNvSpPr/>
+          <p:nvPr/>
+        </p:nvSpPr>
+        <p:spPr>
+          <a:xfrm>
+            <a:off x="3244878" y="1557298"/>
+            <a:ext cx="144016" cy="144016"/>
+          </a:xfrm>
+          <a:prstGeom prst="ellipse">
+            <a:avLst/>
+          </a:prstGeom>
+        </p:spPr>
+        <p:style>
+          <a:lnRef idx="2">
+            <a:schemeClr val="accent1">
+              <a:shade val="50000"/>
+            </a:schemeClr>
+          </a:lnRef>
+          <a:fillRef idx="1">
+            <a:schemeClr val="accent1"/>
+          </a:fillRef>
+          <a:effectRef idx="0">
+            <a:schemeClr val="accent1"/>
+          </a:effectRef>
+          <a:fontRef idx="minor">
+            <a:schemeClr val="lt1"/>
+          </a:fontRef>
+        </p:style>
+        <p:txBody>
+          <a:bodyPr rtlCol="0" anchor="ctr"/>
+          <a:lstStyle/>
+          <a:p>
+            <a:pPr algn="ctr"/>
+            <a:endParaRPr lang="zh-CN" altLang="en-US"/>
+          </a:p>
+        </p:txBody>
+      </p:sp>
+      <p:sp>
+        <p:nvSpPr>
+          <p:cNvPr id="17" name="椭圆 16"/>
+          <p:cNvSpPr/>
+          <p:nvPr/>
+        </p:nvSpPr>
+        <p:spPr>
+          <a:xfrm>
+            <a:off x="3244878" y="1867969"/>
+            <a:ext cx="144016" cy="144016"/>
+          </a:xfrm>
+          <a:prstGeom prst="ellipse">
+            <a:avLst/>
+          </a:prstGeom>
+        </p:spPr>
+        <p:style>
+          <a:lnRef idx="2">
+            <a:schemeClr val="accent1">
+              <a:shade val="50000"/>
+            </a:schemeClr>
+          </a:lnRef>
+          <a:fillRef idx="1">
+            <a:schemeClr val="accent1"/>
+          </a:fillRef>
+          <a:effectRef idx="0">
+            <a:schemeClr val="accent1"/>
+          </a:effectRef>
+          <a:fontRef idx="minor">
+            <a:schemeClr val="lt1"/>
+          </a:fontRef>
+        </p:style>
+        <p:txBody>
+          <a:bodyPr rtlCol="0" anchor="ctr"/>
+          <a:lstStyle/>
+          <a:p>
+            <a:pPr algn="ctr"/>
+            <a:endParaRPr lang="zh-CN" altLang="en-US"/>
+          </a:p>
+        </p:txBody>
+      </p:sp>
+      <p:cxnSp>
+        <p:nvCxnSpPr>
+          <p:cNvPr id="19" name="直接连接符 18"/>
+          <p:cNvCxnSpPr>
+            <a:stCxn id="9" idx="6"/>
+            <a:endCxn id="13" idx="2"/>
+          </p:cNvCxnSpPr>
+          <p:nvPr/>
+        </p:nvCxnSpPr>
+        <p:spPr>
+          <a:xfrm>
+            <a:off x="2376772" y="1287759"/>
+            <a:ext cx="355258" cy="122085"/>
+          </a:xfrm>
+          <a:prstGeom prst="line">
+            <a:avLst/>
+          </a:prstGeom>
+        </p:spPr>
+        <p:style>
+          <a:lnRef idx="1">
+            <a:schemeClr val="accent1"/>
+          </a:lnRef>
+          <a:fillRef idx="0">
+            <a:schemeClr val="accent1"/>
+          </a:fillRef>
+          <a:effectRef idx="0">
+            <a:schemeClr val="accent1"/>
+          </a:effectRef>
+          <a:fontRef idx="minor">
+            <a:schemeClr val="tx1"/>
+          </a:fontRef>
+        </p:style>
+      </p:cxnSp>
+      <p:cxnSp>
+        <p:nvCxnSpPr>
+          <p:cNvPr id="21" name="直接连接符 20"/>
+          <p:cNvCxnSpPr>
+            <a:stCxn id="10" idx="6"/>
+            <a:endCxn id="13" idx="2"/>
+          </p:cNvCxnSpPr>
+          <p:nvPr/>
+        </p:nvCxnSpPr>
+        <p:spPr>
+          <a:xfrm flipV="1">
+            <a:off x="2376772" y="1409844"/>
+            <a:ext cx="355258" cy="193839"/>
+          </a:xfrm>
+          <a:prstGeom prst="line">
+            <a:avLst/>
+          </a:prstGeom>
+        </p:spPr>
+        <p:style>
+          <a:lnRef idx="1">
+            <a:schemeClr val="accent1"/>
+          </a:lnRef>
+          <a:fillRef idx="0">
+            <a:schemeClr val="accent1"/>
+          </a:fillRef>
+          <a:effectRef idx="0">
+            <a:schemeClr val="accent1"/>
+          </a:effectRef>
+          <a:fontRef idx="minor">
+            <a:schemeClr val="tx1"/>
+          </a:fontRef>
+        </p:style>
+      </p:cxnSp>
+      <p:cxnSp>
+        <p:nvCxnSpPr>
+          <p:cNvPr id="23" name="直接连接符 22"/>
+          <p:cNvCxnSpPr>
+            <a:stCxn id="10" idx="6"/>
+            <a:endCxn id="14" idx="2"/>
+          </p:cNvCxnSpPr>
+          <p:nvPr/>
+        </p:nvCxnSpPr>
+        <p:spPr>
+          <a:xfrm>
+            <a:off x="2376772" y="1603683"/>
+            <a:ext cx="355258" cy="160103"/>
+          </a:xfrm>
+          <a:prstGeom prst="line">
+            <a:avLst/>
+          </a:prstGeom>
+        </p:spPr>
+        <p:style>
+          <a:lnRef idx="1">
+            <a:schemeClr val="accent1"/>
+          </a:lnRef>
+          <a:fillRef idx="0">
+            <a:schemeClr val="accent1"/>
+          </a:fillRef>
+          <a:effectRef idx="0">
+            <a:schemeClr val="accent1"/>
+          </a:effectRef>
+          <a:fontRef idx="minor">
+            <a:schemeClr val="tx1"/>
+          </a:fontRef>
+        </p:style>
+      </p:cxnSp>
+      <p:cxnSp>
+        <p:nvCxnSpPr>
+          <p:cNvPr id="25" name="直接连接符 24"/>
+          <p:cNvCxnSpPr>
+            <a:stCxn id="11" idx="6"/>
+            <a:endCxn id="14" idx="2"/>
+          </p:cNvCxnSpPr>
+          <p:nvPr/>
+        </p:nvCxnSpPr>
+        <p:spPr>
+          <a:xfrm flipV="1">
+            <a:off x="2376772" y="1763786"/>
+            <a:ext cx="355258" cy="150568"/>
+          </a:xfrm>
+          <a:prstGeom prst="line">
+            <a:avLst/>
+          </a:prstGeom>
+        </p:spPr>
+        <p:style>
+          <a:lnRef idx="1">
+            <a:schemeClr val="accent1"/>
+          </a:lnRef>
+          <a:fillRef idx="0">
+            <a:schemeClr val="accent1"/>
+          </a:fillRef>
+          <a:effectRef idx="0">
+            <a:schemeClr val="accent1"/>
+          </a:effectRef>
+          <a:fontRef idx="minor">
+            <a:schemeClr val="tx1"/>
+          </a:fontRef>
+        </p:style>
+      </p:cxnSp>
+      <p:cxnSp>
+        <p:nvCxnSpPr>
+          <p:cNvPr id="27" name="直接连接符 26"/>
+          <p:cNvCxnSpPr>
+            <a:stCxn id="13" idx="6"/>
+            <a:endCxn id="15" idx="2"/>
+          </p:cNvCxnSpPr>
+          <p:nvPr/>
+        </p:nvCxnSpPr>
+        <p:spPr>
+          <a:xfrm flipV="1">
+            <a:off x="2876046" y="1313382"/>
+            <a:ext cx="368832" cy="96462"/>
+          </a:xfrm>
+          <a:prstGeom prst="line">
+            <a:avLst/>
+          </a:prstGeom>
+        </p:spPr>
+        <p:style>
+          <a:lnRef idx="1">
+            <a:schemeClr val="accent1"/>
+          </a:lnRef>
+          <a:fillRef idx="0">
+            <a:schemeClr val="accent1"/>
+          </a:fillRef>
+          <a:effectRef idx="0">
+            <a:schemeClr val="accent1"/>
+          </a:effectRef>
+          <a:fontRef idx="minor">
+            <a:schemeClr val="tx1"/>
+          </a:fontRef>
+        </p:style>
+      </p:cxnSp>
+      <p:cxnSp>
+        <p:nvCxnSpPr>
+          <p:cNvPr id="29" name="直接连接符 28"/>
+          <p:cNvCxnSpPr>
+            <a:stCxn id="13" idx="6"/>
+            <a:endCxn id="16" idx="1"/>
+          </p:cNvCxnSpPr>
+          <p:nvPr/>
+        </p:nvCxnSpPr>
+        <p:spPr>
+          <a:xfrm>
+            <a:off x="2876046" y="1409844"/>
+            <a:ext cx="389923" cy="168545"/>
+          </a:xfrm>
+          <a:prstGeom prst="line">
+            <a:avLst/>
+          </a:prstGeom>
+        </p:spPr>
+        <p:style>
+          <a:lnRef idx="1">
+            <a:schemeClr val="accent1"/>
+          </a:lnRef>
+          <a:fillRef idx="0">
+            <a:schemeClr val="accent1"/>
+          </a:fillRef>
+          <a:effectRef idx="0">
+            <a:schemeClr val="accent1"/>
+          </a:effectRef>
+          <a:fontRef idx="minor">
+            <a:schemeClr val="tx1"/>
+          </a:fontRef>
+        </p:style>
+      </p:cxnSp>
+      <p:cxnSp>
+        <p:nvCxnSpPr>
+          <p:cNvPr id="31" name="直接连接符 30"/>
+          <p:cNvCxnSpPr>
+            <a:stCxn id="13" idx="6"/>
+            <a:endCxn id="17" idx="1"/>
+          </p:cNvCxnSpPr>
+          <p:nvPr/>
+        </p:nvCxnSpPr>
+        <p:spPr>
+          <a:xfrm>
+            <a:off x="2876046" y="1409844"/>
+            <a:ext cx="389923" cy="479216"/>
+          </a:xfrm>
+          <a:prstGeom prst="line">
+            <a:avLst/>
+          </a:prstGeom>
+        </p:spPr>
+        <p:style>
+          <a:lnRef idx="1">
+            <a:schemeClr val="accent1"/>
+          </a:lnRef>
+          <a:fillRef idx="0">
+            <a:schemeClr val="accent1"/>
+          </a:fillRef>
+          <a:effectRef idx="0">
+            <a:schemeClr val="accent1"/>
+          </a:effectRef>
+          <a:fontRef idx="minor">
+            <a:schemeClr val="tx1"/>
+          </a:fontRef>
+        </p:style>
+      </p:cxnSp>
+      <p:cxnSp>
+        <p:nvCxnSpPr>
+          <p:cNvPr id="33" name="直接连接符 32"/>
+          <p:cNvCxnSpPr>
+            <a:stCxn id="14" idx="6"/>
+            <a:endCxn id="15" idx="2"/>
+          </p:cNvCxnSpPr>
+          <p:nvPr/>
+        </p:nvCxnSpPr>
+        <p:spPr>
+          <a:xfrm flipV="1">
+            <a:off x="2876046" y="1313382"/>
+            <a:ext cx="368832" cy="450404"/>
+          </a:xfrm>
+          <a:prstGeom prst="line">
+            <a:avLst/>
+          </a:prstGeom>
+        </p:spPr>
+        <p:style>
+          <a:lnRef idx="1">
+            <a:schemeClr val="accent1"/>
+          </a:lnRef>
+          <a:fillRef idx="0">
+            <a:schemeClr val="accent1"/>
+          </a:fillRef>
+          <a:effectRef idx="0">
+            <a:schemeClr val="accent1"/>
+          </a:effectRef>
+          <a:fontRef idx="minor">
+            <a:schemeClr val="tx1"/>
+          </a:fontRef>
+        </p:style>
+      </p:cxnSp>
+      <p:cxnSp>
+        <p:nvCxnSpPr>
+          <p:cNvPr id="35" name="直接连接符 34"/>
+          <p:cNvCxnSpPr>
+            <a:stCxn id="14" idx="6"/>
+            <a:endCxn id="16" idx="2"/>
+          </p:cNvCxnSpPr>
+          <p:nvPr/>
+        </p:nvCxnSpPr>
+        <p:spPr>
+          <a:xfrm flipV="1">
+            <a:off x="2876046" y="1629306"/>
+            <a:ext cx="368832" cy="134480"/>
+          </a:xfrm>
+          <a:prstGeom prst="line">
+            <a:avLst/>
+          </a:prstGeom>
+        </p:spPr>
+        <p:style>
+          <a:lnRef idx="1">
+            <a:schemeClr val="accent1"/>
+          </a:lnRef>
+          <a:fillRef idx="0">
+            <a:schemeClr val="accent1"/>
+          </a:fillRef>
+          <a:effectRef idx="0">
+            <a:schemeClr val="accent1"/>
+          </a:effectRef>
+          <a:fontRef idx="minor">
+            <a:schemeClr val="tx1"/>
+          </a:fontRef>
+        </p:style>
+      </p:cxnSp>
+      <p:cxnSp>
+        <p:nvCxnSpPr>
+          <p:cNvPr id="37" name="直接连接符 36"/>
+          <p:cNvCxnSpPr>
+            <a:stCxn id="14" idx="6"/>
+            <a:endCxn id="17" idx="2"/>
+          </p:cNvCxnSpPr>
+          <p:nvPr/>
+        </p:nvCxnSpPr>
+        <p:spPr>
+          <a:xfrm>
+            <a:off x="2876046" y="1763786"/>
+            <a:ext cx="368832" cy="176191"/>
+          </a:xfrm>
+          <a:prstGeom prst="line">
+            <a:avLst/>
+          </a:prstGeom>
+        </p:spPr>
+        <p:style>
+          <a:lnRef idx="1">
+            <a:schemeClr val="accent1"/>
+          </a:lnRef>
+          <a:fillRef idx="0">
+            <a:schemeClr val="accent1"/>
+          </a:fillRef>
+          <a:effectRef idx="0">
+            <a:schemeClr val="accent1"/>
+          </a:effectRef>
+          <a:fontRef idx="minor">
+            <a:schemeClr val="tx1"/>
+          </a:fontRef>
+        </p:style>
+      </p:cxnSp>
+      <p:cxnSp>
+        <p:nvCxnSpPr>
+          <p:cNvPr id="39" name="直接连接符 38"/>
+          <p:cNvCxnSpPr>
+            <a:endCxn id="14" idx="2"/>
+          </p:cNvCxnSpPr>
+          <p:nvPr/>
+        </p:nvCxnSpPr>
+        <p:spPr>
+          <a:xfrm>
+            <a:off x="2376772" y="1313382"/>
+            <a:ext cx="355258" cy="450404"/>
+          </a:xfrm>
+          <a:prstGeom prst="line">
+            <a:avLst/>
+          </a:prstGeom>
+        </p:spPr>
+        <p:style>
+          <a:lnRef idx="1">
+            <a:schemeClr val="accent1"/>
+          </a:lnRef>
+          <a:fillRef idx="0">
+            <a:schemeClr val="accent1"/>
+          </a:fillRef>
+          <a:effectRef idx="0">
+            <a:schemeClr val="accent1"/>
+          </a:effectRef>
+          <a:fontRef idx="minor">
+            <a:schemeClr val="tx1"/>
+          </a:fontRef>
+        </p:style>
+      </p:cxnSp>
+      <p:cxnSp>
+        <p:nvCxnSpPr>
+          <p:cNvPr id="41" name="直接连接符 40"/>
+          <p:cNvCxnSpPr>
+            <a:stCxn id="11" idx="6"/>
+            <a:endCxn id="13" idx="2"/>
+          </p:cNvCxnSpPr>
+          <p:nvPr/>
+        </p:nvCxnSpPr>
+        <p:spPr>
+          <a:xfrm flipV="1">
+            <a:off x="2376772" y="1409844"/>
+            <a:ext cx="355258" cy="504510"/>
+          </a:xfrm>
+          <a:prstGeom prst="line">
+            <a:avLst/>
+          </a:prstGeom>
+        </p:spPr>
+        <p:style>
+          <a:lnRef idx="1">
+            <a:schemeClr val="accent1"/>
+          </a:lnRef>
+          <a:fillRef idx="0">
+            <a:schemeClr val="accent1"/>
+          </a:fillRef>
+          <a:effectRef idx="0">
+            <a:schemeClr val="accent1"/>
+          </a:effectRef>
+          <a:fontRef idx="minor">
+            <a:schemeClr val="tx1"/>
+          </a:fontRef>
+        </p:style>
+      </p:cxnSp>
+      <p:cxnSp>
+        <p:nvCxnSpPr>
+          <p:cNvPr id="45" name="直接箭头连接符 44"/>
+          <p:cNvCxnSpPr/>
+          <p:nvPr/>
+        </p:nvCxnSpPr>
+        <p:spPr>
+          <a:xfrm>
+            <a:off x="2232756" y="1050258"/>
+            <a:ext cx="1156138" cy="0"/>
+          </a:xfrm>
+          <a:prstGeom prst="straightConnector1">
+            <a:avLst/>
+          </a:prstGeom>
+          <a:ln>
+            <a:tailEnd type="arrow"/>
+          </a:ln>
+        </p:spPr>
+        <p:style>
+          <a:lnRef idx="1">
+            <a:schemeClr val="accent1"/>
+          </a:lnRef>
+          <a:fillRef idx="0">
+            <a:schemeClr val="accent1"/>
+          </a:fillRef>
+          <a:effectRef idx="0">
+            <a:schemeClr val="accent1"/>
+          </a:effectRef>
+          <a:fontRef idx="minor">
+            <a:schemeClr val="tx1"/>
+          </a:fontRef>
+        </p:style>
+      </p:cxnSp>
+      <p:sp>
+        <p:nvSpPr>
+          <p:cNvPr id="46" name="TextBox 45"/>
+          <p:cNvSpPr txBox="1"/>
+          <p:nvPr/>
+        </p:nvSpPr>
+        <p:spPr>
+          <a:xfrm>
+            <a:off x="2376772" y="822073"/>
+            <a:ext cx="814197" cy="276999"/>
+          </a:xfrm>
+          <a:prstGeom prst="rect">
+            <a:avLst/>
+          </a:prstGeom>
+          <a:noFill/>
+        </p:spPr>
+        <p:txBody>
+          <a:bodyPr wrap="none" rtlCol="0">
+            <a:spAutoFit/>
+          </a:bodyPr>
+          <a:lstStyle/>
+          <a:p>
+            <a:r>
+              <a:rPr lang="en-US" altLang="zh-CN" sz="1200" dirty="0" smtClean="0"/>
+              <a:t>Activation</a:t>
+            </a:r>
+            <a:endParaRPr lang="zh-CN" altLang="en-US" sz="1200" dirty="0"/>
+          </a:p>
+        </p:txBody>
+      </p:sp>
+      <p:sp>
+        <p:nvSpPr>
+          <p:cNvPr id="47" name="椭圆 46"/>
+          <p:cNvSpPr/>
+          <p:nvPr/>
+        </p:nvSpPr>
+        <p:spPr>
+          <a:xfrm>
+            <a:off x="5998591" y="1345712"/>
+            <a:ext cx="144016" cy="144016"/>
+          </a:xfrm>
+          <a:prstGeom prst="ellipse">
+            <a:avLst/>
+          </a:prstGeom>
+          <a:solidFill>
+            <a:schemeClr val="accent6"/>
+          </a:solidFill>
+          <a:ln>
+            <a:solidFill>
+              <a:schemeClr val="accent6">
+                <a:lumMod val="75000"/>
+              </a:schemeClr>
+            </a:solidFill>
+          </a:ln>
+        </p:spPr>
+        <p:style>
+          <a:lnRef idx="2">
+            <a:schemeClr val="accent1">
+              <a:shade val="50000"/>
+            </a:schemeClr>
+          </a:lnRef>
+          <a:fillRef idx="1">
+            <a:schemeClr val="accent1"/>
+          </a:fillRef>
+          <a:effectRef idx="0">
+            <a:schemeClr val="accent1"/>
+          </a:effectRef>
+          <a:fontRef idx="minor">
+            <a:schemeClr val="lt1"/>
+          </a:fontRef>
+        </p:style>
+        <p:txBody>
+          <a:bodyPr rtlCol="0" anchor="ctr"/>
+          <a:lstStyle/>
+          <a:p>
+            <a:pPr algn="ctr"/>
+            <a:endParaRPr lang="zh-CN" altLang="en-US"/>
+          </a:p>
+        </p:txBody>
+      </p:sp>
+      <p:sp>
+        <p:nvSpPr>
+          <p:cNvPr id="48" name="椭圆 47"/>
+          <p:cNvSpPr/>
+          <p:nvPr/>
+        </p:nvSpPr>
+        <p:spPr>
+          <a:xfrm>
+            <a:off x="5998591" y="1661636"/>
+            <a:ext cx="144016" cy="144016"/>
+          </a:xfrm>
+          <a:prstGeom prst="ellipse">
+            <a:avLst/>
+          </a:prstGeom>
+          <a:solidFill>
+            <a:schemeClr val="accent6"/>
+          </a:solidFill>
+          <a:ln>
+            <a:solidFill>
+              <a:schemeClr val="accent6">
+                <a:lumMod val="75000"/>
+              </a:schemeClr>
+            </a:solidFill>
+          </a:ln>
+        </p:spPr>
+        <p:style>
+          <a:lnRef idx="2">
+            <a:schemeClr val="accent1">
+              <a:shade val="50000"/>
+            </a:schemeClr>
+          </a:lnRef>
+          <a:fillRef idx="1">
+            <a:schemeClr val="accent1"/>
+          </a:fillRef>
+          <a:effectRef idx="0">
+            <a:schemeClr val="accent1"/>
+          </a:effectRef>
+          <a:fontRef idx="minor">
+            <a:schemeClr val="lt1"/>
+          </a:fontRef>
+        </p:style>
+        <p:txBody>
+          <a:bodyPr rtlCol="0" anchor="ctr"/>
+          <a:lstStyle/>
+          <a:p>
+            <a:pPr algn="ctr"/>
+            <a:endParaRPr lang="zh-CN" altLang="en-US"/>
+          </a:p>
+        </p:txBody>
+      </p:sp>
+      <p:sp>
+        <p:nvSpPr>
+          <p:cNvPr id="49" name="椭圆 48"/>
+          <p:cNvSpPr/>
+          <p:nvPr/>
+        </p:nvSpPr>
+        <p:spPr>
+          <a:xfrm>
+            <a:off x="5998591" y="1972307"/>
+            <a:ext cx="144016" cy="144016"/>
+          </a:xfrm>
+          <a:prstGeom prst="ellipse">
+            <a:avLst/>
+          </a:prstGeom>
+          <a:solidFill>
+            <a:schemeClr val="accent6"/>
+          </a:solidFill>
+          <a:ln>
+            <a:solidFill>
+              <a:schemeClr val="accent6">
+                <a:lumMod val="75000"/>
+              </a:schemeClr>
+            </a:solidFill>
+          </a:ln>
+        </p:spPr>
+        <p:style>
+          <a:lnRef idx="2">
+            <a:schemeClr val="accent1">
+              <a:shade val="50000"/>
+            </a:schemeClr>
+          </a:lnRef>
+          <a:fillRef idx="1">
+            <a:schemeClr val="accent1"/>
+          </a:fillRef>
+          <a:effectRef idx="0">
+            <a:schemeClr val="accent1"/>
+          </a:effectRef>
+          <a:fontRef idx="minor">
+            <a:schemeClr val="lt1"/>
+          </a:fontRef>
+        </p:style>
+        <p:txBody>
+          <a:bodyPr rtlCol="0" anchor="ctr"/>
+          <a:lstStyle/>
+          <a:p>
+            <a:pPr algn="ctr"/>
+            <a:endParaRPr lang="zh-CN" altLang="en-US"/>
+          </a:p>
+        </p:txBody>
+      </p:sp>
+      <p:sp>
+        <p:nvSpPr>
+          <p:cNvPr id="50" name="椭圆 49"/>
+          <p:cNvSpPr/>
+          <p:nvPr/>
+        </p:nvSpPr>
+        <p:spPr>
+          <a:xfrm>
+            <a:off x="6497865" y="1467797"/>
+            <a:ext cx="144016" cy="144016"/>
+          </a:xfrm>
+          <a:prstGeom prst="ellipse">
+            <a:avLst/>
+          </a:prstGeom>
+          <a:solidFill>
+            <a:schemeClr val="accent6"/>
+          </a:solidFill>
+          <a:ln>
+            <a:solidFill>
+              <a:schemeClr val="accent6">
+                <a:lumMod val="75000"/>
+              </a:schemeClr>
+            </a:solidFill>
+          </a:ln>
+        </p:spPr>
+        <p:style>
+          <a:lnRef idx="2">
+            <a:schemeClr val="accent1">
+              <a:shade val="50000"/>
+            </a:schemeClr>
+          </a:lnRef>
+          <a:fillRef idx="1">
+            <a:schemeClr val="accent1"/>
+          </a:fillRef>
+          <a:effectRef idx="0">
+            <a:schemeClr val="accent1"/>
+          </a:effectRef>
+          <a:fontRef idx="minor">
+            <a:schemeClr val="lt1"/>
+          </a:fontRef>
+        </p:style>
+        <p:txBody>
+          <a:bodyPr rtlCol="0" anchor="ctr"/>
+          <a:lstStyle/>
+          <a:p>
+            <a:pPr algn="ctr"/>
+            <a:endParaRPr lang="zh-CN" altLang="en-US"/>
+          </a:p>
+        </p:txBody>
+      </p:sp>
+      <p:sp>
+        <p:nvSpPr>
+          <p:cNvPr id="51" name="椭圆 50"/>
+          <p:cNvSpPr/>
+          <p:nvPr/>
+        </p:nvSpPr>
+        <p:spPr>
+          <a:xfrm>
+            <a:off x="6497865" y="1821739"/>
+            <a:ext cx="144016" cy="144016"/>
+          </a:xfrm>
+          <a:prstGeom prst="ellipse">
+            <a:avLst/>
+          </a:prstGeom>
+          <a:solidFill>
+            <a:schemeClr val="accent6"/>
+          </a:solidFill>
+          <a:ln>
+            <a:solidFill>
+              <a:schemeClr val="accent6">
+                <a:lumMod val="75000"/>
+              </a:schemeClr>
+            </a:solidFill>
+          </a:ln>
+        </p:spPr>
+        <p:style>
+          <a:lnRef idx="2">
+            <a:schemeClr val="accent1">
+              <a:shade val="50000"/>
+            </a:schemeClr>
+          </a:lnRef>
+          <a:fillRef idx="1">
+            <a:schemeClr val="accent1"/>
+          </a:fillRef>
+          <a:effectRef idx="0">
+            <a:schemeClr val="accent1"/>
+          </a:effectRef>
+          <a:fontRef idx="minor">
+            <a:schemeClr val="lt1"/>
+          </a:fontRef>
+        </p:style>
+        <p:txBody>
+          <a:bodyPr rtlCol="0" anchor="ctr"/>
+          <a:lstStyle/>
+          <a:p>
+            <a:pPr algn="ctr"/>
+            <a:endParaRPr lang="zh-CN" altLang="en-US"/>
+          </a:p>
+        </p:txBody>
+      </p:sp>
+      <p:sp>
+        <p:nvSpPr>
+          <p:cNvPr id="52" name="椭圆 51"/>
+          <p:cNvSpPr/>
+          <p:nvPr/>
+        </p:nvSpPr>
+        <p:spPr>
+          <a:xfrm>
+            <a:off x="7010713" y="1371335"/>
+            <a:ext cx="144016" cy="144016"/>
+          </a:xfrm>
+          <a:prstGeom prst="ellipse">
+            <a:avLst/>
+          </a:prstGeom>
+          <a:solidFill>
+            <a:schemeClr val="accent6"/>
+          </a:solidFill>
+          <a:ln>
+            <a:solidFill>
+              <a:schemeClr val="accent6">
+                <a:lumMod val="75000"/>
+              </a:schemeClr>
+            </a:solidFill>
+          </a:ln>
+        </p:spPr>
+        <p:style>
+          <a:lnRef idx="2">
+            <a:schemeClr val="accent1">
+              <a:shade val="50000"/>
+            </a:schemeClr>
+          </a:lnRef>
+          <a:fillRef idx="1">
+            <a:schemeClr val="accent1"/>
+          </a:fillRef>
+          <a:effectRef idx="0">
+            <a:schemeClr val="accent1"/>
+          </a:effectRef>
+          <a:fontRef idx="minor">
+            <a:schemeClr val="lt1"/>
+          </a:fontRef>
+        </p:style>
+        <p:txBody>
+          <a:bodyPr rtlCol="0" anchor="ctr"/>
+          <a:lstStyle/>
+          <a:p>
+            <a:pPr algn="ctr"/>
+            <a:endParaRPr lang="zh-CN" altLang="en-US"/>
+          </a:p>
+        </p:txBody>
+      </p:sp>
+      <p:sp>
+        <p:nvSpPr>
+          <p:cNvPr id="53" name="椭圆 52"/>
+          <p:cNvSpPr/>
+          <p:nvPr/>
+        </p:nvSpPr>
+        <p:spPr>
+          <a:xfrm>
+            <a:off x="7010713" y="1687259"/>
+            <a:ext cx="144016" cy="144016"/>
+          </a:xfrm>
+          <a:prstGeom prst="ellipse">
+            <a:avLst/>
+          </a:prstGeom>
+          <a:solidFill>
+            <a:schemeClr val="accent6"/>
+          </a:solidFill>
+          <a:ln>
+            <a:solidFill>
+              <a:schemeClr val="accent6">
+                <a:lumMod val="75000"/>
+              </a:schemeClr>
+            </a:solidFill>
+          </a:ln>
+        </p:spPr>
+        <p:style>
+          <a:lnRef idx="2">
+            <a:schemeClr val="accent1">
+              <a:shade val="50000"/>
+            </a:schemeClr>
+          </a:lnRef>
+          <a:fillRef idx="1">
+            <a:schemeClr val="accent1"/>
+          </a:fillRef>
+          <a:effectRef idx="0">
+            <a:schemeClr val="accent1"/>
+          </a:effectRef>
+          <a:fontRef idx="minor">
+            <a:schemeClr val="lt1"/>
+          </a:fontRef>
+        </p:style>
+        <p:txBody>
+          <a:bodyPr rtlCol="0" anchor="ctr"/>
+          <a:lstStyle/>
+          <a:p>
+            <a:pPr algn="ctr"/>
+            <a:endParaRPr lang="zh-CN" altLang="en-US"/>
+          </a:p>
+        </p:txBody>
+      </p:sp>
+      <p:sp>
+        <p:nvSpPr>
+          <p:cNvPr id="54" name="椭圆 53"/>
+          <p:cNvSpPr/>
+          <p:nvPr/>
+        </p:nvSpPr>
+        <p:spPr>
+          <a:xfrm>
+            <a:off x="7010713" y="1997930"/>
+            <a:ext cx="144016" cy="144016"/>
+          </a:xfrm>
+          <a:prstGeom prst="ellipse">
+            <a:avLst/>
+          </a:prstGeom>
+          <a:solidFill>
+            <a:schemeClr val="accent6"/>
+          </a:solidFill>
+          <a:ln>
+            <a:solidFill>
+              <a:schemeClr val="accent6">
+                <a:lumMod val="75000"/>
+              </a:schemeClr>
+            </a:solidFill>
+          </a:ln>
+        </p:spPr>
+        <p:style>
+          <a:lnRef idx="2">
+            <a:schemeClr val="accent1">
+              <a:shade val="50000"/>
+            </a:schemeClr>
+          </a:lnRef>
+          <a:fillRef idx="1">
+            <a:schemeClr val="accent1"/>
+          </a:fillRef>
+          <a:effectRef idx="0">
+            <a:schemeClr val="accent1"/>
+          </a:effectRef>
+          <a:fontRef idx="minor">
+            <a:schemeClr val="lt1"/>
+          </a:fontRef>
+        </p:style>
+        <p:txBody>
+          <a:bodyPr rtlCol="0" anchor="ctr"/>
+          <a:lstStyle/>
+          <a:p>
+            <a:pPr algn="ctr"/>
+            <a:endParaRPr lang="zh-CN" altLang="en-US"/>
+          </a:p>
+        </p:txBody>
+      </p:sp>
+      <p:cxnSp>
+        <p:nvCxnSpPr>
+          <p:cNvPr id="55" name="直接连接符 54"/>
+          <p:cNvCxnSpPr>
+            <a:stCxn id="47" idx="6"/>
+            <a:endCxn id="50" idx="2"/>
+          </p:cNvCxnSpPr>
+          <p:nvPr/>
+        </p:nvCxnSpPr>
+        <p:spPr>
+          <a:xfrm>
+            <a:off x="6142607" y="1417720"/>
+            <a:ext cx="355258" cy="122085"/>
+          </a:xfrm>
+          <a:prstGeom prst="line">
+            <a:avLst/>
+          </a:prstGeom>
+          <a:ln>
+            <a:solidFill>
+              <a:schemeClr val="accent6">
+                <a:lumMod val="75000"/>
+              </a:schemeClr>
+            </a:solidFill>
+          </a:ln>
+        </p:spPr>
+        <p:style>
+          <a:lnRef idx="1">
+            <a:schemeClr val="accent1"/>
+          </a:lnRef>
+          <a:fillRef idx="0">
+            <a:schemeClr val="accent1"/>
+          </a:fillRef>
+          <a:effectRef idx="0">
+            <a:schemeClr val="accent1"/>
+          </a:effectRef>
+          <a:fontRef idx="minor">
+            <a:schemeClr val="tx1"/>
+          </a:fontRef>
+        </p:style>
+      </p:cxnSp>
+      <p:cxnSp>
+        <p:nvCxnSpPr>
+          <p:cNvPr id="56" name="直接连接符 55"/>
+          <p:cNvCxnSpPr>
+            <a:stCxn id="48" idx="6"/>
+            <a:endCxn id="50" idx="2"/>
+          </p:cNvCxnSpPr>
+          <p:nvPr/>
+        </p:nvCxnSpPr>
+        <p:spPr>
+          <a:xfrm flipV="1">
+            <a:off x="6142607" y="1539805"/>
+            <a:ext cx="355258" cy="193839"/>
+          </a:xfrm>
+          <a:prstGeom prst="line">
+            <a:avLst/>
+          </a:prstGeom>
+          <a:ln>
+            <a:solidFill>
+              <a:schemeClr val="accent6">
+                <a:lumMod val="75000"/>
+              </a:schemeClr>
+            </a:solidFill>
+          </a:ln>
+        </p:spPr>
+        <p:style>
+          <a:lnRef idx="1">
+            <a:schemeClr val="accent1"/>
+          </a:lnRef>
+          <a:fillRef idx="0">
+            <a:schemeClr val="accent1"/>
+          </a:fillRef>
+          <a:effectRef idx="0">
+            <a:schemeClr val="accent1"/>
+          </a:effectRef>
+          <a:fontRef idx="minor">
+            <a:schemeClr val="tx1"/>
+          </a:fontRef>
+        </p:style>
+      </p:cxnSp>
+      <p:cxnSp>
+        <p:nvCxnSpPr>
+          <p:cNvPr id="57" name="直接连接符 56"/>
+          <p:cNvCxnSpPr>
+            <a:stCxn id="48" idx="6"/>
+            <a:endCxn id="51" idx="2"/>
+          </p:cNvCxnSpPr>
+          <p:nvPr/>
+        </p:nvCxnSpPr>
+        <p:spPr>
+          <a:xfrm>
+            <a:off x="6142607" y="1733644"/>
+            <a:ext cx="355258" cy="160103"/>
+          </a:xfrm>
+          <a:prstGeom prst="line">
+            <a:avLst/>
+          </a:prstGeom>
+          <a:ln>
+            <a:solidFill>
+              <a:schemeClr val="accent6">
+                <a:lumMod val="75000"/>
+              </a:schemeClr>
+            </a:solidFill>
+          </a:ln>
+        </p:spPr>
+        <p:style>
+          <a:lnRef idx="1">
+            <a:schemeClr val="accent1"/>
+          </a:lnRef>
+          <a:fillRef idx="0">
+            <a:schemeClr val="accent1"/>
+          </a:fillRef>
+          <a:effectRef idx="0">
+            <a:schemeClr val="accent1"/>
+          </a:effectRef>
+          <a:fontRef idx="minor">
+            <a:schemeClr val="tx1"/>
+          </a:fontRef>
+        </p:style>
+      </p:cxnSp>
+      <p:cxnSp>
+        <p:nvCxnSpPr>
+          <p:cNvPr id="58" name="直接连接符 57"/>
+          <p:cNvCxnSpPr>
+            <a:stCxn id="49" idx="6"/>
+            <a:endCxn id="51" idx="2"/>
+          </p:cNvCxnSpPr>
+          <p:nvPr/>
+        </p:nvCxnSpPr>
+        <p:spPr>
+          <a:xfrm flipV="1">
+            <a:off x="6142607" y="1893747"/>
+            <a:ext cx="355258" cy="150568"/>
+          </a:xfrm>
+          <a:prstGeom prst="line">
+            <a:avLst/>
+          </a:prstGeom>
+          <a:ln>
+            <a:solidFill>
+              <a:schemeClr val="accent6">
+                <a:lumMod val="75000"/>
+              </a:schemeClr>
+            </a:solidFill>
+          </a:ln>
+        </p:spPr>
+        <p:style>
+          <a:lnRef idx="1">
+            <a:schemeClr val="accent1"/>
+          </a:lnRef>
+          <a:fillRef idx="0">
+            <a:schemeClr val="accent1"/>
+          </a:fillRef>
+          <a:effectRef idx="0">
+            <a:schemeClr val="accent1"/>
+          </a:effectRef>
+          <a:fontRef idx="minor">
+            <a:schemeClr val="tx1"/>
+          </a:fontRef>
+        </p:style>
+      </p:cxnSp>
+      <p:cxnSp>
+        <p:nvCxnSpPr>
+          <p:cNvPr id="59" name="直接连接符 58"/>
+          <p:cNvCxnSpPr>
+            <a:stCxn id="50" idx="6"/>
+            <a:endCxn id="52" idx="2"/>
+          </p:cNvCxnSpPr>
+          <p:nvPr/>
+        </p:nvCxnSpPr>
+        <p:spPr>
+          <a:xfrm flipV="1">
+            <a:off x="6641881" y="1443343"/>
+            <a:ext cx="368832" cy="96462"/>
+          </a:xfrm>
+          <a:prstGeom prst="line">
+            <a:avLst/>
+          </a:prstGeom>
+          <a:ln>
+            <a:solidFill>
+              <a:schemeClr val="accent6">
+                <a:lumMod val="75000"/>
+              </a:schemeClr>
+            </a:solidFill>
+          </a:ln>
+        </p:spPr>
+        <p:style>
+          <a:lnRef idx="1">
+            <a:schemeClr val="accent1"/>
+          </a:lnRef>
+          <a:fillRef idx="0">
+            <a:schemeClr val="accent1"/>
+          </a:fillRef>
+          <a:effectRef idx="0">
+            <a:schemeClr val="accent1"/>
+          </a:effectRef>
+          <a:fontRef idx="minor">
+            <a:schemeClr val="tx1"/>
+          </a:fontRef>
+        </p:style>
+      </p:cxnSp>
+      <p:cxnSp>
+        <p:nvCxnSpPr>
+          <p:cNvPr id="60" name="直接连接符 59"/>
+          <p:cNvCxnSpPr>
+            <a:stCxn id="50" idx="6"/>
+            <a:endCxn id="53" idx="1"/>
+          </p:cNvCxnSpPr>
+          <p:nvPr/>
+        </p:nvCxnSpPr>
+        <p:spPr>
+          <a:xfrm>
+            <a:off x="6641881" y="1539805"/>
+            <a:ext cx="389923" cy="168545"/>
+          </a:xfrm>
+          <a:prstGeom prst="line">
+            <a:avLst/>
+          </a:prstGeom>
+          <a:ln>
+            <a:solidFill>
+              <a:schemeClr val="accent6">
+                <a:lumMod val="75000"/>
+              </a:schemeClr>
+            </a:solidFill>
+          </a:ln>
+        </p:spPr>
+        <p:style>
+          <a:lnRef idx="1">
+            <a:schemeClr val="accent1"/>
+          </a:lnRef>
+          <a:fillRef idx="0">
+            <a:schemeClr val="accent1"/>
+          </a:fillRef>
+          <a:effectRef idx="0">
+            <a:schemeClr val="accent1"/>
+          </a:effectRef>
+          <a:fontRef idx="minor">
+            <a:schemeClr val="tx1"/>
+          </a:fontRef>
+        </p:style>
+      </p:cxnSp>
+      <p:cxnSp>
+        <p:nvCxnSpPr>
+          <p:cNvPr id="61" name="直接连接符 60"/>
+          <p:cNvCxnSpPr>
+            <a:stCxn id="50" idx="6"/>
+            <a:endCxn id="54" idx="1"/>
+          </p:cNvCxnSpPr>
+          <p:nvPr/>
+        </p:nvCxnSpPr>
+        <p:spPr>
+          <a:xfrm>
+            <a:off x="6641881" y="1539805"/>
+            <a:ext cx="389923" cy="479216"/>
+          </a:xfrm>
+          <a:prstGeom prst="line">
+            <a:avLst/>
+          </a:prstGeom>
+          <a:ln>
+            <a:solidFill>
+              <a:schemeClr val="accent6">
+                <a:lumMod val="75000"/>
+              </a:schemeClr>
+            </a:solidFill>
+          </a:ln>
+        </p:spPr>
+        <p:style>
+          <a:lnRef idx="1">
+            <a:schemeClr val="accent1"/>
+          </a:lnRef>
+          <a:fillRef idx="0">
+            <a:schemeClr val="accent1"/>
+          </a:fillRef>
+          <a:effectRef idx="0">
+            <a:schemeClr val="accent1"/>
+          </a:effectRef>
+          <a:fontRef idx="minor">
+            <a:schemeClr val="tx1"/>
+          </a:fontRef>
+        </p:style>
+      </p:cxnSp>
+      <p:cxnSp>
+        <p:nvCxnSpPr>
+          <p:cNvPr id="62" name="直接连接符 61"/>
+          <p:cNvCxnSpPr>
+            <a:stCxn id="51" idx="6"/>
+            <a:endCxn id="52" idx="2"/>
+          </p:cNvCxnSpPr>
+          <p:nvPr/>
+        </p:nvCxnSpPr>
+        <p:spPr>
+          <a:xfrm flipV="1">
+            <a:off x="6641881" y="1443343"/>
+            <a:ext cx="368832" cy="450404"/>
+          </a:xfrm>
+          <a:prstGeom prst="line">
+            <a:avLst/>
+          </a:prstGeom>
+          <a:ln>
+            <a:solidFill>
+              <a:schemeClr val="accent6">
+                <a:lumMod val="75000"/>
+              </a:schemeClr>
+            </a:solidFill>
+          </a:ln>
+        </p:spPr>
+        <p:style>
+          <a:lnRef idx="1">
+            <a:schemeClr val="accent1"/>
+          </a:lnRef>
+          <a:fillRef idx="0">
+            <a:schemeClr val="accent1"/>
+          </a:fillRef>
+          <a:effectRef idx="0">
+            <a:schemeClr val="accent1"/>
+          </a:effectRef>
+          <a:fontRef idx="minor">
+            <a:schemeClr val="tx1"/>
+          </a:fontRef>
+        </p:style>
+      </p:cxnSp>
+      <p:cxnSp>
+        <p:nvCxnSpPr>
+          <p:cNvPr id="63" name="直接连接符 62"/>
+          <p:cNvCxnSpPr>
+            <a:stCxn id="51" idx="6"/>
+            <a:endCxn id="53" idx="2"/>
+          </p:cNvCxnSpPr>
+          <p:nvPr/>
+        </p:nvCxnSpPr>
+        <p:spPr>
+          <a:xfrm flipV="1">
+            <a:off x="6641881" y="1759267"/>
+            <a:ext cx="368832" cy="134480"/>
+          </a:xfrm>
+          <a:prstGeom prst="line">
+            <a:avLst/>
+          </a:prstGeom>
+          <a:ln>
+            <a:solidFill>
+              <a:schemeClr val="accent6">
+                <a:lumMod val="75000"/>
+              </a:schemeClr>
+            </a:solidFill>
+          </a:ln>
+        </p:spPr>
+        <p:style>
+          <a:lnRef idx="1">
+            <a:schemeClr val="accent1"/>
+          </a:lnRef>
+          <a:fillRef idx="0">
+            <a:schemeClr val="accent1"/>
+          </a:fillRef>
+          <a:effectRef idx="0">
+            <a:schemeClr val="accent1"/>
+          </a:effectRef>
+          <a:fontRef idx="minor">
+            <a:schemeClr val="tx1"/>
+          </a:fontRef>
+        </p:style>
+      </p:cxnSp>
+      <p:cxnSp>
+        <p:nvCxnSpPr>
+          <p:cNvPr id="64" name="直接连接符 63"/>
+          <p:cNvCxnSpPr>
+            <a:stCxn id="51" idx="6"/>
+            <a:endCxn id="54" idx="2"/>
+          </p:cNvCxnSpPr>
+          <p:nvPr/>
+        </p:nvCxnSpPr>
+        <p:spPr>
+          <a:xfrm>
+            <a:off x="6641881" y="1893747"/>
+            <a:ext cx="368832" cy="176191"/>
+          </a:xfrm>
+          <a:prstGeom prst="line">
+            <a:avLst/>
+          </a:prstGeom>
+          <a:ln>
+            <a:solidFill>
+              <a:schemeClr val="accent6">
+                <a:lumMod val="75000"/>
+              </a:schemeClr>
+            </a:solidFill>
+          </a:ln>
+        </p:spPr>
+        <p:style>
+          <a:lnRef idx="1">
+            <a:schemeClr val="accent1"/>
+          </a:lnRef>
+          <a:fillRef idx="0">
+            <a:schemeClr val="accent1"/>
+          </a:fillRef>
+          <a:effectRef idx="0">
+            <a:schemeClr val="accent1"/>
+          </a:effectRef>
+          <a:fontRef idx="minor">
+            <a:schemeClr val="tx1"/>
+          </a:fontRef>
+        </p:style>
+      </p:cxnSp>
+      <p:cxnSp>
+        <p:nvCxnSpPr>
+          <p:cNvPr id="65" name="直接连接符 64"/>
+          <p:cNvCxnSpPr>
+            <a:endCxn id="51" idx="2"/>
+          </p:cNvCxnSpPr>
+          <p:nvPr/>
+        </p:nvCxnSpPr>
+        <p:spPr>
+          <a:xfrm>
+            <a:off x="6142607" y="1443343"/>
+            <a:ext cx="355258" cy="450404"/>
+          </a:xfrm>
+          <a:prstGeom prst="line">
+            <a:avLst/>
+          </a:prstGeom>
+          <a:ln>
+            <a:solidFill>
+              <a:schemeClr val="accent6">
+                <a:lumMod val="75000"/>
+              </a:schemeClr>
+            </a:solidFill>
+          </a:ln>
+        </p:spPr>
+        <p:style>
+          <a:lnRef idx="1">
+            <a:schemeClr val="accent1"/>
+          </a:lnRef>
+          <a:fillRef idx="0">
+            <a:schemeClr val="accent1"/>
+          </a:fillRef>
+          <a:effectRef idx="0">
+            <a:schemeClr val="accent1"/>
+          </a:effectRef>
+          <a:fontRef idx="minor">
+            <a:schemeClr val="tx1"/>
+          </a:fontRef>
+        </p:style>
+      </p:cxnSp>
+      <p:cxnSp>
+        <p:nvCxnSpPr>
+          <p:cNvPr id="66" name="直接连接符 65"/>
+          <p:cNvCxnSpPr>
+            <a:stCxn id="49" idx="6"/>
+            <a:endCxn id="50" idx="2"/>
+          </p:cNvCxnSpPr>
+          <p:nvPr/>
+        </p:nvCxnSpPr>
+        <p:spPr>
+          <a:xfrm flipV="1">
+            <a:off x="6142607" y="1539805"/>
+            <a:ext cx="355258" cy="504510"/>
+          </a:xfrm>
+          <a:prstGeom prst="line">
+            <a:avLst/>
+          </a:prstGeom>
+          <a:ln>
+            <a:solidFill>
+              <a:schemeClr val="accent6">
+                <a:lumMod val="75000"/>
+              </a:schemeClr>
+            </a:solidFill>
+          </a:ln>
+        </p:spPr>
+        <p:style>
+          <a:lnRef idx="1">
+            <a:schemeClr val="accent1"/>
+          </a:lnRef>
+          <a:fillRef idx="0">
+            <a:schemeClr val="accent1"/>
+          </a:fillRef>
+          <a:effectRef idx="0">
+            <a:schemeClr val="accent1"/>
+          </a:effectRef>
+          <a:fontRef idx="minor">
+            <a:schemeClr val="tx1"/>
+          </a:fontRef>
+        </p:style>
+      </p:cxnSp>
+      <p:cxnSp>
+        <p:nvCxnSpPr>
+          <p:cNvPr id="67" name="直接箭头连接符 66"/>
+          <p:cNvCxnSpPr/>
+          <p:nvPr/>
+        </p:nvCxnSpPr>
+        <p:spPr>
+          <a:xfrm flipH="1">
+            <a:off x="6070599" y="1180219"/>
+            <a:ext cx="1012122" cy="0"/>
+          </a:xfrm>
+          <a:prstGeom prst="straightConnector1">
+            <a:avLst/>
+          </a:prstGeom>
+          <a:ln>
+            <a:solidFill>
+              <a:schemeClr val="accent6">
+                <a:lumMod val="75000"/>
+              </a:schemeClr>
+            </a:solidFill>
+            <a:tailEnd type="arrow"/>
+          </a:ln>
+        </p:spPr>
+        <p:style>
+          <a:lnRef idx="1">
+            <a:schemeClr val="accent1"/>
+          </a:lnRef>
+          <a:fillRef idx="0">
+            <a:schemeClr val="accent1"/>
+          </a:fillRef>
+          <a:effectRef idx="0">
+            <a:schemeClr val="accent1"/>
+          </a:effectRef>
+          <a:fontRef idx="minor">
+            <a:schemeClr val="tx1"/>
+          </a:fontRef>
+        </p:style>
+      </p:cxnSp>
+      <p:sp>
+        <p:nvSpPr>
+          <p:cNvPr id="68" name="TextBox 67"/>
+          <p:cNvSpPr txBox="1"/>
+          <p:nvPr/>
+        </p:nvSpPr>
+        <p:spPr>
+          <a:xfrm>
+            <a:off x="6389371" y="952034"/>
+            <a:ext cx="497957" cy="276999"/>
+          </a:xfrm>
+          <a:prstGeom prst="rect">
+            <a:avLst/>
+          </a:prstGeom>
+          <a:noFill/>
+        </p:spPr>
+        <p:txBody>
+          <a:bodyPr wrap="none" rtlCol="0">
+            <a:spAutoFit/>
+          </a:bodyPr>
+          <a:lstStyle/>
+          <a:p>
+            <a:r>
+              <a:rPr lang="en-US" altLang="zh-CN" sz="1200" dirty="0" smtClean="0"/>
+              <a:t>Error</a:t>
+            </a:r>
+            <a:endParaRPr lang="zh-CN" altLang="en-US" sz="1200" dirty="0"/>
+          </a:p>
+        </p:txBody>
+      </p:sp>
+      <p:sp>
+        <p:nvSpPr>
+          <p:cNvPr id="12" name="竖排文字占位符 11"/>
+          <p:cNvSpPr>
+            <a:spLocks noGrp="1"/>
+          </p:cNvSpPr>
+          <p:nvPr>
+            <p:ph type="body" orient="vert" sz="quarter" idx="13"/>
+          </p:nvPr>
+        </p:nvSpPr>
+        <p:spPr/>
+        <p:txBody>
+          <a:bodyPr>
+            <a:normAutofit lnSpcReduction="10000"/>
+          </a:bodyPr>
+          <a:lstStyle/>
+          <a:p>
+            <a:r>
+              <a:rPr lang="en-US" altLang="zh-CN" dirty="0"/>
+              <a:t>Deviation – Term Expansion</a:t>
+            </a:r>
+            <a:endParaRPr lang="zh-CN" altLang="en-US" dirty="0"/>
+          </a:p>
+          <a:p>
+            <a:endParaRPr lang="zh-CN" altLang="en-US" dirty="0"/>
+          </a:p>
+        </p:txBody>
+      </p:sp>
+    </p:spTree>
+  </p:cSld>
+  <p:clrMapOvr>
+    <a:masterClrMapping/>
+  </p:clrMapOvr>
+  <p:timing>
+    <p:tnLst>
+      <p:par>
+        <p:cTn id="1" dur="indefinite" restart="never" nodeType="tmRoot"/>
+      </p:par>
+    </p:tnLst>
+  </p:timing>
+</p:sld>
+</file>
+
+<file path=ppt/slides/slide5.xml><?xml version="1.0" encoding="utf-8"?>
+<p:sld xmlns:a="http://schemas.openxmlformats.org/drawingml/2006/main" xmlns:r="http://schemas.openxmlformats.org/officeDocument/2006/relationships" xmlns:p="http://schemas.openxmlformats.org/presentationml/2006/main">
+  <p:cSld>
+    <p:spTree>
+      <p:nvGrpSpPr>
+        <p:cNvPr id="1" name=""/>
+        <p:cNvGrpSpPr/>
+        <p:nvPr/>
+      </p:nvGrpSpPr>
+      <p:grpSpPr>
+        <a:xfrm>
+          <a:off x="0" y="0"/>
+          <a:ext cx="0" cy="0"/>
+          <a:chOff x="0" y="0"/>
+          <a:chExt cx="0" cy="0"/>
+        </a:xfrm>
+      </p:grpSpPr>
+      <p:sp>
+        <p:nvSpPr>
+          <p:cNvPr id="4" name="TextBox 3"/>
+          <p:cNvSpPr txBox="1"/>
+          <p:nvPr/>
+        </p:nvSpPr>
+        <p:spPr>
+          <a:xfrm>
+            <a:off x="3642692" y="2276872"/>
             <a:ext cx="2514214" cy="646331"/>
           </a:xfrm>
           <a:prstGeom prst="rect">
@@ -3487,7 +6495,7 @@
         </p:nvSpPr>
         <p:spPr>
           <a:xfrm>
-            <a:off x="2344994" y="1917290"/>
+            <a:off x="2783838" y="1917290"/>
             <a:ext cx="929148" cy="575187"/>
           </a:xfrm>
           <a:custGeom>
@@ -3570,7 +6578,7 @@
         </p:nvSpPr>
         <p:spPr>
           <a:xfrm>
-            <a:off x="5580112" y="1844824"/>
+            <a:off x="6018956" y="1844824"/>
             <a:ext cx="560438" cy="634181"/>
           </a:xfrm>
           <a:custGeom>
@@ -3653,7 +6661,7 @@
         </p:nvSpPr>
         <p:spPr>
           <a:xfrm>
-            <a:off x="4203290" y="2949677"/>
+            <a:off x="4642134" y="2949677"/>
             <a:ext cx="560439" cy="427704"/>
           </a:xfrm>
           <a:custGeom>
@@ -3736,7 +6744,7 @@
         </p:nvSpPr>
         <p:spPr>
           <a:xfrm>
-            <a:off x="1691680" y="2060848"/>
+            <a:off x="2130524" y="2060848"/>
             <a:ext cx="856645" cy="461665"/>
           </a:xfrm>
           <a:prstGeom prst="rect">
@@ -3765,7 +6773,7 @@
         </p:nvSpPr>
         <p:spPr>
           <a:xfrm>
-            <a:off x="6156176" y="1916832"/>
+            <a:off x="6595020" y="1916832"/>
             <a:ext cx="920445" cy="461665"/>
           </a:xfrm>
           <a:prstGeom prst="rect">
@@ -3795,7 +6803,7 @@
         </p:nvSpPr>
         <p:spPr>
           <a:xfrm>
-            <a:off x="3995936" y="3356992"/>
+            <a:off x="4434780" y="3356992"/>
             <a:ext cx="949940" cy="461665"/>
           </a:xfrm>
           <a:prstGeom prst="rect">
@@ -3833,7 +6841,7 @@
         </p:blipFill>
         <p:spPr bwMode="auto">
           <a:xfrm>
-            <a:off x="251520" y="404664"/>
+            <a:off x="690364" y="404664"/>
             <a:ext cx="2933700" cy="1076325"/>
           </a:xfrm>
           <a:prstGeom prst="rect">
@@ -3859,8 +6867,8 @@
         </p:blipFill>
         <p:spPr bwMode="auto">
           <a:xfrm>
-            <a:off x="4499992" y="260648"/>
-            <a:ext cx="4457700" cy="1285876"/>
+            <a:off x="4572000" y="260648"/>
+            <a:ext cx="4039244" cy="1285876"/>
           </a:xfrm>
           <a:prstGeom prst="rect">
             <a:avLst/>
@@ -3876,7 +6884,7 @@
         </p:nvSpPr>
         <p:spPr>
           <a:xfrm rot="5400000">
-            <a:off x="4355976" y="-99392"/>
+            <a:off x="4794820" y="-99392"/>
             <a:ext cx="288032" cy="8064896"/>
           </a:xfrm>
           <a:prstGeom prst="leftBrace">
@@ -3917,7 +6925,7 @@
         </p:nvGrpSpPr>
         <p:grpSpPr>
           <a:xfrm>
-            <a:off x="971600" y="4581128"/>
+            <a:off x="1410444" y="4581128"/>
             <a:ext cx="864096" cy="864096"/>
             <a:chOff x="611560" y="4077072"/>
             <a:chExt cx="864096" cy="864096"/>
@@ -4418,7 +7426,7 @@
         </p:nvSpPr>
         <p:spPr>
           <a:xfrm>
-            <a:off x="1043608" y="4149080"/>
+            <a:off x="1482452" y="4149080"/>
             <a:ext cx="637803" cy="369332"/>
           </a:xfrm>
           <a:prstGeom prst="rect">
@@ -4448,7 +7456,7 @@
         </p:nvGrpSpPr>
         <p:grpSpPr>
           <a:xfrm>
-            <a:off x="4644008" y="4581128"/>
+            <a:off x="5082852" y="4581128"/>
             <a:ext cx="864096" cy="864096"/>
             <a:chOff x="611560" y="4077072"/>
             <a:chExt cx="864096" cy="864096"/>
@@ -4949,7 +7957,7 @@
         </p:nvSpPr>
         <p:spPr>
           <a:xfrm>
-            <a:off x="4788024" y="4149080"/>
+            <a:off x="5226868" y="4149080"/>
             <a:ext cx="564578" cy="369332"/>
           </a:xfrm>
           <a:prstGeom prst="rect">
@@ -4977,17 +7985,73 @@
           <p:cNvGraphicFramePr>
             <a:graphicFrameLocks noChangeAspect="1"/>
           </p:cNvGraphicFramePr>
-          <p:nvPr/>
+          <p:nvPr>
+            <p:extLst>
+              <p:ext uri="{D42A27DB-BD31-4B8C-83A1-F6EECF244321}">
+                <p14:modId xmlns:p14="http://schemas.microsoft.com/office/powerpoint/2010/main" val="2436446701"/>
+              </p:ext>
+            </p:extLst>
+          </p:nvPr>
         </p:nvGraphicFramePr>
         <p:xfrm>
-          <a:off x="4211960" y="4725144"/>
+          <a:off x="4650804" y="4725144"/>
           <a:ext cx="315906" cy="576064"/>
         </p:xfrm>
         <a:graphic>
           <a:graphicData uri="http://schemas.openxmlformats.org/presentationml/2006/ole">
-            <p:oleObj spid="_x0000_s10244" name="Equation" r:id="rId5" imgW="215640" imgH="393480" progId="Equation.DSMT4">
-              <p:embed/>
-            </p:oleObj>
+            <mc:AlternateContent xmlns:mc="http://schemas.openxmlformats.org/markup-compatibility/2006">
+              <mc:Choice xmlns:v="urn:schemas-microsoft-com:vml" Requires="v">
+                <p:oleObj spid="_x0000_s10259" name="Equation" r:id="rId5" imgW="215640" imgH="393480" progId="Equation.DSMT4">
+                  <p:embed/>
+                </p:oleObj>
+              </mc:Choice>
+              <mc:Fallback>
+                <p:oleObj name="Equation" r:id="rId5" imgW="215640" imgH="393480" progId="Equation.DSMT4">
+                  <p:embed/>
+                  <p:pic>
+                    <p:nvPicPr>
+                      <p:cNvPr id="0" name="Picture 4"/>
+                      <p:cNvPicPr>
+                        <a:picLocks noChangeAspect="1" noChangeArrowheads="1"/>
+                      </p:cNvPicPr>
+                      <p:nvPr/>
+                    </p:nvPicPr>
+                    <p:blipFill>
+                      <a:blip r:embed="rId6">
+                        <a:extLst>
+                          <a:ext uri="{28A0092B-C50C-407E-A947-70E740481C1C}">
+                            <a14:useLocalDpi xmlns:a14="http://schemas.microsoft.com/office/drawing/2010/main" val="0"/>
+                          </a:ext>
+                        </a:extLst>
+                      </a:blip>
+                      <a:srcRect/>
+                      <a:stretch>
+                        <a:fillRect/>
+                      </a:stretch>
+                    </p:blipFill>
+                    <p:spPr bwMode="auto">
+                      <a:xfrm>
+                        <a:off x="4650804" y="4725144"/>
+                        <a:ext cx="315906" cy="576064"/>
+                      </a:xfrm>
+                      <a:prstGeom prst="rect">
+                        <a:avLst/>
+                      </a:prstGeom>
+                      <a:noFill/>
+                      <a:extLst>
+                        <a:ext uri="{909E8E84-426E-40DD-AFC4-6F175D3DCCD1}">
+                          <a14:hiddenFill xmlns:a14="http://schemas.microsoft.com/office/drawing/2010/main">
+                            <a:solidFill>
+                              <a:srgbClr val="FFFFFF"/>
+                            </a:solidFill>
+                          </a14:hiddenFill>
+                        </a:ext>
+                      </a:extLst>
+                    </p:spPr>
+                  </p:pic>
+                </p:oleObj>
+              </mc:Fallback>
+            </mc:AlternateContent>
           </a:graphicData>
         </a:graphic>
       </p:graphicFrame>
@@ -5000,7 +8064,7 @@
           <p:nvPr/>
         </p:nvPicPr>
         <p:blipFill>
-          <a:blip r:embed="rId6" cstate="print"/>
+          <a:blip r:embed="rId7" cstate="print"/>
           <a:srcRect/>
           <a:stretch>
             <a:fillRect/>
@@ -5008,7 +8072,7 @@
         </p:blipFill>
         <p:spPr bwMode="auto">
           <a:xfrm>
-            <a:off x="2555776" y="4437111"/>
+            <a:off x="2994620" y="4437111"/>
             <a:ext cx="864096" cy="864099"/>
           </a:xfrm>
           <a:prstGeom prst="rect">
@@ -5026,7 +8090,7 @@
           <p:nvPr/>
         </p:nvPicPr>
         <p:blipFill>
-          <a:blip r:embed="rId7" cstate="print">
+          <a:blip r:embed="rId8" cstate="print">
             <a:grayscl/>
           </a:blip>
           <a:srcRect/>
@@ -5036,7 +8100,7 @@
         </p:blipFill>
         <p:spPr bwMode="auto">
           <a:xfrm>
-            <a:off x="2555776" y="5373216"/>
+            <a:off x="2994620" y="5373216"/>
             <a:ext cx="874570" cy="864096"/>
           </a:xfrm>
           <a:prstGeom prst="rect">
@@ -5054,7 +8118,7 @@
           <p:nvPr/>
         </p:nvPicPr>
         <p:blipFill>
-          <a:blip r:embed="rId6" cstate="print"/>
+          <a:blip r:embed="rId7" cstate="print"/>
           <a:srcRect/>
           <a:stretch>
             <a:fillRect/>
@@ -5062,7 +8126,7 @@
         </p:blipFill>
         <p:spPr bwMode="auto">
           <a:xfrm>
-            <a:off x="6156176" y="4437112"/>
+            <a:off x="6595020" y="4437112"/>
             <a:ext cx="864096" cy="864099"/>
           </a:xfrm>
           <a:prstGeom prst="rect">
@@ -5080,7 +8144,7 @@
           <p:nvPr/>
         </p:nvPicPr>
         <p:blipFill>
-          <a:blip r:embed="rId8" cstate="print"/>
+          <a:blip r:embed="rId9" cstate="print"/>
           <a:srcRect/>
           <a:stretch>
             <a:fillRect/>
@@ -5088,7 +8152,7 @@
         </p:blipFill>
         <p:spPr bwMode="auto">
           <a:xfrm>
-            <a:off x="6156176" y="5373216"/>
+            <a:off x="6595020" y="5373216"/>
             <a:ext cx="895327" cy="889901"/>
           </a:xfrm>
           <a:prstGeom prst="rect">
@@ -5105,8 +8169,8 @@
         </p:nvSpPr>
         <p:spPr>
           <a:xfrm>
-            <a:off x="7596336" y="5157192"/>
-            <a:ext cx="216024" cy="216024"/>
+            <a:off x="8035180" y="5265204"/>
+            <a:ext cx="108012" cy="108012"/>
           </a:xfrm>
           <a:prstGeom prst="ellipse">
             <a:avLst/>
@@ -5158,8 +8222,8 @@
         </p:nvSpPr>
         <p:spPr>
           <a:xfrm>
-            <a:off x="7956376" y="5157192"/>
-            <a:ext cx="216024" cy="216024"/>
+            <a:off x="8395220" y="5265204"/>
+            <a:ext cx="108012" cy="108012"/>
           </a:xfrm>
           <a:prstGeom prst="ellipse">
             <a:avLst/>
@@ -5211,8 +8275,8 @@
         </p:nvSpPr>
         <p:spPr>
           <a:xfrm>
-            <a:off x="8316416" y="5157192"/>
-            <a:ext cx="216024" cy="216024"/>
+            <a:off x="8755260" y="5265204"/>
+            <a:ext cx="108012" cy="108012"/>
           </a:xfrm>
           <a:prstGeom prst="ellipse">
             <a:avLst/>
@@ -5256,7 +8320,300 @@
           </a:p>
         </p:txBody>
       </p:sp>
+      <p:sp>
+        <p:nvSpPr>
+          <p:cNvPr id="2" name="竖排文字占位符 1"/>
+          <p:cNvSpPr>
+            <a:spLocks noGrp="1"/>
+          </p:cNvSpPr>
+          <p:nvPr>
+            <p:ph type="body" orient="vert" sz="quarter" idx="13"/>
+          </p:nvPr>
+        </p:nvSpPr>
+        <p:spPr/>
+        <p:txBody>
+          <a:bodyPr>
+            <a:normAutofit lnSpcReduction="10000"/>
+          </a:bodyPr>
+          <a:lstStyle/>
+          <a:p>
+            <a:r>
+              <a:rPr lang="en-US" altLang="zh-CN" dirty="0"/>
+              <a:t>Deviation – Term Expansion</a:t>
+            </a:r>
+            <a:endParaRPr lang="zh-CN" altLang="en-US" dirty="0"/>
+          </a:p>
+        </p:txBody>
+      </p:sp>
     </p:spTree>
+  </p:cSld>
+  <p:clrMapOvr>
+    <a:masterClrMapping/>
+  </p:clrMapOvr>
+  <p:timing>
+    <p:tnLst>
+      <p:par>
+        <p:cTn id="1" dur="indefinite" restart="never" nodeType="tmRoot"/>
+      </p:par>
+    </p:tnLst>
+  </p:timing>
+</p:sld>
+</file>
+
+<file path=ppt/slides/slide6.xml><?xml version="1.0" encoding="utf-8"?>
+<p:sld xmlns:a="http://schemas.openxmlformats.org/drawingml/2006/main" xmlns:r="http://schemas.openxmlformats.org/officeDocument/2006/relationships" xmlns:p="http://schemas.openxmlformats.org/presentationml/2006/main">
+  <p:cSld>
+    <p:spTree>
+      <p:nvGrpSpPr>
+        <p:cNvPr id="1" name=""/>
+        <p:cNvGrpSpPr/>
+        <p:nvPr/>
+      </p:nvGrpSpPr>
+      <p:grpSpPr>
+        <a:xfrm>
+          <a:off x="0" y="0"/>
+          <a:ext cx="0" cy="0"/>
+          <a:chOff x="0" y="0"/>
+          <a:chExt cx="0" cy="0"/>
+        </a:xfrm>
+      </p:grpSpPr>
+      <p:sp>
+        <p:nvSpPr>
+          <p:cNvPr id="2" name="竖排文字占位符 1"/>
+          <p:cNvSpPr>
+            <a:spLocks noGrp="1"/>
+          </p:cNvSpPr>
+          <p:nvPr>
+            <p:ph type="body" orient="vert" sz="quarter" idx="13"/>
+          </p:nvPr>
+        </p:nvSpPr>
+        <p:spPr/>
+        <p:txBody>
+          <a:bodyPr>
+            <a:normAutofit lnSpcReduction="10000"/>
+          </a:bodyPr>
+          <a:lstStyle/>
+          <a:p>
+            <a:r>
+              <a:rPr lang="en-US" altLang="zh-CN" dirty="0"/>
+              <a:t>Deviation – </a:t>
+            </a:r>
+            <a:r>
+              <a:rPr lang="en-US" altLang="zh-CN" dirty="0" smtClean="0"/>
+              <a:t>Edge detection</a:t>
+            </a:r>
+            <a:endParaRPr lang="zh-CN" altLang="en-US" dirty="0"/>
+          </a:p>
+        </p:txBody>
+      </p:sp>
+    </p:spTree>
+    <p:extLst>
+      <p:ext uri="{BB962C8B-B14F-4D97-AF65-F5344CB8AC3E}">
+        <p14:creationId xmlns:p14="http://schemas.microsoft.com/office/powerpoint/2010/main" val="3827250939"/>
+      </p:ext>
+    </p:extLst>
+  </p:cSld>
+  <p:clrMapOvr>
+    <a:masterClrMapping/>
+  </p:clrMapOvr>
+  <p:timing>
+    <p:tnLst>
+      <p:par>
+        <p:cTn id="1" dur="indefinite" restart="never" nodeType="tmRoot"/>
+      </p:par>
+    </p:tnLst>
+  </p:timing>
+</p:sld>
+</file>
+
+<file path=ppt/slides/slide7.xml><?xml version="1.0" encoding="utf-8"?>
+<p:sld xmlns:a="http://schemas.openxmlformats.org/drawingml/2006/main" xmlns:r="http://schemas.openxmlformats.org/officeDocument/2006/relationships" xmlns:p="http://schemas.openxmlformats.org/presentationml/2006/main">
+  <p:cSld>
+    <p:spTree>
+      <p:nvGrpSpPr>
+        <p:cNvPr id="1" name=""/>
+        <p:cNvGrpSpPr/>
+        <p:nvPr/>
+      </p:nvGrpSpPr>
+      <p:grpSpPr>
+        <a:xfrm>
+          <a:off x="0" y="0"/>
+          <a:ext cx="0" cy="0"/>
+          <a:chOff x="0" y="0"/>
+          <a:chExt cx="0" cy="0"/>
+        </a:xfrm>
+      </p:grpSpPr>
+      <p:sp>
+        <p:nvSpPr>
+          <p:cNvPr id="2" name="竖排文字占位符 1"/>
+          <p:cNvSpPr>
+            <a:spLocks noGrp="1"/>
+          </p:cNvSpPr>
+          <p:nvPr>
+            <p:ph type="body" orient="vert" sz="quarter" idx="13"/>
+          </p:nvPr>
+        </p:nvSpPr>
+        <p:spPr/>
+        <p:txBody>
+          <a:bodyPr>
+            <a:normAutofit lnSpcReduction="10000"/>
+          </a:bodyPr>
+          <a:lstStyle/>
+          <a:p>
+            <a:r>
+              <a:rPr lang="en-US" altLang="zh-CN" dirty="0"/>
+              <a:t>Deviation – </a:t>
+            </a:r>
+            <a:r>
+              <a:rPr lang="en-US" altLang="zh-CN" dirty="0" smtClean="0"/>
+              <a:t>SIFT Features</a:t>
+            </a:r>
+            <a:endParaRPr lang="zh-CN" altLang="en-US" dirty="0"/>
+          </a:p>
+        </p:txBody>
+      </p:sp>
+    </p:spTree>
+    <p:extLst>
+      <p:ext uri="{BB962C8B-B14F-4D97-AF65-F5344CB8AC3E}">
+        <p14:creationId xmlns:p14="http://schemas.microsoft.com/office/powerpoint/2010/main" val="2067709457"/>
+      </p:ext>
+    </p:extLst>
+  </p:cSld>
+  <p:clrMapOvr>
+    <a:masterClrMapping/>
+  </p:clrMapOvr>
+  <p:timing>
+    <p:tnLst>
+      <p:par>
+        <p:cTn id="1" dur="indefinite" restart="never" nodeType="tmRoot"/>
+      </p:par>
+    </p:tnLst>
+  </p:timing>
+</p:sld>
+</file>
+
+<file path=ppt/slides/slide8.xml><?xml version="1.0" encoding="utf-8"?>
+<p:sld xmlns:a="http://schemas.openxmlformats.org/drawingml/2006/main" xmlns:r="http://schemas.openxmlformats.org/officeDocument/2006/relationships" xmlns:p="http://schemas.openxmlformats.org/presentationml/2006/main">
+  <p:cSld>
+    <p:spTree>
+      <p:nvGrpSpPr>
+        <p:cNvPr id="1" name=""/>
+        <p:cNvGrpSpPr/>
+        <p:nvPr/>
+      </p:nvGrpSpPr>
+      <p:grpSpPr>
+        <a:xfrm>
+          <a:off x="0" y="0"/>
+          <a:ext cx="0" cy="0"/>
+          <a:chOff x="0" y="0"/>
+          <a:chExt cx="0" cy="0"/>
+        </a:xfrm>
+      </p:grpSpPr>
+      <p:sp>
+        <p:nvSpPr>
+          <p:cNvPr id="2" name="竖排文字占位符 1"/>
+          <p:cNvSpPr>
+            <a:spLocks noGrp="1"/>
+          </p:cNvSpPr>
+          <p:nvPr>
+            <p:ph type="body" orient="vert" sz="quarter" idx="13"/>
+          </p:nvPr>
+        </p:nvSpPr>
+        <p:spPr/>
+        <p:txBody>
+          <a:bodyPr>
+            <a:normAutofit lnSpcReduction="10000"/>
+          </a:bodyPr>
+          <a:lstStyle/>
+          <a:p>
+            <a:r>
+              <a:rPr lang="en-US" altLang="zh-CN" dirty="0"/>
+              <a:t>Deviation – </a:t>
+            </a:r>
+            <a:r>
+              <a:rPr lang="en-US" altLang="zh-CN" dirty="0" smtClean="0"/>
+              <a:t>Important properties</a:t>
+            </a:r>
+            <a:endParaRPr lang="zh-CN" altLang="en-US" dirty="0"/>
+          </a:p>
+        </p:txBody>
+      </p:sp>
+    </p:spTree>
+    <p:extLst>
+      <p:ext uri="{BB962C8B-B14F-4D97-AF65-F5344CB8AC3E}">
+        <p14:creationId xmlns:p14="http://schemas.microsoft.com/office/powerpoint/2010/main" val="971340916"/>
+      </p:ext>
+    </p:extLst>
+  </p:cSld>
+  <p:clrMapOvr>
+    <a:masterClrMapping/>
+  </p:clrMapOvr>
+  <p:timing>
+    <p:tnLst>
+      <p:par>
+        <p:cTn id="1" dur="indefinite" restart="never" nodeType="tmRoot"/>
+      </p:par>
+    </p:tnLst>
+  </p:timing>
+</p:sld>
+</file>
+
+<file path=ppt/slides/slide9.xml><?xml version="1.0" encoding="utf-8"?>
+<p:sld xmlns:a="http://schemas.openxmlformats.org/drawingml/2006/main" xmlns:r="http://schemas.openxmlformats.org/officeDocument/2006/relationships" xmlns:p="http://schemas.openxmlformats.org/presentationml/2006/main">
+  <p:cSld>
+    <p:spTree>
+      <p:nvGrpSpPr>
+        <p:cNvPr id="1" name=""/>
+        <p:cNvGrpSpPr/>
+        <p:nvPr/>
+      </p:nvGrpSpPr>
+      <p:grpSpPr>
+        <a:xfrm>
+          <a:off x="0" y="0"/>
+          <a:ext cx="0" cy="0"/>
+          <a:chOff x="0" y="0"/>
+          <a:chExt cx="0" cy="0"/>
+        </a:xfrm>
+      </p:grpSpPr>
+      <p:sp>
+        <p:nvSpPr>
+          <p:cNvPr id="2" name="竖排文字占位符 1"/>
+          <p:cNvSpPr>
+            <a:spLocks noGrp="1"/>
+          </p:cNvSpPr>
+          <p:nvPr>
+            <p:ph type="body" orient="vert" sz="quarter" idx="13"/>
+          </p:nvPr>
+        </p:nvSpPr>
+        <p:spPr/>
+        <p:txBody>
+          <a:bodyPr>
+            <a:normAutofit lnSpcReduction="10000"/>
+          </a:bodyPr>
+          <a:lstStyle/>
+          <a:p>
+            <a:r>
+              <a:rPr lang="en-US" altLang="zh-CN" dirty="0" smtClean="0"/>
+              <a:t>Definition </a:t>
+            </a:r>
+            <a:r>
+              <a:rPr lang="en-US" altLang="zh-CN" dirty="0"/>
+              <a:t>– </a:t>
+            </a:r>
+            <a:r>
+              <a:rPr lang="en-US" altLang="zh-CN" dirty="0" smtClean="0"/>
+              <a:t>Convolutional Layer</a:t>
+            </a:r>
+            <a:endParaRPr lang="zh-CN" altLang="en-US" dirty="0"/>
+          </a:p>
+        </p:txBody>
+      </p:sp>
+    </p:spTree>
+    <p:extLst>
+      <p:ext uri="{BB962C8B-B14F-4D97-AF65-F5344CB8AC3E}">
+        <p14:creationId xmlns:p14="http://schemas.microsoft.com/office/powerpoint/2010/main" val="4234183240"/>
+      </p:ext>
+    </p:extLst>
   </p:cSld>
   <p:clrMapOvr>
     <a:masterClrMapping/>
@@ -5279,7 +8636,7 @@
         <a:sysClr val="windowText" lastClr="000000"/>
       </a:dk1>
       <a:lt1>
-        <a:sysClr val="window" lastClr="C7EDCC"/>
+        <a:sysClr val="window" lastClr="FFFFFF"/>
       </a:lt1>
       <a:dk2>
         <a:srgbClr val="1F497D"/>

--- a/doc/Convolutional Neural Network.pptx
+++ b/doc/Convolutional Neural Network.pptx
@@ -122,6 +122,22 @@
       </a:defRPr>
     </a:lvl9pPr>
   </p:defaultTextStyle>
+  <p:extLst>
+    <p:ext uri="{EFAFB233-063F-42B5-8137-9DF3F51BA10A}">
+      <p15:sldGuideLst xmlns:p15="http://schemas.microsoft.com/office/powerpoint/2012/main">
+        <p15:guide id="1" orient="horz" pos="2160">
+          <p15:clr>
+            <a:srgbClr val="A4A3A4"/>
+          </p15:clr>
+        </p15:guide>
+        <p15:guide id="2" pos="2880">
+          <p15:clr>
+            <a:srgbClr val="A4A3A4"/>
+          </p15:clr>
+        </p15:guide>
+      </p15:sldGuideLst>
+    </p:ext>
+  </p:extLst>
 </p:presentation>
 </file>
 
@@ -574,11 +590,7 @@
           <a:p>
             <a:r>
               <a:rPr lang="zh-CN" altLang="en-US" dirty="0" smtClean="0"/>
-              <a:t>单击此处编辑母版标题</a:t>
-            </a:r>
-            <a:r>
-              <a:rPr lang="zh-CN" altLang="en-US" dirty="0" smtClean="0"/>
-              <a:t>样式</a:t>
+              <a:t>单击此处编辑母版标题样式</a:t>
             </a:r>
             <a:endParaRPr lang="zh-CN" altLang="en-US" dirty="0"/>
           </a:p>
@@ -3358,6 +3370,66 @@
           </a:p>
         </p:txBody>
       </p:sp>
+      <p:sp>
+        <p:nvSpPr>
+          <p:cNvPr id="3" name="TextBox 2"/>
+          <p:cNvSpPr txBox="1"/>
+          <p:nvPr/>
+        </p:nvSpPr>
+        <p:spPr>
+          <a:xfrm>
+            <a:off x="1403648" y="692696"/>
+            <a:ext cx="1890839" cy="369332"/>
+          </a:xfrm>
+          <a:prstGeom prst="rect">
+            <a:avLst/>
+          </a:prstGeom>
+          <a:noFill/>
+        </p:spPr>
+        <p:txBody>
+          <a:bodyPr wrap="none" rtlCol="0">
+            <a:spAutoFit/>
+          </a:bodyPr>
+          <a:lstStyle/>
+          <a:p>
+            <a:r>
+              <a:rPr lang="en-US" dirty="0" smtClean="0"/>
+              <a:t>Max Pooling Layer</a:t>
+            </a:r>
+            <a:endParaRPr lang="en-US" dirty="0"/>
+          </a:p>
+        </p:txBody>
+      </p:sp>
+      <p:sp>
+        <p:nvSpPr>
+          <p:cNvPr id="4" name="TextBox 3"/>
+          <p:cNvSpPr txBox="1"/>
+          <p:nvPr/>
+        </p:nvSpPr>
+        <p:spPr>
+          <a:xfrm>
+            <a:off x="1403648" y="3203684"/>
+            <a:ext cx="2240422" cy="369332"/>
+          </a:xfrm>
+          <a:prstGeom prst="rect">
+            <a:avLst/>
+          </a:prstGeom>
+          <a:noFill/>
+        </p:spPr>
+        <p:txBody>
+          <a:bodyPr wrap="none" rtlCol="0">
+            <a:spAutoFit/>
+          </a:bodyPr>
+          <a:lstStyle/>
+          <a:p>
+            <a:r>
+              <a:rPr lang="en-US" dirty="0" smtClean="0"/>
+              <a:t>Average Pooling Layer</a:t>
+            </a:r>
+            <a:endParaRPr lang="en-US" dirty="0"/>
+          </a:p>
+        </p:txBody>
+      </p:sp>
     </p:spTree>
     <p:extLst>
       <p:ext uri="{BB962C8B-B14F-4D97-AF65-F5344CB8AC3E}">
@@ -3428,6 +3500,348 @@
           </a:p>
         </p:txBody>
       </p:sp>
+      <p:sp>
+        <p:nvSpPr>
+          <p:cNvPr id="3" name="Rectangle 2"/>
+          <p:cNvSpPr/>
+          <p:nvPr/>
+        </p:nvSpPr>
+        <p:spPr>
+          <a:xfrm>
+            <a:off x="1403648" y="2492896"/>
+            <a:ext cx="2929648" cy="369332"/>
+          </a:xfrm>
+          <a:prstGeom prst="rect">
+            <a:avLst/>
+          </a:prstGeom>
+        </p:spPr>
+        <p:txBody>
+          <a:bodyPr wrap="none">
+            <a:spAutoFit/>
+          </a:bodyPr>
+          <a:lstStyle/>
+          <a:p>
+            <a:r>
+              <a:rPr lang="en-US" b="1" dirty="0" err="1" smtClean="0">
+                <a:solidFill>
+                  <a:srgbClr val="252525"/>
+                </a:solidFill>
+                <a:latin typeface="Arial" panose="020B0604020202020204" pitchFamily="34" charset="0"/>
+              </a:rPr>
+              <a:t>ReLU</a:t>
+            </a:r>
+            <a:r>
+              <a:rPr lang="en-US" b="1" dirty="0" smtClean="0">
+                <a:solidFill>
+                  <a:srgbClr val="252525"/>
+                </a:solidFill>
+                <a:latin typeface="Arial" panose="020B0604020202020204" pitchFamily="34" charset="0"/>
+              </a:rPr>
+              <a:t> : </a:t>
+            </a:r>
+            <a:r>
+              <a:rPr lang="en-US" dirty="0"/>
+              <a:t> </a:t>
+            </a:r>
+            <a:r>
+              <a:rPr lang="en-US" b="1" dirty="0"/>
+              <a:t>rectified linear unit</a:t>
+            </a:r>
+            <a:r>
+              <a:rPr lang="en-US" dirty="0"/>
+              <a:t> </a:t>
+            </a:r>
+            <a:endParaRPr lang="en-US" dirty="0"/>
+          </a:p>
+        </p:txBody>
+      </p:sp>
+      <p:sp>
+        <p:nvSpPr>
+          <p:cNvPr id="4" name="Rectangle 3"/>
+          <p:cNvSpPr/>
+          <p:nvPr/>
+        </p:nvSpPr>
+        <p:spPr>
+          <a:xfrm>
+            <a:off x="323528" y="268152"/>
+            <a:ext cx="8532238" cy="430887"/>
+          </a:xfrm>
+          <a:prstGeom prst="rect">
+            <a:avLst/>
+          </a:prstGeom>
+        </p:spPr>
+        <p:txBody>
+          <a:bodyPr wrap="square">
+            <a:spAutoFit/>
+          </a:bodyPr>
+          <a:lstStyle/>
+          <a:p>
+            <a:r>
+              <a:rPr lang="en-US" sz="1100" dirty="0">
+                <a:solidFill>
+                  <a:srgbClr val="222222"/>
+                </a:solidFill>
+                <a:latin typeface="Arial" panose="020B0604020202020204" pitchFamily="34" charset="0"/>
+              </a:rPr>
+              <a:t>Nair, Vinod, and Geoffrey E. Hinton. "Rectified linear units improve restricted </a:t>
+            </a:r>
+            <a:r>
+              <a:rPr lang="en-US" sz="1100" dirty="0" err="1">
+                <a:solidFill>
+                  <a:srgbClr val="222222"/>
+                </a:solidFill>
+                <a:latin typeface="Arial" panose="020B0604020202020204" pitchFamily="34" charset="0"/>
+              </a:rPr>
+              <a:t>boltzmann</a:t>
+            </a:r>
+            <a:r>
+              <a:rPr lang="en-US" sz="1100" dirty="0">
+                <a:solidFill>
+                  <a:srgbClr val="222222"/>
+                </a:solidFill>
+                <a:latin typeface="Arial" panose="020B0604020202020204" pitchFamily="34" charset="0"/>
+              </a:rPr>
+              <a:t> machines." </a:t>
+            </a:r>
+            <a:r>
+              <a:rPr lang="en-US" sz="1100" i="1" dirty="0">
+                <a:solidFill>
+                  <a:srgbClr val="222222"/>
+                </a:solidFill>
+                <a:latin typeface="Arial" panose="020B0604020202020204" pitchFamily="34" charset="0"/>
+              </a:rPr>
+              <a:t>Proceedings of the 27th International Conference on Machine Learning (ICML-10)</a:t>
+            </a:r>
+            <a:r>
+              <a:rPr lang="en-US" sz="1100" dirty="0">
+                <a:solidFill>
+                  <a:srgbClr val="222222"/>
+                </a:solidFill>
+                <a:latin typeface="Arial" panose="020B0604020202020204" pitchFamily="34" charset="0"/>
+              </a:rPr>
+              <a:t>. 2010.</a:t>
+            </a:r>
+            <a:endParaRPr lang="en-US" sz="1100" dirty="0"/>
+          </a:p>
+        </p:txBody>
+      </p:sp>
+      <p:pic>
+        <p:nvPicPr>
+          <p:cNvPr id="13314" name="Picture 2" descr="f(x) = \max(0, x)"/>
+          <p:cNvPicPr>
+            <a:picLocks noChangeAspect="1" noChangeArrowheads="1"/>
+          </p:cNvPicPr>
+          <p:nvPr/>
+        </p:nvPicPr>
+        <p:blipFill>
+          <a:blip r:embed="rId2">
+            <a:extLst>
+              <a:ext uri="{28A0092B-C50C-407E-A947-70E740481C1C}">
+                <a14:useLocalDpi xmlns:a14="http://schemas.microsoft.com/office/drawing/2010/main" val="0"/>
+              </a:ext>
+            </a:extLst>
+          </a:blip>
+          <a:srcRect/>
+          <a:stretch>
+            <a:fillRect/>
+          </a:stretch>
+        </p:blipFill>
+        <p:spPr bwMode="auto">
+          <a:xfrm>
+            <a:off x="1979712" y="3318048"/>
+            <a:ext cx="1897451" cy="278647"/>
+          </a:xfrm>
+          <a:prstGeom prst="rect">
+            <a:avLst/>
+          </a:prstGeom>
+          <a:noFill/>
+          <a:extLst>
+            <a:ext uri="{909E8E84-426E-40DD-AFC4-6F175D3DCCD1}">
+              <a14:hiddenFill xmlns:a14="http://schemas.microsoft.com/office/drawing/2010/main">
+                <a:solidFill>
+                  <a:srgbClr val="FFFFFF"/>
+                </a:solidFill>
+              </a14:hiddenFill>
+            </a:ext>
+          </a:extLst>
+        </p:spPr>
+      </p:pic>
+      <p:pic>
+        <p:nvPicPr>
+          <p:cNvPr id="5" name="Picture 4"/>
+          <p:cNvPicPr>
+            <a:picLocks noChangeAspect="1"/>
+          </p:cNvPicPr>
+          <p:nvPr/>
+        </p:nvPicPr>
+        <p:blipFill>
+          <a:blip r:embed="rId3"/>
+          <a:stretch>
+            <a:fillRect/>
+          </a:stretch>
+        </p:blipFill>
+        <p:spPr>
+          <a:xfrm>
+            <a:off x="4354392" y="2132856"/>
+            <a:ext cx="4583009" cy="3435032"/>
+          </a:xfrm>
+          <a:prstGeom prst="rect">
+            <a:avLst/>
+          </a:prstGeom>
+        </p:spPr>
+      </p:pic>
+      <p:sp>
+        <p:nvSpPr>
+          <p:cNvPr id="6" name="Rectangle 5"/>
+          <p:cNvSpPr/>
+          <p:nvPr/>
+        </p:nvSpPr>
+        <p:spPr>
+          <a:xfrm>
+            <a:off x="1245940" y="3975447"/>
+            <a:ext cx="3245064" cy="923330"/>
+          </a:xfrm>
+          <a:prstGeom prst="rect">
+            <a:avLst/>
+          </a:prstGeom>
+        </p:spPr>
+        <p:txBody>
+          <a:bodyPr wrap="square">
+            <a:spAutoFit/>
+          </a:bodyPr>
+          <a:lstStyle/>
+          <a:p>
+            <a:pPr algn="just"/>
+            <a:r>
+              <a:rPr lang="en-US" dirty="0"/>
+              <a:t>The rectifier activation function </a:t>
+            </a:r>
+            <a:r>
+              <a:rPr lang="en-US" dirty="0" smtClean="0"/>
+              <a:t>allows a </a:t>
+            </a:r>
+            <a:r>
+              <a:rPr lang="en-US" dirty="0"/>
+              <a:t>network to easily obtain sparse representations.</a:t>
+            </a:r>
+          </a:p>
+        </p:txBody>
+      </p:sp>
+      <p:sp>
+        <p:nvSpPr>
+          <p:cNvPr id="7" name="Rectangle 6"/>
+          <p:cNvSpPr/>
+          <p:nvPr/>
+        </p:nvSpPr>
+        <p:spPr>
+          <a:xfrm>
+            <a:off x="325961" y="693857"/>
+            <a:ext cx="8529805" cy="430887"/>
+          </a:xfrm>
+          <a:prstGeom prst="rect">
+            <a:avLst/>
+          </a:prstGeom>
+        </p:spPr>
+        <p:txBody>
+          <a:bodyPr wrap="square">
+            <a:spAutoFit/>
+          </a:bodyPr>
+          <a:lstStyle/>
+          <a:p>
+            <a:r>
+              <a:rPr lang="en-US" sz="1100" dirty="0" err="1">
+                <a:solidFill>
+                  <a:srgbClr val="222222"/>
+                </a:solidFill>
+                <a:latin typeface="Arial" panose="020B0604020202020204" pitchFamily="34" charset="0"/>
+              </a:rPr>
+              <a:t>Glorot</a:t>
+            </a:r>
+            <a:r>
+              <a:rPr lang="en-US" sz="1100" dirty="0">
+                <a:solidFill>
+                  <a:srgbClr val="222222"/>
+                </a:solidFill>
+                <a:latin typeface="Arial" panose="020B0604020202020204" pitchFamily="34" charset="0"/>
+              </a:rPr>
+              <a:t>, Xavier, Antoine </a:t>
+            </a:r>
+            <a:r>
+              <a:rPr lang="en-US" sz="1100" dirty="0" err="1">
+                <a:solidFill>
+                  <a:srgbClr val="222222"/>
+                </a:solidFill>
+                <a:latin typeface="Arial" panose="020B0604020202020204" pitchFamily="34" charset="0"/>
+              </a:rPr>
+              <a:t>Bordes</a:t>
+            </a:r>
+            <a:r>
+              <a:rPr lang="en-US" sz="1100" dirty="0">
+                <a:solidFill>
+                  <a:srgbClr val="222222"/>
+                </a:solidFill>
+                <a:latin typeface="Arial" panose="020B0604020202020204" pitchFamily="34" charset="0"/>
+              </a:rPr>
+              <a:t>, and </a:t>
+            </a:r>
+            <a:r>
+              <a:rPr lang="en-US" sz="1100" dirty="0" err="1">
+                <a:solidFill>
+                  <a:srgbClr val="222222"/>
+                </a:solidFill>
+                <a:latin typeface="Arial" panose="020B0604020202020204" pitchFamily="34" charset="0"/>
+              </a:rPr>
+              <a:t>Yoshua</a:t>
+            </a:r>
+            <a:r>
+              <a:rPr lang="en-US" sz="1100" dirty="0">
+                <a:solidFill>
+                  <a:srgbClr val="222222"/>
+                </a:solidFill>
+                <a:latin typeface="Arial" panose="020B0604020202020204" pitchFamily="34" charset="0"/>
+              </a:rPr>
+              <a:t> </a:t>
+            </a:r>
+            <a:r>
+              <a:rPr lang="en-US" sz="1100" dirty="0" err="1">
+                <a:solidFill>
+                  <a:srgbClr val="222222"/>
+                </a:solidFill>
+                <a:latin typeface="Arial" panose="020B0604020202020204" pitchFamily="34" charset="0"/>
+              </a:rPr>
+              <a:t>Bengio</a:t>
+            </a:r>
+            <a:r>
+              <a:rPr lang="en-US" sz="1100" dirty="0">
+                <a:solidFill>
+                  <a:srgbClr val="222222"/>
+                </a:solidFill>
+                <a:latin typeface="Arial" panose="020B0604020202020204" pitchFamily="34" charset="0"/>
+              </a:rPr>
+              <a:t>. "Deep sparse rectifier networks." </a:t>
+            </a:r>
+            <a:r>
+              <a:rPr lang="en-US" sz="1100" i="1" dirty="0">
+                <a:solidFill>
+                  <a:srgbClr val="222222"/>
+                </a:solidFill>
+                <a:latin typeface="Arial" panose="020B0604020202020204" pitchFamily="34" charset="0"/>
+              </a:rPr>
+              <a:t>Proceedings of the 14th International Conference on Artificial Intelligence and Statistics. JMLR W&amp;CP Volume</a:t>
+            </a:r>
+            <a:r>
+              <a:rPr lang="en-US" sz="1100" dirty="0">
+                <a:solidFill>
+                  <a:srgbClr val="222222"/>
+                </a:solidFill>
+                <a:latin typeface="Arial" panose="020B0604020202020204" pitchFamily="34" charset="0"/>
+              </a:rPr>
+              <a:t>. Vol. 15. 2011.</a:t>
+            </a:r>
+            <a:endParaRPr lang="en-US" sz="1100" dirty="0"/>
+          </a:p>
+        </p:txBody>
+      </p:sp>
     </p:spTree>
     <p:extLst>
       <p:ext uri="{BB962C8B-B14F-4D97-AF65-F5344CB8AC3E}">
@@ -4309,7 +4723,6 @@
               <a:rPr lang="en-US" altLang="zh-CN" dirty="0" smtClean="0"/>
               <a:t>Extension</a:t>
             </a:r>
-            <a:endParaRPr lang="en-US" altLang="zh-CN" dirty="0" smtClean="0"/>
           </a:p>
           <a:p>
             <a:pPr lvl="1"/>
@@ -4322,11 +4735,7 @@
             <a:pPr lvl="1"/>
             <a:r>
               <a:rPr lang="en-US" altLang="zh-CN" dirty="0" smtClean="0"/>
-              <a:t>Saliency </a:t>
-            </a:r>
-            <a:r>
-              <a:rPr lang="en-US" altLang="zh-CN" dirty="0" smtClean="0"/>
-              <a:t>base improve</a:t>
+              <a:t>Saliency base improve</a:t>
             </a:r>
           </a:p>
           <a:p>
@@ -8001,7 +8410,7 @@
           <a:graphicData uri="http://schemas.openxmlformats.org/presentationml/2006/ole">
             <mc:AlternateContent xmlns:mc="http://schemas.openxmlformats.org/markup-compatibility/2006">
               <mc:Choice xmlns:v="urn:schemas-microsoft-com:vml" Requires="v">
-                <p:oleObj spid="_x0000_s10259" name="Equation" r:id="rId5" imgW="215640" imgH="393480" progId="Equation.DSMT4">
+                <p:oleObj spid="_x0000_s10266" name="Equation" r:id="rId5" imgW="215640" imgH="393480" progId="Equation.DSMT4">
                   <p:embed/>
                 </p:oleObj>
               </mc:Choice>
@@ -8400,9 +8809,381 @@
             </a:r>
             <a:r>
               <a:rPr lang="en-US" altLang="zh-CN" dirty="0" smtClean="0"/>
-              <a:t>Edge detection</a:t>
+              <a:t>Canny Edge Detection</a:t>
             </a:r>
             <a:endParaRPr lang="zh-CN" altLang="en-US" dirty="0"/>
+          </a:p>
+        </p:txBody>
+      </p:sp>
+      <p:sp>
+        <p:nvSpPr>
+          <p:cNvPr id="3" name="TextBox 2"/>
+          <p:cNvSpPr txBox="1"/>
+          <p:nvPr/>
+        </p:nvSpPr>
+        <p:spPr>
+          <a:xfrm>
+            <a:off x="1331640" y="548680"/>
+            <a:ext cx="6267228" cy="2585323"/>
+          </a:xfrm>
+          <a:prstGeom prst="rect">
+            <a:avLst/>
+          </a:prstGeom>
+          <a:noFill/>
+        </p:spPr>
+        <p:txBody>
+          <a:bodyPr wrap="none" rtlCol="0">
+            <a:spAutoFit/>
+          </a:bodyPr>
+          <a:lstStyle/>
+          <a:p>
+            <a:r>
+              <a:rPr lang="en-US" altLang="zh-CN" dirty="0" smtClean="0"/>
+              <a:t>Canny Edge Detection Steps:</a:t>
+            </a:r>
+          </a:p>
+          <a:p>
+            <a:endParaRPr lang="en-US" altLang="zh-CN" dirty="0" smtClean="0"/>
+          </a:p>
+          <a:p>
+            <a:pPr marL="342900" indent="-342900">
+              <a:buAutoNum type="arabicPeriod"/>
+            </a:pPr>
+            <a:r>
+              <a:rPr lang="en-US" altLang="zh-CN" dirty="0" smtClean="0"/>
+              <a:t>RGB image convert to Gray image.</a:t>
+            </a:r>
+          </a:p>
+          <a:p>
+            <a:pPr marL="342900" indent="-342900">
+              <a:buFontTx/>
+              <a:buAutoNum type="arabicPeriod"/>
+            </a:pPr>
+            <a:r>
+              <a:rPr lang="en-US" b="1" dirty="0"/>
+              <a:t>Noise </a:t>
+            </a:r>
+            <a:r>
+              <a:rPr lang="en-US" b="1" dirty="0" smtClean="0"/>
+              <a:t>reduction</a:t>
+            </a:r>
+            <a:r>
+              <a:rPr lang="en-US" b="1" dirty="0"/>
+              <a:t>.</a:t>
+            </a:r>
+            <a:endParaRPr lang="en-US" b="1" dirty="0"/>
+          </a:p>
+          <a:p>
+            <a:pPr marL="342900" indent="-342900">
+              <a:buFontTx/>
+              <a:buAutoNum type="arabicPeriod"/>
+            </a:pPr>
+            <a:r>
+              <a:rPr lang="en-US" b="1" dirty="0"/>
+              <a:t>Finding the intensity gradient of the </a:t>
+            </a:r>
+            <a:r>
+              <a:rPr lang="en-US" b="1" dirty="0" smtClean="0"/>
+              <a:t>image.</a:t>
+            </a:r>
+            <a:endParaRPr lang="en-US" b="1" dirty="0"/>
+          </a:p>
+          <a:p>
+            <a:pPr marL="342900" indent="-342900">
+              <a:buFontTx/>
+              <a:buAutoNum type="arabicPeriod"/>
+            </a:pPr>
+            <a:r>
+              <a:rPr lang="en-US" dirty="0"/>
+              <a:t>Non-maximum </a:t>
+            </a:r>
+            <a:r>
+              <a:rPr lang="en-US" dirty="0" smtClean="0"/>
+              <a:t>suppression.</a:t>
+            </a:r>
+            <a:endParaRPr lang="en-US" dirty="0"/>
+          </a:p>
+          <a:p>
+            <a:pPr marL="342900" indent="-342900">
+              <a:buFontTx/>
+              <a:buAutoNum type="arabicPeriod"/>
+            </a:pPr>
+            <a:r>
+              <a:rPr lang="en-US" dirty="0"/>
+              <a:t>Tracing edges through the image and hysteresis </a:t>
+            </a:r>
+            <a:r>
+              <a:rPr lang="en-US" dirty="0" err="1" smtClean="0"/>
+              <a:t>thresholding</a:t>
+            </a:r>
+            <a:r>
+              <a:rPr lang="en-US" dirty="0" smtClean="0"/>
+              <a:t>.</a:t>
+            </a:r>
+            <a:endParaRPr lang="en-US" dirty="0"/>
+          </a:p>
+          <a:p>
+            <a:pPr marL="342900" indent="-342900">
+              <a:buAutoNum type="arabicPeriod"/>
+            </a:pPr>
+            <a:endParaRPr lang="en-US" dirty="0" smtClean="0"/>
+          </a:p>
+          <a:p>
+            <a:pPr marL="342900" indent="-342900">
+              <a:buAutoNum type="arabicPeriod"/>
+            </a:pPr>
+            <a:endParaRPr lang="en-US" dirty="0"/>
+          </a:p>
+        </p:txBody>
+      </p:sp>
+      <p:pic>
+        <p:nvPicPr>
+          <p:cNvPr id="11266" name="Picture 2" descr="&#10;\mathbf{B} = \frac{1}{159} \begin{bmatrix} &#10;2 &amp; 4 &amp; 5 &amp; 4 &amp; 2 \\&#10;4 &amp; 9 &amp; 12 &amp; 9 &amp; 4 \\&#10;5 &amp; 12 &amp; 15 &amp; 12 &amp; 5 \\&#10;4 &amp; 9 &amp; 12 &amp; 9 &amp; 4 \\&#10;2 &amp; 4 &amp; 5 &amp; 4 &amp; 2&#10;\end{bmatrix} * \mathbf{A}.&#10;"/>
+          <p:cNvPicPr>
+            <a:picLocks noChangeAspect="1" noChangeArrowheads="1"/>
+          </p:cNvPicPr>
+          <p:nvPr/>
+        </p:nvPicPr>
+        <p:blipFill>
+          <a:blip r:embed="rId2">
+            <a:extLst>
+              <a:ext uri="{28A0092B-C50C-407E-A947-70E740481C1C}">
+                <a14:useLocalDpi xmlns:a14="http://schemas.microsoft.com/office/drawing/2010/main" val="0"/>
+              </a:ext>
+            </a:extLst>
+          </a:blip>
+          <a:srcRect/>
+          <a:stretch>
+            <a:fillRect/>
+          </a:stretch>
+        </p:blipFill>
+        <p:spPr bwMode="auto">
+          <a:xfrm>
+            <a:off x="1547664" y="3519116"/>
+            <a:ext cx="2724150" cy="1152526"/>
+          </a:xfrm>
+          <a:prstGeom prst="rect">
+            <a:avLst/>
+          </a:prstGeom>
+          <a:noFill/>
+          <a:extLst>
+            <a:ext uri="{909E8E84-426E-40DD-AFC4-6F175D3DCCD1}">
+              <a14:hiddenFill xmlns:a14="http://schemas.microsoft.com/office/drawing/2010/main">
+                <a:solidFill>
+                  <a:srgbClr val="FFFFFF"/>
+                </a:solidFill>
+              </a14:hiddenFill>
+            </a:ext>
+          </a:extLst>
+        </p:spPr>
+      </p:pic>
+      <p:pic>
+        <p:nvPicPr>
+          <p:cNvPr id="4" name="Picture 3"/>
+          <p:cNvPicPr>
+            <a:picLocks noChangeAspect="1"/>
+          </p:cNvPicPr>
+          <p:nvPr/>
+        </p:nvPicPr>
+        <p:blipFill>
+          <a:blip r:embed="rId3"/>
+          <a:stretch>
+            <a:fillRect/>
+          </a:stretch>
+        </p:blipFill>
+        <p:spPr>
+          <a:xfrm>
+            <a:off x="4884243" y="3652466"/>
+            <a:ext cx="2714625" cy="885825"/>
+          </a:xfrm>
+          <a:prstGeom prst="rect">
+            <a:avLst/>
+          </a:prstGeom>
+        </p:spPr>
+      </p:pic>
+      <p:sp>
+        <p:nvSpPr>
+          <p:cNvPr id="21" name="Rectangle 20"/>
+          <p:cNvSpPr/>
+          <p:nvPr/>
+        </p:nvSpPr>
+        <p:spPr>
+          <a:xfrm>
+            <a:off x="5114808" y="2852936"/>
+            <a:ext cx="2460417" cy="369332"/>
+          </a:xfrm>
+          <a:prstGeom prst="rect">
+            <a:avLst/>
+          </a:prstGeom>
+        </p:spPr>
+        <p:txBody>
+          <a:bodyPr wrap="none">
+            <a:spAutoFit/>
+          </a:bodyPr>
+          <a:lstStyle/>
+          <a:p>
+            <a:r>
+              <a:rPr lang="en-US" dirty="0" smtClean="0"/>
+              <a:t>Edge </a:t>
+            </a:r>
+            <a:r>
+              <a:rPr lang="en-US" dirty="0"/>
+              <a:t>detection operator</a:t>
+            </a:r>
+          </a:p>
+        </p:txBody>
+      </p:sp>
+      <p:sp>
+        <p:nvSpPr>
+          <p:cNvPr id="22" name="Rectangle 21"/>
+          <p:cNvSpPr/>
+          <p:nvPr/>
+        </p:nvSpPr>
+        <p:spPr>
+          <a:xfrm>
+            <a:off x="2195736" y="2852936"/>
+            <a:ext cx="1659429" cy="369332"/>
+          </a:xfrm>
+          <a:prstGeom prst="rect">
+            <a:avLst/>
+          </a:prstGeom>
+        </p:spPr>
+        <p:txBody>
+          <a:bodyPr wrap="none">
+            <a:spAutoFit/>
+          </a:bodyPr>
+          <a:lstStyle/>
+          <a:p>
+            <a:r>
+              <a:rPr lang="en-US" dirty="0">
+                <a:solidFill>
+                  <a:srgbClr val="252525"/>
+                </a:solidFill>
+                <a:latin typeface="Arial" panose="020B0604020202020204" pitchFamily="34" charset="0"/>
+              </a:rPr>
+              <a:t>Gaussian filter</a:t>
+            </a:r>
+            <a:endParaRPr lang="en-US" dirty="0"/>
+          </a:p>
+        </p:txBody>
+      </p:sp>
+      <p:pic>
+        <p:nvPicPr>
+          <p:cNvPr id="11268" name="Picture 4" descr="http://pic002.cnblogs.com/images/2012/340413/2012121322523340.jpg"/>
+          <p:cNvPicPr>
+            <a:picLocks noChangeAspect="1" noChangeArrowheads="1"/>
+          </p:cNvPicPr>
+          <p:nvPr/>
+        </p:nvPicPr>
+        <p:blipFill>
+          <a:blip r:embed="rId4">
+            <a:extLst>
+              <a:ext uri="{28A0092B-C50C-407E-A947-70E740481C1C}">
+                <a14:useLocalDpi xmlns:a14="http://schemas.microsoft.com/office/drawing/2010/main" val="0"/>
+              </a:ext>
+            </a:extLst>
+          </a:blip>
+          <a:srcRect/>
+          <a:stretch>
+            <a:fillRect/>
+          </a:stretch>
+        </p:blipFill>
+        <p:spPr bwMode="auto">
+          <a:xfrm>
+            <a:off x="2197561" y="4797152"/>
+            <a:ext cx="1703852" cy="1703852"/>
+          </a:xfrm>
+          <a:prstGeom prst="rect">
+            <a:avLst/>
+          </a:prstGeom>
+          <a:noFill/>
+          <a:extLst>
+            <a:ext uri="{909E8E84-426E-40DD-AFC4-6F175D3DCCD1}">
+              <a14:hiddenFill xmlns:a14="http://schemas.microsoft.com/office/drawing/2010/main">
+                <a:solidFill>
+                  <a:srgbClr val="FFFFFF"/>
+                </a:solidFill>
+              </a14:hiddenFill>
+            </a:ext>
+          </a:extLst>
+        </p:spPr>
+      </p:pic>
+      <p:pic>
+        <p:nvPicPr>
+          <p:cNvPr id="11270" name="Picture 6" descr="http://pic002.cnblogs.com/images/2012/340413/2012121322533159.jpg"/>
+          <p:cNvPicPr>
+            <a:picLocks noChangeAspect="1" noChangeArrowheads="1"/>
+          </p:cNvPicPr>
+          <p:nvPr/>
+        </p:nvPicPr>
+        <p:blipFill>
+          <a:blip r:embed="rId5">
+            <a:extLst>
+              <a:ext uri="{28A0092B-C50C-407E-A947-70E740481C1C}">
+                <a14:useLocalDpi xmlns:a14="http://schemas.microsoft.com/office/drawing/2010/main" val="0"/>
+              </a:ext>
+            </a:extLst>
+          </a:blip>
+          <a:srcRect/>
+          <a:stretch>
+            <a:fillRect/>
+          </a:stretch>
+        </p:blipFill>
+        <p:spPr bwMode="auto">
+          <a:xfrm>
+            <a:off x="5292080" y="4797152"/>
+            <a:ext cx="1703852" cy="1703852"/>
+          </a:xfrm>
+          <a:prstGeom prst="rect">
+            <a:avLst/>
+          </a:prstGeom>
+          <a:noFill/>
+          <a:extLst>
+            <a:ext uri="{909E8E84-426E-40DD-AFC4-6F175D3DCCD1}">
+              <a14:hiddenFill xmlns:a14="http://schemas.microsoft.com/office/drawing/2010/main">
+                <a:solidFill>
+                  <a:srgbClr val="FFFFFF"/>
+                </a:solidFill>
+              </a14:hiddenFill>
+            </a:ext>
+          </a:extLst>
+        </p:spPr>
+      </p:pic>
+      <p:sp>
+        <p:nvSpPr>
+          <p:cNvPr id="23" name="TextBox 22"/>
+          <p:cNvSpPr txBox="1"/>
+          <p:nvPr/>
+        </p:nvSpPr>
+        <p:spPr>
+          <a:xfrm>
+            <a:off x="539552" y="116632"/>
+            <a:ext cx="8036174" cy="253916"/>
+          </a:xfrm>
+          <a:prstGeom prst="rect">
+            <a:avLst/>
+          </a:prstGeom>
+          <a:noFill/>
+        </p:spPr>
+        <p:txBody>
+          <a:bodyPr wrap="none" rtlCol="0">
+            <a:spAutoFit/>
+          </a:bodyPr>
+          <a:lstStyle/>
+          <a:p>
+            <a:r>
+              <a:rPr lang="en-US" sz="1050" dirty="0"/>
+              <a:t>Canny, John. "A computational approach to edge detection." </a:t>
+            </a:r>
+            <a:r>
+              <a:rPr lang="en-US" sz="1050" i="1" dirty="0"/>
+              <a:t>Pattern Analysis and Machine Intelligence, IEEE Transactions on</a:t>
+            </a:r>
+            <a:r>
+              <a:rPr lang="en-US" sz="1050" dirty="0"/>
+              <a:t> 6 (1986): 679-698.</a:t>
+            </a:r>
+            <a:endParaRPr lang="en-US" sz="1050" dirty="0"/>
           </a:p>
         </p:txBody>
       </p:sp>
@@ -8429,6 +9210,12 @@
 <file path=ppt/slides/slide7.xml><?xml version="1.0" encoding="utf-8"?>
 <p:sld xmlns:a="http://schemas.openxmlformats.org/drawingml/2006/main" xmlns:r="http://schemas.openxmlformats.org/officeDocument/2006/relationships" xmlns:p="http://schemas.openxmlformats.org/presentationml/2006/main">
   <p:cSld>
+    <p:bg>
+      <p:bgPr>
+        <a:noFill/>
+        <a:effectLst/>
+      </p:bgPr>
+    </p:bg>
     <p:spTree>
       <p:nvGrpSpPr>
         <p:cNvPr id="1" name=""/>
@@ -8472,6 +9259,427 @@
           </a:p>
         </p:txBody>
       </p:sp>
+      <p:sp>
+        <p:nvSpPr>
+          <p:cNvPr id="3" name="TextBox 2"/>
+          <p:cNvSpPr txBox="1"/>
+          <p:nvPr/>
+        </p:nvSpPr>
+        <p:spPr>
+          <a:xfrm>
+            <a:off x="1043608" y="735117"/>
+            <a:ext cx="6912768" cy="2031325"/>
+          </a:xfrm>
+          <a:prstGeom prst="rect">
+            <a:avLst/>
+          </a:prstGeom>
+          <a:noFill/>
+        </p:spPr>
+        <p:txBody>
+          <a:bodyPr wrap="square" rtlCol="0">
+            <a:spAutoFit/>
+          </a:bodyPr>
+          <a:lstStyle/>
+          <a:p>
+            <a:r>
+              <a:rPr lang="en-US" b="1" dirty="0"/>
+              <a:t>Scale-invariant feature transform</a:t>
+            </a:r>
+            <a:r>
+              <a:rPr lang="en-US" dirty="0"/>
+              <a:t> (or </a:t>
+            </a:r>
+            <a:r>
+              <a:rPr lang="en-US" b="1" dirty="0"/>
+              <a:t>SIFT</a:t>
+            </a:r>
+            <a:r>
+              <a:rPr lang="en-US" dirty="0"/>
+              <a:t>) is an algorithm in </a:t>
+            </a:r>
+            <a:r>
+              <a:rPr lang="en-US" dirty="0">
+                <a:hlinkClick r:id="rId2" tooltip="Computer vision"/>
+              </a:rPr>
+              <a:t>computer vision</a:t>
+            </a:r>
+            <a:r>
+              <a:rPr lang="en-US" dirty="0"/>
+              <a:t> to detect and describe local features in images.</a:t>
+            </a:r>
+            <a:endParaRPr lang="en-US" b="1" dirty="0" smtClean="0"/>
+          </a:p>
+          <a:p>
+            <a:pPr marL="342900" indent="-342900">
+              <a:buAutoNum type="arabicPeriod"/>
+            </a:pPr>
+            <a:r>
+              <a:rPr lang="en-US" b="1" dirty="0" smtClean="0"/>
+              <a:t>Scale-space </a:t>
+            </a:r>
+            <a:r>
+              <a:rPr lang="en-US" b="1" dirty="0" err="1"/>
+              <a:t>extrema</a:t>
+            </a:r>
+            <a:r>
+              <a:rPr lang="en-US" b="1" dirty="0"/>
+              <a:t> </a:t>
+            </a:r>
+            <a:r>
+              <a:rPr lang="en-US" b="1" dirty="0" smtClean="0"/>
+              <a:t>detection</a:t>
+            </a:r>
+            <a:r>
+              <a:rPr lang="en-US" dirty="0" smtClean="0"/>
+              <a:t>.</a:t>
+            </a:r>
+          </a:p>
+          <a:p>
+            <a:pPr marL="342900" indent="-342900">
+              <a:buFontTx/>
+              <a:buAutoNum type="arabicPeriod"/>
+            </a:pPr>
+            <a:r>
+              <a:rPr lang="en-US" b="1" dirty="0" err="1"/>
+              <a:t>Keypoint</a:t>
+            </a:r>
+            <a:r>
+              <a:rPr lang="en-US" b="1" dirty="0"/>
+              <a:t> </a:t>
+            </a:r>
+            <a:r>
+              <a:rPr lang="en-US" b="1" dirty="0" smtClean="0"/>
+              <a:t>localization</a:t>
+            </a:r>
+            <a:r>
+              <a:rPr lang="en-US" b="1" dirty="0"/>
+              <a:t>.</a:t>
+            </a:r>
+            <a:endParaRPr lang="en-US" b="1" dirty="0"/>
+          </a:p>
+          <a:p>
+            <a:pPr marL="342900" indent="-342900">
+              <a:buFontTx/>
+              <a:buAutoNum type="arabicPeriod"/>
+            </a:pPr>
+            <a:r>
+              <a:rPr lang="en-US" b="1" dirty="0"/>
+              <a:t>Orientation </a:t>
+            </a:r>
+            <a:r>
+              <a:rPr lang="en-US" b="1" dirty="0" smtClean="0"/>
+              <a:t>assignment.</a:t>
+            </a:r>
+            <a:endParaRPr lang="en-US" b="1" dirty="0"/>
+          </a:p>
+          <a:p>
+            <a:pPr marL="342900" indent="-342900">
+              <a:buFontTx/>
+              <a:buAutoNum type="arabicPeriod"/>
+            </a:pPr>
+            <a:r>
+              <a:rPr lang="en-US" b="1" dirty="0" err="1"/>
+              <a:t>Keypoint</a:t>
+            </a:r>
+            <a:r>
+              <a:rPr lang="en-US" b="1" dirty="0"/>
+              <a:t> </a:t>
+            </a:r>
+            <a:r>
+              <a:rPr lang="en-US" b="1" dirty="0" smtClean="0"/>
+              <a:t>descriptor.</a:t>
+            </a:r>
+            <a:endParaRPr lang="en-US" b="1" dirty="0"/>
+          </a:p>
+          <a:p>
+            <a:pPr marL="342900" indent="-342900">
+              <a:buAutoNum type="arabicPeriod"/>
+            </a:pPr>
+            <a:endParaRPr lang="en-US" b="1" dirty="0"/>
+          </a:p>
+        </p:txBody>
+      </p:sp>
+      <p:sp>
+        <p:nvSpPr>
+          <p:cNvPr id="4" name="Rectangle 1"/>
+          <p:cNvSpPr>
+            <a:spLocks noChangeArrowheads="1"/>
+          </p:cNvSpPr>
+          <p:nvPr/>
+        </p:nvSpPr>
+        <p:spPr bwMode="auto">
+          <a:xfrm>
+            <a:off x="106685" y="132929"/>
+            <a:ext cx="8640507" cy="230832"/>
+          </a:xfrm>
+          <a:prstGeom prst="rect">
+            <a:avLst/>
+          </a:prstGeom>
+          <a:noFill/>
+        </p:spPr>
+        <p:txBody>
+          <a:bodyPr wrap="none" rtlCol="0">
+            <a:spAutoFit/>
+          </a:bodyPr>
+          <a:lstStyle/>
+          <a:p>
+            <a:r>
+              <a:rPr lang="en-US" altLang="en-US" sz="900" dirty="0"/>
+              <a:t>  </a:t>
+            </a:r>
+            <a:r>
+              <a:rPr lang="en-US" sz="900" dirty="0"/>
+              <a:t>Lowe, David G. "Object recognition from local scale-invariant </a:t>
+            </a:r>
+            <a:r>
+              <a:rPr lang="en-US" sz="900" dirty="0" err="1"/>
+              <a:t>features."Computer</a:t>
+            </a:r>
+            <a:r>
+              <a:rPr lang="en-US" sz="900" dirty="0"/>
+              <a:t> vision, 1999. The proceedings of the seventh IEEE international conference on. Vol. 2. </a:t>
+            </a:r>
+            <a:r>
+              <a:rPr lang="en-US" sz="900" dirty="0" err="1"/>
+              <a:t>Ieee</a:t>
+            </a:r>
+            <a:r>
+              <a:rPr lang="en-US" sz="900" dirty="0"/>
+              <a:t>, 1999.</a:t>
+            </a:r>
+            <a:r>
+              <a:rPr lang="en-US" altLang="en-US" sz="900" dirty="0"/>
+              <a:t> </a:t>
+            </a:r>
+          </a:p>
+        </p:txBody>
+      </p:sp>
+      <p:pic>
+        <p:nvPicPr>
+          <p:cNvPr id="12290" name="Picture 2" descr="D \left( x, y, \sigma \right) = L \left( x, y, k_i\sigma \right) - L \left( x, y, k_j\sigma \right)"/>
+          <p:cNvPicPr>
+            <a:picLocks noChangeAspect="1" noChangeArrowheads="1"/>
+          </p:cNvPicPr>
+          <p:nvPr/>
+        </p:nvPicPr>
+        <p:blipFill>
+          <a:blip r:embed="rId3">
+            <a:extLst>
+              <a:ext uri="{28A0092B-C50C-407E-A947-70E740481C1C}">
+                <a14:useLocalDpi xmlns:a14="http://schemas.microsoft.com/office/drawing/2010/main" val="0"/>
+              </a:ext>
+            </a:extLst>
+          </a:blip>
+          <a:srcRect/>
+          <a:stretch>
+            <a:fillRect/>
+          </a:stretch>
+        </p:blipFill>
+        <p:spPr bwMode="auto">
+          <a:xfrm>
+            <a:off x="1694282" y="3446666"/>
+            <a:ext cx="3171825" cy="209550"/>
+          </a:xfrm>
+          <a:prstGeom prst="rect">
+            <a:avLst/>
+          </a:prstGeom>
+          <a:noFill/>
+          <a:extLst>
+            <a:ext uri="{909E8E84-426E-40DD-AFC4-6F175D3DCCD1}">
+              <a14:hiddenFill xmlns:a14="http://schemas.microsoft.com/office/drawing/2010/main">
+                <a:solidFill>
+                  <a:srgbClr val="FFFFFF"/>
+                </a:solidFill>
+              </a14:hiddenFill>
+            </a:ext>
+          </a:extLst>
+        </p:spPr>
+      </p:pic>
+      <p:pic>
+        <p:nvPicPr>
+          <p:cNvPr id="12292" name="Picture 4" descr="L \left( x, y, k\sigma \right) = G \left( x, y, k\sigma \right) * I \left( x, y \right)"/>
+          <p:cNvPicPr>
+            <a:picLocks noChangeAspect="1" noChangeArrowheads="1"/>
+          </p:cNvPicPr>
+          <p:nvPr/>
+        </p:nvPicPr>
+        <p:blipFill>
+          <a:blip r:embed="rId4">
+            <a:extLst>
+              <a:ext uri="{28A0092B-C50C-407E-A947-70E740481C1C}">
+                <a14:useLocalDpi xmlns:a14="http://schemas.microsoft.com/office/drawing/2010/main" val="0"/>
+              </a:ext>
+            </a:extLst>
+          </a:blip>
+          <a:srcRect/>
+          <a:stretch>
+            <a:fillRect/>
+          </a:stretch>
+        </p:blipFill>
+        <p:spPr bwMode="auto">
+          <a:xfrm>
+            <a:off x="1694282" y="3975814"/>
+            <a:ext cx="2771775" cy="200025"/>
+          </a:xfrm>
+          <a:prstGeom prst="rect">
+            <a:avLst/>
+          </a:prstGeom>
+          <a:noFill/>
+          <a:extLst>
+            <a:ext uri="{909E8E84-426E-40DD-AFC4-6F175D3DCCD1}">
+              <a14:hiddenFill xmlns:a14="http://schemas.microsoft.com/office/drawing/2010/main">
+                <a:solidFill>
+                  <a:srgbClr val="FFFFFF"/>
+                </a:solidFill>
+              </a14:hiddenFill>
+            </a:ext>
+          </a:extLst>
+        </p:spPr>
+      </p:pic>
+      <p:pic>
+        <p:nvPicPr>
+          <p:cNvPr id="12294" name="Picture 6" descr="G \left( x, y, k\sigma \right)"/>
+          <p:cNvPicPr>
+            <a:picLocks noChangeAspect="1" noChangeArrowheads="1"/>
+          </p:cNvPicPr>
+          <p:nvPr/>
+        </p:nvPicPr>
+        <p:blipFill>
+          <a:blip r:embed="rId5">
+            <a:extLst>
+              <a:ext uri="{28A0092B-C50C-407E-A947-70E740481C1C}">
+                <a14:useLocalDpi xmlns:a14="http://schemas.microsoft.com/office/drawing/2010/main" val="0"/>
+              </a:ext>
+            </a:extLst>
+          </a:blip>
+          <a:srcRect/>
+          <a:stretch>
+            <a:fillRect/>
+          </a:stretch>
+        </p:blipFill>
+        <p:spPr bwMode="auto">
+          <a:xfrm>
+            <a:off x="3580232" y="2924164"/>
+            <a:ext cx="885825" cy="200026"/>
+          </a:xfrm>
+          <a:prstGeom prst="rect">
+            <a:avLst/>
+          </a:prstGeom>
+          <a:noFill/>
+          <a:extLst>
+            <a:ext uri="{909E8E84-426E-40DD-AFC4-6F175D3DCCD1}">
+              <a14:hiddenFill xmlns:a14="http://schemas.microsoft.com/office/drawing/2010/main">
+                <a:solidFill>
+                  <a:srgbClr val="FFFFFF"/>
+                </a:solidFill>
+              </a14:hiddenFill>
+            </a:ext>
+          </a:extLst>
+        </p:spPr>
+      </p:pic>
+      <p:sp>
+        <p:nvSpPr>
+          <p:cNvPr id="6" name="TextBox 5"/>
+          <p:cNvSpPr txBox="1"/>
+          <p:nvPr/>
+        </p:nvSpPr>
+        <p:spPr>
+          <a:xfrm>
+            <a:off x="1889842" y="2843644"/>
+            <a:ext cx="1741182" cy="369332"/>
+          </a:xfrm>
+          <a:prstGeom prst="rect">
+            <a:avLst/>
+          </a:prstGeom>
+          <a:noFill/>
+        </p:spPr>
+        <p:txBody>
+          <a:bodyPr wrap="none" rtlCol="0">
+            <a:spAutoFit/>
+          </a:bodyPr>
+          <a:lstStyle/>
+          <a:p>
+            <a:r>
+              <a:rPr lang="en-US" dirty="0" smtClean="0"/>
+              <a:t>Gaussian </a:t>
+            </a:r>
+            <a:r>
+              <a:rPr lang="en-US" altLang="zh-CN" dirty="0" smtClean="0"/>
+              <a:t>blur</a:t>
+            </a:r>
+            <a:r>
+              <a:rPr lang="zh-CN" altLang="en-US" dirty="0" smtClean="0"/>
+              <a:t>： </a:t>
+            </a:r>
+            <a:endParaRPr lang="en-US" dirty="0"/>
+          </a:p>
+        </p:txBody>
+      </p:sp>
+      <p:pic>
+        <p:nvPicPr>
+          <p:cNvPr id="12297" name="Picture 9" descr="http://my.csdn.net/uploads/201205/17/1337254665_2720.jpg"/>
+          <p:cNvPicPr>
+            <a:picLocks noChangeAspect="1" noChangeArrowheads="1"/>
+          </p:cNvPicPr>
+          <p:nvPr/>
+        </p:nvPicPr>
+        <p:blipFill>
+          <a:blip r:embed="rId6">
+            <a:extLst>
+              <a:ext uri="{28A0092B-C50C-407E-A947-70E740481C1C}">
+                <a14:useLocalDpi xmlns:a14="http://schemas.microsoft.com/office/drawing/2010/main" val="0"/>
+              </a:ext>
+            </a:extLst>
+          </a:blip>
+          <a:srcRect/>
+          <a:stretch>
+            <a:fillRect/>
+          </a:stretch>
+        </p:blipFill>
+        <p:spPr bwMode="auto">
+          <a:xfrm>
+            <a:off x="5816347" y="2200992"/>
+            <a:ext cx="2561442" cy="2340273"/>
+          </a:xfrm>
+          <a:prstGeom prst="rect">
+            <a:avLst/>
+          </a:prstGeom>
+          <a:noFill/>
+          <a:extLst>
+            <a:ext uri="{909E8E84-426E-40DD-AFC4-6F175D3DCCD1}">
+              <a14:hiddenFill xmlns:a14="http://schemas.microsoft.com/office/drawing/2010/main">
+                <a:solidFill>
+                  <a:srgbClr val="FFFFFF"/>
+                </a:solidFill>
+              </a14:hiddenFill>
+            </a:ext>
+          </a:extLst>
+        </p:spPr>
+      </p:pic>
+      <p:pic>
+        <p:nvPicPr>
+          <p:cNvPr id="7" name="Picture 6"/>
+          <p:cNvPicPr>
+            <a:picLocks noChangeAspect="1"/>
+          </p:cNvPicPr>
+          <p:nvPr/>
+        </p:nvPicPr>
+        <p:blipFill>
+          <a:blip r:embed="rId7"/>
+          <a:stretch>
+            <a:fillRect/>
+          </a:stretch>
+        </p:blipFill>
+        <p:spPr>
+          <a:xfrm>
+            <a:off x="1673187" y="4618467"/>
+            <a:ext cx="5122464" cy="2050893"/>
+          </a:xfrm>
+          <a:prstGeom prst="rect">
+            <a:avLst/>
+          </a:prstGeom>
+        </p:spPr>
+      </p:pic>
     </p:spTree>
     <p:extLst>
       <p:ext uri="{BB962C8B-B14F-4D97-AF65-F5344CB8AC3E}">
@@ -8535,6 +9743,371 @@
               <a:t>Important properties</a:t>
             </a:r>
             <a:endParaRPr lang="zh-CN" altLang="en-US" dirty="0"/>
+          </a:p>
+        </p:txBody>
+      </p:sp>
+      <p:sp>
+        <p:nvSpPr>
+          <p:cNvPr id="3" name="TextBox 2"/>
+          <p:cNvSpPr txBox="1"/>
+          <p:nvPr/>
+        </p:nvSpPr>
+        <p:spPr>
+          <a:xfrm>
+            <a:off x="1659732" y="1124744"/>
+            <a:ext cx="5904656" cy="1631216"/>
+          </a:xfrm>
+          <a:prstGeom prst="rect">
+            <a:avLst/>
+          </a:prstGeom>
+          <a:noFill/>
+        </p:spPr>
+        <p:txBody>
+          <a:bodyPr wrap="square" rtlCol="0">
+            <a:spAutoFit/>
+          </a:bodyPr>
+          <a:lstStyle/>
+          <a:p>
+            <a:pPr algn="just"/>
+            <a:r>
+              <a:rPr lang="en-US" sz="2000" b="1" dirty="0" smtClean="0"/>
+              <a:t>Convolutional Networks </a:t>
+            </a:r>
+            <a:r>
+              <a:rPr lang="en-US" sz="2000" dirty="0" smtClean="0"/>
+              <a:t>combine three architectural ideas to ensure some degree of </a:t>
+            </a:r>
+            <a:r>
+              <a:rPr lang="en-US" sz="2000" b="1" dirty="0" smtClean="0"/>
+              <a:t>shift, scale</a:t>
+            </a:r>
+            <a:r>
+              <a:rPr lang="en-US" sz="2000" dirty="0" smtClean="0"/>
+              <a:t>, and </a:t>
+            </a:r>
+            <a:r>
+              <a:rPr lang="en-US" sz="2000" b="1" dirty="0" smtClean="0"/>
+              <a:t>distortion</a:t>
+            </a:r>
+            <a:r>
+              <a:rPr lang="en-US" sz="2000" dirty="0" smtClean="0"/>
+              <a:t> </a:t>
+            </a:r>
+            <a:r>
+              <a:rPr lang="en-US" sz="2000" i="1" dirty="0" smtClean="0"/>
+              <a:t>invariance</a:t>
+            </a:r>
+            <a:r>
+              <a:rPr lang="en-US" sz="2000" dirty="0" smtClean="0"/>
+              <a:t>: </a:t>
+            </a:r>
+            <a:r>
+              <a:rPr lang="en-US" sz="2000" u="sng" dirty="0" smtClean="0"/>
+              <a:t>local receptive fields, shared weights (or weight replication), and spatial or temporal sub-sampling</a:t>
+            </a:r>
+            <a:r>
+              <a:rPr lang="en-US" sz="2000" dirty="0" smtClean="0"/>
+              <a:t>.</a:t>
+            </a:r>
+            <a:endParaRPr lang="en-US" sz="2000" dirty="0"/>
+          </a:p>
+        </p:txBody>
+      </p:sp>
+      <p:sp>
+        <p:nvSpPr>
+          <p:cNvPr id="4" name="Rectangle 3"/>
+          <p:cNvSpPr/>
+          <p:nvPr/>
+        </p:nvSpPr>
+        <p:spPr>
+          <a:xfrm>
+            <a:off x="543608" y="248071"/>
+            <a:ext cx="8136904" cy="253916"/>
+          </a:xfrm>
+          <a:prstGeom prst="rect">
+            <a:avLst/>
+          </a:prstGeom>
+        </p:spPr>
+        <p:txBody>
+          <a:bodyPr wrap="square">
+            <a:spAutoFit/>
+          </a:bodyPr>
+          <a:lstStyle/>
+          <a:p>
+            <a:r>
+              <a:rPr lang="en-US" sz="1050" dirty="0" err="1">
+                <a:solidFill>
+                  <a:srgbClr val="222222"/>
+                </a:solidFill>
+                <a:latin typeface="Arial" panose="020B0604020202020204" pitchFamily="34" charset="0"/>
+              </a:rPr>
+              <a:t>LeCun</a:t>
+            </a:r>
+            <a:r>
+              <a:rPr lang="en-US" sz="1050" dirty="0">
+                <a:solidFill>
+                  <a:srgbClr val="222222"/>
+                </a:solidFill>
+                <a:latin typeface="Arial" panose="020B0604020202020204" pitchFamily="34" charset="0"/>
+              </a:rPr>
+              <a:t>, </a:t>
+            </a:r>
+            <a:r>
+              <a:rPr lang="en-US" sz="1050" dirty="0" err="1">
+                <a:solidFill>
+                  <a:srgbClr val="222222"/>
+                </a:solidFill>
+                <a:latin typeface="Arial" panose="020B0604020202020204" pitchFamily="34" charset="0"/>
+              </a:rPr>
+              <a:t>Yann</a:t>
+            </a:r>
+            <a:r>
+              <a:rPr lang="en-US" sz="1050" dirty="0">
+                <a:solidFill>
+                  <a:srgbClr val="222222"/>
+                </a:solidFill>
+                <a:latin typeface="Arial" panose="020B0604020202020204" pitchFamily="34" charset="0"/>
+              </a:rPr>
+              <a:t>, et al. "Gradient-based learning applied to document </a:t>
+            </a:r>
+            <a:r>
+              <a:rPr lang="en-US" sz="1050" dirty="0" err="1">
+                <a:solidFill>
+                  <a:srgbClr val="222222"/>
+                </a:solidFill>
+                <a:latin typeface="Arial" panose="020B0604020202020204" pitchFamily="34" charset="0"/>
+              </a:rPr>
+              <a:t>recognition."</a:t>
+            </a:r>
+            <a:r>
+              <a:rPr lang="en-US" sz="1050" i="1" dirty="0" err="1">
+                <a:solidFill>
+                  <a:srgbClr val="222222"/>
+                </a:solidFill>
+                <a:latin typeface="Arial" panose="020B0604020202020204" pitchFamily="34" charset="0"/>
+              </a:rPr>
+              <a:t>Proceedings</a:t>
+            </a:r>
+            <a:r>
+              <a:rPr lang="en-US" sz="1050" i="1" dirty="0">
+                <a:solidFill>
+                  <a:srgbClr val="222222"/>
+                </a:solidFill>
+                <a:latin typeface="Arial" panose="020B0604020202020204" pitchFamily="34" charset="0"/>
+              </a:rPr>
+              <a:t> of the IEEE</a:t>
+            </a:r>
+            <a:r>
+              <a:rPr lang="en-US" sz="1050" dirty="0">
+                <a:solidFill>
+                  <a:srgbClr val="222222"/>
+                </a:solidFill>
+                <a:latin typeface="Arial" panose="020B0604020202020204" pitchFamily="34" charset="0"/>
+              </a:rPr>
+              <a:t> 86.11 (1998): 2278-2324.</a:t>
+            </a:r>
+            <a:endParaRPr lang="en-US" sz="1050" dirty="0"/>
+          </a:p>
+        </p:txBody>
+      </p:sp>
+      <p:sp>
+        <p:nvSpPr>
+          <p:cNvPr id="5" name="TextBox 4"/>
+          <p:cNvSpPr txBox="1"/>
+          <p:nvPr/>
+        </p:nvSpPr>
+        <p:spPr>
+          <a:xfrm>
+            <a:off x="1907704" y="2996952"/>
+            <a:ext cx="2420021" cy="1477328"/>
+          </a:xfrm>
+          <a:prstGeom prst="rect">
+            <a:avLst/>
+          </a:prstGeom>
+          <a:noFill/>
+        </p:spPr>
+        <p:txBody>
+          <a:bodyPr wrap="none" rtlCol="0">
+            <a:spAutoFit/>
+          </a:bodyPr>
+          <a:lstStyle/>
+          <a:p>
+            <a:pPr marL="285750" indent="-285750">
+              <a:buFont typeface="Arial" panose="020B0604020202020204" pitchFamily="34" charset="0"/>
+              <a:buChar char="•"/>
+            </a:pPr>
+            <a:r>
+              <a:rPr lang="en-US" dirty="0" smtClean="0"/>
+              <a:t>Shift invariance</a:t>
+            </a:r>
+          </a:p>
+          <a:p>
+            <a:pPr marL="285750" indent="-285750">
+              <a:buFont typeface="Arial" panose="020B0604020202020204" pitchFamily="34" charset="0"/>
+              <a:buChar char="•"/>
+            </a:pPr>
+            <a:endParaRPr lang="en-US" dirty="0" smtClean="0"/>
+          </a:p>
+          <a:p>
+            <a:pPr marL="285750" indent="-285750">
+              <a:buFont typeface="Arial" panose="020B0604020202020204" pitchFamily="34" charset="0"/>
+              <a:buChar char="•"/>
+            </a:pPr>
+            <a:r>
+              <a:rPr lang="en-US" dirty="0" smtClean="0"/>
+              <a:t>Scale invariance</a:t>
+            </a:r>
+          </a:p>
+          <a:p>
+            <a:pPr marL="285750" indent="-285750">
+              <a:buFont typeface="Arial" panose="020B0604020202020204" pitchFamily="34" charset="0"/>
+              <a:buChar char="•"/>
+            </a:pPr>
+            <a:endParaRPr lang="en-US" dirty="0" smtClean="0"/>
+          </a:p>
+          <a:p>
+            <a:pPr marL="285750" indent="-285750">
+              <a:buFont typeface="Arial" panose="020B0604020202020204" pitchFamily="34" charset="0"/>
+              <a:buChar char="•"/>
+            </a:pPr>
+            <a:r>
+              <a:rPr lang="en-US" dirty="0" smtClean="0"/>
+              <a:t>Distortion invariance</a:t>
+            </a:r>
+            <a:endParaRPr lang="en-US" dirty="0"/>
+          </a:p>
+        </p:txBody>
+      </p:sp>
+      <p:sp>
+        <p:nvSpPr>
+          <p:cNvPr id="6" name="TextBox 5"/>
+          <p:cNvSpPr txBox="1"/>
+          <p:nvPr/>
+        </p:nvSpPr>
+        <p:spPr>
+          <a:xfrm>
+            <a:off x="4788024" y="2996952"/>
+            <a:ext cx="2435090" cy="1477328"/>
+          </a:xfrm>
+          <a:prstGeom prst="rect">
+            <a:avLst/>
+          </a:prstGeom>
+          <a:noFill/>
+        </p:spPr>
+        <p:txBody>
+          <a:bodyPr wrap="none" rtlCol="0">
+            <a:spAutoFit/>
+          </a:bodyPr>
+          <a:lstStyle/>
+          <a:p>
+            <a:pPr marL="285750" indent="-285750">
+              <a:buFont typeface="Arial" panose="020B0604020202020204" pitchFamily="34" charset="0"/>
+              <a:buChar char="•"/>
+            </a:pPr>
+            <a:r>
+              <a:rPr lang="en-US" dirty="0" smtClean="0"/>
+              <a:t>Local </a:t>
+            </a:r>
+            <a:r>
+              <a:rPr lang="en-US" dirty="0"/>
+              <a:t>receptive </a:t>
+            </a:r>
+            <a:r>
+              <a:rPr lang="en-US" dirty="0" smtClean="0"/>
+              <a:t>fields</a:t>
+            </a:r>
+          </a:p>
+          <a:p>
+            <a:pPr marL="285750" indent="-285750">
+              <a:buFont typeface="Arial" panose="020B0604020202020204" pitchFamily="34" charset="0"/>
+              <a:buChar char="•"/>
+            </a:pPr>
+            <a:endParaRPr lang="en-US" dirty="0" smtClean="0"/>
+          </a:p>
+          <a:p>
+            <a:pPr marL="285750" indent="-285750">
+              <a:buFont typeface="Arial" panose="020B0604020202020204" pitchFamily="34" charset="0"/>
+              <a:buChar char="•"/>
+            </a:pPr>
+            <a:r>
+              <a:rPr lang="en-US" dirty="0" smtClean="0"/>
+              <a:t>Shared weights</a:t>
+            </a:r>
+          </a:p>
+          <a:p>
+            <a:pPr marL="285750" indent="-285750">
+              <a:buFont typeface="Arial" panose="020B0604020202020204" pitchFamily="34" charset="0"/>
+              <a:buChar char="•"/>
+            </a:pPr>
+            <a:endParaRPr lang="en-US" dirty="0" smtClean="0"/>
+          </a:p>
+          <a:p>
+            <a:pPr marL="285750" indent="-285750">
+              <a:buFont typeface="Arial" panose="020B0604020202020204" pitchFamily="34" charset="0"/>
+              <a:buChar char="•"/>
+            </a:pPr>
+            <a:r>
+              <a:rPr lang="en-US" dirty="0"/>
+              <a:t>S</a:t>
+            </a:r>
+            <a:r>
+              <a:rPr lang="en-US" dirty="0" smtClean="0"/>
+              <a:t>ub-sampling</a:t>
+            </a:r>
+          </a:p>
+        </p:txBody>
+      </p:sp>
+      <p:pic>
+        <p:nvPicPr>
+          <p:cNvPr id="7" name="Picture 6"/>
+          <p:cNvPicPr>
+            <a:picLocks noChangeAspect="1"/>
+          </p:cNvPicPr>
+          <p:nvPr/>
+        </p:nvPicPr>
+        <p:blipFill>
+          <a:blip r:embed="rId2"/>
+          <a:stretch>
+            <a:fillRect/>
+          </a:stretch>
+        </p:blipFill>
+        <p:spPr>
+          <a:xfrm>
+            <a:off x="1331640" y="4845753"/>
+            <a:ext cx="6770465" cy="1828831"/>
+          </a:xfrm>
+          <a:prstGeom prst="rect">
+            <a:avLst/>
+          </a:prstGeom>
+        </p:spPr>
+      </p:pic>
+      <p:sp>
+        <p:nvSpPr>
+          <p:cNvPr id="8" name="TextBox 7"/>
+          <p:cNvSpPr txBox="1"/>
+          <p:nvPr/>
+        </p:nvSpPr>
+        <p:spPr>
+          <a:xfrm>
+            <a:off x="1115616" y="4530606"/>
+            <a:ext cx="925638" cy="369332"/>
+          </a:xfrm>
+          <a:prstGeom prst="rect">
+            <a:avLst/>
+          </a:prstGeom>
+          <a:noFill/>
+        </p:spPr>
+        <p:txBody>
+          <a:bodyPr wrap="none" rtlCol="0">
+            <a:spAutoFit/>
+          </a:bodyPr>
+          <a:lstStyle/>
+          <a:p>
+            <a:r>
+              <a:rPr lang="en-US" dirty="0" smtClean="0"/>
+              <a:t>LeNet-5</a:t>
+            </a:r>
+            <a:endParaRPr lang="en-US" dirty="0"/>
           </a:p>
         </p:txBody>
       </p:sp>

--- a/doc/Convolutional Neural Network.pptx
+++ b/doc/Convolutional Neural Network.pptx
@@ -19,11 +19,12 @@
     <p:sldId id="267" r:id="rId13"/>
     <p:sldId id="268" r:id="rId14"/>
     <p:sldId id="269" r:id="rId15"/>
-    <p:sldId id="270" r:id="rId16"/>
-    <p:sldId id="271" r:id="rId17"/>
-    <p:sldId id="274" r:id="rId18"/>
-    <p:sldId id="272" r:id="rId19"/>
-    <p:sldId id="273" r:id="rId20"/>
+    <p:sldId id="275" r:id="rId16"/>
+    <p:sldId id="270" r:id="rId17"/>
+    <p:sldId id="271" r:id="rId18"/>
+    <p:sldId id="274" r:id="rId19"/>
+    <p:sldId id="272" r:id="rId20"/>
+    <p:sldId id="273" r:id="rId21"/>
   </p:sldIdLst>
   <p:sldSz cx="9144000" cy="6858000" type="screen4x3"/>
   <p:notesSz cx="6858000" cy="9144000"/>
@@ -323,7 +324,7 @@
             <a:fld id="{1341731E-BA3B-499E-8ED1-A0FD9ABBEFDE}" type="datetimeFigureOut">
               <a:rPr lang="zh-CN" altLang="en-US" smtClean="0"/>
               <a:pPr/>
-              <a:t>2014/10/19</a:t>
+              <a:t>2014/10/20</a:t>
             </a:fld>
             <a:endParaRPr lang="zh-CN" altLang="en-US"/>
           </a:p>
@@ -490,7 +491,7 @@
             <a:fld id="{1341731E-BA3B-499E-8ED1-A0FD9ABBEFDE}" type="datetimeFigureOut">
               <a:rPr lang="zh-CN" altLang="en-US" smtClean="0"/>
               <a:pPr/>
-              <a:t>2014/10/19</a:t>
+              <a:t>2014/10/20</a:t>
             </a:fld>
             <a:endParaRPr lang="zh-CN" altLang="en-US"/>
           </a:p>
@@ -671,7 +672,7 @@
             <a:fld id="{1341731E-BA3B-499E-8ED1-A0FD9ABBEFDE}" type="datetimeFigureOut">
               <a:rPr lang="zh-CN" altLang="en-US" smtClean="0"/>
               <a:pPr/>
-              <a:t>2014/10/19</a:t>
+              <a:t>2014/10/20</a:t>
             </a:fld>
             <a:endParaRPr lang="zh-CN" altLang="en-US"/>
           </a:p>
@@ -770,7 +771,7 @@
             <a:fld id="{1341731E-BA3B-499E-8ED1-A0FD9ABBEFDE}" type="datetimeFigureOut">
               <a:rPr lang="zh-CN" altLang="en-US" smtClean="0"/>
               <a:pPr/>
-              <a:t>2014/10/19</a:t>
+              <a:t>2014/10/20</a:t>
             </a:fld>
             <a:endParaRPr lang="zh-CN" altLang="en-US"/>
           </a:p>
@@ -985,7 +986,7 @@
             <a:fld id="{1341731E-BA3B-499E-8ED1-A0FD9ABBEFDE}" type="datetimeFigureOut">
               <a:rPr lang="zh-CN" altLang="en-US" smtClean="0"/>
               <a:pPr/>
-              <a:t>2014/10/19</a:t>
+              <a:t>2014/10/20</a:t>
             </a:fld>
             <a:endParaRPr lang="zh-CN" altLang="en-US"/>
           </a:p>
@@ -1235,7 +1236,7 @@
             <a:fld id="{1341731E-BA3B-499E-8ED1-A0FD9ABBEFDE}" type="datetimeFigureOut">
               <a:rPr lang="zh-CN" altLang="en-US" smtClean="0"/>
               <a:pPr/>
-              <a:t>2014/10/19</a:t>
+              <a:t>2014/10/20</a:t>
             </a:fld>
             <a:endParaRPr lang="zh-CN" altLang="en-US"/>
           </a:p>
@@ -1520,7 +1521,7 @@
             <a:fld id="{1341731E-BA3B-499E-8ED1-A0FD9ABBEFDE}" type="datetimeFigureOut">
               <a:rPr lang="zh-CN" altLang="en-US" smtClean="0"/>
               <a:pPr/>
-              <a:t>2014/10/19</a:t>
+              <a:t>2014/10/20</a:t>
             </a:fld>
             <a:endParaRPr lang="zh-CN" altLang="en-US"/>
           </a:p>
@@ -1939,7 +1940,7 @@
             <a:fld id="{1341731E-BA3B-499E-8ED1-A0FD9ABBEFDE}" type="datetimeFigureOut">
               <a:rPr lang="zh-CN" altLang="en-US" smtClean="0"/>
               <a:pPr/>
-              <a:t>2014/10/19</a:t>
+              <a:t>2014/10/20</a:t>
             </a:fld>
             <a:endParaRPr lang="zh-CN" altLang="en-US"/>
           </a:p>
@@ -2054,7 +2055,7 @@
             <a:fld id="{1341731E-BA3B-499E-8ED1-A0FD9ABBEFDE}" type="datetimeFigureOut">
               <a:rPr lang="zh-CN" altLang="en-US" smtClean="0"/>
               <a:pPr/>
-              <a:t>2014/10/19</a:t>
+              <a:t>2014/10/20</a:t>
             </a:fld>
             <a:endParaRPr lang="zh-CN" altLang="en-US"/>
           </a:p>
@@ -2146,7 +2147,7 @@
             <a:fld id="{1341731E-BA3B-499E-8ED1-A0FD9ABBEFDE}" type="datetimeFigureOut">
               <a:rPr lang="zh-CN" altLang="en-US" smtClean="0"/>
               <a:pPr/>
-              <a:t>2014/10/19</a:t>
+              <a:t>2014/10/20</a:t>
             </a:fld>
             <a:endParaRPr lang="zh-CN" altLang="en-US"/>
           </a:p>
@@ -2427,7 +2428,7 @@
             <a:fld id="{1341731E-BA3B-499E-8ED1-A0FD9ABBEFDE}" type="datetimeFigureOut">
               <a:rPr lang="zh-CN" altLang="en-US" smtClean="0"/>
               <a:pPr/>
-              <a:t>2014/10/19</a:t>
+              <a:t>2014/10/20</a:t>
             </a:fld>
             <a:endParaRPr lang="zh-CN" altLang="en-US"/>
           </a:p>
@@ -2677,7 +2678,7 @@
             <a:fld id="{1341731E-BA3B-499E-8ED1-A0FD9ABBEFDE}" type="datetimeFigureOut">
               <a:rPr lang="zh-CN" altLang="en-US" smtClean="0"/>
               <a:pPr/>
-              <a:t>2014/10/19</a:t>
+              <a:t>2014/10/20</a:t>
             </a:fld>
             <a:endParaRPr lang="zh-CN" altLang="en-US"/>
           </a:p>
@@ -2887,7 +2888,7 @@
             <a:fld id="{1341731E-BA3B-499E-8ED1-A0FD9ABBEFDE}" type="datetimeFigureOut">
               <a:rPr lang="zh-CN" altLang="en-US" smtClean="0"/>
               <a:pPr/>
-              <a:t>2014/10/19</a:t>
+              <a:t>2014/10/20</a:t>
             </a:fld>
             <a:endParaRPr lang="zh-CN" altLang="en-US"/>
           </a:p>
@@ -3408,7 +3409,7 @@
         </p:nvSpPr>
         <p:spPr>
           <a:xfrm>
-            <a:off x="1403648" y="3203684"/>
+            <a:off x="1403648" y="3717032"/>
             <a:ext cx="2240422" cy="369332"/>
           </a:xfrm>
           <a:prstGeom prst="rect">
@@ -3430,6 +3431,2549 @@
           </a:p>
         </p:txBody>
       </p:sp>
+      <p:grpSp>
+        <p:nvGrpSpPr>
+          <p:cNvPr id="5" name="组合 28"/>
+          <p:cNvGrpSpPr/>
+          <p:nvPr/>
+        </p:nvGrpSpPr>
+        <p:grpSpPr>
+          <a:xfrm>
+            <a:off x="1484971" y="1772816"/>
+            <a:ext cx="864096" cy="864096"/>
+            <a:chOff x="611560" y="4077072"/>
+            <a:chExt cx="864096" cy="864096"/>
+          </a:xfrm>
+        </p:grpSpPr>
+        <p:sp>
+          <p:nvSpPr>
+            <p:cNvPr id="6" name="矩形 29"/>
+            <p:cNvSpPr/>
+            <p:nvPr/>
+          </p:nvSpPr>
+          <p:spPr>
+            <a:xfrm>
+              <a:off x="611560" y="4077072"/>
+              <a:ext cx="288032" cy="288032"/>
+            </a:xfrm>
+            <a:prstGeom prst="rect">
+              <a:avLst/>
+            </a:prstGeom>
+            <a:noFill/>
+            <a:ln w="6350"/>
+          </p:spPr>
+          <p:style>
+            <a:lnRef idx="2">
+              <a:schemeClr val="accent1">
+                <a:shade val="50000"/>
+              </a:schemeClr>
+            </a:lnRef>
+            <a:fillRef idx="1">
+              <a:schemeClr val="accent1"/>
+            </a:fillRef>
+            <a:effectRef idx="0">
+              <a:schemeClr val="accent1"/>
+            </a:effectRef>
+            <a:fontRef idx="minor">
+              <a:schemeClr val="lt1"/>
+            </a:fontRef>
+          </p:style>
+          <p:txBody>
+            <a:bodyPr lIns="0" rIns="0" rtlCol="0" anchor="ctr"/>
+            <a:lstStyle/>
+            <a:p>
+              <a:pPr algn="ctr"/>
+              <a:r>
+                <a:rPr lang="en-US" altLang="zh-CN" dirty="0">
+                  <a:solidFill>
+                    <a:schemeClr val="tx1"/>
+                  </a:solidFill>
+                </a:rPr>
+                <a:t>1</a:t>
+              </a:r>
+              <a:endParaRPr lang="zh-CN" altLang="en-US" dirty="0">
+                <a:solidFill>
+                  <a:schemeClr val="tx1"/>
+                </a:solidFill>
+              </a:endParaRPr>
+            </a:p>
+          </p:txBody>
+        </p:sp>
+        <p:sp>
+          <p:nvSpPr>
+            <p:cNvPr id="7" name="矩形 30"/>
+            <p:cNvSpPr/>
+            <p:nvPr/>
+          </p:nvSpPr>
+          <p:spPr>
+            <a:xfrm>
+              <a:off x="899592" y="4077072"/>
+              <a:ext cx="288032" cy="288032"/>
+            </a:xfrm>
+            <a:prstGeom prst="rect">
+              <a:avLst/>
+            </a:prstGeom>
+            <a:noFill/>
+            <a:ln w="6350"/>
+          </p:spPr>
+          <p:style>
+            <a:lnRef idx="2">
+              <a:schemeClr val="accent1">
+                <a:shade val="50000"/>
+              </a:schemeClr>
+            </a:lnRef>
+            <a:fillRef idx="1">
+              <a:schemeClr val="accent1"/>
+            </a:fillRef>
+            <a:effectRef idx="0">
+              <a:schemeClr val="accent1"/>
+            </a:effectRef>
+            <a:fontRef idx="minor">
+              <a:schemeClr val="lt1"/>
+            </a:fontRef>
+          </p:style>
+          <p:txBody>
+            <a:bodyPr lIns="0" rIns="0" rtlCol="0" anchor="ctr"/>
+            <a:lstStyle/>
+            <a:p>
+              <a:pPr algn="ctr"/>
+              <a:r>
+                <a:rPr lang="en-US" altLang="zh-CN" dirty="0" smtClean="0">
+                  <a:solidFill>
+                    <a:schemeClr val="tx1"/>
+                  </a:solidFill>
+                </a:rPr>
+                <a:t>2</a:t>
+              </a:r>
+              <a:endParaRPr lang="zh-CN" altLang="en-US" dirty="0">
+                <a:solidFill>
+                  <a:schemeClr val="tx1"/>
+                </a:solidFill>
+              </a:endParaRPr>
+            </a:p>
+          </p:txBody>
+        </p:sp>
+        <p:sp>
+          <p:nvSpPr>
+            <p:cNvPr id="8" name="矩形 31"/>
+            <p:cNvSpPr/>
+            <p:nvPr/>
+          </p:nvSpPr>
+          <p:spPr>
+            <a:xfrm>
+              <a:off x="1187624" y="4077072"/>
+              <a:ext cx="288032" cy="288032"/>
+            </a:xfrm>
+            <a:prstGeom prst="rect">
+              <a:avLst/>
+            </a:prstGeom>
+            <a:noFill/>
+            <a:ln w="6350"/>
+          </p:spPr>
+          <p:style>
+            <a:lnRef idx="2">
+              <a:schemeClr val="accent1">
+                <a:shade val="50000"/>
+              </a:schemeClr>
+            </a:lnRef>
+            <a:fillRef idx="1">
+              <a:schemeClr val="accent1"/>
+            </a:fillRef>
+            <a:effectRef idx="0">
+              <a:schemeClr val="accent1"/>
+            </a:effectRef>
+            <a:fontRef idx="minor">
+              <a:schemeClr val="lt1"/>
+            </a:fontRef>
+          </p:style>
+          <p:txBody>
+            <a:bodyPr lIns="0" rIns="0" rtlCol="0" anchor="ctr"/>
+            <a:lstStyle/>
+            <a:p>
+              <a:pPr algn="ctr"/>
+              <a:r>
+                <a:rPr lang="en-US" altLang="zh-CN" dirty="0" smtClean="0">
+                  <a:solidFill>
+                    <a:schemeClr val="tx1"/>
+                  </a:solidFill>
+                </a:rPr>
+                <a:t>1</a:t>
+              </a:r>
+              <a:endParaRPr lang="zh-CN" altLang="en-US" dirty="0">
+                <a:solidFill>
+                  <a:schemeClr val="tx1"/>
+                </a:solidFill>
+              </a:endParaRPr>
+            </a:p>
+          </p:txBody>
+        </p:sp>
+        <p:sp>
+          <p:nvSpPr>
+            <p:cNvPr id="9" name="矩形 32"/>
+            <p:cNvSpPr/>
+            <p:nvPr/>
+          </p:nvSpPr>
+          <p:spPr>
+            <a:xfrm>
+              <a:off x="611560" y="4365104"/>
+              <a:ext cx="288032" cy="288032"/>
+            </a:xfrm>
+            <a:prstGeom prst="rect">
+              <a:avLst/>
+            </a:prstGeom>
+            <a:noFill/>
+            <a:ln w="6350"/>
+          </p:spPr>
+          <p:style>
+            <a:lnRef idx="2">
+              <a:schemeClr val="accent1">
+                <a:shade val="50000"/>
+              </a:schemeClr>
+            </a:lnRef>
+            <a:fillRef idx="1">
+              <a:schemeClr val="accent1"/>
+            </a:fillRef>
+            <a:effectRef idx="0">
+              <a:schemeClr val="accent1"/>
+            </a:effectRef>
+            <a:fontRef idx="minor">
+              <a:schemeClr val="lt1"/>
+            </a:fontRef>
+          </p:style>
+          <p:txBody>
+            <a:bodyPr rtlCol="0" anchor="ctr"/>
+            <a:lstStyle/>
+            <a:p>
+              <a:pPr algn="ctr"/>
+              <a:r>
+                <a:rPr lang="en-US" altLang="zh-CN" dirty="0">
+                  <a:solidFill>
+                    <a:schemeClr val="tx1"/>
+                  </a:solidFill>
+                </a:rPr>
+                <a:t>5</a:t>
+              </a:r>
+              <a:endParaRPr lang="zh-CN" altLang="en-US" dirty="0">
+                <a:solidFill>
+                  <a:schemeClr val="tx1"/>
+                </a:solidFill>
+              </a:endParaRPr>
+            </a:p>
+          </p:txBody>
+        </p:sp>
+        <p:sp>
+          <p:nvSpPr>
+            <p:cNvPr id="10" name="矩形 33"/>
+            <p:cNvSpPr/>
+            <p:nvPr/>
+          </p:nvSpPr>
+          <p:spPr>
+            <a:xfrm>
+              <a:off x="899592" y="4365104"/>
+              <a:ext cx="288032" cy="288032"/>
+            </a:xfrm>
+            <a:prstGeom prst="rect">
+              <a:avLst/>
+            </a:prstGeom>
+            <a:noFill/>
+            <a:ln w="6350"/>
+          </p:spPr>
+          <p:style>
+            <a:lnRef idx="2">
+              <a:schemeClr val="accent1">
+                <a:shade val="50000"/>
+              </a:schemeClr>
+            </a:lnRef>
+            <a:fillRef idx="1">
+              <a:schemeClr val="accent1"/>
+            </a:fillRef>
+            <a:effectRef idx="0">
+              <a:schemeClr val="accent1"/>
+            </a:effectRef>
+            <a:fontRef idx="minor">
+              <a:schemeClr val="lt1"/>
+            </a:fontRef>
+          </p:style>
+          <p:txBody>
+            <a:bodyPr rtlCol="0" anchor="ctr"/>
+            <a:lstStyle/>
+            <a:p>
+              <a:pPr algn="ctr"/>
+              <a:r>
+                <a:rPr lang="en-US" altLang="zh-CN" dirty="0">
+                  <a:solidFill>
+                    <a:schemeClr val="tx1"/>
+                  </a:solidFill>
+                </a:rPr>
+                <a:t>6</a:t>
+              </a:r>
+              <a:endParaRPr lang="zh-CN" altLang="en-US" dirty="0">
+                <a:solidFill>
+                  <a:schemeClr val="tx1"/>
+                </a:solidFill>
+              </a:endParaRPr>
+            </a:p>
+          </p:txBody>
+        </p:sp>
+        <p:sp>
+          <p:nvSpPr>
+            <p:cNvPr id="11" name="矩形 34"/>
+            <p:cNvSpPr/>
+            <p:nvPr/>
+          </p:nvSpPr>
+          <p:spPr>
+            <a:xfrm>
+              <a:off x="1187624" y="4365104"/>
+              <a:ext cx="288032" cy="288032"/>
+            </a:xfrm>
+            <a:prstGeom prst="rect">
+              <a:avLst/>
+            </a:prstGeom>
+            <a:noFill/>
+            <a:ln w="6350"/>
+          </p:spPr>
+          <p:style>
+            <a:lnRef idx="2">
+              <a:schemeClr val="accent1">
+                <a:shade val="50000"/>
+              </a:schemeClr>
+            </a:lnRef>
+            <a:fillRef idx="1">
+              <a:schemeClr val="accent1"/>
+            </a:fillRef>
+            <a:effectRef idx="0">
+              <a:schemeClr val="accent1"/>
+            </a:effectRef>
+            <a:fontRef idx="minor">
+              <a:schemeClr val="lt1"/>
+            </a:fontRef>
+          </p:style>
+          <p:txBody>
+            <a:bodyPr rtlCol="0" anchor="ctr"/>
+            <a:lstStyle/>
+            <a:p>
+              <a:pPr algn="ctr"/>
+              <a:r>
+                <a:rPr lang="en-US" altLang="zh-CN" dirty="0">
+                  <a:solidFill>
+                    <a:schemeClr val="tx1"/>
+                  </a:solidFill>
+                </a:rPr>
+                <a:t>1</a:t>
+              </a:r>
+              <a:endParaRPr lang="zh-CN" altLang="en-US" dirty="0">
+                <a:solidFill>
+                  <a:schemeClr val="tx1"/>
+                </a:solidFill>
+              </a:endParaRPr>
+            </a:p>
+          </p:txBody>
+        </p:sp>
+        <p:sp>
+          <p:nvSpPr>
+            <p:cNvPr id="12" name="矩形 35"/>
+            <p:cNvSpPr/>
+            <p:nvPr/>
+          </p:nvSpPr>
+          <p:spPr>
+            <a:xfrm>
+              <a:off x="611560" y="4653136"/>
+              <a:ext cx="288032" cy="288032"/>
+            </a:xfrm>
+            <a:prstGeom prst="rect">
+              <a:avLst/>
+            </a:prstGeom>
+            <a:noFill/>
+            <a:ln w="6350"/>
+          </p:spPr>
+          <p:style>
+            <a:lnRef idx="2">
+              <a:schemeClr val="accent1">
+                <a:shade val="50000"/>
+              </a:schemeClr>
+            </a:lnRef>
+            <a:fillRef idx="1">
+              <a:schemeClr val="accent1"/>
+            </a:fillRef>
+            <a:effectRef idx="0">
+              <a:schemeClr val="accent1"/>
+            </a:effectRef>
+            <a:fontRef idx="minor">
+              <a:schemeClr val="lt1"/>
+            </a:fontRef>
+          </p:style>
+          <p:txBody>
+            <a:bodyPr rtlCol="0" anchor="ctr"/>
+            <a:lstStyle/>
+            <a:p>
+              <a:pPr algn="ctr"/>
+              <a:r>
+                <a:rPr lang="en-US" altLang="zh-CN" dirty="0">
+                  <a:solidFill>
+                    <a:schemeClr val="tx1"/>
+                  </a:solidFill>
+                </a:rPr>
+                <a:t>1</a:t>
+              </a:r>
+              <a:endParaRPr lang="zh-CN" altLang="en-US" dirty="0">
+                <a:solidFill>
+                  <a:schemeClr val="tx1"/>
+                </a:solidFill>
+              </a:endParaRPr>
+            </a:p>
+          </p:txBody>
+        </p:sp>
+        <p:sp>
+          <p:nvSpPr>
+            <p:cNvPr id="13" name="矩形 36"/>
+            <p:cNvSpPr/>
+            <p:nvPr/>
+          </p:nvSpPr>
+          <p:spPr>
+            <a:xfrm>
+              <a:off x="899592" y="4653136"/>
+              <a:ext cx="288032" cy="288032"/>
+            </a:xfrm>
+            <a:prstGeom prst="rect">
+              <a:avLst/>
+            </a:prstGeom>
+            <a:ln/>
+          </p:spPr>
+          <p:style>
+            <a:lnRef idx="2">
+              <a:schemeClr val="accent2">
+                <a:shade val="50000"/>
+              </a:schemeClr>
+            </a:lnRef>
+            <a:fillRef idx="1">
+              <a:schemeClr val="accent2"/>
+            </a:fillRef>
+            <a:effectRef idx="0">
+              <a:schemeClr val="accent2"/>
+            </a:effectRef>
+            <a:fontRef idx="minor">
+              <a:schemeClr val="lt1"/>
+            </a:fontRef>
+          </p:style>
+          <p:txBody>
+            <a:bodyPr rtlCol="0" anchor="ctr"/>
+            <a:lstStyle/>
+            <a:p>
+              <a:pPr algn="ctr"/>
+              <a:r>
+                <a:rPr lang="en-US" altLang="zh-CN" dirty="0">
+                  <a:solidFill>
+                    <a:schemeClr val="tx1"/>
+                  </a:solidFill>
+                </a:rPr>
+                <a:t>9</a:t>
+              </a:r>
+              <a:endParaRPr lang="zh-CN" altLang="en-US" dirty="0">
+                <a:solidFill>
+                  <a:schemeClr val="tx1"/>
+                </a:solidFill>
+              </a:endParaRPr>
+            </a:p>
+          </p:txBody>
+        </p:sp>
+        <p:sp>
+          <p:nvSpPr>
+            <p:cNvPr id="14" name="矩形 37"/>
+            <p:cNvSpPr/>
+            <p:nvPr/>
+          </p:nvSpPr>
+          <p:spPr>
+            <a:xfrm>
+              <a:off x="1187624" y="4653136"/>
+              <a:ext cx="288032" cy="288032"/>
+            </a:xfrm>
+            <a:prstGeom prst="rect">
+              <a:avLst/>
+            </a:prstGeom>
+            <a:noFill/>
+            <a:ln w="6350"/>
+          </p:spPr>
+          <p:style>
+            <a:lnRef idx="2">
+              <a:schemeClr val="accent1">
+                <a:shade val="50000"/>
+              </a:schemeClr>
+            </a:lnRef>
+            <a:fillRef idx="1">
+              <a:schemeClr val="accent1"/>
+            </a:fillRef>
+            <a:effectRef idx="0">
+              <a:schemeClr val="accent1"/>
+            </a:effectRef>
+            <a:fontRef idx="minor">
+              <a:schemeClr val="lt1"/>
+            </a:fontRef>
+          </p:style>
+          <p:txBody>
+            <a:bodyPr rtlCol="0" anchor="ctr"/>
+            <a:lstStyle/>
+            <a:p>
+              <a:pPr algn="ctr"/>
+              <a:r>
+                <a:rPr lang="en-US" altLang="zh-CN" dirty="0">
+                  <a:solidFill>
+                    <a:schemeClr val="tx1"/>
+                  </a:solidFill>
+                </a:rPr>
+                <a:t>1</a:t>
+              </a:r>
+              <a:endParaRPr lang="zh-CN" altLang="en-US" dirty="0">
+                <a:solidFill>
+                  <a:schemeClr val="tx1"/>
+                </a:solidFill>
+              </a:endParaRPr>
+            </a:p>
+          </p:txBody>
+        </p:sp>
+      </p:grpSp>
+      <p:sp>
+        <p:nvSpPr>
+          <p:cNvPr id="15" name="Right Arrow 14"/>
+          <p:cNvSpPr/>
+          <p:nvPr/>
+        </p:nvSpPr>
+        <p:spPr>
+          <a:xfrm>
+            <a:off x="2523859" y="2060848"/>
+            <a:ext cx="648072" cy="216024"/>
+          </a:xfrm>
+          <a:prstGeom prst="rightArrow">
+            <a:avLst/>
+          </a:prstGeom>
+        </p:spPr>
+        <p:style>
+          <a:lnRef idx="2">
+            <a:schemeClr val="accent1">
+              <a:shade val="50000"/>
+            </a:schemeClr>
+          </a:lnRef>
+          <a:fillRef idx="1">
+            <a:schemeClr val="accent1"/>
+          </a:fillRef>
+          <a:effectRef idx="0">
+            <a:schemeClr val="accent1"/>
+          </a:effectRef>
+          <a:fontRef idx="minor">
+            <a:schemeClr val="lt1"/>
+          </a:fontRef>
+        </p:style>
+        <p:txBody>
+          <a:bodyPr rtlCol="0" anchor="ctr"/>
+          <a:lstStyle/>
+          <a:p>
+            <a:pPr algn="ctr"/>
+            <a:endParaRPr lang="en-US"/>
+          </a:p>
+        </p:txBody>
+      </p:sp>
+      <p:sp>
+        <p:nvSpPr>
+          <p:cNvPr id="16" name="矩形 36"/>
+          <p:cNvSpPr/>
+          <p:nvPr/>
+        </p:nvSpPr>
+        <p:spPr>
+          <a:xfrm>
+            <a:off x="3356038" y="2024844"/>
+            <a:ext cx="288032" cy="288032"/>
+          </a:xfrm>
+          <a:prstGeom prst="rect">
+            <a:avLst/>
+          </a:prstGeom>
+          <a:ln/>
+        </p:spPr>
+        <p:style>
+          <a:lnRef idx="2">
+            <a:schemeClr val="accent2">
+              <a:shade val="50000"/>
+            </a:schemeClr>
+          </a:lnRef>
+          <a:fillRef idx="1">
+            <a:schemeClr val="accent2"/>
+          </a:fillRef>
+          <a:effectRef idx="0">
+            <a:schemeClr val="accent2"/>
+          </a:effectRef>
+          <a:fontRef idx="minor">
+            <a:schemeClr val="lt1"/>
+          </a:fontRef>
+        </p:style>
+        <p:txBody>
+          <a:bodyPr rtlCol="0" anchor="ctr"/>
+          <a:lstStyle/>
+          <a:p>
+            <a:pPr algn="ctr"/>
+            <a:r>
+              <a:rPr lang="en-US" altLang="zh-CN" dirty="0">
+                <a:solidFill>
+                  <a:schemeClr val="tx1"/>
+                </a:solidFill>
+              </a:rPr>
+              <a:t>9</a:t>
+            </a:r>
+            <a:endParaRPr lang="zh-CN" altLang="en-US" dirty="0">
+              <a:solidFill>
+                <a:schemeClr val="tx1"/>
+              </a:solidFill>
+            </a:endParaRPr>
+          </a:p>
+        </p:txBody>
+      </p:sp>
+      <p:sp>
+        <p:nvSpPr>
+          <p:cNvPr id="17" name="TextBox 16"/>
+          <p:cNvSpPr txBox="1"/>
+          <p:nvPr/>
+        </p:nvSpPr>
+        <p:spPr>
+          <a:xfrm>
+            <a:off x="2408736" y="1294892"/>
+            <a:ext cx="878317" cy="338554"/>
+          </a:xfrm>
+          <a:prstGeom prst="rect">
+            <a:avLst/>
+          </a:prstGeom>
+          <a:noFill/>
+        </p:spPr>
+        <p:txBody>
+          <a:bodyPr wrap="none" rtlCol="0">
+            <a:spAutoFit/>
+          </a:bodyPr>
+          <a:lstStyle/>
+          <a:p>
+            <a:r>
+              <a:rPr lang="en-US" altLang="zh-CN" sz="1600" dirty="0" smtClean="0"/>
+              <a:t>Forward</a:t>
+            </a:r>
+            <a:endParaRPr lang="en-US" sz="1600" dirty="0"/>
+          </a:p>
+        </p:txBody>
+      </p:sp>
+      <p:grpSp>
+        <p:nvGrpSpPr>
+          <p:cNvPr id="18" name="组合 28"/>
+          <p:cNvGrpSpPr/>
+          <p:nvPr/>
+        </p:nvGrpSpPr>
+        <p:grpSpPr>
+          <a:xfrm>
+            <a:off x="1484971" y="4783277"/>
+            <a:ext cx="864096" cy="864096"/>
+            <a:chOff x="611560" y="4077072"/>
+            <a:chExt cx="864096" cy="864096"/>
+          </a:xfrm>
+        </p:grpSpPr>
+        <p:sp>
+          <p:nvSpPr>
+            <p:cNvPr id="19" name="矩形 29"/>
+            <p:cNvSpPr/>
+            <p:nvPr/>
+          </p:nvSpPr>
+          <p:spPr>
+            <a:xfrm>
+              <a:off x="611560" y="4077072"/>
+              <a:ext cx="288032" cy="288032"/>
+            </a:xfrm>
+            <a:prstGeom prst="rect">
+              <a:avLst/>
+            </a:prstGeom>
+            <a:noFill/>
+            <a:ln w="6350"/>
+          </p:spPr>
+          <p:style>
+            <a:lnRef idx="2">
+              <a:schemeClr val="accent1">
+                <a:shade val="50000"/>
+              </a:schemeClr>
+            </a:lnRef>
+            <a:fillRef idx="1">
+              <a:schemeClr val="accent1"/>
+            </a:fillRef>
+            <a:effectRef idx="0">
+              <a:schemeClr val="accent1"/>
+            </a:effectRef>
+            <a:fontRef idx="minor">
+              <a:schemeClr val="lt1"/>
+            </a:fontRef>
+          </p:style>
+          <p:txBody>
+            <a:bodyPr lIns="0" rIns="0" rtlCol="0" anchor="ctr"/>
+            <a:lstStyle/>
+            <a:p>
+              <a:pPr algn="ctr"/>
+              <a:r>
+                <a:rPr lang="en-US" altLang="zh-CN" dirty="0">
+                  <a:solidFill>
+                    <a:schemeClr val="tx1"/>
+                  </a:solidFill>
+                </a:rPr>
+                <a:t>1</a:t>
+              </a:r>
+              <a:endParaRPr lang="zh-CN" altLang="en-US" dirty="0">
+                <a:solidFill>
+                  <a:schemeClr val="tx1"/>
+                </a:solidFill>
+              </a:endParaRPr>
+            </a:p>
+          </p:txBody>
+        </p:sp>
+        <p:sp>
+          <p:nvSpPr>
+            <p:cNvPr id="20" name="矩形 30"/>
+            <p:cNvSpPr/>
+            <p:nvPr/>
+          </p:nvSpPr>
+          <p:spPr>
+            <a:xfrm>
+              <a:off x="899592" y="4077072"/>
+              <a:ext cx="288032" cy="288032"/>
+            </a:xfrm>
+            <a:prstGeom prst="rect">
+              <a:avLst/>
+            </a:prstGeom>
+            <a:noFill/>
+            <a:ln w="6350"/>
+          </p:spPr>
+          <p:style>
+            <a:lnRef idx="2">
+              <a:schemeClr val="accent1">
+                <a:shade val="50000"/>
+              </a:schemeClr>
+            </a:lnRef>
+            <a:fillRef idx="1">
+              <a:schemeClr val="accent1"/>
+            </a:fillRef>
+            <a:effectRef idx="0">
+              <a:schemeClr val="accent1"/>
+            </a:effectRef>
+            <a:fontRef idx="minor">
+              <a:schemeClr val="lt1"/>
+            </a:fontRef>
+          </p:style>
+          <p:txBody>
+            <a:bodyPr lIns="0" rIns="0" rtlCol="0" anchor="ctr"/>
+            <a:lstStyle/>
+            <a:p>
+              <a:pPr algn="ctr"/>
+              <a:r>
+                <a:rPr lang="en-US" altLang="zh-CN" dirty="0" smtClean="0">
+                  <a:solidFill>
+                    <a:schemeClr val="tx1"/>
+                  </a:solidFill>
+                </a:rPr>
+                <a:t>2</a:t>
+              </a:r>
+              <a:endParaRPr lang="zh-CN" altLang="en-US" dirty="0">
+                <a:solidFill>
+                  <a:schemeClr val="tx1"/>
+                </a:solidFill>
+              </a:endParaRPr>
+            </a:p>
+          </p:txBody>
+        </p:sp>
+        <p:sp>
+          <p:nvSpPr>
+            <p:cNvPr id="21" name="矩形 31"/>
+            <p:cNvSpPr/>
+            <p:nvPr/>
+          </p:nvSpPr>
+          <p:spPr>
+            <a:xfrm>
+              <a:off x="1187624" y="4077072"/>
+              <a:ext cx="288032" cy="288032"/>
+            </a:xfrm>
+            <a:prstGeom prst="rect">
+              <a:avLst/>
+            </a:prstGeom>
+            <a:noFill/>
+            <a:ln w="6350"/>
+          </p:spPr>
+          <p:style>
+            <a:lnRef idx="2">
+              <a:schemeClr val="accent1">
+                <a:shade val="50000"/>
+              </a:schemeClr>
+            </a:lnRef>
+            <a:fillRef idx="1">
+              <a:schemeClr val="accent1"/>
+            </a:fillRef>
+            <a:effectRef idx="0">
+              <a:schemeClr val="accent1"/>
+            </a:effectRef>
+            <a:fontRef idx="minor">
+              <a:schemeClr val="lt1"/>
+            </a:fontRef>
+          </p:style>
+          <p:txBody>
+            <a:bodyPr lIns="0" rIns="0" rtlCol="0" anchor="ctr"/>
+            <a:lstStyle/>
+            <a:p>
+              <a:pPr algn="ctr"/>
+              <a:r>
+                <a:rPr lang="en-US" altLang="zh-CN" dirty="0" smtClean="0">
+                  <a:solidFill>
+                    <a:schemeClr val="tx1"/>
+                  </a:solidFill>
+                </a:rPr>
+                <a:t>1</a:t>
+              </a:r>
+              <a:endParaRPr lang="zh-CN" altLang="en-US" dirty="0">
+                <a:solidFill>
+                  <a:schemeClr val="tx1"/>
+                </a:solidFill>
+              </a:endParaRPr>
+            </a:p>
+          </p:txBody>
+        </p:sp>
+        <p:sp>
+          <p:nvSpPr>
+            <p:cNvPr id="22" name="矩形 32"/>
+            <p:cNvSpPr/>
+            <p:nvPr/>
+          </p:nvSpPr>
+          <p:spPr>
+            <a:xfrm>
+              <a:off x="611560" y="4365104"/>
+              <a:ext cx="288032" cy="288032"/>
+            </a:xfrm>
+            <a:prstGeom prst="rect">
+              <a:avLst/>
+            </a:prstGeom>
+            <a:noFill/>
+            <a:ln w="6350"/>
+          </p:spPr>
+          <p:style>
+            <a:lnRef idx="2">
+              <a:schemeClr val="accent1">
+                <a:shade val="50000"/>
+              </a:schemeClr>
+            </a:lnRef>
+            <a:fillRef idx="1">
+              <a:schemeClr val="accent1"/>
+            </a:fillRef>
+            <a:effectRef idx="0">
+              <a:schemeClr val="accent1"/>
+            </a:effectRef>
+            <a:fontRef idx="minor">
+              <a:schemeClr val="lt1"/>
+            </a:fontRef>
+          </p:style>
+          <p:txBody>
+            <a:bodyPr rtlCol="0" anchor="ctr"/>
+            <a:lstStyle/>
+            <a:p>
+              <a:pPr algn="ctr"/>
+              <a:r>
+                <a:rPr lang="en-US" altLang="zh-CN" dirty="0">
+                  <a:solidFill>
+                    <a:schemeClr val="tx1"/>
+                  </a:solidFill>
+                </a:rPr>
+                <a:t>5</a:t>
+              </a:r>
+              <a:endParaRPr lang="zh-CN" altLang="en-US" dirty="0">
+                <a:solidFill>
+                  <a:schemeClr val="tx1"/>
+                </a:solidFill>
+              </a:endParaRPr>
+            </a:p>
+          </p:txBody>
+        </p:sp>
+        <p:sp>
+          <p:nvSpPr>
+            <p:cNvPr id="23" name="矩形 33"/>
+            <p:cNvSpPr/>
+            <p:nvPr/>
+          </p:nvSpPr>
+          <p:spPr>
+            <a:xfrm>
+              <a:off x="899592" y="4365104"/>
+              <a:ext cx="288032" cy="288032"/>
+            </a:xfrm>
+            <a:prstGeom prst="rect">
+              <a:avLst/>
+            </a:prstGeom>
+            <a:noFill/>
+            <a:ln w="6350"/>
+          </p:spPr>
+          <p:style>
+            <a:lnRef idx="2">
+              <a:schemeClr val="accent1">
+                <a:shade val="50000"/>
+              </a:schemeClr>
+            </a:lnRef>
+            <a:fillRef idx="1">
+              <a:schemeClr val="accent1"/>
+            </a:fillRef>
+            <a:effectRef idx="0">
+              <a:schemeClr val="accent1"/>
+            </a:effectRef>
+            <a:fontRef idx="minor">
+              <a:schemeClr val="lt1"/>
+            </a:fontRef>
+          </p:style>
+          <p:txBody>
+            <a:bodyPr rtlCol="0" anchor="ctr"/>
+            <a:lstStyle/>
+            <a:p>
+              <a:pPr algn="ctr"/>
+              <a:r>
+                <a:rPr lang="en-US" altLang="zh-CN" dirty="0">
+                  <a:solidFill>
+                    <a:schemeClr val="tx1"/>
+                  </a:solidFill>
+                </a:rPr>
+                <a:t>6</a:t>
+              </a:r>
+              <a:endParaRPr lang="zh-CN" altLang="en-US" dirty="0">
+                <a:solidFill>
+                  <a:schemeClr val="tx1"/>
+                </a:solidFill>
+              </a:endParaRPr>
+            </a:p>
+          </p:txBody>
+        </p:sp>
+        <p:sp>
+          <p:nvSpPr>
+            <p:cNvPr id="24" name="矩形 34"/>
+            <p:cNvSpPr/>
+            <p:nvPr/>
+          </p:nvSpPr>
+          <p:spPr>
+            <a:xfrm>
+              <a:off x="1187624" y="4365104"/>
+              <a:ext cx="288032" cy="288032"/>
+            </a:xfrm>
+            <a:prstGeom prst="rect">
+              <a:avLst/>
+            </a:prstGeom>
+            <a:noFill/>
+            <a:ln w="6350"/>
+          </p:spPr>
+          <p:style>
+            <a:lnRef idx="2">
+              <a:schemeClr val="accent1">
+                <a:shade val="50000"/>
+              </a:schemeClr>
+            </a:lnRef>
+            <a:fillRef idx="1">
+              <a:schemeClr val="accent1"/>
+            </a:fillRef>
+            <a:effectRef idx="0">
+              <a:schemeClr val="accent1"/>
+            </a:effectRef>
+            <a:fontRef idx="minor">
+              <a:schemeClr val="lt1"/>
+            </a:fontRef>
+          </p:style>
+          <p:txBody>
+            <a:bodyPr rtlCol="0" anchor="ctr"/>
+            <a:lstStyle/>
+            <a:p>
+              <a:pPr algn="ctr"/>
+              <a:r>
+                <a:rPr lang="en-US" altLang="zh-CN" dirty="0">
+                  <a:solidFill>
+                    <a:schemeClr val="tx1"/>
+                  </a:solidFill>
+                </a:rPr>
+                <a:t>1</a:t>
+              </a:r>
+              <a:endParaRPr lang="zh-CN" altLang="en-US" dirty="0">
+                <a:solidFill>
+                  <a:schemeClr val="tx1"/>
+                </a:solidFill>
+              </a:endParaRPr>
+            </a:p>
+          </p:txBody>
+        </p:sp>
+        <p:sp>
+          <p:nvSpPr>
+            <p:cNvPr id="25" name="矩形 35"/>
+            <p:cNvSpPr/>
+            <p:nvPr/>
+          </p:nvSpPr>
+          <p:spPr>
+            <a:xfrm>
+              <a:off x="611560" y="4653136"/>
+              <a:ext cx="288032" cy="288032"/>
+            </a:xfrm>
+            <a:prstGeom prst="rect">
+              <a:avLst/>
+            </a:prstGeom>
+            <a:noFill/>
+            <a:ln w="6350"/>
+          </p:spPr>
+          <p:style>
+            <a:lnRef idx="2">
+              <a:schemeClr val="accent1">
+                <a:shade val="50000"/>
+              </a:schemeClr>
+            </a:lnRef>
+            <a:fillRef idx="1">
+              <a:schemeClr val="accent1"/>
+            </a:fillRef>
+            <a:effectRef idx="0">
+              <a:schemeClr val="accent1"/>
+            </a:effectRef>
+            <a:fontRef idx="minor">
+              <a:schemeClr val="lt1"/>
+            </a:fontRef>
+          </p:style>
+          <p:txBody>
+            <a:bodyPr rtlCol="0" anchor="ctr"/>
+            <a:lstStyle/>
+            <a:p>
+              <a:pPr algn="ctr"/>
+              <a:r>
+                <a:rPr lang="en-US" altLang="zh-CN" dirty="0">
+                  <a:solidFill>
+                    <a:schemeClr val="tx1"/>
+                  </a:solidFill>
+                </a:rPr>
+                <a:t>1</a:t>
+              </a:r>
+              <a:endParaRPr lang="zh-CN" altLang="en-US" dirty="0">
+                <a:solidFill>
+                  <a:schemeClr val="tx1"/>
+                </a:solidFill>
+              </a:endParaRPr>
+            </a:p>
+          </p:txBody>
+        </p:sp>
+        <p:sp>
+          <p:nvSpPr>
+            <p:cNvPr id="26" name="矩形 36"/>
+            <p:cNvSpPr/>
+            <p:nvPr/>
+          </p:nvSpPr>
+          <p:spPr>
+            <a:xfrm>
+              <a:off x="899592" y="4653136"/>
+              <a:ext cx="288032" cy="288032"/>
+            </a:xfrm>
+            <a:prstGeom prst="rect">
+              <a:avLst/>
+            </a:prstGeom>
+            <a:ln w="3175"/>
+          </p:spPr>
+          <p:style>
+            <a:lnRef idx="2">
+              <a:schemeClr val="accent1"/>
+            </a:lnRef>
+            <a:fillRef idx="1">
+              <a:schemeClr val="lt1"/>
+            </a:fillRef>
+            <a:effectRef idx="0">
+              <a:schemeClr val="accent1"/>
+            </a:effectRef>
+            <a:fontRef idx="minor">
+              <a:schemeClr val="dk1"/>
+            </a:fontRef>
+          </p:style>
+          <p:txBody>
+            <a:bodyPr rtlCol="0" anchor="ctr"/>
+            <a:lstStyle/>
+            <a:p>
+              <a:pPr algn="ctr"/>
+              <a:r>
+                <a:rPr lang="en-US" altLang="zh-CN" dirty="0">
+                  <a:solidFill>
+                    <a:schemeClr val="tx1"/>
+                  </a:solidFill>
+                </a:rPr>
+                <a:t>9</a:t>
+              </a:r>
+              <a:endParaRPr lang="zh-CN" altLang="en-US" dirty="0">
+                <a:solidFill>
+                  <a:schemeClr val="tx1"/>
+                </a:solidFill>
+              </a:endParaRPr>
+            </a:p>
+          </p:txBody>
+        </p:sp>
+        <p:sp>
+          <p:nvSpPr>
+            <p:cNvPr id="27" name="矩形 37"/>
+            <p:cNvSpPr/>
+            <p:nvPr/>
+          </p:nvSpPr>
+          <p:spPr>
+            <a:xfrm>
+              <a:off x="1187624" y="4653136"/>
+              <a:ext cx="288032" cy="288032"/>
+            </a:xfrm>
+            <a:prstGeom prst="rect">
+              <a:avLst/>
+            </a:prstGeom>
+            <a:noFill/>
+            <a:ln w="6350"/>
+          </p:spPr>
+          <p:style>
+            <a:lnRef idx="2">
+              <a:schemeClr val="accent1">
+                <a:shade val="50000"/>
+              </a:schemeClr>
+            </a:lnRef>
+            <a:fillRef idx="1">
+              <a:schemeClr val="accent1"/>
+            </a:fillRef>
+            <a:effectRef idx="0">
+              <a:schemeClr val="accent1"/>
+            </a:effectRef>
+            <a:fontRef idx="minor">
+              <a:schemeClr val="lt1"/>
+            </a:fontRef>
+          </p:style>
+          <p:txBody>
+            <a:bodyPr rtlCol="0" anchor="ctr"/>
+            <a:lstStyle/>
+            <a:p>
+              <a:pPr algn="ctr"/>
+              <a:r>
+                <a:rPr lang="en-US" altLang="zh-CN" dirty="0">
+                  <a:solidFill>
+                    <a:schemeClr val="tx1"/>
+                  </a:solidFill>
+                </a:rPr>
+                <a:t>1</a:t>
+              </a:r>
+              <a:endParaRPr lang="zh-CN" altLang="en-US" dirty="0">
+                <a:solidFill>
+                  <a:schemeClr val="tx1"/>
+                </a:solidFill>
+              </a:endParaRPr>
+            </a:p>
+          </p:txBody>
+        </p:sp>
+      </p:grpSp>
+      <p:sp>
+        <p:nvSpPr>
+          <p:cNvPr id="28" name="Right Arrow 27"/>
+          <p:cNvSpPr/>
+          <p:nvPr/>
+        </p:nvSpPr>
+        <p:spPr>
+          <a:xfrm>
+            <a:off x="2523859" y="5071309"/>
+            <a:ext cx="648072" cy="216024"/>
+          </a:xfrm>
+          <a:prstGeom prst="rightArrow">
+            <a:avLst/>
+          </a:prstGeom>
+        </p:spPr>
+        <p:style>
+          <a:lnRef idx="2">
+            <a:schemeClr val="accent1">
+              <a:shade val="50000"/>
+            </a:schemeClr>
+          </a:lnRef>
+          <a:fillRef idx="1">
+            <a:schemeClr val="accent1"/>
+          </a:fillRef>
+          <a:effectRef idx="0">
+            <a:schemeClr val="accent1"/>
+          </a:effectRef>
+          <a:fontRef idx="minor">
+            <a:schemeClr val="lt1"/>
+          </a:fontRef>
+        </p:style>
+        <p:txBody>
+          <a:bodyPr rtlCol="0" anchor="ctr"/>
+          <a:lstStyle/>
+          <a:p>
+            <a:pPr algn="ctr"/>
+            <a:endParaRPr lang="en-US"/>
+          </a:p>
+        </p:txBody>
+      </p:sp>
+      <p:sp>
+        <p:nvSpPr>
+          <p:cNvPr id="29" name="矩形 36"/>
+          <p:cNvSpPr/>
+          <p:nvPr/>
+        </p:nvSpPr>
+        <p:spPr>
+          <a:xfrm>
+            <a:off x="3356038" y="5035305"/>
+            <a:ext cx="288032" cy="288032"/>
+          </a:xfrm>
+          <a:prstGeom prst="rect">
+            <a:avLst/>
+          </a:prstGeom>
+          <a:ln/>
+        </p:spPr>
+        <p:style>
+          <a:lnRef idx="2">
+            <a:schemeClr val="accent5">
+              <a:shade val="50000"/>
+            </a:schemeClr>
+          </a:lnRef>
+          <a:fillRef idx="1">
+            <a:schemeClr val="accent5"/>
+          </a:fillRef>
+          <a:effectRef idx="0">
+            <a:schemeClr val="accent5"/>
+          </a:effectRef>
+          <a:fontRef idx="minor">
+            <a:schemeClr val="lt1"/>
+          </a:fontRef>
+        </p:style>
+        <p:txBody>
+          <a:bodyPr rtlCol="0" anchor="ctr"/>
+          <a:lstStyle/>
+          <a:p>
+            <a:pPr algn="ctr"/>
+            <a:r>
+              <a:rPr lang="en-US" altLang="zh-CN" dirty="0" smtClean="0">
+                <a:solidFill>
+                  <a:schemeClr val="tx1"/>
+                </a:solidFill>
+              </a:rPr>
+              <a:t>3</a:t>
+            </a:r>
+            <a:endParaRPr lang="zh-CN" altLang="en-US" dirty="0">
+              <a:solidFill>
+                <a:schemeClr val="tx1"/>
+              </a:solidFill>
+            </a:endParaRPr>
+          </a:p>
+        </p:txBody>
+      </p:sp>
+      <p:sp>
+        <p:nvSpPr>
+          <p:cNvPr id="30" name="TextBox 29"/>
+          <p:cNvSpPr txBox="1"/>
+          <p:nvPr/>
+        </p:nvSpPr>
+        <p:spPr>
+          <a:xfrm>
+            <a:off x="2408736" y="4305353"/>
+            <a:ext cx="878317" cy="338554"/>
+          </a:xfrm>
+          <a:prstGeom prst="rect">
+            <a:avLst/>
+          </a:prstGeom>
+          <a:noFill/>
+        </p:spPr>
+        <p:txBody>
+          <a:bodyPr wrap="none" rtlCol="0">
+            <a:spAutoFit/>
+          </a:bodyPr>
+          <a:lstStyle/>
+          <a:p>
+            <a:r>
+              <a:rPr lang="en-US" altLang="zh-CN" sz="1600" dirty="0" smtClean="0"/>
+              <a:t>Forward</a:t>
+            </a:r>
+            <a:endParaRPr lang="en-US" sz="1600" dirty="0"/>
+          </a:p>
+        </p:txBody>
+      </p:sp>
+      <p:grpSp>
+        <p:nvGrpSpPr>
+          <p:cNvPr id="31" name="组合 28"/>
+          <p:cNvGrpSpPr/>
+          <p:nvPr/>
+        </p:nvGrpSpPr>
+        <p:grpSpPr>
+          <a:xfrm>
+            <a:off x="5088395" y="1768271"/>
+            <a:ext cx="864096" cy="864096"/>
+            <a:chOff x="611560" y="4077072"/>
+            <a:chExt cx="864096" cy="864096"/>
+          </a:xfrm>
+        </p:grpSpPr>
+        <p:sp>
+          <p:nvSpPr>
+            <p:cNvPr id="32" name="矩形 29"/>
+            <p:cNvSpPr/>
+            <p:nvPr/>
+          </p:nvSpPr>
+          <p:spPr>
+            <a:xfrm>
+              <a:off x="611560" y="4077072"/>
+              <a:ext cx="288032" cy="288032"/>
+            </a:xfrm>
+            <a:prstGeom prst="rect">
+              <a:avLst/>
+            </a:prstGeom>
+            <a:noFill/>
+            <a:ln w="6350"/>
+          </p:spPr>
+          <p:style>
+            <a:lnRef idx="2">
+              <a:schemeClr val="accent1">
+                <a:shade val="50000"/>
+              </a:schemeClr>
+            </a:lnRef>
+            <a:fillRef idx="1">
+              <a:schemeClr val="accent1"/>
+            </a:fillRef>
+            <a:effectRef idx="0">
+              <a:schemeClr val="accent1"/>
+            </a:effectRef>
+            <a:fontRef idx="minor">
+              <a:schemeClr val="lt1"/>
+            </a:fontRef>
+          </p:style>
+          <p:txBody>
+            <a:bodyPr lIns="0" rIns="0" rtlCol="0" anchor="ctr"/>
+            <a:lstStyle/>
+            <a:p>
+              <a:pPr algn="ctr"/>
+              <a:r>
+                <a:rPr lang="en-US" altLang="zh-CN" dirty="0" smtClean="0">
+                  <a:solidFill>
+                    <a:schemeClr val="tx1"/>
+                  </a:solidFill>
+                </a:rPr>
+                <a:t>0</a:t>
+              </a:r>
+              <a:endParaRPr lang="zh-CN" altLang="en-US" dirty="0">
+                <a:solidFill>
+                  <a:schemeClr val="tx1"/>
+                </a:solidFill>
+              </a:endParaRPr>
+            </a:p>
+          </p:txBody>
+        </p:sp>
+        <p:sp>
+          <p:nvSpPr>
+            <p:cNvPr id="33" name="矩形 30"/>
+            <p:cNvSpPr/>
+            <p:nvPr/>
+          </p:nvSpPr>
+          <p:spPr>
+            <a:xfrm>
+              <a:off x="899592" y="4077072"/>
+              <a:ext cx="288032" cy="288032"/>
+            </a:xfrm>
+            <a:prstGeom prst="rect">
+              <a:avLst/>
+            </a:prstGeom>
+            <a:noFill/>
+            <a:ln w="6350"/>
+          </p:spPr>
+          <p:style>
+            <a:lnRef idx="2">
+              <a:schemeClr val="accent1">
+                <a:shade val="50000"/>
+              </a:schemeClr>
+            </a:lnRef>
+            <a:fillRef idx="1">
+              <a:schemeClr val="accent1"/>
+            </a:fillRef>
+            <a:effectRef idx="0">
+              <a:schemeClr val="accent1"/>
+            </a:effectRef>
+            <a:fontRef idx="minor">
+              <a:schemeClr val="lt1"/>
+            </a:fontRef>
+          </p:style>
+          <p:txBody>
+            <a:bodyPr lIns="0" rIns="0" rtlCol="0" anchor="ctr"/>
+            <a:lstStyle/>
+            <a:p>
+              <a:pPr algn="ctr"/>
+              <a:r>
+                <a:rPr lang="en-US" altLang="zh-CN" dirty="0">
+                  <a:solidFill>
+                    <a:schemeClr val="tx1"/>
+                  </a:solidFill>
+                </a:rPr>
+                <a:t>0</a:t>
+              </a:r>
+              <a:endParaRPr lang="zh-CN" altLang="en-US" dirty="0">
+                <a:solidFill>
+                  <a:schemeClr val="tx1"/>
+                </a:solidFill>
+              </a:endParaRPr>
+            </a:p>
+          </p:txBody>
+        </p:sp>
+        <p:sp>
+          <p:nvSpPr>
+            <p:cNvPr id="34" name="矩形 31"/>
+            <p:cNvSpPr/>
+            <p:nvPr/>
+          </p:nvSpPr>
+          <p:spPr>
+            <a:xfrm>
+              <a:off x="1187624" y="4077072"/>
+              <a:ext cx="288032" cy="288032"/>
+            </a:xfrm>
+            <a:prstGeom prst="rect">
+              <a:avLst/>
+            </a:prstGeom>
+            <a:noFill/>
+            <a:ln w="6350"/>
+          </p:spPr>
+          <p:style>
+            <a:lnRef idx="2">
+              <a:schemeClr val="accent1">
+                <a:shade val="50000"/>
+              </a:schemeClr>
+            </a:lnRef>
+            <a:fillRef idx="1">
+              <a:schemeClr val="accent1"/>
+            </a:fillRef>
+            <a:effectRef idx="0">
+              <a:schemeClr val="accent1"/>
+            </a:effectRef>
+            <a:fontRef idx="minor">
+              <a:schemeClr val="lt1"/>
+            </a:fontRef>
+          </p:style>
+          <p:txBody>
+            <a:bodyPr lIns="0" rIns="0" rtlCol="0" anchor="ctr"/>
+            <a:lstStyle/>
+            <a:p>
+              <a:pPr algn="ctr"/>
+              <a:r>
+                <a:rPr lang="en-US" altLang="zh-CN" dirty="0">
+                  <a:solidFill>
+                    <a:schemeClr val="tx1"/>
+                  </a:solidFill>
+                </a:rPr>
+                <a:t>0</a:t>
+              </a:r>
+              <a:endParaRPr lang="zh-CN" altLang="en-US" dirty="0">
+                <a:solidFill>
+                  <a:schemeClr val="tx1"/>
+                </a:solidFill>
+              </a:endParaRPr>
+            </a:p>
+          </p:txBody>
+        </p:sp>
+        <p:sp>
+          <p:nvSpPr>
+            <p:cNvPr id="35" name="矩形 32"/>
+            <p:cNvSpPr/>
+            <p:nvPr/>
+          </p:nvSpPr>
+          <p:spPr>
+            <a:xfrm>
+              <a:off x="611560" y="4365104"/>
+              <a:ext cx="288032" cy="288032"/>
+            </a:xfrm>
+            <a:prstGeom prst="rect">
+              <a:avLst/>
+            </a:prstGeom>
+            <a:noFill/>
+            <a:ln w="6350"/>
+          </p:spPr>
+          <p:style>
+            <a:lnRef idx="2">
+              <a:schemeClr val="accent1">
+                <a:shade val="50000"/>
+              </a:schemeClr>
+            </a:lnRef>
+            <a:fillRef idx="1">
+              <a:schemeClr val="accent1"/>
+            </a:fillRef>
+            <a:effectRef idx="0">
+              <a:schemeClr val="accent1"/>
+            </a:effectRef>
+            <a:fontRef idx="minor">
+              <a:schemeClr val="lt1"/>
+            </a:fontRef>
+          </p:style>
+          <p:txBody>
+            <a:bodyPr rtlCol="0" anchor="ctr"/>
+            <a:lstStyle/>
+            <a:p>
+              <a:pPr algn="ctr"/>
+              <a:r>
+                <a:rPr lang="en-US" altLang="zh-CN" dirty="0" smtClean="0">
+                  <a:solidFill>
+                    <a:schemeClr val="tx1"/>
+                  </a:solidFill>
+                </a:rPr>
+                <a:t>0</a:t>
+              </a:r>
+              <a:endParaRPr lang="zh-CN" altLang="en-US" dirty="0">
+                <a:solidFill>
+                  <a:schemeClr val="tx1"/>
+                </a:solidFill>
+              </a:endParaRPr>
+            </a:p>
+          </p:txBody>
+        </p:sp>
+        <p:sp>
+          <p:nvSpPr>
+            <p:cNvPr id="36" name="矩形 33"/>
+            <p:cNvSpPr/>
+            <p:nvPr/>
+          </p:nvSpPr>
+          <p:spPr>
+            <a:xfrm>
+              <a:off x="899592" y="4365104"/>
+              <a:ext cx="288032" cy="288032"/>
+            </a:xfrm>
+            <a:prstGeom prst="rect">
+              <a:avLst/>
+            </a:prstGeom>
+            <a:noFill/>
+            <a:ln w="6350"/>
+          </p:spPr>
+          <p:style>
+            <a:lnRef idx="2">
+              <a:schemeClr val="accent1">
+                <a:shade val="50000"/>
+              </a:schemeClr>
+            </a:lnRef>
+            <a:fillRef idx="1">
+              <a:schemeClr val="accent1"/>
+            </a:fillRef>
+            <a:effectRef idx="0">
+              <a:schemeClr val="accent1"/>
+            </a:effectRef>
+            <a:fontRef idx="minor">
+              <a:schemeClr val="lt1"/>
+            </a:fontRef>
+          </p:style>
+          <p:txBody>
+            <a:bodyPr rtlCol="0" anchor="ctr"/>
+            <a:lstStyle/>
+            <a:p>
+              <a:pPr algn="ctr"/>
+              <a:r>
+                <a:rPr lang="en-US" altLang="zh-CN" dirty="0" smtClean="0">
+                  <a:solidFill>
+                    <a:schemeClr val="tx1"/>
+                  </a:solidFill>
+                </a:rPr>
+                <a:t>0</a:t>
+              </a:r>
+              <a:endParaRPr lang="zh-CN" altLang="en-US" dirty="0">
+                <a:solidFill>
+                  <a:schemeClr val="tx1"/>
+                </a:solidFill>
+              </a:endParaRPr>
+            </a:p>
+          </p:txBody>
+        </p:sp>
+        <p:sp>
+          <p:nvSpPr>
+            <p:cNvPr id="37" name="矩形 34"/>
+            <p:cNvSpPr/>
+            <p:nvPr/>
+          </p:nvSpPr>
+          <p:spPr>
+            <a:xfrm>
+              <a:off x="1187624" y="4365104"/>
+              <a:ext cx="288032" cy="288032"/>
+            </a:xfrm>
+            <a:prstGeom prst="rect">
+              <a:avLst/>
+            </a:prstGeom>
+            <a:noFill/>
+            <a:ln w="6350"/>
+          </p:spPr>
+          <p:style>
+            <a:lnRef idx="2">
+              <a:schemeClr val="accent1">
+                <a:shade val="50000"/>
+              </a:schemeClr>
+            </a:lnRef>
+            <a:fillRef idx="1">
+              <a:schemeClr val="accent1"/>
+            </a:fillRef>
+            <a:effectRef idx="0">
+              <a:schemeClr val="accent1"/>
+            </a:effectRef>
+            <a:fontRef idx="minor">
+              <a:schemeClr val="lt1"/>
+            </a:fontRef>
+          </p:style>
+          <p:txBody>
+            <a:bodyPr rtlCol="0" anchor="ctr"/>
+            <a:lstStyle/>
+            <a:p>
+              <a:pPr algn="ctr"/>
+              <a:r>
+                <a:rPr lang="en-US" altLang="zh-CN" dirty="0" smtClean="0">
+                  <a:solidFill>
+                    <a:schemeClr val="tx1"/>
+                  </a:solidFill>
+                </a:rPr>
+                <a:t>0</a:t>
+              </a:r>
+              <a:endParaRPr lang="zh-CN" altLang="en-US" dirty="0">
+                <a:solidFill>
+                  <a:schemeClr val="tx1"/>
+                </a:solidFill>
+              </a:endParaRPr>
+            </a:p>
+          </p:txBody>
+        </p:sp>
+        <p:sp>
+          <p:nvSpPr>
+            <p:cNvPr id="38" name="矩形 35"/>
+            <p:cNvSpPr/>
+            <p:nvPr/>
+          </p:nvSpPr>
+          <p:spPr>
+            <a:xfrm>
+              <a:off x="611560" y="4653136"/>
+              <a:ext cx="288032" cy="288032"/>
+            </a:xfrm>
+            <a:prstGeom prst="rect">
+              <a:avLst/>
+            </a:prstGeom>
+            <a:noFill/>
+            <a:ln w="6350"/>
+          </p:spPr>
+          <p:style>
+            <a:lnRef idx="2">
+              <a:schemeClr val="accent1">
+                <a:shade val="50000"/>
+              </a:schemeClr>
+            </a:lnRef>
+            <a:fillRef idx="1">
+              <a:schemeClr val="accent1"/>
+            </a:fillRef>
+            <a:effectRef idx="0">
+              <a:schemeClr val="accent1"/>
+            </a:effectRef>
+            <a:fontRef idx="minor">
+              <a:schemeClr val="lt1"/>
+            </a:fontRef>
+          </p:style>
+          <p:txBody>
+            <a:bodyPr rtlCol="0" anchor="ctr"/>
+            <a:lstStyle/>
+            <a:p>
+              <a:pPr algn="ctr"/>
+              <a:r>
+                <a:rPr lang="en-US" altLang="zh-CN" dirty="0">
+                  <a:solidFill>
+                    <a:schemeClr val="tx1"/>
+                  </a:solidFill>
+                </a:rPr>
+                <a:t>0</a:t>
+              </a:r>
+              <a:endParaRPr lang="zh-CN" altLang="en-US" dirty="0">
+                <a:solidFill>
+                  <a:schemeClr val="tx1"/>
+                </a:solidFill>
+              </a:endParaRPr>
+            </a:p>
+          </p:txBody>
+        </p:sp>
+        <p:sp>
+          <p:nvSpPr>
+            <p:cNvPr id="39" name="矩形 36"/>
+            <p:cNvSpPr/>
+            <p:nvPr/>
+          </p:nvSpPr>
+          <p:spPr>
+            <a:xfrm>
+              <a:off x="899592" y="4653136"/>
+              <a:ext cx="288032" cy="288032"/>
+            </a:xfrm>
+            <a:prstGeom prst="rect">
+              <a:avLst/>
+            </a:prstGeom>
+            <a:ln/>
+          </p:spPr>
+          <p:style>
+            <a:lnRef idx="2">
+              <a:schemeClr val="accent2">
+                <a:shade val="50000"/>
+              </a:schemeClr>
+            </a:lnRef>
+            <a:fillRef idx="1">
+              <a:schemeClr val="accent2"/>
+            </a:fillRef>
+            <a:effectRef idx="0">
+              <a:schemeClr val="accent2"/>
+            </a:effectRef>
+            <a:fontRef idx="minor">
+              <a:schemeClr val="lt1"/>
+            </a:fontRef>
+          </p:style>
+          <p:txBody>
+            <a:bodyPr rtlCol="0" anchor="ctr"/>
+            <a:lstStyle/>
+            <a:p>
+              <a:pPr algn="ctr"/>
+              <a:r>
+                <a:rPr lang="en-US" altLang="zh-CN" dirty="0" smtClean="0">
+                  <a:solidFill>
+                    <a:schemeClr val="tx1"/>
+                  </a:solidFill>
+                </a:rPr>
+                <a:t>1</a:t>
+              </a:r>
+              <a:endParaRPr lang="zh-CN" altLang="en-US" dirty="0">
+                <a:solidFill>
+                  <a:schemeClr val="tx1"/>
+                </a:solidFill>
+              </a:endParaRPr>
+            </a:p>
+          </p:txBody>
+        </p:sp>
+        <p:sp>
+          <p:nvSpPr>
+            <p:cNvPr id="40" name="矩形 37"/>
+            <p:cNvSpPr/>
+            <p:nvPr/>
+          </p:nvSpPr>
+          <p:spPr>
+            <a:xfrm>
+              <a:off x="1187624" y="4653136"/>
+              <a:ext cx="288032" cy="288032"/>
+            </a:xfrm>
+            <a:prstGeom prst="rect">
+              <a:avLst/>
+            </a:prstGeom>
+            <a:noFill/>
+            <a:ln w="6350"/>
+          </p:spPr>
+          <p:style>
+            <a:lnRef idx="2">
+              <a:schemeClr val="accent1">
+                <a:shade val="50000"/>
+              </a:schemeClr>
+            </a:lnRef>
+            <a:fillRef idx="1">
+              <a:schemeClr val="accent1"/>
+            </a:fillRef>
+            <a:effectRef idx="0">
+              <a:schemeClr val="accent1"/>
+            </a:effectRef>
+            <a:fontRef idx="minor">
+              <a:schemeClr val="lt1"/>
+            </a:fontRef>
+          </p:style>
+          <p:txBody>
+            <a:bodyPr rtlCol="0" anchor="ctr"/>
+            <a:lstStyle/>
+            <a:p>
+              <a:pPr algn="ctr"/>
+              <a:r>
+                <a:rPr lang="en-US" altLang="zh-CN" dirty="0">
+                  <a:solidFill>
+                    <a:schemeClr val="tx1"/>
+                  </a:solidFill>
+                </a:rPr>
+                <a:t>0</a:t>
+              </a:r>
+              <a:endParaRPr lang="zh-CN" altLang="en-US" dirty="0">
+                <a:solidFill>
+                  <a:schemeClr val="tx1"/>
+                </a:solidFill>
+              </a:endParaRPr>
+            </a:p>
+          </p:txBody>
+        </p:sp>
+      </p:grpSp>
+      <p:sp>
+        <p:nvSpPr>
+          <p:cNvPr id="41" name="Right Arrow 40"/>
+          <p:cNvSpPr/>
+          <p:nvPr/>
+        </p:nvSpPr>
+        <p:spPr>
+          <a:xfrm rot="10800000">
+            <a:off x="6127283" y="2056303"/>
+            <a:ext cx="648072" cy="216024"/>
+          </a:xfrm>
+          <a:prstGeom prst="rightArrow">
+            <a:avLst/>
+          </a:prstGeom>
+        </p:spPr>
+        <p:style>
+          <a:lnRef idx="2">
+            <a:schemeClr val="accent1">
+              <a:shade val="50000"/>
+            </a:schemeClr>
+          </a:lnRef>
+          <a:fillRef idx="1">
+            <a:schemeClr val="accent1"/>
+          </a:fillRef>
+          <a:effectRef idx="0">
+            <a:schemeClr val="accent1"/>
+          </a:effectRef>
+          <a:fontRef idx="minor">
+            <a:schemeClr val="lt1"/>
+          </a:fontRef>
+        </p:style>
+        <p:txBody>
+          <a:bodyPr rtlCol="0" anchor="ctr"/>
+          <a:lstStyle/>
+          <a:p>
+            <a:pPr algn="ctr"/>
+            <a:endParaRPr lang="en-US"/>
+          </a:p>
+        </p:txBody>
+      </p:sp>
+      <p:sp>
+        <p:nvSpPr>
+          <p:cNvPr id="42" name="矩形 36"/>
+          <p:cNvSpPr/>
+          <p:nvPr/>
+        </p:nvSpPr>
+        <p:spPr>
+          <a:xfrm>
+            <a:off x="6959462" y="2020299"/>
+            <a:ext cx="288032" cy="288032"/>
+          </a:xfrm>
+          <a:prstGeom prst="rect">
+            <a:avLst/>
+          </a:prstGeom>
+          <a:ln/>
+        </p:spPr>
+        <p:style>
+          <a:lnRef idx="2">
+            <a:schemeClr val="accent2">
+              <a:shade val="50000"/>
+            </a:schemeClr>
+          </a:lnRef>
+          <a:fillRef idx="1">
+            <a:schemeClr val="accent2"/>
+          </a:fillRef>
+          <a:effectRef idx="0">
+            <a:schemeClr val="accent2"/>
+          </a:effectRef>
+          <a:fontRef idx="minor">
+            <a:schemeClr val="lt1"/>
+          </a:fontRef>
+        </p:style>
+        <p:txBody>
+          <a:bodyPr rtlCol="0" anchor="ctr"/>
+          <a:lstStyle/>
+          <a:p>
+            <a:pPr algn="ctr"/>
+            <a:r>
+              <a:rPr lang="en-US" altLang="zh-CN" dirty="0">
+                <a:solidFill>
+                  <a:schemeClr val="tx1"/>
+                </a:solidFill>
+              </a:rPr>
+              <a:t>1</a:t>
+            </a:r>
+            <a:endParaRPr lang="zh-CN" altLang="en-US" dirty="0">
+              <a:solidFill>
+                <a:schemeClr val="tx1"/>
+              </a:solidFill>
+            </a:endParaRPr>
+          </a:p>
+        </p:txBody>
+      </p:sp>
+      <p:sp>
+        <p:nvSpPr>
+          <p:cNvPr id="43" name="TextBox 42"/>
+          <p:cNvSpPr txBox="1"/>
+          <p:nvPr/>
+        </p:nvSpPr>
+        <p:spPr>
+          <a:xfrm>
+            <a:off x="6012160" y="1290347"/>
+            <a:ext cx="966803" cy="338554"/>
+          </a:xfrm>
+          <a:prstGeom prst="rect">
+            <a:avLst/>
+          </a:prstGeom>
+          <a:noFill/>
+        </p:spPr>
+        <p:txBody>
+          <a:bodyPr wrap="none" rtlCol="0">
+            <a:spAutoFit/>
+          </a:bodyPr>
+          <a:lstStyle/>
+          <a:p>
+            <a:r>
+              <a:rPr lang="en-US" altLang="zh-CN" sz="1600" dirty="0" err="1" smtClean="0"/>
+              <a:t>Backprop</a:t>
+            </a:r>
+            <a:endParaRPr lang="en-US" sz="1600" dirty="0"/>
+          </a:p>
+        </p:txBody>
+      </p:sp>
+      <p:grpSp>
+        <p:nvGrpSpPr>
+          <p:cNvPr id="44" name="组合 28"/>
+          <p:cNvGrpSpPr/>
+          <p:nvPr/>
+        </p:nvGrpSpPr>
+        <p:grpSpPr>
+          <a:xfrm>
+            <a:off x="5203518" y="4783277"/>
+            <a:ext cx="864096" cy="864096"/>
+            <a:chOff x="611560" y="4077072"/>
+            <a:chExt cx="864096" cy="864096"/>
+          </a:xfrm>
+          <a:solidFill>
+            <a:schemeClr val="accent5">
+              <a:lumMod val="40000"/>
+              <a:lumOff val="60000"/>
+            </a:schemeClr>
+          </a:solidFill>
+        </p:grpSpPr>
+        <p:sp>
+          <p:nvSpPr>
+            <p:cNvPr id="45" name="矩形 29"/>
+            <p:cNvSpPr/>
+            <p:nvPr/>
+          </p:nvSpPr>
+          <p:spPr>
+            <a:xfrm>
+              <a:off x="611560" y="4077072"/>
+              <a:ext cx="288032" cy="288032"/>
+            </a:xfrm>
+            <a:prstGeom prst="rect">
+              <a:avLst/>
+            </a:prstGeom>
+            <a:grpFill/>
+            <a:ln w="6350"/>
+          </p:spPr>
+          <p:style>
+            <a:lnRef idx="2">
+              <a:schemeClr val="accent1">
+                <a:shade val="50000"/>
+              </a:schemeClr>
+            </a:lnRef>
+            <a:fillRef idx="1">
+              <a:schemeClr val="accent1"/>
+            </a:fillRef>
+            <a:effectRef idx="0">
+              <a:schemeClr val="accent1"/>
+            </a:effectRef>
+            <a:fontRef idx="minor">
+              <a:schemeClr val="lt1"/>
+            </a:fontRef>
+          </p:style>
+          <p:txBody>
+            <a:bodyPr lIns="0" rIns="0" rtlCol="0" anchor="ctr"/>
+            <a:lstStyle/>
+            <a:p>
+              <a:pPr algn="ctr"/>
+              <a:r>
+                <a:rPr lang="en-US" altLang="zh-CN" dirty="0">
+                  <a:solidFill>
+                    <a:schemeClr val="tx1"/>
+                  </a:solidFill>
+                </a:rPr>
+                <a:t>1</a:t>
+              </a:r>
+              <a:endParaRPr lang="zh-CN" altLang="en-US" dirty="0">
+                <a:solidFill>
+                  <a:schemeClr val="tx1"/>
+                </a:solidFill>
+              </a:endParaRPr>
+            </a:p>
+          </p:txBody>
+        </p:sp>
+        <p:sp>
+          <p:nvSpPr>
+            <p:cNvPr id="46" name="矩形 30"/>
+            <p:cNvSpPr/>
+            <p:nvPr/>
+          </p:nvSpPr>
+          <p:spPr>
+            <a:xfrm>
+              <a:off x="899592" y="4077072"/>
+              <a:ext cx="288032" cy="288032"/>
+            </a:xfrm>
+            <a:prstGeom prst="rect">
+              <a:avLst/>
+            </a:prstGeom>
+            <a:grpFill/>
+            <a:ln w="6350"/>
+          </p:spPr>
+          <p:style>
+            <a:lnRef idx="2">
+              <a:schemeClr val="accent1">
+                <a:shade val="50000"/>
+              </a:schemeClr>
+            </a:lnRef>
+            <a:fillRef idx="1">
+              <a:schemeClr val="accent1"/>
+            </a:fillRef>
+            <a:effectRef idx="0">
+              <a:schemeClr val="accent1"/>
+            </a:effectRef>
+            <a:fontRef idx="minor">
+              <a:schemeClr val="lt1"/>
+            </a:fontRef>
+          </p:style>
+          <p:txBody>
+            <a:bodyPr lIns="0" rIns="0" rtlCol="0" anchor="ctr"/>
+            <a:lstStyle/>
+            <a:p>
+              <a:pPr algn="ctr"/>
+              <a:r>
+                <a:rPr lang="en-US" altLang="zh-CN" dirty="0" smtClean="0">
+                  <a:solidFill>
+                    <a:schemeClr val="tx1"/>
+                  </a:solidFill>
+                </a:rPr>
+                <a:t>1</a:t>
+              </a:r>
+              <a:endParaRPr lang="zh-CN" altLang="en-US" dirty="0">
+                <a:solidFill>
+                  <a:schemeClr val="tx1"/>
+                </a:solidFill>
+              </a:endParaRPr>
+            </a:p>
+          </p:txBody>
+        </p:sp>
+        <p:sp>
+          <p:nvSpPr>
+            <p:cNvPr id="47" name="矩形 31"/>
+            <p:cNvSpPr/>
+            <p:nvPr/>
+          </p:nvSpPr>
+          <p:spPr>
+            <a:xfrm>
+              <a:off x="1187624" y="4077072"/>
+              <a:ext cx="288032" cy="288032"/>
+            </a:xfrm>
+            <a:prstGeom prst="rect">
+              <a:avLst/>
+            </a:prstGeom>
+            <a:grpFill/>
+            <a:ln w="6350"/>
+          </p:spPr>
+          <p:style>
+            <a:lnRef idx="2">
+              <a:schemeClr val="accent1">
+                <a:shade val="50000"/>
+              </a:schemeClr>
+            </a:lnRef>
+            <a:fillRef idx="1">
+              <a:schemeClr val="accent1"/>
+            </a:fillRef>
+            <a:effectRef idx="0">
+              <a:schemeClr val="accent1"/>
+            </a:effectRef>
+            <a:fontRef idx="minor">
+              <a:schemeClr val="lt1"/>
+            </a:fontRef>
+          </p:style>
+          <p:txBody>
+            <a:bodyPr lIns="0" rIns="0" rtlCol="0" anchor="ctr"/>
+            <a:lstStyle/>
+            <a:p>
+              <a:pPr algn="ctr"/>
+              <a:r>
+                <a:rPr lang="en-US" altLang="zh-CN" dirty="0" smtClean="0">
+                  <a:solidFill>
+                    <a:schemeClr val="tx1"/>
+                  </a:solidFill>
+                </a:rPr>
+                <a:t>1</a:t>
+              </a:r>
+              <a:endParaRPr lang="zh-CN" altLang="en-US" dirty="0">
+                <a:solidFill>
+                  <a:schemeClr val="tx1"/>
+                </a:solidFill>
+              </a:endParaRPr>
+            </a:p>
+          </p:txBody>
+        </p:sp>
+        <p:sp>
+          <p:nvSpPr>
+            <p:cNvPr id="48" name="矩形 32"/>
+            <p:cNvSpPr/>
+            <p:nvPr/>
+          </p:nvSpPr>
+          <p:spPr>
+            <a:xfrm>
+              <a:off x="611560" y="4365104"/>
+              <a:ext cx="288032" cy="288032"/>
+            </a:xfrm>
+            <a:prstGeom prst="rect">
+              <a:avLst/>
+            </a:prstGeom>
+            <a:grpFill/>
+            <a:ln w="6350"/>
+          </p:spPr>
+          <p:style>
+            <a:lnRef idx="2">
+              <a:schemeClr val="accent1">
+                <a:shade val="50000"/>
+              </a:schemeClr>
+            </a:lnRef>
+            <a:fillRef idx="1">
+              <a:schemeClr val="accent1"/>
+            </a:fillRef>
+            <a:effectRef idx="0">
+              <a:schemeClr val="accent1"/>
+            </a:effectRef>
+            <a:fontRef idx="minor">
+              <a:schemeClr val="lt1"/>
+            </a:fontRef>
+          </p:style>
+          <p:txBody>
+            <a:bodyPr rtlCol="0" anchor="ctr"/>
+            <a:lstStyle/>
+            <a:p>
+              <a:pPr algn="ctr"/>
+              <a:r>
+                <a:rPr lang="en-US" altLang="zh-CN" dirty="0">
+                  <a:solidFill>
+                    <a:schemeClr val="tx1"/>
+                  </a:solidFill>
+                </a:rPr>
+                <a:t>1</a:t>
+              </a:r>
+              <a:endParaRPr lang="zh-CN" altLang="en-US" dirty="0">
+                <a:solidFill>
+                  <a:schemeClr val="tx1"/>
+                </a:solidFill>
+              </a:endParaRPr>
+            </a:p>
+          </p:txBody>
+        </p:sp>
+        <p:sp>
+          <p:nvSpPr>
+            <p:cNvPr id="49" name="矩形 33"/>
+            <p:cNvSpPr/>
+            <p:nvPr/>
+          </p:nvSpPr>
+          <p:spPr>
+            <a:xfrm>
+              <a:off x="899592" y="4365104"/>
+              <a:ext cx="288032" cy="288032"/>
+            </a:xfrm>
+            <a:prstGeom prst="rect">
+              <a:avLst/>
+            </a:prstGeom>
+            <a:grpFill/>
+            <a:ln w="6350"/>
+          </p:spPr>
+          <p:style>
+            <a:lnRef idx="2">
+              <a:schemeClr val="accent1">
+                <a:shade val="50000"/>
+              </a:schemeClr>
+            </a:lnRef>
+            <a:fillRef idx="1">
+              <a:schemeClr val="accent1"/>
+            </a:fillRef>
+            <a:effectRef idx="0">
+              <a:schemeClr val="accent1"/>
+            </a:effectRef>
+            <a:fontRef idx="minor">
+              <a:schemeClr val="lt1"/>
+            </a:fontRef>
+          </p:style>
+          <p:txBody>
+            <a:bodyPr rtlCol="0" anchor="ctr"/>
+            <a:lstStyle/>
+            <a:p>
+              <a:pPr algn="ctr"/>
+              <a:r>
+                <a:rPr lang="en-US" altLang="zh-CN" dirty="0">
+                  <a:solidFill>
+                    <a:schemeClr val="tx1"/>
+                  </a:solidFill>
+                </a:rPr>
+                <a:t>1</a:t>
+              </a:r>
+              <a:endParaRPr lang="zh-CN" altLang="en-US" dirty="0">
+                <a:solidFill>
+                  <a:schemeClr val="tx1"/>
+                </a:solidFill>
+              </a:endParaRPr>
+            </a:p>
+          </p:txBody>
+        </p:sp>
+        <p:sp>
+          <p:nvSpPr>
+            <p:cNvPr id="50" name="矩形 34"/>
+            <p:cNvSpPr/>
+            <p:nvPr/>
+          </p:nvSpPr>
+          <p:spPr>
+            <a:xfrm>
+              <a:off x="1187624" y="4365104"/>
+              <a:ext cx="288032" cy="288032"/>
+            </a:xfrm>
+            <a:prstGeom prst="rect">
+              <a:avLst/>
+            </a:prstGeom>
+            <a:grpFill/>
+            <a:ln w="6350"/>
+          </p:spPr>
+          <p:style>
+            <a:lnRef idx="2">
+              <a:schemeClr val="accent1">
+                <a:shade val="50000"/>
+              </a:schemeClr>
+            </a:lnRef>
+            <a:fillRef idx="1">
+              <a:schemeClr val="accent1"/>
+            </a:fillRef>
+            <a:effectRef idx="0">
+              <a:schemeClr val="accent1"/>
+            </a:effectRef>
+            <a:fontRef idx="minor">
+              <a:schemeClr val="lt1"/>
+            </a:fontRef>
+          </p:style>
+          <p:txBody>
+            <a:bodyPr rtlCol="0" anchor="ctr"/>
+            <a:lstStyle/>
+            <a:p>
+              <a:pPr algn="ctr"/>
+              <a:r>
+                <a:rPr lang="en-US" altLang="zh-CN" dirty="0">
+                  <a:solidFill>
+                    <a:schemeClr val="tx1"/>
+                  </a:solidFill>
+                </a:rPr>
+                <a:t>1</a:t>
+              </a:r>
+              <a:endParaRPr lang="zh-CN" altLang="en-US" dirty="0">
+                <a:solidFill>
+                  <a:schemeClr val="tx1"/>
+                </a:solidFill>
+              </a:endParaRPr>
+            </a:p>
+          </p:txBody>
+        </p:sp>
+        <p:sp>
+          <p:nvSpPr>
+            <p:cNvPr id="51" name="矩形 35"/>
+            <p:cNvSpPr/>
+            <p:nvPr/>
+          </p:nvSpPr>
+          <p:spPr>
+            <a:xfrm>
+              <a:off x="611560" y="4653136"/>
+              <a:ext cx="288032" cy="288032"/>
+            </a:xfrm>
+            <a:prstGeom prst="rect">
+              <a:avLst/>
+            </a:prstGeom>
+            <a:grpFill/>
+            <a:ln w="6350"/>
+          </p:spPr>
+          <p:style>
+            <a:lnRef idx="2">
+              <a:schemeClr val="accent1">
+                <a:shade val="50000"/>
+              </a:schemeClr>
+            </a:lnRef>
+            <a:fillRef idx="1">
+              <a:schemeClr val="accent1"/>
+            </a:fillRef>
+            <a:effectRef idx="0">
+              <a:schemeClr val="accent1"/>
+            </a:effectRef>
+            <a:fontRef idx="minor">
+              <a:schemeClr val="lt1"/>
+            </a:fontRef>
+          </p:style>
+          <p:txBody>
+            <a:bodyPr rtlCol="0" anchor="ctr"/>
+            <a:lstStyle/>
+            <a:p>
+              <a:pPr algn="ctr"/>
+              <a:r>
+                <a:rPr lang="en-US" altLang="zh-CN" dirty="0">
+                  <a:solidFill>
+                    <a:schemeClr val="tx1"/>
+                  </a:solidFill>
+                </a:rPr>
+                <a:t>1</a:t>
+              </a:r>
+              <a:endParaRPr lang="zh-CN" altLang="en-US" dirty="0">
+                <a:solidFill>
+                  <a:schemeClr val="tx1"/>
+                </a:solidFill>
+              </a:endParaRPr>
+            </a:p>
+          </p:txBody>
+        </p:sp>
+        <p:sp>
+          <p:nvSpPr>
+            <p:cNvPr id="52" name="矩形 36"/>
+            <p:cNvSpPr/>
+            <p:nvPr/>
+          </p:nvSpPr>
+          <p:spPr>
+            <a:xfrm>
+              <a:off x="899592" y="4653136"/>
+              <a:ext cx="288032" cy="288032"/>
+            </a:xfrm>
+            <a:prstGeom prst="rect">
+              <a:avLst/>
+            </a:prstGeom>
+            <a:grpFill/>
+            <a:ln w="3175"/>
+          </p:spPr>
+          <p:style>
+            <a:lnRef idx="2">
+              <a:schemeClr val="accent1"/>
+            </a:lnRef>
+            <a:fillRef idx="1">
+              <a:schemeClr val="lt1"/>
+            </a:fillRef>
+            <a:effectRef idx="0">
+              <a:schemeClr val="accent1"/>
+            </a:effectRef>
+            <a:fontRef idx="minor">
+              <a:schemeClr val="dk1"/>
+            </a:fontRef>
+          </p:style>
+          <p:txBody>
+            <a:bodyPr rtlCol="0" anchor="ctr"/>
+            <a:lstStyle/>
+            <a:p>
+              <a:pPr algn="ctr"/>
+              <a:r>
+                <a:rPr lang="en-US" altLang="zh-CN" dirty="0" smtClean="0">
+                  <a:solidFill>
+                    <a:schemeClr val="tx1"/>
+                  </a:solidFill>
+                </a:rPr>
+                <a:t>1</a:t>
+              </a:r>
+              <a:endParaRPr lang="zh-CN" altLang="en-US" dirty="0">
+                <a:solidFill>
+                  <a:schemeClr val="tx1"/>
+                </a:solidFill>
+              </a:endParaRPr>
+            </a:p>
+          </p:txBody>
+        </p:sp>
+        <p:sp>
+          <p:nvSpPr>
+            <p:cNvPr id="53" name="矩形 37"/>
+            <p:cNvSpPr/>
+            <p:nvPr/>
+          </p:nvSpPr>
+          <p:spPr>
+            <a:xfrm>
+              <a:off x="1187624" y="4653136"/>
+              <a:ext cx="288032" cy="288032"/>
+            </a:xfrm>
+            <a:prstGeom prst="rect">
+              <a:avLst/>
+            </a:prstGeom>
+            <a:grpFill/>
+            <a:ln w="6350"/>
+          </p:spPr>
+          <p:style>
+            <a:lnRef idx="2">
+              <a:schemeClr val="accent1">
+                <a:shade val="50000"/>
+              </a:schemeClr>
+            </a:lnRef>
+            <a:fillRef idx="1">
+              <a:schemeClr val="accent1"/>
+            </a:fillRef>
+            <a:effectRef idx="0">
+              <a:schemeClr val="accent1"/>
+            </a:effectRef>
+            <a:fontRef idx="minor">
+              <a:schemeClr val="lt1"/>
+            </a:fontRef>
+          </p:style>
+          <p:txBody>
+            <a:bodyPr rtlCol="0" anchor="ctr"/>
+            <a:lstStyle/>
+            <a:p>
+              <a:pPr algn="ctr"/>
+              <a:r>
+                <a:rPr lang="en-US" altLang="zh-CN" dirty="0">
+                  <a:solidFill>
+                    <a:schemeClr val="tx1"/>
+                  </a:solidFill>
+                </a:rPr>
+                <a:t>1</a:t>
+              </a:r>
+              <a:endParaRPr lang="zh-CN" altLang="en-US" dirty="0">
+                <a:solidFill>
+                  <a:schemeClr val="tx1"/>
+                </a:solidFill>
+              </a:endParaRPr>
+            </a:p>
+          </p:txBody>
+        </p:sp>
+      </p:grpSp>
+      <p:sp>
+        <p:nvSpPr>
+          <p:cNvPr id="54" name="Right Arrow 53"/>
+          <p:cNvSpPr/>
+          <p:nvPr/>
+        </p:nvSpPr>
+        <p:spPr>
+          <a:xfrm rot="10800000">
+            <a:off x="6242406" y="5071309"/>
+            <a:ext cx="648072" cy="216024"/>
+          </a:xfrm>
+          <a:prstGeom prst="rightArrow">
+            <a:avLst/>
+          </a:prstGeom>
+        </p:spPr>
+        <p:style>
+          <a:lnRef idx="2">
+            <a:schemeClr val="accent1">
+              <a:shade val="50000"/>
+            </a:schemeClr>
+          </a:lnRef>
+          <a:fillRef idx="1">
+            <a:schemeClr val="accent1"/>
+          </a:fillRef>
+          <a:effectRef idx="0">
+            <a:schemeClr val="accent1"/>
+          </a:effectRef>
+          <a:fontRef idx="minor">
+            <a:schemeClr val="lt1"/>
+          </a:fontRef>
+        </p:style>
+        <p:txBody>
+          <a:bodyPr rtlCol="0" anchor="ctr"/>
+          <a:lstStyle/>
+          <a:p>
+            <a:pPr algn="ctr"/>
+            <a:endParaRPr lang="en-US"/>
+          </a:p>
+        </p:txBody>
+      </p:sp>
+      <p:sp>
+        <p:nvSpPr>
+          <p:cNvPr id="55" name="矩形 36"/>
+          <p:cNvSpPr/>
+          <p:nvPr/>
+        </p:nvSpPr>
+        <p:spPr>
+          <a:xfrm>
+            <a:off x="7074585" y="5035305"/>
+            <a:ext cx="288032" cy="288032"/>
+          </a:xfrm>
+          <a:prstGeom prst="rect">
+            <a:avLst/>
+          </a:prstGeom>
+          <a:ln/>
+        </p:spPr>
+        <p:style>
+          <a:lnRef idx="2">
+            <a:schemeClr val="accent5">
+              <a:shade val="50000"/>
+            </a:schemeClr>
+          </a:lnRef>
+          <a:fillRef idx="1">
+            <a:schemeClr val="accent5"/>
+          </a:fillRef>
+          <a:effectRef idx="0">
+            <a:schemeClr val="accent5"/>
+          </a:effectRef>
+          <a:fontRef idx="minor">
+            <a:schemeClr val="lt1"/>
+          </a:fontRef>
+        </p:style>
+        <p:txBody>
+          <a:bodyPr rtlCol="0" anchor="ctr"/>
+          <a:lstStyle/>
+          <a:p>
+            <a:pPr algn="ctr"/>
+            <a:r>
+              <a:rPr lang="en-US" altLang="zh-CN" dirty="0" smtClean="0">
+                <a:solidFill>
+                  <a:schemeClr val="tx1"/>
+                </a:solidFill>
+              </a:rPr>
+              <a:t>9</a:t>
+            </a:r>
+            <a:endParaRPr lang="zh-CN" altLang="en-US" dirty="0">
+              <a:solidFill>
+                <a:schemeClr val="tx1"/>
+              </a:solidFill>
+            </a:endParaRPr>
+          </a:p>
+        </p:txBody>
+      </p:sp>
+      <p:sp>
+        <p:nvSpPr>
+          <p:cNvPr id="56" name="TextBox 55"/>
+          <p:cNvSpPr txBox="1"/>
+          <p:nvPr/>
+        </p:nvSpPr>
+        <p:spPr>
+          <a:xfrm>
+            <a:off x="6127283" y="4305353"/>
+            <a:ext cx="966803" cy="338554"/>
+          </a:xfrm>
+          <a:prstGeom prst="rect">
+            <a:avLst/>
+          </a:prstGeom>
+          <a:noFill/>
+        </p:spPr>
+        <p:txBody>
+          <a:bodyPr wrap="none" rtlCol="0">
+            <a:spAutoFit/>
+          </a:bodyPr>
+          <a:lstStyle/>
+          <a:p>
+            <a:r>
+              <a:rPr lang="en-US" altLang="zh-CN" sz="1600" dirty="0" err="1" smtClean="0"/>
+              <a:t>Backprop</a:t>
+            </a:r>
+            <a:endParaRPr lang="en-US" sz="1600" dirty="0"/>
+          </a:p>
+        </p:txBody>
+      </p:sp>
+      <p:pic>
+        <p:nvPicPr>
+          <p:cNvPr id="57" name="Picture 56"/>
+          <p:cNvPicPr>
+            <a:picLocks noChangeAspect="1"/>
+          </p:cNvPicPr>
+          <p:nvPr/>
+        </p:nvPicPr>
+        <p:blipFill>
+          <a:blip r:embed="rId2"/>
+          <a:stretch>
+            <a:fillRect/>
+          </a:stretch>
+        </p:blipFill>
+        <p:spPr>
+          <a:xfrm>
+            <a:off x="2025317" y="2921205"/>
+            <a:ext cx="4599037" cy="372071"/>
+          </a:xfrm>
+          <a:prstGeom prst="rect">
+            <a:avLst/>
+          </a:prstGeom>
+        </p:spPr>
+      </p:pic>
+      <p:pic>
+        <p:nvPicPr>
+          <p:cNvPr id="59" name="Picture 58"/>
+          <p:cNvPicPr>
+            <a:picLocks noChangeAspect="1"/>
+          </p:cNvPicPr>
+          <p:nvPr/>
+        </p:nvPicPr>
+        <p:blipFill>
+          <a:blip r:embed="rId3"/>
+          <a:stretch>
+            <a:fillRect/>
+          </a:stretch>
+        </p:blipFill>
+        <p:spPr>
+          <a:xfrm>
+            <a:off x="1647441" y="5905054"/>
+            <a:ext cx="5498595" cy="457708"/>
+          </a:xfrm>
+          <a:prstGeom prst="rect">
+            <a:avLst/>
+          </a:prstGeom>
+        </p:spPr>
+      </p:pic>
     </p:spTree>
     <p:extLst>
       <p:ext uri="{BB962C8B-B14F-4D97-AF65-F5344CB8AC3E}">
@@ -3551,7 +6095,6 @@
               <a:rPr lang="en-US" dirty="0"/>
               <a:t> </a:t>
             </a:r>
-            <a:endParaRPr lang="en-US" dirty="0"/>
           </a:p>
         </p:txBody>
       </p:sp>
@@ -4030,6 +6573,343 @@
           </a:p>
         </p:txBody>
       </p:sp>
+      <p:pic>
+        <p:nvPicPr>
+          <p:cNvPr id="3" name="Picture 2"/>
+          <p:cNvPicPr>
+            <a:picLocks noChangeAspect="1"/>
+          </p:cNvPicPr>
+          <p:nvPr/>
+        </p:nvPicPr>
+        <p:blipFill>
+          <a:blip r:embed="rId2"/>
+          <a:stretch>
+            <a:fillRect/>
+          </a:stretch>
+        </p:blipFill>
+        <p:spPr>
+          <a:xfrm>
+            <a:off x="1835696" y="1475170"/>
+            <a:ext cx="5082536" cy="1992069"/>
+          </a:xfrm>
+          <a:prstGeom prst="rect">
+            <a:avLst/>
+          </a:prstGeom>
+        </p:spPr>
+      </p:pic>
+      <p:pic>
+        <p:nvPicPr>
+          <p:cNvPr id="4" name="Picture 3"/>
+          <p:cNvPicPr>
+            <a:picLocks noChangeAspect="1"/>
+          </p:cNvPicPr>
+          <p:nvPr/>
+        </p:nvPicPr>
+        <p:blipFill>
+          <a:blip r:embed="rId3"/>
+          <a:stretch>
+            <a:fillRect/>
+          </a:stretch>
+        </p:blipFill>
+        <p:spPr>
+          <a:xfrm>
+            <a:off x="1403648" y="4174988"/>
+            <a:ext cx="6207750" cy="1992069"/>
+          </a:xfrm>
+          <a:prstGeom prst="rect">
+            <a:avLst/>
+          </a:prstGeom>
+        </p:spPr>
+      </p:pic>
+      <p:sp>
+        <p:nvSpPr>
+          <p:cNvPr id="5" name="TextBox 4"/>
+          <p:cNvSpPr txBox="1"/>
+          <p:nvPr/>
+        </p:nvSpPr>
+        <p:spPr>
+          <a:xfrm>
+            <a:off x="706370" y="260648"/>
+            <a:ext cx="962508" cy="369332"/>
+          </a:xfrm>
+          <a:prstGeom prst="rect">
+            <a:avLst/>
+          </a:prstGeom>
+          <a:noFill/>
+        </p:spPr>
+        <p:txBody>
+          <a:bodyPr wrap="none" rtlCol="0">
+            <a:spAutoFit/>
+          </a:bodyPr>
+          <a:lstStyle/>
+          <a:p>
+            <a:r>
+              <a:rPr lang="en-US" dirty="0" smtClean="0"/>
+              <a:t>Forward</a:t>
+            </a:r>
+            <a:endParaRPr lang="en-US" dirty="0"/>
+          </a:p>
+        </p:txBody>
+      </p:sp>
+      <mc:AlternateContent xmlns:mc="http://schemas.openxmlformats.org/markup-compatibility/2006">
+        <mc:Choice xmlns:a14="http://schemas.microsoft.com/office/drawing/2010/main" Requires="a14">
+          <p:sp>
+            <p:nvSpPr>
+              <p:cNvPr id="6" name="Rectangle 5"/>
+              <p:cNvSpPr/>
+              <p:nvPr/>
+            </p:nvSpPr>
+            <p:spPr>
+              <a:xfrm>
+                <a:off x="1547664" y="3676884"/>
+                <a:ext cx="4552657" cy="433708"/>
+              </a:xfrm>
+              <a:prstGeom prst="rect">
+                <a:avLst/>
+              </a:prstGeom>
+            </p:spPr>
+            <p:txBody>
+              <a:bodyPr wrap="none">
+                <a:spAutoFit/>
+              </a:bodyPr>
+              <a:lstStyle/>
+              <a:p>
+                <a14:m>
+                  <m:oMathPara xmlns:m="http://schemas.openxmlformats.org/officeDocument/2006/math">
+                    <m:oMathParaPr>
+                      <m:jc m:val="centerGroup"/>
+                    </m:oMathParaPr>
+                    <m:oMath xmlns:m="http://schemas.openxmlformats.org/officeDocument/2006/math">
+                      <m:sSubSup>
+                        <m:sSubSupPr>
+                          <m:ctrlPr>
+                            <a:rPr lang="en-US" i="1">
+                              <a:latin typeface="Cambria Math" panose="02040503050406030204" pitchFamily="18" charset="0"/>
+                            </a:rPr>
+                          </m:ctrlPr>
+                        </m:sSubSupPr>
+                        <m:e>
+                          <m:r>
+                            <a:rPr lang="en-US">
+                              <a:latin typeface="Cambria Math" panose="02040503050406030204" pitchFamily="18" charset="0"/>
+                            </a:rPr>
+                            <m:t>𝑡𝑜𝑝</m:t>
+                          </m:r>
+                        </m:e>
+                        <m:sub>
+                          <m:r>
+                            <a:rPr lang="en-US">
+                              <a:latin typeface="Cambria Math" panose="02040503050406030204" pitchFamily="18" charset="0"/>
+                            </a:rPr>
+                            <m:t>𝑙</m:t>
+                          </m:r>
+                        </m:sub>
+                        <m:sup>
+                          <m:r>
+                            <a:rPr lang="en-US">
+                              <a:latin typeface="Cambria Math" panose="02040503050406030204" pitchFamily="18" charset="0"/>
+                            </a:rPr>
+                            <m:t>𝑇</m:t>
+                          </m:r>
+                        </m:sup>
+                      </m:sSubSup>
+                      <m:r>
+                        <a:rPr lang="en-US"/>
+                        <m:t>=</m:t>
+                      </m:r>
+                      <m:r>
+                        <m:rPr>
+                          <m:sty m:val="p"/>
+                        </m:rPr>
+                        <a:rPr lang="en-US" b="0" i="0" smtClean="0">
+                          <a:latin typeface="Cambria Math" panose="02040503050406030204" pitchFamily="18" charset="0"/>
+                        </a:rPr>
+                        <m:t>W</m:t>
+                      </m:r>
+                      <m:r>
+                        <a:rPr lang="en-US"/>
+                        <m:t>∙</m:t>
+                      </m:r>
+                      <m:sSubSup>
+                        <m:sSubSupPr>
+                          <m:ctrlPr>
+                            <a:rPr lang="en-US" i="1"/>
+                          </m:ctrlPr>
+                        </m:sSubSupPr>
+                        <m:e>
+                          <m:r>
+                            <a:rPr lang="en-US"/>
+                            <m:t>𝑡𝑜𝑝</m:t>
+                          </m:r>
+                        </m:e>
+                        <m:sub>
+                          <m:r>
+                            <a:rPr lang="en-US"/>
+                            <m:t>𝑙</m:t>
+                          </m:r>
+                          <m:r>
+                            <a:rPr lang="en-US"/>
+                            <m:t>−1</m:t>
+                          </m:r>
+                        </m:sub>
+                        <m:sup>
+                          <m:r>
+                            <a:rPr lang="en-US"/>
+                            <m:t>𝑇</m:t>
+                          </m:r>
+                        </m:sup>
+                      </m:sSubSup>
+                      <m:r>
+                        <a:rPr lang="en-US" i="1"/>
+                        <m:t> </m:t>
+                      </m:r>
+                      <m:r>
+                        <a:rPr lang="en-US"/>
+                        <m:t>,</m:t>
+                      </m:r>
+                      <m:r>
+                        <a:rPr lang="en-US" i="1"/>
+                        <m:t> </m:t>
+                      </m:r>
+                      <m:r>
+                        <a:rPr lang="en-US"/>
+                        <m:t>其中</m:t>
+                      </m:r>
+                      <m:sSubSup>
+                        <m:sSubSupPr>
+                          <m:ctrlPr>
+                            <a:rPr lang="en-US" i="1"/>
+                          </m:ctrlPr>
+                        </m:sSubSupPr>
+                        <m:e>
+                          <m:r>
+                            <a:rPr lang="en-US"/>
+                            <m:t>𝑡𝑜𝑝</m:t>
+                          </m:r>
+                        </m:e>
+                        <m:sub>
+                          <m:r>
+                            <a:rPr lang="en-US"/>
+                            <m:t>𝑙</m:t>
+                          </m:r>
+                          <m:r>
+                            <a:rPr lang="en-US"/>
+                            <m:t>−1</m:t>
+                          </m:r>
+                        </m:sub>
+                        <m:sup>
+                          <m:r>
+                            <a:rPr lang="en-US"/>
+                            <m:t>𝑇</m:t>
+                          </m:r>
+                        </m:sup>
+                      </m:sSubSup>
+                      <m:r>
+                        <a:rPr lang="en-US"/>
+                        <m:t>=</m:t>
+                      </m:r>
+                      <m:sSubSup>
+                        <m:sSubSupPr>
+                          <m:ctrlPr>
+                            <a:rPr lang="en-US" i="1"/>
+                          </m:ctrlPr>
+                        </m:sSubSupPr>
+                        <m:e>
+                          <m:r>
+                            <a:rPr lang="en-US"/>
+                            <m:t>𝑏𝑜𝑡𝑡𝑜𝑚</m:t>
+                          </m:r>
+                        </m:e>
+                        <m:sub>
+                          <m:r>
+                            <a:rPr lang="en-US"/>
+                            <m:t>𝑙</m:t>
+                          </m:r>
+                        </m:sub>
+                        <m:sup>
+                          <m:r>
+                            <a:rPr lang="en-US"/>
+                            <m:t>𝑇</m:t>
+                          </m:r>
+                        </m:sup>
+                      </m:sSubSup>
+                    </m:oMath>
+                  </m:oMathPara>
+                </a14:m>
+                <a:endParaRPr lang="en-US" dirty="0"/>
+              </a:p>
+            </p:txBody>
+          </p:sp>
+        </mc:Choice>
+        <mc:Fallback>
+          <p:sp>
+            <p:nvSpPr>
+              <p:cNvPr id="6" name="Rectangle 5"/>
+              <p:cNvSpPr>
+                <a:spLocks noRot="1" noChangeAspect="1" noMove="1" noResize="1" noEditPoints="1" noAdjustHandles="1" noChangeArrowheads="1" noChangeShapeType="1" noTextEdit="1"/>
+              </p:cNvSpPr>
+              <p:nvPr/>
+            </p:nvSpPr>
+            <p:spPr>
+              <a:xfrm>
+                <a:off x="1547664" y="3676884"/>
+                <a:ext cx="4552657" cy="433708"/>
+              </a:xfrm>
+              <a:prstGeom prst="rect">
+                <a:avLst/>
+              </a:prstGeom>
+              <a:blipFill rotWithShape="0">
+                <a:blip r:embed="rId4"/>
+                <a:stretch>
+                  <a:fillRect b="-4225"/>
+                </a:stretch>
+              </a:blipFill>
+            </p:spPr>
+            <p:txBody>
+              <a:bodyPr/>
+              <a:lstStyle/>
+              <a:p>
+                <a:r>
+                  <a:rPr lang="en-US">
+                    <a:noFill/>
+                  </a:rPr>
+                  <a:t> </a:t>
+                </a:r>
+              </a:p>
+            </p:txBody>
+          </p:sp>
+        </mc:Fallback>
+      </mc:AlternateContent>
+      <p:sp>
+        <p:nvSpPr>
+          <p:cNvPr id="7" name="TextBox 6"/>
+          <p:cNvSpPr txBox="1"/>
+          <p:nvPr/>
+        </p:nvSpPr>
+        <p:spPr>
+          <a:xfrm>
+            <a:off x="1763688" y="1124744"/>
+            <a:ext cx="809517" cy="369332"/>
+          </a:xfrm>
+          <a:prstGeom prst="rect">
+            <a:avLst/>
+          </a:prstGeom>
+          <a:noFill/>
+        </p:spPr>
+        <p:txBody>
+          <a:bodyPr wrap="none" rtlCol="0">
+            <a:spAutoFit/>
+          </a:bodyPr>
+          <a:lstStyle/>
+          <a:p>
+            <a:r>
+              <a:rPr lang="en-US" dirty="0" smtClean="0"/>
+              <a:t>im2col</a:t>
+            </a:r>
+            <a:endParaRPr lang="en-US" dirty="0"/>
+          </a:p>
+        </p:txBody>
+      </p:sp>
     </p:spTree>
     <p:extLst>
       <p:ext uri="{BB962C8B-B14F-4D97-AF65-F5344CB8AC3E}">
@@ -4086,20 +6966,561 @@
           <a:p>
             <a:r>
               <a:rPr lang="en-US" altLang="zh-CN" dirty="0" smtClean="0"/>
-              <a:t>Implementation – </a:t>
+              <a:t>Implementation – expand/</a:t>
             </a:r>
             <a:r>
               <a:rPr lang="en-US" altLang="zh-CN" dirty="0" err="1" smtClean="0"/>
-              <a:t>duda-convnet</a:t>
+              <a:t>unexpand</a:t>
             </a:r>
             <a:endParaRPr lang="en-US" altLang="zh-CN" dirty="0" smtClean="0"/>
+          </a:p>
+        </p:txBody>
+      </p:sp>
+      <p:pic>
+        <p:nvPicPr>
+          <p:cNvPr id="5" name="Picture 4"/>
+          <p:cNvPicPr>
+            <a:picLocks noChangeAspect="1"/>
+          </p:cNvPicPr>
+          <p:nvPr/>
+        </p:nvPicPr>
+        <p:blipFill>
+          <a:blip r:embed="rId2"/>
+          <a:stretch>
+            <a:fillRect/>
+          </a:stretch>
+        </p:blipFill>
+        <p:spPr>
+          <a:xfrm>
+            <a:off x="1674390" y="1126404"/>
+            <a:ext cx="5760640" cy="1771708"/>
+          </a:xfrm>
+          <a:prstGeom prst="rect">
+            <a:avLst/>
+          </a:prstGeom>
+        </p:spPr>
+      </p:pic>
+      <p:pic>
+        <p:nvPicPr>
+          <p:cNvPr id="6" name="Picture 5"/>
+          <p:cNvPicPr>
+            <a:picLocks noChangeAspect="1"/>
+          </p:cNvPicPr>
+          <p:nvPr/>
+        </p:nvPicPr>
+        <p:blipFill>
+          <a:blip r:embed="rId3"/>
+          <a:stretch>
+            <a:fillRect/>
+          </a:stretch>
+        </p:blipFill>
+        <p:spPr>
+          <a:xfrm>
+            <a:off x="1674390" y="3410273"/>
+            <a:ext cx="5373681" cy="1499157"/>
+          </a:xfrm>
+          <a:prstGeom prst="rect">
+            <a:avLst/>
+          </a:prstGeom>
+        </p:spPr>
+      </p:pic>
+      <p:sp>
+        <p:nvSpPr>
+          <p:cNvPr id="7" name="TextBox 6"/>
+          <p:cNvSpPr txBox="1"/>
+          <p:nvPr/>
+        </p:nvSpPr>
+        <p:spPr>
+          <a:xfrm>
+            <a:off x="899592" y="332656"/>
+            <a:ext cx="1064202" cy="369332"/>
+          </a:xfrm>
+          <a:prstGeom prst="rect">
+            <a:avLst/>
+          </a:prstGeom>
+          <a:noFill/>
+        </p:spPr>
+        <p:txBody>
+          <a:bodyPr wrap="none" rtlCol="0">
+            <a:spAutoFit/>
+          </a:bodyPr>
+          <a:lstStyle/>
+          <a:p>
+            <a:r>
+              <a:rPr lang="en-US" dirty="0" err="1" smtClean="0"/>
+              <a:t>Backprop</a:t>
+            </a:r>
+            <a:endParaRPr lang="en-US" dirty="0" smtClean="0"/>
+          </a:p>
+        </p:txBody>
+      </p:sp>
+      <mc:AlternateContent xmlns:mc="http://schemas.openxmlformats.org/markup-compatibility/2006">
+        <mc:Choice xmlns:a14="http://schemas.microsoft.com/office/drawing/2010/main" Requires="a14">
+          <p:sp>
+            <p:nvSpPr>
+              <p:cNvPr id="8" name="Rectangle 7"/>
+              <p:cNvSpPr/>
+              <p:nvPr/>
+            </p:nvSpPr>
+            <p:spPr>
+              <a:xfrm>
+                <a:off x="1611348" y="692696"/>
+                <a:ext cx="4315284" cy="433708"/>
+              </a:xfrm>
+              <a:prstGeom prst="rect">
+                <a:avLst/>
+              </a:prstGeom>
+            </p:spPr>
+            <p:txBody>
+              <a:bodyPr wrap="none">
+                <a:spAutoFit/>
+              </a:bodyPr>
+              <a:lstStyle/>
+              <a:p>
+                <a14:m>
+                  <m:oMathPara xmlns:m="http://schemas.openxmlformats.org/officeDocument/2006/math">
+                    <m:oMathParaPr>
+                      <m:jc m:val="centerGroup"/>
+                    </m:oMathParaPr>
+                    <m:oMath xmlns:m="http://schemas.openxmlformats.org/officeDocument/2006/math">
+                      <m:r>
+                        <a:rPr lang="en-US"/>
+                        <m:t>∆</m:t>
+                      </m:r>
+                      <m:sSub>
+                        <m:sSubPr>
+                          <m:ctrlPr>
+                            <a:rPr lang="en-US" i="1"/>
+                          </m:ctrlPr>
+                        </m:sSubPr>
+                        <m:e>
+                          <m:r>
+                            <a:rPr lang="en-US"/>
+                            <m:t>𝑊</m:t>
+                          </m:r>
+                        </m:e>
+                        <m:sub>
+                          <m:r>
+                            <a:rPr lang="en-US"/>
+                            <m:t>𝑙</m:t>
+                          </m:r>
+                        </m:sub>
+                      </m:sSub>
+                      <m:r>
+                        <a:rPr lang="en-US"/>
+                        <m:t>=</m:t>
+                      </m:r>
+                      <m:sSub>
+                        <m:sSubPr>
+                          <m:ctrlPr>
+                            <a:rPr lang="en-US" i="1"/>
+                          </m:ctrlPr>
+                        </m:sSubPr>
+                        <m:e>
+                          <m:r>
+                            <a:rPr lang="en-US"/>
+                            <m:t>𝛿</m:t>
+                          </m:r>
+                        </m:e>
+                        <m:sub>
+                          <m:r>
+                            <a:rPr lang="en-US"/>
+                            <m:t>𝑙</m:t>
+                          </m:r>
+                        </m:sub>
+                      </m:sSub>
+                      <m:r>
+                        <a:rPr lang="en-US"/>
+                        <m:t>∙</m:t>
+                      </m:r>
+                      <m:sSubSup>
+                        <m:sSubSupPr>
+                          <m:ctrlPr>
+                            <a:rPr lang="en-US" i="1"/>
+                          </m:ctrlPr>
+                        </m:sSubSupPr>
+                        <m:e>
+                          <m:r>
+                            <a:rPr lang="en-US"/>
+                            <m:t>𝑡𝑜𝑝</m:t>
+                          </m:r>
+                        </m:e>
+                        <m:sub>
+                          <m:r>
+                            <a:rPr lang="en-US"/>
+                            <m:t>𝑙</m:t>
+                          </m:r>
+                          <m:r>
+                            <a:rPr lang="en-US"/>
+                            <m:t>−1</m:t>
+                          </m:r>
+                        </m:sub>
+                        <m:sup>
+                          <m:r>
+                            <a:rPr lang="en-US"/>
+                            <m:t>𝑇</m:t>
+                          </m:r>
+                        </m:sup>
+                      </m:sSubSup>
+                      <m:r>
+                        <a:rPr lang="en-US" i="1"/>
+                        <m:t> </m:t>
+                      </m:r>
+                      <m:r>
+                        <a:rPr lang="en-US"/>
+                        <m:t>,</m:t>
+                      </m:r>
+                      <m:r>
+                        <a:rPr lang="en-US" i="1"/>
+                        <m:t> </m:t>
+                      </m:r>
+                      <m:r>
+                        <a:rPr lang="en-US"/>
+                        <m:t>其中</m:t>
+                      </m:r>
+                      <m:sSubSup>
+                        <m:sSubSupPr>
+                          <m:ctrlPr>
+                            <a:rPr lang="en-US" i="1"/>
+                          </m:ctrlPr>
+                        </m:sSubSupPr>
+                        <m:e>
+                          <m:r>
+                            <a:rPr lang="en-US"/>
+                            <m:t>𝑡𝑜𝑝</m:t>
+                          </m:r>
+                        </m:e>
+                        <m:sub>
+                          <m:r>
+                            <a:rPr lang="en-US"/>
+                            <m:t>𝑙</m:t>
+                          </m:r>
+                          <m:r>
+                            <a:rPr lang="en-US"/>
+                            <m:t>−1</m:t>
+                          </m:r>
+                        </m:sub>
+                        <m:sup>
+                          <m:r>
+                            <a:rPr lang="en-US"/>
+                            <m:t>𝑇</m:t>
+                          </m:r>
+                        </m:sup>
+                      </m:sSubSup>
+                      <m:r>
+                        <a:rPr lang="en-US"/>
+                        <m:t>=</m:t>
+                      </m:r>
+                      <m:sSubSup>
+                        <m:sSubSupPr>
+                          <m:ctrlPr>
+                            <a:rPr lang="en-US" i="1"/>
+                          </m:ctrlPr>
+                        </m:sSubSupPr>
+                        <m:e>
+                          <m:r>
+                            <a:rPr lang="en-US"/>
+                            <m:t>𝑏𝑜𝑡𝑡𝑜𝑚</m:t>
+                          </m:r>
+                        </m:e>
+                        <m:sub>
+                          <m:r>
+                            <a:rPr lang="en-US"/>
+                            <m:t>𝑙</m:t>
+                          </m:r>
+                        </m:sub>
+                        <m:sup>
+                          <m:r>
+                            <a:rPr lang="en-US"/>
+                            <m:t>𝑇</m:t>
+                          </m:r>
+                        </m:sup>
+                      </m:sSubSup>
+                    </m:oMath>
+                  </m:oMathPara>
+                </a14:m>
+                <a:endParaRPr lang="en-US" dirty="0"/>
+              </a:p>
+            </p:txBody>
+          </p:sp>
+        </mc:Choice>
+        <mc:Fallback>
+          <p:sp>
+            <p:nvSpPr>
+              <p:cNvPr id="8" name="Rectangle 7"/>
+              <p:cNvSpPr>
+                <a:spLocks noRot="1" noChangeAspect="1" noMove="1" noResize="1" noEditPoints="1" noAdjustHandles="1" noChangeArrowheads="1" noChangeShapeType="1" noTextEdit="1"/>
+              </p:cNvSpPr>
+              <p:nvPr/>
+            </p:nvSpPr>
+            <p:spPr>
+              <a:xfrm>
+                <a:off x="1611348" y="692696"/>
+                <a:ext cx="4315284" cy="433708"/>
+              </a:xfrm>
+              <a:prstGeom prst="rect">
+                <a:avLst/>
+              </a:prstGeom>
+              <a:blipFill rotWithShape="0">
+                <a:blip r:embed="rId4"/>
+                <a:stretch>
+                  <a:fillRect b="-4225"/>
+                </a:stretch>
+              </a:blipFill>
+            </p:spPr>
+            <p:txBody>
+              <a:bodyPr/>
+              <a:lstStyle/>
+              <a:p>
+                <a:r>
+                  <a:rPr lang="en-US">
+                    <a:noFill/>
+                  </a:rPr>
+                  <a:t> </a:t>
+                </a:r>
+              </a:p>
+            </p:txBody>
+          </p:sp>
+        </mc:Fallback>
+      </mc:AlternateContent>
+      <mc:AlternateContent xmlns:mc="http://schemas.openxmlformats.org/markup-compatibility/2006">
+        <mc:Choice xmlns:a14="http://schemas.microsoft.com/office/drawing/2010/main" Requires="a14">
+          <p:sp>
+            <p:nvSpPr>
+              <p:cNvPr id="9" name="Rectangle 8"/>
+              <p:cNvSpPr/>
+              <p:nvPr/>
+            </p:nvSpPr>
+            <p:spPr>
+              <a:xfrm>
+                <a:off x="1565264" y="2963980"/>
+                <a:ext cx="1667508" cy="380425"/>
+              </a:xfrm>
+              <a:prstGeom prst="rect">
+                <a:avLst/>
+              </a:prstGeom>
+            </p:spPr>
+            <p:txBody>
+              <a:bodyPr wrap="none">
+                <a:spAutoFit/>
+              </a:bodyPr>
+              <a:lstStyle/>
+              <a:p>
+                <a14:m>
+                  <m:oMathPara xmlns:m="http://schemas.openxmlformats.org/officeDocument/2006/math">
+                    <m:oMathParaPr>
+                      <m:jc m:val="centerGroup"/>
+                    </m:oMathParaPr>
+                    <m:oMath xmlns:m="http://schemas.openxmlformats.org/officeDocument/2006/math">
+                      <m:sSub>
+                        <m:sSubPr>
+                          <m:ctrlPr>
+                            <a:rPr lang="en-US">
+                              <a:latin typeface="Cambria Math" panose="02040503050406030204" pitchFamily="18" charset="0"/>
+                            </a:rPr>
+                          </m:ctrlPr>
+                        </m:sSubPr>
+                        <m:e>
+                          <m:r>
+                            <m:rPr>
+                              <m:sty m:val="p"/>
+                            </m:rPr>
+                            <a:rPr lang="en-US">
+                              <a:latin typeface="Cambria Math" panose="02040503050406030204" pitchFamily="18" charset="0"/>
+                            </a:rPr>
+                            <m:t>δ</m:t>
+                          </m:r>
+                        </m:e>
+                        <m:sub>
+                          <m:r>
+                            <a:rPr lang="en-US" i="1">
+                              <a:latin typeface="Cambria Math" panose="02040503050406030204" pitchFamily="18" charset="0"/>
+                            </a:rPr>
+                            <m:t>𝑙</m:t>
+                          </m:r>
+                          <m:r>
+                            <a:rPr lang="en-US" i="0">
+                              <a:latin typeface="Cambria Math" panose="02040503050406030204" pitchFamily="18" charset="0"/>
+                            </a:rPr>
+                            <m:t>−1</m:t>
+                          </m:r>
+                        </m:sub>
+                      </m:sSub>
+                      <m:r>
+                        <a:rPr lang="en-US" i="0">
+                          <a:latin typeface="Cambria Math" panose="02040503050406030204" pitchFamily="18" charset="0"/>
+                        </a:rPr>
+                        <m:t>=</m:t>
+                      </m:r>
+                      <m:sSubSup>
+                        <m:sSubSupPr>
+                          <m:ctrlPr>
+                            <a:rPr lang="en-US" i="1">
+                              <a:latin typeface="Cambria Math" panose="02040503050406030204" pitchFamily="18" charset="0"/>
+                            </a:rPr>
+                          </m:ctrlPr>
+                        </m:sSubSupPr>
+                        <m:e>
+                          <m:r>
+                            <a:rPr lang="en-US" i="1">
+                              <a:latin typeface="Cambria Math" panose="02040503050406030204" pitchFamily="18" charset="0"/>
+                            </a:rPr>
+                            <m:t>𝑊</m:t>
+                          </m:r>
+                        </m:e>
+                        <m:sub>
+                          <m:r>
+                            <a:rPr lang="en-US" i="1">
+                              <a:latin typeface="Cambria Math" panose="02040503050406030204" pitchFamily="18" charset="0"/>
+                            </a:rPr>
+                            <m:t>𝑙</m:t>
+                          </m:r>
+                        </m:sub>
+                        <m:sup>
+                          <m:r>
+                            <a:rPr lang="en-US" i="1">
+                              <a:latin typeface="Cambria Math" panose="02040503050406030204" pitchFamily="18" charset="0"/>
+                            </a:rPr>
+                            <m:t>𝑇</m:t>
+                          </m:r>
+                        </m:sup>
+                      </m:sSubSup>
+                      <m:r>
+                        <a:rPr lang="en-US" i="0">
+                          <a:latin typeface="Cambria Math" panose="02040503050406030204" pitchFamily="18" charset="0"/>
+                        </a:rPr>
+                        <m:t>∙</m:t>
+                      </m:r>
+                      <m:sSub>
+                        <m:sSubPr>
+                          <m:ctrlPr>
+                            <a:rPr lang="en-US" i="1">
+                              <a:latin typeface="Cambria Math" panose="02040503050406030204" pitchFamily="18" charset="0"/>
+                            </a:rPr>
+                          </m:ctrlPr>
+                        </m:sSubPr>
+                        <m:e>
+                          <m:r>
+                            <a:rPr lang="en-US" i="1">
+                              <a:latin typeface="Cambria Math" panose="02040503050406030204" pitchFamily="18" charset="0"/>
+                            </a:rPr>
+                            <m:t>𝛿</m:t>
+                          </m:r>
+                        </m:e>
+                        <m:sub>
+                          <m:r>
+                            <a:rPr lang="en-US" i="1">
+                              <a:latin typeface="Cambria Math" panose="02040503050406030204" pitchFamily="18" charset="0"/>
+                            </a:rPr>
+                            <m:t>𝑙</m:t>
+                          </m:r>
+                        </m:sub>
+                      </m:sSub>
+                    </m:oMath>
+                  </m:oMathPara>
+                </a14:m>
+                <a:endParaRPr lang="en-US" dirty="0"/>
+              </a:p>
+            </p:txBody>
+          </p:sp>
+        </mc:Choice>
+        <mc:Fallback>
+          <p:sp>
+            <p:nvSpPr>
+              <p:cNvPr id="9" name="Rectangle 8"/>
+              <p:cNvSpPr>
+                <a:spLocks noRot="1" noChangeAspect="1" noMove="1" noResize="1" noEditPoints="1" noAdjustHandles="1" noChangeArrowheads="1" noChangeShapeType="1" noTextEdit="1"/>
+              </p:cNvSpPr>
+              <p:nvPr/>
+            </p:nvSpPr>
+            <p:spPr>
+              <a:xfrm>
+                <a:off x="1565264" y="2963980"/>
+                <a:ext cx="1667508" cy="380425"/>
+              </a:xfrm>
+              <a:prstGeom prst="rect">
+                <a:avLst/>
+              </a:prstGeom>
+              <a:blipFill rotWithShape="0">
+                <a:blip r:embed="rId5"/>
+                <a:stretch>
+                  <a:fillRect b="-1587"/>
+                </a:stretch>
+              </a:blipFill>
+            </p:spPr>
+            <p:txBody>
+              <a:bodyPr/>
+              <a:lstStyle/>
+              <a:p>
+                <a:r>
+                  <a:rPr lang="en-US">
+                    <a:noFill/>
+                  </a:rPr>
+                  <a:t> </a:t>
+                </a:r>
+              </a:p>
+            </p:txBody>
+          </p:sp>
+        </mc:Fallback>
+      </mc:AlternateContent>
+      <p:pic>
+        <p:nvPicPr>
+          <p:cNvPr id="10" name="Picture 9"/>
+          <p:cNvPicPr>
+            <a:picLocks noChangeAspect="1"/>
+          </p:cNvPicPr>
+          <p:nvPr/>
+        </p:nvPicPr>
+        <p:blipFill>
+          <a:blip r:embed="rId6"/>
+          <a:stretch>
+            <a:fillRect/>
+          </a:stretch>
+        </p:blipFill>
+        <p:spPr>
+          <a:xfrm>
+            <a:off x="1674390" y="5214899"/>
+            <a:ext cx="4662965" cy="1334400"/>
+          </a:xfrm>
+          <a:prstGeom prst="rect">
+            <a:avLst/>
+          </a:prstGeom>
+        </p:spPr>
+      </p:pic>
+      <p:sp>
+        <p:nvSpPr>
+          <p:cNvPr id="11" name="TextBox 10"/>
+          <p:cNvSpPr txBox="1"/>
+          <p:nvPr/>
+        </p:nvSpPr>
+        <p:spPr>
+          <a:xfrm>
+            <a:off x="1835696" y="5030233"/>
+            <a:ext cx="809517" cy="369332"/>
+          </a:xfrm>
+          <a:prstGeom prst="rect">
+            <a:avLst/>
+          </a:prstGeom>
+          <a:noFill/>
+        </p:spPr>
+        <p:txBody>
+          <a:bodyPr wrap="none" rtlCol="0">
+            <a:spAutoFit/>
+          </a:bodyPr>
+          <a:lstStyle/>
+          <a:p>
+            <a:r>
+              <a:rPr lang="en-US" dirty="0" smtClean="0"/>
+              <a:t>col2im</a:t>
+            </a:r>
+            <a:endParaRPr lang="en-US" dirty="0"/>
           </a:p>
         </p:txBody>
       </p:sp>
     </p:spTree>
     <p:extLst>
       <p:ext uri="{BB962C8B-B14F-4D97-AF65-F5344CB8AC3E}">
-        <p14:creationId xmlns:p14="http://schemas.microsoft.com/office/powerpoint/2010/main" val="4163181458"/>
+        <p14:creationId xmlns:p14="http://schemas.microsoft.com/office/powerpoint/2010/main" val="953115103"/>
       </p:ext>
     </p:extLst>
   </p:cSld>
@@ -4152,16 +7573,20 @@
           <a:p>
             <a:r>
               <a:rPr lang="en-US" altLang="zh-CN" dirty="0" smtClean="0"/>
-              <a:t>Extension – Network in Network</a:t>
-            </a:r>
-            <a:endParaRPr lang="zh-CN" altLang="en-US" dirty="0"/>
+              <a:t>Implementation – </a:t>
+            </a:r>
+            <a:r>
+              <a:rPr lang="en-US" altLang="zh-CN" dirty="0" err="1" smtClean="0"/>
+              <a:t>duda-convnet</a:t>
+            </a:r>
+            <a:endParaRPr lang="en-US" altLang="zh-CN" dirty="0" smtClean="0"/>
           </a:p>
         </p:txBody>
       </p:sp>
     </p:spTree>
     <p:extLst>
       <p:ext uri="{BB962C8B-B14F-4D97-AF65-F5344CB8AC3E}">
-        <p14:creationId xmlns:p14="http://schemas.microsoft.com/office/powerpoint/2010/main" val="3706038794"/>
+        <p14:creationId xmlns:p14="http://schemas.microsoft.com/office/powerpoint/2010/main" val="4163181458"/>
       </p:ext>
     </p:extLst>
   </p:cSld>
@@ -4214,16 +7639,143 @@
           <a:p>
             <a:r>
               <a:rPr lang="en-US" altLang="zh-CN" dirty="0" smtClean="0"/>
-              <a:t>Extension – Parameterize CNN</a:t>
+              <a:t>Extension – Network in Network</a:t>
             </a:r>
             <a:endParaRPr lang="zh-CN" altLang="en-US" dirty="0"/>
           </a:p>
         </p:txBody>
       </p:sp>
+      <p:pic>
+        <p:nvPicPr>
+          <p:cNvPr id="4" name="Picture 3"/>
+          <p:cNvPicPr>
+            <a:picLocks noChangeAspect="1"/>
+          </p:cNvPicPr>
+          <p:nvPr/>
+        </p:nvPicPr>
+        <p:blipFill>
+          <a:blip r:embed="rId2"/>
+          <a:stretch>
+            <a:fillRect/>
+          </a:stretch>
+        </p:blipFill>
+        <p:spPr>
+          <a:xfrm>
+            <a:off x="1200263" y="986565"/>
+            <a:ext cx="6570514" cy="2340785"/>
+          </a:xfrm>
+          <a:prstGeom prst="rect">
+            <a:avLst/>
+          </a:prstGeom>
+        </p:spPr>
+      </p:pic>
+      <p:sp>
+        <p:nvSpPr>
+          <p:cNvPr id="5" name="Rectangle 4"/>
+          <p:cNvSpPr/>
+          <p:nvPr/>
+        </p:nvSpPr>
+        <p:spPr>
+          <a:xfrm>
+            <a:off x="539552" y="227788"/>
+            <a:ext cx="7254552" cy="261610"/>
+          </a:xfrm>
+          <a:prstGeom prst="rect">
+            <a:avLst/>
+          </a:prstGeom>
+        </p:spPr>
+        <p:txBody>
+          <a:bodyPr wrap="square">
+            <a:spAutoFit/>
+          </a:bodyPr>
+          <a:lstStyle/>
+          <a:p>
+            <a:r>
+              <a:rPr lang="en-US" sz="1100" dirty="0">
+                <a:solidFill>
+                  <a:srgbClr val="222222"/>
+                </a:solidFill>
+                <a:latin typeface="Arial" panose="020B0604020202020204" pitchFamily="34" charset="0"/>
+              </a:rPr>
+              <a:t>Lin, Min, Qiang Chen, and </a:t>
+            </a:r>
+            <a:r>
+              <a:rPr lang="en-US" sz="1100" dirty="0" err="1">
+                <a:solidFill>
+                  <a:srgbClr val="222222"/>
+                </a:solidFill>
+                <a:latin typeface="Arial" panose="020B0604020202020204" pitchFamily="34" charset="0"/>
+              </a:rPr>
+              <a:t>Shuicheng</a:t>
+            </a:r>
+            <a:r>
+              <a:rPr lang="en-US" sz="1100" dirty="0">
+                <a:solidFill>
+                  <a:srgbClr val="222222"/>
+                </a:solidFill>
+                <a:latin typeface="Arial" panose="020B0604020202020204" pitchFamily="34" charset="0"/>
+              </a:rPr>
+              <a:t> Yan. "Network In Network." </a:t>
+            </a:r>
+            <a:r>
+              <a:rPr lang="en-US" sz="1100" i="1" dirty="0" err="1">
+                <a:solidFill>
+                  <a:srgbClr val="222222"/>
+                </a:solidFill>
+                <a:latin typeface="Arial" panose="020B0604020202020204" pitchFamily="34" charset="0"/>
+              </a:rPr>
+              <a:t>arXiv</a:t>
+            </a:r>
+            <a:r>
+              <a:rPr lang="en-US" sz="1100" i="1" dirty="0">
+                <a:solidFill>
+                  <a:srgbClr val="222222"/>
+                </a:solidFill>
+                <a:latin typeface="Arial" panose="020B0604020202020204" pitchFamily="34" charset="0"/>
+              </a:rPr>
+              <a:t> preprint arXiv:1312.4400</a:t>
+            </a:r>
+            <a:r>
+              <a:rPr lang="en-US" sz="1100" dirty="0">
+                <a:solidFill>
+                  <a:srgbClr val="222222"/>
+                </a:solidFill>
+                <a:latin typeface="Arial" panose="020B0604020202020204" pitchFamily="34" charset="0"/>
+              </a:rPr>
+              <a:t> (2013).</a:t>
+            </a:r>
+            <a:endParaRPr lang="en-US" sz="1100" dirty="0"/>
+          </a:p>
+        </p:txBody>
+      </p:sp>
+      <p:pic>
+        <p:nvPicPr>
+          <p:cNvPr id="6" name="Picture 5"/>
+          <p:cNvPicPr>
+            <a:picLocks noChangeAspect="1"/>
+          </p:cNvPicPr>
+          <p:nvPr/>
+        </p:nvPicPr>
+        <p:blipFill>
+          <a:blip r:embed="rId3"/>
+          <a:stretch>
+            <a:fillRect/>
+          </a:stretch>
+        </p:blipFill>
+        <p:spPr>
+          <a:xfrm>
+            <a:off x="2627784" y="3933056"/>
+            <a:ext cx="4243268" cy="1944215"/>
+          </a:xfrm>
+          <a:prstGeom prst="rect">
+            <a:avLst/>
+          </a:prstGeom>
+        </p:spPr>
+      </p:pic>
     </p:spTree>
     <p:extLst>
       <p:ext uri="{BB962C8B-B14F-4D97-AF65-F5344CB8AC3E}">
-        <p14:creationId xmlns:p14="http://schemas.microsoft.com/office/powerpoint/2010/main" val="1738104852"/>
+        <p14:creationId xmlns:p14="http://schemas.microsoft.com/office/powerpoint/2010/main" val="3706038794"/>
       </p:ext>
     </p:extLst>
   </p:cSld>
@@ -4276,24 +7828,577 @@
           <a:p>
             <a:r>
               <a:rPr lang="en-US" altLang="zh-CN" dirty="0" smtClean="0"/>
-              <a:t>Extension – </a:t>
-            </a:r>
-            <a:r>
-              <a:rPr lang="en-US" altLang="zh-CN" dirty="0" err="1" smtClean="0"/>
-              <a:t>Colinear</a:t>
-            </a:r>
-            <a:r>
-              <a:rPr lang="en-US" altLang="zh-CN" dirty="0" smtClean="0"/>
-              <a:t> CNN</a:t>
+              <a:t>Extension – Parameterize CNN</a:t>
             </a:r>
             <a:endParaRPr lang="zh-CN" altLang="en-US" dirty="0"/>
           </a:p>
         </p:txBody>
       </p:sp>
+      <p:grpSp>
+        <p:nvGrpSpPr>
+          <p:cNvPr id="3" name="Group 2"/>
+          <p:cNvGrpSpPr/>
+          <p:nvPr/>
+        </p:nvGrpSpPr>
+        <p:grpSpPr>
+          <a:xfrm>
+            <a:off x="971600" y="692696"/>
+            <a:ext cx="7888028" cy="2346011"/>
+            <a:chOff x="2484144" y="2133600"/>
+            <a:chExt cx="7888028" cy="2346011"/>
+          </a:xfrm>
+        </p:grpSpPr>
+        <p:sp>
+          <p:nvSpPr>
+            <p:cNvPr id="4" name="Rectangle 3"/>
+            <p:cNvSpPr/>
+            <p:nvPr/>
+          </p:nvSpPr>
+          <p:spPr>
+            <a:xfrm>
+              <a:off x="2589212" y="2133600"/>
+              <a:ext cx="914400" cy="914400"/>
+            </a:xfrm>
+            <a:prstGeom prst="rect">
+              <a:avLst/>
+            </a:prstGeom>
+          </p:spPr>
+          <p:style>
+            <a:lnRef idx="2">
+              <a:schemeClr val="accent6"/>
+            </a:lnRef>
+            <a:fillRef idx="1">
+              <a:schemeClr val="lt1"/>
+            </a:fillRef>
+            <a:effectRef idx="0">
+              <a:schemeClr val="accent6"/>
+            </a:effectRef>
+            <a:fontRef idx="minor">
+              <a:schemeClr val="dk1"/>
+            </a:fontRef>
+          </p:style>
+          <p:txBody>
+            <a:bodyPr rtlCol="0" anchor="ctr"/>
+            <a:lstStyle/>
+            <a:p>
+              <a:pPr algn="ctr"/>
+              <a:r>
+                <a:rPr lang="en-US" dirty="0" smtClean="0"/>
+                <a:t>Origin Image</a:t>
+              </a:r>
+              <a:endParaRPr lang="en-US" dirty="0"/>
+            </a:p>
+          </p:txBody>
+        </p:sp>
+        <p:sp>
+          <p:nvSpPr>
+            <p:cNvPr id="5" name="Rectangle 4"/>
+            <p:cNvSpPr/>
+            <p:nvPr/>
+          </p:nvSpPr>
+          <p:spPr>
+            <a:xfrm>
+              <a:off x="2484144" y="3565211"/>
+              <a:ext cx="1124536" cy="914400"/>
+            </a:xfrm>
+            <a:prstGeom prst="rect">
+              <a:avLst/>
+            </a:prstGeom>
+          </p:spPr>
+          <p:style>
+            <a:lnRef idx="2">
+              <a:schemeClr val="accent6"/>
+            </a:lnRef>
+            <a:fillRef idx="1">
+              <a:schemeClr val="lt1"/>
+            </a:fillRef>
+            <a:effectRef idx="0">
+              <a:schemeClr val="accent6"/>
+            </a:effectRef>
+            <a:fontRef idx="minor">
+              <a:schemeClr val="dk1"/>
+            </a:fontRef>
+          </p:style>
+          <p:txBody>
+            <a:bodyPr rtlCol="0" anchor="ctr"/>
+            <a:lstStyle/>
+            <a:p>
+              <a:pPr algn="ctr"/>
+              <a:r>
+                <a:rPr lang="en-US" dirty="0" smtClean="0"/>
+                <a:t>Saliency</a:t>
+              </a:r>
+              <a:endParaRPr lang="en-US" dirty="0"/>
+            </a:p>
+          </p:txBody>
+        </p:sp>
+        <p:sp>
+          <p:nvSpPr>
+            <p:cNvPr id="6" name="Rectangle 5"/>
+            <p:cNvSpPr/>
+            <p:nvPr/>
+          </p:nvSpPr>
+          <p:spPr>
+            <a:xfrm>
+              <a:off x="4703010" y="2133600"/>
+              <a:ext cx="1044324" cy="914400"/>
+            </a:xfrm>
+            <a:prstGeom prst="rect">
+              <a:avLst/>
+            </a:prstGeom>
+          </p:spPr>
+          <p:style>
+            <a:lnRef idx="2">
+              <a:schemeClr val="accent6"/>
+            </a:lnRef>
+            <a:fillRef idx="1">
+              <a:schemeClr val="lt1"/>
+            </a:fillRef>
+            <a:effectRef idx="0">
+              <a:schemeClr val="accent6"/>
+            </a:effectRef>
+            <a:fontRef idx="minor">
+              <a:schemeClr val="dk1"/>
+            </a:fontRef>
+          </p:style>
+          <p:txBody>
+            <a:bodyPr rtlCol="0" anchor="ctr"/>
+            <a:lstStyle/>
+            <a:p>
+              <a:pPr algn="ctr"/>
+              <a:r>
+                <a:rPr lang="en-US" dirty="0" smtClean="0"/>
+                <a:t>Feature Map</a:t>
+              </a:r>
+              <a:endParaRPr lang="en-US" dirty="0"/>
+            </a:p>
+          </p:txBody>
+        </p:sp>
+        <p:sp>
+          <p:nvSpPr>
+            <p:cNvPr id="7" name="Rectangle 6"/>
+            <p:cNvSpPr/>
+            <p:nvPr/>
+          </p:nvSpPr>
+          <p:spPr>
+            <a:xfrm>
+              <a:off x="4767972" y="3565211"/>
+              <a:ext cx="914400" cy="914400"/>
+            </a:xfrm>
+            <a:prstGeom prst="rect">
+              <a:avLst/>
+            </a:prstGeom>
+          </p:spPr>
+          <p:style>
+            <a:lnRef idx="2">
+              <a:schemeClr val="accent6"/>
+            </a:lnRef>
+            <a:fillRef idx="1">
+              <a:schemeClr val="lt1"/>
+            </a:fillRef>
+            <a:effectRef idx="0">
+              <a:schemeClr val="accent6"/>
+            </a:effectRef>
+            <a:fontRef idx="minor">
+              <a:schemeClr val="dk1"/>
+            </a:fontRef>
+          </p:style>
+          <p:txBody>
+            <a:bodyPr rtlCol="0" anchor="ctr"/>
+            <a:lstStyle/>
+            <a:p>
+              <a:pPr algn="ctr"/>
+              <a:r>
+                <a:rPr lang="en-US" dirty="0" smtClean="0"/>
+                <a:t>Mask</a:t>
+              </a:r>
+              <a:endParaRPr lang="en-US" dirty="0"/>
+            </a:p>
+          </p:txBody>
+        </p:sp>
+        <p:cxnSp>
+          <p:nvCxnSpPr>
+            <p:cNvPr id="8" name="Straight Arrow Connector 7"/>
+            <p:cNvCxnSpPr>
+              <a:stCxn id="4" idx="3"/>
+              <a:endCxn id="6" idx="1"/>
+            </p:cNvCxnSpPr>
+            <p:nvPr/>
+          </p:nvCxnSpPr>
+          <p:spPr>
+            <a:xfrm>
+              <a:off x="3503612" y="2590800"/>
+              <a:ext cx="1199398" cy="0"/>
+            </a:xfrm>
+            <a:prstGeom prst="straightConnector1">
+              <a:avLst/>
+            </a:prstGeom>
+            <a:ln>
+              <a:tailEnd type="triangle"/>
+            </a:ln>
+          </p:spPr>
+          <p:style>
+            <a:lnRef idx="1">
+              <a:schemeClr val="accent1"/>
+            </a:lnRef>
+            <a:fillRef idx="0">
+              <a:schemeClr val="accent1"/>
+            </a:fillRef>
+            <a:effectRef idx="0">
+              <a:schemeClr val="accent1"/>
+            </a:effectRef>
+            <a:fontRef idx="minor">
+              <a:schemeClr val="tx1"/>
+            </a:fontRef>
+          </p:style>
+        </p:cxnSp>
+        <p:cxnSp>
+          <p:nvCxnSpPr>
+            <p:cNvPr id="9" name="Straight Arrow Connector 8"/>
+            <p:cNvCxnSpPr>
+              <a:stCxn id="5" idx="3"/>
+              <a:endCxn id="7" idx="1"/>
+            </p:cNvCxnSpPr>
+            <p:nvPr/>
+          </p:nvCxnSpPr>
+          <p:spPr>
+            <a:xfrm>
+              <a:off x="3608680" y="4022411"/>
+              <a:ext cx="1159292" cy="0"/>
+            </a:xfrm>
+            <a:prstGeom prst="straightConnector1">
+              <a:avLst/>
+            </a:prstGeom>
+            <a:ln>
+              <a:tailEnd type="triangle"/>
+            </a:ln>
+          </p:spPr>
+          <p:style>
+            <a:lnRef idx="1">
+              <a:schemeClr val="accent1"/>
+            </a:lnRef>
+            <a:fillRef idx="0">
+              <a:schemeClr val="accent1"/>
+            </a:fillRef>
+            <a:effectRef idx="0">
+              <a:schemeClr val="accent1"/>
+            </a:effectRef>
+            <a:fontRef idx="minor">
+              <a:schemeClr val="tx1"/>
+            </a:fontRef>
+          </p:style>
+        </p:cxnSp>
+        <p:sp>
+          <p:nvSpPr>
+            <p:cNvPr id="10" name="TextBox 9"/>
+            <p:cNvSpPr txBox="1"/>
+            <p:nvPr/>
+          </p:nvSpPr>
+          <p:spPr>
+            <a:xfrm>
+              <a:off x="3707208" y="2302917"/>
+              <a:ext cx="792205" cy="369332"/>
+            </a:xfrm>
+            <a:prstGeom prst="rect">
+              <a:avLst/>
+            </a:prstGeom>
+            <a:noFill/>
+          </p:spPr>
+          <p:txBody>
+            <a:bodyPr wrap="none" rtlCol="0">
+              <a:spAutoFit/>
+            </a:bodyPr>
+            <a:lstStyle/>
+            <a:p>
+              <a:r>
+                <a:rPr lang="en-US" dirty="0" smtClean="0"/>
+                <a:t>Conv</a:t>
+              </a:r>
+              <a:endParaRPr lang="en-US" dirty="0"/>
+            </a:p>
+          </p:txBody>
+        </p:sp>
+        <p:sp>
+          <p:nvSpPr>
+            <p:cNvPr id="11" name="TextBox 10"/>
+            <p:cNvSpPr txBox="1"/>
+            <p:nvPr/>
+          </p:nvSpPr>
+          <p:spPr>
+            <a:xfrm>
+              <a:off x="3608680" y="3720600"/>
+              <a:ext cx="1159292" cy="369332"/>
+            </a:xfrm>
+            <a:prstGeom prst="rect">
+              <a:avLst/>
+            </a:prstGeom>
+            <a:noFill/>
+          </p:spPr>
+          <p:txBody>
+            <a:bodyPr wrap="none" rtlCol="0">
+              <a:spAutoFit/>
+            </a:bodyPr>
+            <a:lstStyle/>
+            <a:p>
+              <a:r>
+                <a:rPr lang="en-US" dirty="0" smtClean="0"/>
+                <a:t>Sal_Calc</a:t>
+              </a:r>
+              <a:endParaRPr lang="en-US" dirty="0"/>
+            </a:p>
+          </p:txBody>
+        </p:sp>
+        <p:sp>
+          <p:nvSpPr>
+            <p:cNvPr id="12" name="Rectangle 11"/>
+            <p:cNvSpPr/>
+            <p:nvPr/>
+          </p:nvSpPr>
+          <p:spPr>
+            <a:xfrm>
+              <a:off x="7711698" y="2672249"/>
+              <a:ext cx="1063334" cy="1350162"/>
+            </a:xfrm>
+            <a:prstGeom prst="rect">
+              <a:avLst/>
+            </a:prstGeom>
+          </p:spPr>
+          <p:style>
+            <a:lnRef idx="2">
+              <a:schemeClr val="accent6"/>
+            </a:lnRef>
+            <a:fillRef idx="1">
+              <a:schemeClr val="lt1"/>
+            </a:fillRef>
+            <a:effectRef idx="0">
+              <a:schemeClr val="accent6"/>
+            </a:effectRef>
+            <a:fontRef idx="minor">
+              <a:schemeClr val="dk1"/>
+            </a:fontRef>
+          </p:style>
+          <p:txBody>
+            <a:bodyPr rtlCol="0" anchor="ctr"/>
+            <a:lstStyle/>
+            <a:p>
+              <a:pPr algn="ctr"/>
+              <a:r>
+                <a:rPr lang="en-US" dirty="0" smtClean="0"/>
+                <a:t>Feature Map After Mask</a:t>
+              </a:r>
+              <a:endParaRPr lang="en-US" dirty="0"/>
+            </a:p>
+          </p:txBody>
+        </p:sp>
+        <p:cxnSp>
+          <p:nvCxnSpPr>
+            <p:cNvPr id="13" name="Straight Arrow Connector 12"/>
+            <p:cNvCxnSpPr>
+              <a:stCxn id="6" idx="3"/>
+              <a:endCxn id="12" idx="1"/>
+            </p:cNvCxnSpPr>
+            <p:nvPr/>
+          </p:nvCxnSpPr>
+          <p:spPr>
+            <a:xfrm>
+              <a:off x="5747334" y="2590800"/>
+              <a:ext cx="1964364" cy="756530"/>
+            </a:xfrm>
+            <a:prstGeom prst="straightConnector1">
+              <a:avLst/>
+            </a:prstGeom>
+            <a:ln>
+              <a:tailEnd type="triangle"/>
+            </a:ln>
+          </p:spPr>
+          <p:style>
+            <a:lnRef idx="1">
+              <a:schemeClr val="accent1"/>
+            </a:lnRef>
+            <a:fillRef idx="0">
+              <a:schemeClr val="accent1"/>
+            </a:fillRef>
+            <a:effectRef idx="0">
+              <a:schemeClr val="accent1"/>
+            </a:effectRef>
+            <a:fontRef idx="minor">
+              <a:schemeClr val="tx1"/>
+            </a:fontRef>
+          </p:style>
+        </p:cxnSp>
+        <p:cxnSp>
+          <p:nvCxnSpPr>
+            <p:cNvPr id="14" name="Straight Arrow Connector 13"/>
+            <p:cNvCxnSpPr>
+              <a:stCxn id="7" idx="3"/>
+              <a:endCxn id="12" idx="1"/>
+            </p:cNvCxnSpPr>
+            <p:nvPr/>
+          </p:nvCxnSpPr>
+          <p:spPr>
+            <a:xfrm flipV="1">
+              <a:off x="5682372" y="3347330"/>
+              <a:ext cx="2029326" cy="675081"/>
+            </a:xfrm>
+            <a:prstGeom prst="straightConnector1">
+              <a:avLst/>
+            </a:prstGeom>
+            <a:ln>
+              <a:tailEnd type="triangle"/>
+            </a:ln>
+          </p:spPr>
+          <p:style>
+            <a:lnRef idx="1">
+              <a:schemeClr val="accent1"/>
+            </a:lnRef>
+            <a:fillRef idx="0">
+              <a:schemeClr val="accent1"/>
+            </a:fillRef>
+            <a:effectRef idx="0">
+              <a:schemeClr val="accent1"/>
+            </a:effectRef>
+            <a:fontRef idx="minor">
+              <a:schemeClr val="tx1"/>
+            </a:fontRef>
+          </p:style>
+        </p:cxnSp>
+        <p:sp>
+          <p:nvSpPr>
+            <p:cNvPr id="15" name="TextBox 14"/>
+            <p:cNvSpPr txBox="1"/>
+            <p:nvPr/>
+          </p:nvSpPr>
+          <p:spPr>
+            <a:xfrm>
+              <a:off x="6118212" y="3162664"/>
+              <a:ext cx="1040670" cy="369332"/>
+            </a:xfrm>
+            <a:prstGeom prst="rect">
+              <a:avLst/>
+            </a:prstGeom>
+            <a:noFill/>
+          </p:spPr>
+          <p:txBody>
+            <a:bodyPr wrap="none" rtlCol="0">
+              <a:spAutoFit/>
+            </a:bodyPr>
+            <a:lstStyle/>
+            <a:p>
+              <a:r>
+                <a:rPr lang="en-US" dirty="0" smtClean="0"/>
+                <a:t>multiply</a:t>
+              </a:r>
+              <a:endParaRPr lang="en-US" dirty="0"/>
+            </a:p>
+          </p:txBody>
+        </p:sp>
+        <p:sp>
+          <p:nvSpPr>
+            <p:cNvPr id="16" name="Rectangle 15"/>
+            <p:cNvSpPr/>
+            <p:nvPr/>
+          </p:nvSpPr>
+          <p:spPr>
+            <a:xfrm>
+              <a:off x="9327848" y="2890130"/>
+              <a:ext cx="1044324" cy="914400"/>
+            </a:xfrm>
+            <a:prstGeom prst="rect">
+              <a:avLst/>
+            </a:prstGeom>
+          </p:spPr>
+          <p:style>
+            <a:lnRef idx="2">
+              <a:schemeClr val="accent6"/>
+            </a:lnRef>
+            <a:fillRef idx="1">
+              <a:schemeClr val="lt1"/>
+            </a:fillRef>
+            <a:effectRef idx="0">
+              <a:schemeClr val="accent6"/>
+            </a:effectRef>
+            <a:fontRef idx="minor">
+              <a:schemeClr val="dk1"/>
+            </a:fontRef>
+          </p:style>
+          <p:txBody>
+            <a:bodyPr rtlCol="0" anchor="ctr"/>
+            <a:lstStyle/>
+            <a:p>
+              <a:pPr algn="ctr"/>
+              <a:r>
+                <a:rPr lang="en-US" dirty="0" smtClean="0"/>
+                <a:t>Neural Net</a:t>
+              </a:r>
+              <a:endParaRPr lang="en-US" dirty="0"/>
+            </a:p>
+          </p:txBody>
+        </p:sp>
+        <p:cxnSp>
+          <p:nvCxnSpPr>
+            <p:cNvPr id="17" name="Straight Arrow Connector 16"/>
+            <p:cNvCxnSpPr>
+              <a:stCxn id="12" idx="3"/>
+              <a:endCxn id="16" idx="1"/>
+            </p:cNvCxnSpPr>
+            <p:nvPr/>
+          </p:nvCxnSpPr>
+          <p:spPr>
+            <a:xfrm>
+              <a:off x="8775032" y="3347330"/>
+              <a:ext cx="552816" cy="0"/>
+            </a:xfrm>
+            <a:prstGeom prst="straightConnector1">
+              <a:avLst/>
+            </a:prstGeom>
+            <a:ln>
+              <a:tailEnd type="triangle"/>
+            </a:ln>
+          </p:spPr>
+          <p:style>
+            <a:lnRef idx="1">
+              <a:schemeClr val="accent1"/>
+            </a:lnRef>
+            <a:fillRef idx="0">
+              <a:schemeClr val="accent1"/>
+            </a:fillRef>
+            <a:effectRef idx="0">
+              <a:schemeClr val="accent1"/>
+            </a:effectRef>
+            <a:fontRef idx="minor">
+              <a:schemeClr val="tx1"/>
+            </a:fontRef>
+          </p:style>
+        </p:cxnSp>
+      </p:grpSp>
+      <p:pic>
+        <p:nvPicPr>
+          <p:cNvPr id="18" name="Picture 17"/>
+          <p:cNvPicPr>
+            <a:picLocks noChangeAspect="1"/>
+          </p:cNvPicPr>
+          <p:nvPr/>
+        </p:nvPicPr>
+        <p:blipFill>
+          <a:blip r:embed="rId2"/>
+          <a:stretch>
+            <a:fillRect/>
+          </a:stretch>
+        </p:blipFill>
+        <p:spPr>
+          <a:xfrm>
+            <a:off x="1991068" y="3212976"/>
+            <a:ext cx="5984768" cy="3154236"/>
+          </a:xfrm>
+          <a:prstGeom prst="rect">
+            <a:avLst/>
+          </a:prstGeom>
+        </p:spPr>
+      </p:pic>
     </p:spTree>
     <p:extLst>
       <p:ext uri="{BB962C8B-B14F-4D97-AF65-F5344CB8AC3E}">
-        <p14:creationId xmlns:p14="http://schemas.microsoft.com/office/powerpoint/2010/main" val="3011291719"/>
+        <p14:creationId xmlns:p14="http://schemas.microsoft.com/office/powerpoint/2010/main" val="1738104852"/>
       </p:ext>
     </p:extLst>
   </p:cSld>
@@ -4329,54 +8434,101 @@
       </p:grpSpPr>
       <p:sp>
         <p:nvSpPr>
-          <p:cNvPr id="3" name="标题 2"/>
+          <p:cNvPr id="2" name="竖排文字占位符 1"/>
           <p:cNvSpPr>
             <a:spLocks noGrp="1"/>
           </p:cNvSpPr>
           <p:nvPr>
-            <p:ph type="ctrTitle"/>
+            <p:ph type="body" orient="vert" sz="quarter" idx="13"/>
           </p:nvPr>
         </p:nvSpPr>
         <p:spPr/>
         <p:txBody>
-          <a:bodyPr/>
+          <a:bodyPr>
+            <a:normAutofit lnSpcReduction="10000"/>
+          </a:bodyPr>
           <a:lstStyle/>
           <a:p>
             <a:r>
               <a:rPr lang="en-US" altLang="zh-CN" dirty="0" smtClean="0"/>
-              <a:t>Q &amp; A</a:t>
+              <a:t>Extension – </a:t>
+            </a:r>
+            <a:r>
+              <a:rPr lang="en-US" altLang="zh-CN" dirty="0" err="1" smtClean="0"/>
+              <a:t>Colinear</a:t>
+            </a:r>
+            <a:r>
+              <a:rPr lang="en-US" altLang="zh-CN" dirty="0" smtClean="0"/>
+              <a:t> CNN</a:t>
             </a:r>
             <a:endParaRPr lang="zh-CN" altLang="en-US" dirty="0"/>
           </a:p>
         </p:txBody>
       </p:sp>
-      <p:sp>
-        <p:nvSpPr>
-          <p:cNvPr id="4" name="副标题 3"/>
-          <p:cNvSpPr>
-            <a:spLocks noGrp="1"/>
-          </p:cNvSpPr>
-          <p:nvPr>
-            <p:ph type="subTitle" idx="1"/>
-          </p:nvPr>
-        </p:nvSpPr>
-        <p:spPr/>
-        <p:txBody>
-          <a:bodyPr/>
-          <a:lstStyle/>
-          <a:p>
-            <a:r>
-              <a:rPr lang="en-US" altLang="zh-CN" dirty="0" smtClean="0"/>
-              <a:t>Thanks!</a:t>
-            </a:r>
-            <a:endParaRPr lang="zh-CN" altLang="en-US" dirty="0"/>
-          </a:p>
-        </p:txBody>
-      </p:sp>
+      <p:pic>
+        <p:nvPicPr>
+          <p:cNvPr id="3" name="Picture 2"/>
+          <p:cNvPicPr>
+            <a:picLocks noChangeAspect="1"/>
+          </p:cNvPicPr>
+          <p:nvPr/>
+        </p:nvPicPr>
+        <p:blipFill>
+          <a:blip r:embed="rId2" cstate="print">
+            <a:extLst>
+              <a:ext uri="{28A0092B-C50C-407E-A947-70E740481C1C}">
+                <a14:useLocalDpi xmlns:a14="http://schemas.microsoft.com/office/drawing/2010/main" val="0"/>
+              </a:ext>
+            </a:extLst>
+          </a:blip>
+          <a:stretch>
+            <a:fillRect/>
+          </a:stretch>
+        </p:blipFill>
+        <p:spPr>
+          <a:xfrm>
+            <a:off x="1259632" y="0"/>
+            <a:ext cx="4638261" cy="6858000"/>
+          </a:xfrm>
+          <a:prstGeom prst="rect">
+            <a:avLst/>
+          </a:prstGeom>
+        </p:spPr>
+      </p:pic>
+      <p:pic>
+        <p:nvPicPr>
+          <p:cNvPr id="6" name="Picture 5"/>
+          <p:cNvPicPr>
+            <a:picLocks noChangeAspect="1"/>
+          </p:cNvPicPr>
+          <p:nvPr/>
+        </p:nvPicPr>
+        <p:blipFill>
+          <a:blip r:embed="rId3" cstate="print">
+            <a:extLst>
+              <a:ext uri="{28A0092B-C50C-407E-A947-70E740481C1C}">
+                <a14:useLocalDpi xmlns:a14="http://schemas.microsoft.com/office/drawing/2010/main" val="0"/>
+              </a:ext>
+            </a:extLst>
+          </a:blip>
+          <a:stretch>
+            <a:fillRect/>
+          </a:stretch>
+        </p:blipFill>
+        <p:spPr>
+          <a:xfrm>
+            <a:off x="5148065" y="1124744"/>
+            <a:ext cx="3960440" cy="3535049"/>
+          </a:xfrm>
+          <a:prstGeom prst="rect">
+            <a:avLst/>
+          </a:prstGeom>
+        </p:spPr>
+      </p:pic>
     </p:spTree>
     <p:extLst>
       <p:ext uri="{BB962C8B-B14F-4D97-AF65-F5344CB8AC3E}">
-        <p14:creationId xmlns:p14="http://schemas.microsoft.com/office/powerpoint/2010/main" val="3466724238"/>
+        <p14:creationId xmlns:p14="http://schemas.microsoft.com/office/powerpoint/2010/main" val="3011291719"/>
       </p:ext>
     </p:extLst>
   </p:cSld>
@@ -4497,6 +8649,89 @@
         </p:txBody>
       </p:sp>
     </p:spTree>
+  </p:cSld>
+  <p:clrMapOvr>
+    <a:masterClrMapping/>
+  </p:clrMapOvr>
+  <p:timing>
+    <p:tnLst>
+      <p:par>
+        <p:cTn id="1" dur="indefinite" restart="never" nodeType="tmRoot"/>
+      </p:par>
+    </p:tnLst>
+  </p:timing>
+</p:sld>
+</file>
+
+<file path=ppt/slides/slide20.xml><?xml version="1.0" encoding="utf-8"?>
+<p:sld xmlns:a="http://schemas.openxmlformats.org/drawingml/2006/main" xmlns:r="http://schemas.openxmlformats.org/officeDocument/2006/relationships" xmlns:p="http://schemas.openxmlformats.org/presentationml/2006/main">
+  <p:cSld>
+    <p:spTree>
+      <p:nvGrpSpPr>
+        <p:cNvPr id="1" name=""/>
+        <p:cNvGrpSpPr/>
+        <p:nvPr/>
+      </p:nvGrpSpPr>
+      <p:grpSpPr>
+        <a:xfrm>
+          <a:off x="0" y="0"/>
+          <a:ext cx="0" cy="0"/>
+          <a:chOff x="0" y="0"/>
+          <a:chExt cx="0" cy="0"/>
+        </a:xfrm>
+      </p:grpSpPr>
+      <p:sp>
+        <p:nvSpPr>
+          <p:cNvPr id="3" name="标题 2"/>
+          <p:cNvSpPr>
+            <a:spLocks noGrp="1"/>
+          </p:cNvSpPr>
+          <p:nvPr>
+            <p:ph type="ctrTitle"/>
+          </p:nvPr>
+        </p:nvSpPr>
+        <p:spPr/>
+        <p:txBody>
+          <a:bodyPr/>
+          <a:lstStyle/>
+          <a:p>
+            <a:r>
+              <a:rPr lang="en-US" altLang="zh-CN" dirty="0" smtClean="0"/>
+              <a:t>Q &amp; A</a:t>
+            </a:r>
+            <a:endParaRPr lang="zh-CN" altLang="en-US" dirty="0"/>
+          </a:p>
+        </p:txBody>
+      </p:sp>
+      <p:sp>
+        <p:nvSpPr>
+          <p:cNvPr id="4" name="副标题 3"/>
+          <p:cNvSpPr>
+            <a:spLocks noGrp="1"/>
+          </p:cNvSpPr>
+          <p:nvPr>
+            <p:ph type="subTitle" idx="1"/>
+          </p:nvPr>
+        </p:nvSpPr>
+        <p:spPr/>
+        <p:txBody>
+          <a:bodyPr/>
+          <a:lstStyle/>
+          <a:p>
+            <a:r>
+              <a:rPr lang="en-US" altLang="zh-CN" dirty="0" smtClean="0"/>
+              <a:t>Thanks!</a:t>
+            </a:r>
+            <a:endParaRPr lang="zh-CN" altLang="en-US" dirty="0"/>
+          </a:p>
+        </p:txBody>
+      </p:sp>
+    </p:spTree>
+    <p:extLst>
+      <p:ext uri="{BB962C8B-B14F-4D97-AF65-F5344CB8AC3E}">
+        <p14:creationId xmlns:p14="http://schemas.microsoft.com/office/powerpoint/2010/main" val="3466724238"/>
+      </p:ext>
+    </p:extLst>
   </p:cSld>
   <p:clrMapOvr>
     <a:masterClrMapping/>
@@ -8410,7 +12645,7 @@
           <a:graphicData uri="http://schemas.openxmlformats.org/presentationml/2006/ole">
             <mc:AlternateContent xmlns:mc="http://schemas.openxmlformats.org/markup-compatibility/2006">
               <mc:Choice xmlns:v="urn:schemas-microsoft-com:vml" Requires="v">
-                <p:oleObj spid="_x0000_s10266" name="Equation" r:id="rId5" imgW="215640" imgH="393480" progId="Equation.DSMT4">
+                <p:oleObj spid="_x0000_s10273" name="Equation" r:id="rId5" imgW="215640" imgH="393480" progId="Equation.DSMT4">
                   <p:embed/>
                 </p:oleObj>
               </mc:Choice>
@@ -8871,7 +13106,6 @@
               <a:rPr lang="en-US" b="1" dirty="0"/>
               <a:t>.</a:t>
             </a:r>
-            <a:endParaRPr lang="en-US" b="1" dirty="0"/>
           </a:p>
           <a:p>
             <a:pPr marL="342900" indent="-342900">
@@ -9183,7 +13417,6 @@
               <a:rPr lang="en-US" sz="1050" dirty="0"/>
               <a:t> 6 (1986): 679-698.</a:t>
             </a:r>
-            <a:endParaRPr lang="en-US" sz="1050" dirty="0"/>
           </a:p>
         </p:txBody>
       </p:sp>
@@ -9355,7 +13588,6 @@
               <a:rPr lang="en-US" b="1" dirty="0"/>
               <a:t>.</a:t>
             </a:r>
-            <a:endParaRPr lang="en-US" b="1" dirty="0"/>
           </a:p>
           <a:p>
             <a:pPr marL="342900" indent="-342900">
@@ -10178,6 +14410,533 @@
               <a:t>Convolutional Layer</a:t>
             </a:r>
             <a:endParaRPr lang="zh-CN" altLang="en-US" dirty="0"/>
+          </a:p>
+        </p:txBody>
+      </p:sp>
+      <p:pic>
+        <p:nvPicPr>
+          <p:cNvPr id="9" name="Picture 8"/>
+          <p:cNvPicPr>
+            <a:picLocks noChangeAspect="1"/>
+          </p:cNvPicPr>
+          <p:nvPr/>
+        </p:nvPicPr>
+        <p:blipFill>
+          <a:blip r:embed="rId2"/>
+          <a:stretch>
+            <a:fillRect/>
+          </a:stretch>
+        </p:blipFill>
+        <p:spPr>
+          <a:xfrm>
+            <a:off x="1403648" y="548681"/>
+            <a:ext cx="1737231" cy="1575628"/>
+          </a:xfrm>
+          <a:prstGeom prst="rect">
+            <a:avLst/>
+          </a:prstGeom>
+        </p:spPr>
+      </p:pic>
+      <p:pic>
+        <p:nvPicPr>
+          <p:cNvPr id="10" name="Picture 9"/>
+          <p:cNvPicPr>
+            <a:picLocks noChangeAspect="1"/>
+          </p:cNvPicPr>
+          <p:nvPr/>
+        </p:nvPicPr>
+        <p:blipFill>
+          <a:blip r:embed="rId2"/>
+          <a:stretch>
+            <a:fillRect/>
+          </a:stretch>
+        </p:blipFill>
+        <p:spPr>
+          <a:xfrm>
+            <a:off x="1259632" y="2425162"/>
+            <a:ext cx="1737231" cy="1575628"/>
+          </a:xfrm>
+          <a:prstGeom prst="rect">
+            <a:avLst/>
+          </a:prstGeom>
+        </p:spPr>
+      </p:pic>
+      <p:pic>
+        <p:nvPicPr>
+          <p:cNvPr id="11" name="Picture 10"/>
+          <p:cNvPicPr>
+            <a:picLocks noChangeAspect="1"/>
+          </p:cNvPicPr>
+          <p:nvPr/>
+        </p:nvPicPr>
+        <p:blipFill>
+          <a:blip r:embed="rId2"/>
+          <a:stretch>
+            <a:fillRect/>
+          </a:stretch>
+        </p:blipFill>
+        <p:spPr>
+          <a:xfrm>
+            <a:off x="3004368" y="263082"/>
+            <a:ext cx="1190900" cy="1080119"/>
+          </a:xfrm>
+          <a:prstGeom prst="rect">
+            <a:avLst/>
+          </a:prstGeom>
+        </p:spPr>
+      </p:pic>
+      <p:pic>
+        <p:nvPicPr>
+          <p:cNvPr id="12" name="Picture 11"/>
+          <p:cNvPicPr>
+            <a:picLocks noChangeAspect="1"/>
+          </p:cNvPicPr>
+          <p:nvPr/>
+        </p:nvPicPr>
+        <p:blipFill>
+          <a:blip r:embed="rId2"/>
+          <a:stretch>
+            <a:fillRect/>
+          </a:stretch>
+        </p:blipFill>
+        <p:spPr>
+          <a:xfrm>
+            <a:off x="3004368" y="1988840"/>
+            <a:ext cx="1190901" cy="1080120"/>
+          </a:xfrm>
+          <a:prstGeom prst="rect">
+            <a:avLst/>
+          </a:prstGeom>
+        </p:spPr>
+      </p:pic>
+      <p:pic>
+        <p:nvPicPr>
+          <p:cNvPr id="13" name="Picture 12"/>
+          <p:cNvPicPr>
+            <a:picLocks noChangeAspect="1"/>
+          </p:cNvPicPr>
+          <p:nvPr/>
+        </p:nvPicPr>
+        <p:blipFill>
+          <a:blip r:embed="rId3"/>
+          <a:stretch>
+            <a:fillRect/>
+          </a:stretch>
+        </p:blipFill>
+        <p:spPr>
+          <a:xfrm>
+            <a:off x="4427984" y="2124309"/>
+            <a:ext cx="1552575" cy="1724025"/>
+          </a:xfrm>
+          <a:prstGeom prst="rect">
+            <a:avLst/>
+          </a:prstGeom>
+        </p:spPr>
+      </p:pic>
+      <p:pic>
+        <p:nvPicPr>
+          <p:cNvPr id="14" name="Picture 13"/>
+          <p:cNvPicPr>
+            <a:picLocks noChangeAspect="1"/>
+          </p:cNvPicPr>
+          <p:nvPr/>
+        </p:nvPicPr>
+        <p:blipFill>
+          <a:blip r:embed="rId4"/>
+          <a:stretch>
+            <a:fillRect/>
+          </a:stretch>
+        </p:blipFill>
+        <p:spPr>
+          <a:xfrm>
+            <a:off x="6495176" y="2425162"/>
+            <a:ext cx="1243841" cy="2078634"/>
+          </a:xfrm>
+          <a:prstGeom prst="rect">
+            <a:avLst/>
+          </a:prstGeom>
+        </p:spPr>
+      </p:pic>
+      <p:cxnSp>
+        <p:nvCxnSpPr>
+          <p:cNvPr id="16" name="Straight Arrow Connector 15"/>
+          <p:cNvCxnSpPr/>
+          <p:nvPr/>
+        </p:nvCxnSpPr>
+        <p:spPr>
+          <a:xfrm>
+            <a:off x="2771800" y="2204864"/>
+            <a:ext cx="1656184" cy="648072"/>
+          </a:xfrm>
+          <a:prstGeom prst="straightConnector1">
+            <a:avLst/>
+          </a:prstGeom>
+          <a:ln>
+            <a:tailEnd type="triangle"/>
+          </a:ln>
+        </p:spPr>
+        <p:style>
+          <a:lnRef idx="1">
+            <a:schemeClr val="accent1"/>
+          </a:lnRef>
+          <a:fillRef idx="0">
+            <a:schemeClr val="accent1"/>
+          </a:fillRef>
+          <a:effectRef idx="0">
+            <a:schemeClr val="accent1"/>
+          </a:effectRef>
+          <a:fontRef idx="minor">
+            <a:schemeClr val="tx1"/>
+          </a:fontRef>
+        </p:style>
+      </p:cxnSp>
+      <p:cxnSp>
+        <p:nvCxnSpPr>
+          <p:cNvPr id="18" name="Straight Arrow Connector 17"/>
+          <p:cNvCxnSpPr/>
+          <p:nvPr/>
+        </p:nvCxnSpPr>
+        <p:spPr>
+          <a:xfrm>
+            <a:off x="5504334" y="2986321"/>
+            <a:ext cx="1155898" cy="226655"/>
+          </a:xfrm>
+          <a:prstGeom prst="straightConnector1">
+            <a:avLst/>
+          </a:prstGeom>
+          <a:ln>
+            <a:tailEnd type="triangle"/>
+          </a:ln>
+        </p:spPr>
+        <p:style>
+          <a:lnRef idx="1">
+            <a:schemeClr val="accent1"/>
+          </a:lnRef>
+          <a:fillRef idx="0">
+            <a:schemeClr val="accent1"/>
+          </a:fillRef>
+          <a:effectRef idx="0">
+            <a:schemeClr val="accent1"/>
+          </a:effectRef>
+          <a:fontRef idx="minor">
+            <a:schemeClr val="tx1"/>
+          </a:fontRef>
+        </p:style>
+      </p:cxnSp>
+      <p:pic>
+        <p:nvPicPr>
+          <p:cNvPr id="21" name="Picture 20"/>
+          <p:cNvPicPr>
+            <a:picLocks noChangeAspect="1"/>
+          </p:cNvPicPr>
+          <p:nvPr/>
+        </p:nvPicPr>
+        <p:blipFill>
+          <a:blip r:embed="rId5"/>
+          <a:stretch>
+            <a:fillRect/>
+          </a:stretch>
+        </p:blipFill>
+        <p:spPr>
+          <a:xfrm>
+            <a:off x="7034167" y="217190"/>
+            <a:ext cx="1409700" cy="1771650"/>
+          </a:xfrm>
+          <a:prstGeom prst="rect">
+            <a:avLst/>
+          </a:prstGeom>
+        </p:spPr>
+      </p:pic>
+      <p:pic>
+        <p:nvPicPr>
+          <p:cNvPr id="22" name="Picture 21"/>
+          <p:cNvPicPr>
+            <a:picLocks noChangeAspect="1"/>
+          </p:cNvPicPr>
+          <p:nvPr/>
+        </p:nvPicPr>
+        <p:blipFill>
+          <a:blip r:embed="rId6">
+            <a:extLst>
+              <a:ext uri="{28A0092B-C50C-407E-A947-70E740481C1C}">
+                <a14:useLocalDpi xmlns:a14="http://schemas.microsoft.com/office/drawing/2010/main" val="0"/>
+              </a:ext>
+            </a:extLst>
+          </a:blip>
+          <a:stretch>
+            <a:fillRect/>
+          </a:stretch>
+        </p:blipFill>
+        <p:spPr>
+          <a:xfrm>
+            <a:off x="5338788" y="574551"/>
+            <a:ext cx="914400" cy="914400"/>
+          </a:xfrm>
+          <a:prstGeom prst="rect">
+            <a:avLst/>
+          </a:prstGeom>
+        </p:spPr>
+      </p:pic>
+      <p:cxnSp>
+        <p:nvCxnSpPr>
+          <p:cNvPr id="24" name="Straight Arrow Connector 23"/>
+          <p:cNvCxnSpPr/>
+          <p:nvPr/>
+        </p:nvCxnSpPr>
+        <p:spPr>
+          <a:xfrm>
+            <a:off x="6300192" y="1031751"/>
+            <a:ext cx="733975" cy="0"/>
+          </a:xfrm>
+          <a:prstGeom prst="straightConnector1">
+            <a:avLst/>
+          </a:prstGeom>
+          <a:ln>
+            <a:tailEnd type="triangle"/>
+          </a:ln>
+        </p:spPr>
+        <p:style>
+          <a:lnRef idx="1">
+            <a:schemeClr val="accent1"/>
+          </a:lnRef>
+          <a:fillRef idx="0">
+            <a:schemeClr val="accent1"/>
+          </a:fillRef>
+          <a:effectRef idx="0">
+            <a:schemeClr val="accent1"/>
+          </a:effectRef>
+          <a:fontRef idx="minor">
+            <a:schemeClr val="tx1"/>
+          </a:fontRef>
+        </p:style>
+      </p:cxnSp>
+      <p:sp>
+        <p:nvSpPr>
+          <p:cNvPr id="25" name="TextBox 24"/>
+          <p:cNvSpPr txBox="1"/>
+          <p:nvPr/>
+        </p:nvSpPr>
+        <p:spPr>
+          <a:xfrm>
+            <a:off x="5479971" y="1503527"/>
+            <a:ext cx="632033" cy="307777"/>
+          </a:xfrm>
+          <a:prstGeom prst="rect">
+            <a:avLst/>
+          </a:prstGeom>
+          <a:noFill/>
+        </p:spPr>
+        <p:txBody>
+          <a:bodyPr wrap="none" rtlCol="0">
+            <a:spAutoFit/>
+          </a:bodyPr>
+          <a:lstStyle/>
+          <a:p>
+            <a:r>
+              <a:rPr lang="en-US" altLang="zh-CN" sz="1400" dirty="0" smtClean="0"/>
+              <a:t>Image</a:t>
+            </a:r>
+            <a:endParaRPr lang="en-US" sz="1400" dirty="0"/>
+          </a:p>
+        </p:txBody>
+      </p:sp>
+      <p:sp>
+        <p:nvSpPr>
+          <p:cNvPr id="26" name="TextBox 25"/>
+          <p:cNvSpPr txBox="1"/>
+          <p:nvPr/>
+        </p:nvSpPr>
+        <p:spPr>
+          <a:xfrm>
+            <a:off x="6988901" y="1816532"/>
+            <a:ext cx="1462195" cy="307777"/>
+          </a:xfrm>
+          <a:prstGeom prst="rect">
+            <a:avLst/>
+          </a:prstGeom>
+          <a:noFill/>
+        </p:spPr>
+        <p:txBody>
+          <a:bodyPr wrap="none" rtlCol="0">
+            <a:spAutoFit/>
+          </a:bodyPr>
+          <a:lstStyle/>
+          <a:p>
+            <a:r>
+              <a:rPr lang="en-US" altLang="zh-CN" sz="1400" dirty="0" smtClean="0"/>
+              <a:t>RGB – 3 Channels</a:t>
+            </a:r>
+            <a:endParaRPr lang="en-US" sz="1400" dirty="0"/>
+          </a:p>
+        </p:txBody>
+      </p:sp>
+      <p:sp>
+        <p:nvSpPr>
+          <p:cNvPr id="27" name="TextBox 26"/>
+          <p:cNvSpPr txBox="1"/>
+          <p:nvPr/>
+        </p:nvSpPr>
+        <p:spPr>
+          <a:xfrm>
+            <a:off x="2947485" y="4226799"/>
+            <a:ext cx="3033074" cy="369332"/>
+          </a:xfrm>
+          <a:prstGeom prst="rect">
+            <a:avLst/>
+          </a:prstGeom>
+          <a:noFill/>
+        </p:spPr>
+        <p:txBody>
+          <a:bodyPr wrap="none" rtlCol="0">
+            <a:spAutoFit/>
+          </a:bodyPr>
+          <a:lstStyle/>
+          <a:p>
+            <a:r>
+              <a:rPr lang="en-US" altLang="zh-CN" dirty="0" smtClean="0"/>
+              <a:t>Filter count = Output channels</a:t>
+            </a:r>
+            <a:endParaRPr lang="en-US" dirty="0"/>
+          </a:p>
+        </p:txBody>
+      </p:sp>
+      <p:sp>
+        <p:nvSpPr>
+          <p:cNvPr id="28" name="TextBox 27"/>
+          <p:cNvSpPr txBox="1"/>
+          <p:nvPr/>
+        </p:nvSpPr>
+        <p:spPr>
+          <a:xfrm>
+            <a:off x="4535000" y="3765873"/>
+            <a:ext cx="1177374" cy="307777"/>
+          </a:xfrm>
+          <a:prstGeom prst="rect">
+            <a:avLst/>
+          </a:prstGeom>
+          <a:noFill/>
+        </p:spPr>
+        <p:txBody>
+          <a:bodyPr wrap="none" rtlCol="0">
+            <a:spAutoFit/>
+          </a:bodyPr>
+          <a:lstStyle/>
+          <a:p>
+            <a:r>
+              <a:rPr lang="en-US" altLang="zh-CN" sz="1400" dirty="0" smtClean="0"/>
+              <a:t>Feature maps</a:t>
+            </a:r>
+            <a:endParaRPr lang="en-US" sz="1400" dirty="0"/>
+          </a:p>
+        </p:txBody>
+      </p:sp>
+      <p:sp>
+        <p:nvSpPr>
+          <p:cNvPr id="29" name="TextBox 28"/>
+          <p:cNvSpPr txBox="1"/>
+          <p:nvPr/>
+        </p:nvSpPr>
+        <p:spPr>
+          <a:xfrm>
+            <a:off x="6623210" y="4432116"/>
+            <a:ext cx="987771" cy="307777"/>
+          </a:xfrm>
+          <a:prstGeom prst="rect">
+            <a:avLst/>
+          </a:prstGeom>
+          <a:noFill/>
+        </p:spPr>
+        <p:txBody>
+          <a:bodyPr wrap="none" rtlCol="0">
+            <a:spAutoFit/>
+          </a:bodyPr>
+          <a:lstStyle/>
+          <a:p>
+            <a:r>
+              <a:rPr lang="en-US" altLang="zh-CN" sz="1400" dirty="0" smtClean="0"/>
+              <a:t>n Channels</a:t>
+            </a:r>
+            <a:endParaRPr lang="en-US" sz="1400" dirty="0"/>
+          </a:p>
+        </p:txBody>
+      </p:sp>
+      <p:pic>
+        <p:nvPicPr>
+          <p:cNvPr id="30" name="Picture 29"/>
+          <p:cNvPicPr>
+            <a:picLocks noChangeAspect="1"/>
+          </p:cNvPicPr>
+          <p:nvPr/>
+        </p:nvPicPr>
+        <p:blipFill>
+          <a:blip r:embed="rId7"/>
+          <a:stretch>
+            <a:fillRect/>
+          </a:stretch>
+        </p:blipFill>
+        <p:spPr>
+          <a:xfrm>
+            <a:off x="3198675" y="4799826"/>
+            <a:ext cx="2458617" cy="453899"/>
+          </a:xfrm>
+          <a:prstGeom prst="rect">
+            <a:avLst/>
+          </a:prstGeom>
+        </p:spPr>
+      </p:pic>
+      <p:sp>
+        <p:nvSpPr>
+          <p:cNvPr id="31" name="TextBox 30"/>
+          <p:cNvSpPr txBox="1"/>
+          <p:nvPr/>
+        </p:nvSpPr>
+        <p:spPr>
+          <a:xfrm>
+            <a:off x="2190050" y="5445804"/>
+            <a:ext cx="4897366" cy="646331"/>
+          </a:xfrm>
+          <a:prstGeom prst="rect">
+            <a:avLst/>
+          </a:prstGeom>
+          <a:noFill/>
+        </p:spPr>
+        <p:txBody>
+          <a:bodyPr wrap="none" rtlCol="0">
+            <a:spAutoFit/>
+          </a:bodyPr>
+          <a:lstStyle/>
+          <a:p>
+            <a:r>
+              <a:rPr lang="en-US" dirty="0" smtClean="0"/>
+              <a:t> </a:t>
+            </a:r>
+            <a:r>
+              <a:rPr lang="en-US" dirty="0" err="1" smtClean="0"/>
+              <a:t>x</a:t>
+            </a:r>
+            <a:r>
+              <a:rPr lang="en-US" baseline="-25000" dirty="0" err="1" smtClean="0"/>
+              <a:t>i,j</a:t>
+            </a:r>
+            <a:r>
+              <a:rPr lang="en-US" dirty="0" smtClean="0"/>
+              <a:t> stands for input patch centered at location (</a:t>
+            </a:r>
+            <a:r>
+              <a:rPr lang="en-US" dirty="0" err="1" smtClean="0"/>
+              <a:t>i</a:t>
+            </a:r>
+            <a:r>
+              <a:rPr lang="en-US" dirty="0" smtClean="0"/>
+              <a:t>, j)</a:t>
+            </a:r>
+          </a:p>
+          <a:p>
+            <a:r>
+              <a:rPr lang="en-US" dirty="0" smtClean="0"/>
+              <a:t> k is the index of output feature map</a:t>
+            </a:r>
+            <a:endParaRPr lang="en-US" dirty="0"/>
           </a:p>
         </p:txBody>
       </p:sp>

--- a/doc/Convolutional Neural Network.pptx
+++ b/doc/Convolutional Neural Network.pptx
@@ -7,24 +7,25 @@
   <p:sldIdLst>
     <p:sldId id="256" r:id="rId2"/>
     <p:sldId id="259" r:id="rId3"/>
-    <p:sldId id="260" r:id="rId4"/>
-    <p:sldId id="258" r:id="rId5"/>
-    <p:sldId id="257" r:id="rId6"/>
-    <p:sldId id="261" r:id="rId7"/>
-    <p:sldId id="262" r:id="rId8"/>
-    <p:sldId id="263" r:id="rId9"/>
-    <p:sldId id="264" r:id="rId10"/>
-    <p:sldId id="265" r:id="rId11"/>
-    <p:sldId id="266" r:id="rId12"/>
-    <p:sldId id="267" r:id="rId13"/>
-    <p:sldId id="268" r:id="rId14"/>
+    <p:sldId id="258" r:id="rId4"/>
+    <p:sldId id="257" r:id="rId5"/>
+    <p:sldId id="261" r:id="rId6"/>
+    <p:sldId id="262" r:id="rId7"/>
+    <p:sldId id="263" r:id="rId8"/>
+    <p:sldId id="264" r:id="rId9"/>
+    <p:sldId id="265" r:id="rId10"/>
+    <p:sldId id="266" r:id="rId11"/>
+    <p:sldId id="267" r:id="rId12"/>
+    <p:sldId id="276" r:id="rId13"/>
+    <p:sldId id="277" r:id="rId14"/>
     <p:sldId id="269" r:id="rId15"/>
     <p:sldId id="275" r:id="rId16"/>
-    <p:sldId id="270" r:id="rId17"/>
-    <p:sldId id="271" r:id="rId18"/>
+    <p:sldId id="271" r:id="rId17"/>
+    <p:sldId id="278" r:id="rId18"/>
     <p:sldId id="274" r:id="rId19"/>
     <p:sldId id="272" r:id="rId20"/>
     <p:sldId id="273" r:id="rId21"/>
+    <p:sldId id="260" r:id="rId22"/>
   </p:sldIdLst>
   <p:sldSz cx="9144000" cy="6858000" type="screen4x3"/>
   <p:notesSz cx="6858000" cy="9144000"/>
@@ -324,7 +325,7 @@
             <a:fld id="{1341731E-BA3B-499E-8ED1-A0FD9ABBEFDE}" type="datetimeFigureOut">
               <a:rPr lang="zh-CN" altLang="en-US" smtClean="0"/>
               <a:pPr/>
-              <a:t>2014/10/20</a:t>
+              <a:t>2014/10/23</a:t>
             </a:fld>
             <a:endParaRPr lang="zh-CN" altLang="en-US"/>
           </a:p>
@@ -491,7 +492,7 @@
             <a:fld id="{1341731E-BA3B-499E-8ED1-A0FD9ABBEFDE}" type="datetimeFigureOut">
               <a:rPr lang="zh-CN" altLang="en-US" smtClean="0"/>
               <a:pPr/>
-              <a:t>2014/10/20</a:t>
+              <a:t>2014/10/23</a:t>
             </a:fld>
             <a:endParaRPr lang="zh-CN" altLang="en-US"/>
           </a:p>
@@ -672,7 +673,7 @@
             <a:fld id="{1341731E-BA3B-499E-8ED1-A0FD9ABBEFDE}" type="datetimeFigureOut">
               <a:rPr lang="zh-CN" altLang="en-US" smtClean="0"/>
               <a:pPr/>
-              <a:t>2014/10/20</a:t>
+              <a:t>2014/10/23</a:t>
             </a:fld>
             <a:endParaRPr lang="zh-CN" altLang="en-US"/>
           </a:p>
@@ -771,7 +772,7 @@
             <a:fld id="{1341731E-BA3B-499E-8ED1-A0FD9ABBEFDE}" type="datetimeFigureOut">
               <a:rPr lang="zh-CN" altLang="en-US" smtClean="0"/>
               <a:pPr/>
-              <a:t>2014/10/20</a:t>
+              <a:t>2014/10/23</a:t>
             </a:fld>
             <a:endParaRPr lang="zh-CN" altLang="en-US"/>
           </a:p>
@@ -986,7 +987,7 @@
             <a:fld id="{1341731E-BA3B-499E-8ED1-A0FD9ABBEFDE}" type="datetimeFigureOut">
               <a:rPr lang="zh-CN" altLang="en-US" smtClean="0"/>
               <a:pPr/>
-              <a:t>2014/10/20</a:t>
+              <a:t>2014/10/23</a:t>
             </a:fld>
             <a:endParaRPr lang="zh-CN" altLang="en-US"/>
           </a:p>
@@ -1236,7 +1237,7 @@
             <a:fld id="{1341731E-BA3B-499E-8ED1-A0FD9ABBEFDE}" type="datetimeFigureOut">
               <a:rPr lang="zh-CN" altLang="en-US" smtClean="0"/>
               <a:pPr/>
-              <a:t>2014/10/20</a:t>
+              <a:t>2014/10/23</a:t>
             </a:fld>
             <a:endParaRPr lang="zh-CN" altLang="en-US"/>
           </a:p>
@@ -1521,7 +1522,7 @@
             <a:fld id="{1341731E-BA3B-499E-8ED1-A0FD9ABBEFDE}" type="datetimeFigureOut">
               <a:rPr lang="zh-CN" altLang="en-US" smtClean="0"/>
               <a:pPr/>
-              <a:t>2014/10/20</a:t>
+              <a:t>2014/10/23</a:t>
             </a:fld>
             <a:endParaRPr lang="zh-CN" altLang="en-US"/>
           </a:p>
@@ -1940,7 +1941,7 @@
             <a:fld id="{1341731E-BA3B-499E-8ED1-A0FD9ABBEFDE}" type="datetimeFigureOut">
               <a:rPr lang="zh-CN" altLang="en-US" smtClean="0"/>
               <a:pPr/>
-              <a:t>2014/10/20</a:t>
+              <a:t>2014/10/23</a:t>
             </a:fld>
             <a:endParaRPr lang="zh-CN" altLang="en-US"/>
           </a:p>
@@ -2055,7 +2056,7 @@
             <a:fld id="{1341731E-BA3B-499E-8ED1-A0FD9ABBEFDE}" type="datetimeFigureOut">
               <a:rPr lang="zh-CN" altLang="en-US" smtClean="0"/>
               <a:pPr/>
-              <a:t>2014/10/20</a:t>
+              <a:t>2014/10/23</a:t>
             </a:fld>
             <a:endParaRPr lang="zh-CN" altLang="en-US"/>
           </a:p>
@@ -2147,7 +2148,7 @@
             <a:fld id="{1341731E-BA3B-499E-8ED1-A0FD9ABBEFDE}" type="datetimeFigureOut">
               <a:rPr lang="zh-CN" altLang="en-US" smtClean="0"/>
               <a:pPr/>
-              <a:t>2014/10/20</a:t>
+              <a:t>2014/10/23</a:t>
             </a:fld>
             <a:endParaRPr lang="zh-CN" altLang="en-US"/>
           </a:p>
@@ -2428,7 +2429,7 @@
             <a:fld id="{1341731E-BA3B-499E-8ED1-A0FD9ABBEFDE}" type="datetimeFigureOut">
               <a:rPr lang="zh-CN" altLang="en-US" smtClean="0"/>
               <a:pPr/>
-              <a:t>2014/10/20</a:t>
+              <a:t>2014/10/23</a:t>
             </a:fld>
             <a:endParaRPr lang="zh-CN" altLang="en-US"/>
           </a:p>
@@ -2678,7 +2679,7 @@
             <a:fld id="{1341731E-BA3B-499E-8ED1-A0FD9ABBEFDE}" type="datetimeFigureOut">
               <a:rPr lang="zh-CN" altLang="en-US" smtClean="0"/>
               <a:pPr/>
-              <a:t>2014/10/20</a:t>
+              <a:t>2014/10/23</a:t>
             </a:fld>
             <a:endParaRPr lang="zh-CN" altLang="en-US"/>
           </a:p>
@@ -2888,7 +2889,7 @@
             <a:fld id="{1341731E-BA3B-499E-8ED1-A0FD9ABBEFDE}" type="datetimeFigureOut">
               <a:rPr lang="zh-CN" altLang="en-US" smtClean="0"/>
               <a:pPr/>
-              <a:t>2014/10/20</a:t>
+              <a:t>2014/10/23</a:t>
             </a:fld>
             <a:endParaRPr lang="zh-CN" altLang="en-US"/>
           </a:p>
@@ -3276,12 +3277,8 @@
           <a:lstStyle/>
           <a:p>
             <a:r>
-              <a:rPr lang="en-US" altLang="zh-CN" dirty="0" err="1" smtClean="0"/>
-              <a:t>Convolutional</a:t>
-            </a:r>
-            <a:r>
               <a:rPr lang="en-US" altLang="zh-CN" dirty="0" smtClean="0"/>
-              <a:t> Neural Network</a:t>
+              <a:t>Convolutional Neural Network</a:t>
             </a:r>
             <a:endParaRPr lang="zh-CN" altLang="en-US" dirty="0"/>
           </a:p>
@@ -3299,10 +3296,16 @@
         </p:nvSpPr>
         <p:spPr/>
         <p:txBody>
-          <a:bodyPr/>
+          <a:bodyPr>
+            <a:normAutofit/>
+          </a:bodyPr>
           <a:lstStyle/>
           <a:p>
-            <a:endParaRPr lang="zh-CN" altLang="en-US"/>
+            <a:r>
+              <a:rPr lang="en-US" altLang="zh-CN" sz="2000" dirty="0" smtClean="0"/>
+              <a:t>Pang Liang</a:t>
+            </a:r>
+            <a:endParaRPr lang="zh-CN" altLang="en-US" sz="2000" dirty="0"/>
           </a:p>
         </p:txBody>
       </p:sp>
@@ -3365,7 +3368,7 @@
             </a:r>
             <a:r>
               <a:rPr lang="en-US" altLang="zh-CN" dirty="0" smtClean="0"/>
-              <a:t>Pooling Layer</a:t>
+              <a:t>Active Function</a:t>
             </a:r>
             <a:endParaRPr lang="zh-CN" altLang="en-US" dirty="0"/>
           </a:p>
@@ -3373,2586 +3376,172 @@
       </p:sp>
       <p:sp>
         <p:nvSpPr>
-          <p:cNvPr id="3" name="TextBox 2"/>
-          <p:cNvSpPr txBox="1"/>
+          <p:cNvPr id="3" name="Rectangle 2"/>
+          <p:cNvSpPr/>
           <p:nvPr/>
         </p:nvSpPr>
         <p:spPr>
           <a:xfrm>
-            <a:off x="1403648" y="692696"/>
-            <a:ext cx="1890839" cy="369332"/>
+            <a:off x="1403648" y="2492896"/>
+            <a:ext cx="2929648" cy="369332"/>
+          </a:xfrm>
+          <a:prstGeom prst="rect">
+            <a:avLst/>
+          </a:prstGeom>
+        </p:spPr>
+        <p:txBody>
+          <a:bodyPr wrap="none">
+            <a:spAutoFit/>
+          </a:bodyPr>
+          <a:lstStyle/>
+          <a:p>
+            <a:r>
+              <a:rPr lang="en-US" b="1" dirty="0" err="1" smtClean="0">
+                <a:solidFill>
+                  <a:srgbClr val="252525"/>
+                </a:solidFill>
+                <a:latin typeface="Arial" panose="020B0604020202020204" pitchFamily="34" charset="0"/>
+              </a:rPr>
+              <a:t>ReLU</a:t>
+            </a:r>
+            <a:r>
+              <a:rPr lang="en-US" b="1" dirty="0" smtClean="0">
+                <a:solidFill>
+                  <a:srgbClr val="252525"/>
+                </a:solidFill>
+                <a:latin typeface="Arial" panose="020B0604020202020204" pitchFamily="34" charset="0"/>
+              </a:rPr>
+              <a:t> : </a:t>
+            </a:r>
+            <a:r>
+              <a:rPr lang="en-US" dirty="0"/>
+              <a:t> </a:t>
+            </a:r>
+            <a:r>
+              <a:rPr lang="en-US" b="1" dirty="0"/>
+              <a:t>rectified linear unit</a:t>
+            </a:r>
+            <a:r>
+              <a:rPr lang="en-US" dirty="0"/>
+              <a:t> </a:t>
+            </a:r>
+          </a:p>
+        </p:txBody>
+      </p:sp>
+      <p:sp>
+        <p:nvSpPr>
+          <p:cNvPr id="4" name="Rectangle 3"/>
+          <p:cNvSpPr/>
+          <p:nvPr/>
+        </p:nvSpPr>
+        <p:spPr>
+          <a:xfrm>
+            <a:off x="323528" y="268152"/>
+            <a:ext cx="8532238" cy="430887"/>
+          </a:xfrm>
+          <a:prstGeom prst="rect">
+            <a:avLst/>
+          </a:prstGeom>
+        </p:spPr>
+        <p:txBody>
+          <a:bodyPr wrap="square">
+            <a:spAutoFit/>
+          </a:bodyPr>
+          <a:lstStyle/>
+          <a:p>
+            <a:r>
+              <a:rPr lang="en-US" sz="1100" dirty="0">
+                <a:solidFill>
+                  <a:srgbClr val="222222"/>
+                </a:solidFill>
+                <a:latin typeface="Arial" panose="020B0604020202020204" pitchFamily="34" charset="0"/>
+              </a:rPr>
+              <a:t>Nair, Vinod, and Geoffrey E. Hinton. "Rectified linear units improve restricted </a:t>
+            </a:r>
+            <a:r>
+              <a:rPr lang="en-US" sz="1100" dirty="0" err="1">
+                <a:solidFill>
+                  <a:srgbClr val="222222"/>
+                </a:solidFill>
+                <a:latin typeface="Arial" panose="020B0604020202020204" pitchFamily="34" charset="0"/>
+              </a:rPr>
+              <a:t>boltzmann</a:t>
+            </a:r>
+            <a:r>
+              <a:rPr lang="en-US" sz="1100" dirty="0">
+                <a:solidFill>
+                  <a:srgbClr val="222222"/>
+                </a:solidFill>
+                <a:latin typeface="Arial" panose="020B0604020202020204" pitchFamily="34" charset="0"/>
+              </a:rPr>
+              <a:t> machines." </a:t>
+            </a:r>
+            <a:r>
+              <a:rPr lang="en-US" sz="1100" i="1" dirty="0">
+                <a:solidFill>
+                  <a:srgbClr val="222222"/>
+                </a:solidFill>
+                <a:latin typeface="Arial" panose="020B0604020202020204" pitchFamily="34" charset="0"/>
+              </a:rPr>
+              <a:t>Proceedings of the 27th International Conference on Machine Learning (ICML-10)</a:t>
+            </a:r>
+            <a:r>
+              <a:rPr lang="en-US" sz="1100" dirty="0">
+                <a:solidFill>
+                  <a:srgbClr val="222222"/>
+                </a:solidFill>
+                <a:latin typeface="Arial" panose="020B0604020202020204" pitchFamily="34" charset="0"/>
+              </a:rPr>
+              <a:t>. 2010.</a:t>
+            </a:r>
+            <a:endParaRPr lang="en-US" sz="1100" dirty="0"/>
+          </a:p>
+        </p:txBody>
+      </p:sp>
+      <p:pic>
+        <p:nvPicPr>
+          <p:cNvPr id="13314" name="Picture 2" descr="f(x) = \max(0, x)"/>
+          <p:cNvPicPr>
+            <a:picLocks noChangeAspect="1" noChangeArrowheads="1"/>
+          </p:cNvPicPr>
+          <p:nvPr/>
+        </p:nvPicPr>
+        <p:blipFill>
+          <a:blip r:embed="rId2">
+            <a:extLst>
+              <a:ext uri="{28A0092B-C50C-407E-A947-70E740481C1C}">
+                <a14:useLocalDpi xmlns:a14="http://schemas.microsoft.com/office/drawing/2010/main" val="0"/>
+              </a:ext>
+            </a:extLst>
+          </a:blip>
+          <a:srcRect/>
+          <a:stretch>
+            <a:fillRect/>
+          </a:stretch>
+        </p:blipFill>
+        <p:spPr bwMode="auto">
+          <a:xfrm>
+            <a:off x="1979712" y="3318048"/>
+            <a:ext cx="1897451" cy="278647"/>
           </a:xfrm>
           <a:prstGeom prst="rect">
             <a:avLst/>
           </a:prstGeom>
           <a:noFill/>
-        </p:spPr>
-        <p:txBody>
-          <a:bodyPr wrap="none" rtlCol="0">
-            <a:spAutoFit/>
-          </a:bodyPr>
-          <a:lstStyle/>
-          <a:p>
-            <a:r>
-              <a:rPr lang="en-US" dirty="0" smtClean="0"/>
-              <a:t>Max Pooling Layer</a:t>
-            </a:r>
-            <a:endParaRPr lang="en-US" dirty="0"/>
-          </a:p>
-        </p:txBody>
-      </p:sp>
-      <p:sp>
-        <p:nvSpPr>
-          <p:cNvPr id="4" name="TextBox 3"/>
-          <p:cNvSpPr txBox="1"/>
-          <p:nvPr/>
-        </p:nvSpPr>
-        <p:spPr>
-          <a:xfrm>
-            <a:off x="1403648" y="3717032"/>
-            <a:ext cx="2240422" cy="369332"/>
-          </a:xfrm>
-          <a:prstGeom prst="rect">
-            <a:avLst/>
-          </a:prstGeom>
-          <a:noFill/>
-        </p:spPr>
-        <p:txBody>
-          <a:bodyPr wrap="none" rtlCol="0">
-            <a:spAutoFit/>
-          </a:bodyPr>
-          <a:lstStyle/>
-          <a:p>
-            <a:r>
-              <a:rPr lang="en-US" dirty="0" smtClean="0"/>
-              <a:t>Average Pooling Layer</a:t>
-            </a:r>
-            <a:endParaRPr lang="en-US" dirty="0"/>
-          </a:p>
-        </p:txBody>
-      </p:sp>
-      <p:grpSp>
-        <p:nvGrpSpPr>
-          <p:cNvPr id="5" name="组合 28"/>
-          <p:cNvGrpSpPr/>
-          <p:nvPr/>
-        </p:nvGrpSpPr>
-        <p:grpSpPr>
-          <a:xfrm>
-            <a:off x="1484971" y="1772816"/>
-            <a:ext cx="864096" cy="864096"/>
-            <a:chOff x="611560" y="4077072"/>
-            <a:chExt cx="864096" cy="864096"/>
-          </a:xfrm>
-        </p:grpSpPr>
-        <p:sp>
-          <p:nvSpPr>
-            <p:cNvPr id="6" name="矩形 29"/>
-            <p:cNvSpPr/>
-            <p:nvPr/>
-          </p:nvSpPr>
-          <p:spPr>
-            <a:xfrm>
-              <a:off x="611560" y="4077072"/>
-              <a:ext cx="288032" cy="288032"/>
-            </a:xfrm>
-            <a:prstGeom prst="rect">
-              <a:avLst/>
-            </a:prstGeom>
-            <a:noFill/>
-            <a:ln w="6350"/>
-          </p:spPr>
-          <p:style>
-            <a:lnRef idx="2">
-              <a:schemeClr val="accent1">
-                <a:shade val="50000"/>
-              </a:schemeClr>
-            </a:lnRef>
-            <a:fillRef idx="1">
-              <a:schemeClr val="accent1"/>
-            </a:fillRef>
-            <a:effectRef idx="0">
-              <a:schemeClr val="accent1"/>
-            </a:effectRef>
-            <a:fontRef idx="minor">
-              <a:schemeClr val="lt1"/>
-            </a:fontRef>
-          </p:style>
-          <p:txBody>
-            <a:bodyPr lIns="0" rIns="0" rtlCol="0" anchor="ctr"/>
-            <a:lstStyle/>
-            <a:p>
-              <a:pPr algn="ctr"/>
-              <a:r>
-                <a:rPr lang="en-US" altLang="zh-CN" dirty="0">
-                  <a:solidFill>
-                    <a:schemeClr val="tx1"/>
-                  </a:solidFill>
-                </a:rPr>
-                <a:t>1</a:t>
-              </a:r>
-              <a:endParaRPr lang="zh-CN" altLang="en-US" dirty="0">
-                <a:solidFill>
-                  <a:schemeClr val="tx1"/>
-                </a:solidFill>
-              </a:endParaRPr>
-            </a:p>
-          </p:txBody>
-        </p:sp>
-        <p:sp>
-          <p:nvSpPr>
-            <p:cNvPr id="7" name="矩形 30"/>
-            <p:cNvSpPr/>
-            <p:nvPr/>
-          </p:nvSpPr>
-          <p:spPr>
-            <a:xfrm>
-              <a:off x="899592" y="4077072"/>
-              <a:ext cx="288032" cy="288032"/>
-            </a:xfrm>
-            <a:prstGeom prst="rect">
-              <a:avLst/>
-            </a:prstGeom>
-            <a:noFill/>
-            <a:ln w="6350"/>
-          </p:spPr>
-          <p:style>
-            <a:lnRef idx="2">
-              <a:schemeClr val="accent1">
-                <a:shade val="50000"/>
-              </a:schemeClr>
-            </a:lnRef>
-            <a:fillRef idx="1">
-              <a:schemeClr val="accent1"/>
-            </a:fillRef>
-            <a:effectRef idx="0">
-              <a:schemeClr val="accent1"/>
-            </a:effectRef>
-            <a:fontRef idx="minor">
-              <a:schemeClr val="lt1"/>
-            </a:fontRef>
-          </p:style>
-          <p:txBody>
-            <a:bodyPr lIns="0" rIns="0" rtlCol="0" anchor="ctr"/>
-            <a:lstStyle/>
-            <a:p>
-              <a:pPr algn="ctr"/>
-              <a:r>
-                <a:rPr lang="en-US" altLang="zh-CN" dirty="0" smtClean="0">
-                  <a:solidFill>
-                    <a:schemeClr val="tx1"/>
-                  </a:solidFill>
-                </a:rPr>
-                <a:t>2</a:t>
-              </a:r>
-              <a:endParaRPr lang="zh-CN" altLang="en-US" dirty="0">
-                <a:solidFill>
-                  <a:schemeClr val="tx1"/>
-                </a:solidFill>
-              </a:endParaRPr>
-            </a:p>
-          </p:txBody>
-        </p:sp>
-        <p:sp>
-          <p:nvSpPr>
-            <p:cNvPr id="8" name="矩形 31"/>
-            <p:cNvSpPr/>
-            <p:nvPr/>
-          </p:nvSpPr>
-          <p:spPr>
-            <a:xfrm>
-              <a:off x="1187624" y="4077072"/>
-              <a:ext cx="288032" cy="288032"/>
-            </a:xfrm>
-            <a:prstGeom prst="rect">
-              <a:avLst/>
-            </a:prstGeom>
-            <a:noFill/>
-            <a:ln w="6350"/>
-          </p:spPr>
-          <p:style>
-            <a:lnRef idx="2">
-              <a:schemeClr val="accent1">
-                <a:shade val="50000"/>
-              </a:schemeClr>
-            </a:lnRef>
-            <a:fillRef idx="1">
-              <a:schemeClr val="accent1"/>
-            </a:fillRef>
-            <a:effectRef idx="0">
-              <a:schemeClr val="accent1"/>
-            </a:effectRef>
-            <a:fontRef idx="minor">
-              <a:schemeClr val="lt1"/>
-            </a:fontRef>
-          </p:style>
-          <p:txBody>
-            <a:bodyPr lIns="0" rIns="0" rtlCol="0" anchor="ctr"/>
-            <a:lstStyle/>
-            <a:p>
-              <a:pPr algn="ctr"/>
-              <a:r>
-                <a:rPr lang="en-US" altLang="zh-CN" dirty="0" smtClean="0">
-                  <a:solidFill>
-                    <a:schemeClr val="tx1"/>
-                  </a:solidFill>
-                </a:rPr>
-                <a:t>1</a:t>
-              </a:r>
-              <a:endParaRPr lang="zh-CN" altLang="en-US" dirty="0">
-                <a:solidFill>
-                  <a:schemeClr val="tx1"/>
-                </a:solidFill>
-              </a:endParaRPr>
-            </a:p>
-          </p:txBody>
-        </p:sp>
-        <p:sp>
-          <p:nvSpPr>
-            <p:cNvPr id="9" name="矩形 32"/>
-            <p:cNvSpPr/>
-            <p:nvPr/>
-          </p:nvSpPr>
-          <p:spPr>
-            <a:xfrm>
-              <a:off x="611560" y="4365104"/>
-              <a:ext cx="288032" cy="288032"/>
-            </a:xfrm>
-            <a:prstGeom prst="rect">
-              <a:avLst/>
-            </a:prstGeom>
-            <a:noFill/>
-            <a:ln w="6350"/>
-          </p:spPr>
-          <p:style>
-            <a:lnRef idx="2">
-              <a:schemeClr val="accent1">
-                <a:shade val="50000"/>
-              </a:schemeClr>
-            </a:lnRef>
-            <a:fillRef idx="1">
-              <a:schemeClr val="accent1"/>
-            </a:fillRef>
-            <a:effectRef idx="0">
-              <a:schemeClr val="accent1"/>
-            </a:effectRef>
-            <a:fontRef idx="minor">
-              <a:schemeClr val="lt1"/>
-            </a:fontRef>
-          </p:style>
-          <p:txBody>
-            <a:bodyPr rtlCol="0" anchor="ctr"/>
-            <a:lstStyle/>
-            <a:p>
-              <a:pPr algn="ctr"/>
-              <a:r>
-                <a:rPr lang="en-US" altLang="zh-CN" dirty="0">
-                  <a:solidFill>
-                    <a:schemeClr val="tx1"/>
-                  </a:solidFill>
-                </a:rPr>
-                <a:t>5</a:t>
-              </a:r>
-              <a:endParaRPr lang="zh-CN" altLang="en-US" dirty="0">
-                <a:solidFill>
-                  <a:schemeClr val="tx1"/>
-                </a:solidFill>
-              </a:endParaRPr>
-            </a:p>
-          </p:txBody>
-        </p:sp>
-        <p:sp>
-          <p:nvSpPr>
-            <p:cNvPr id="10" name="矩形 33"/>
-            <p:cNvSpPr/>
-            <p:nvPr/>
-          </p:nvSpPr>
-          <p:spPr>
-            <a:xfrm>
-              <a:off x="899592" y="4365104"/>
-              <a:ext cx="288032" cy="288032"/>
-            </a:xfrm>
-            <a:prstGeom prst="rect">
-              <a:avLst/>
-            </a:prstGeom>
-            <a:noFill/>
-            <a:ln w="6350"/>
-          </p:spPr>
-          <p:style>
-            <a:lnRef idx="2">
-              <a:schemeClr val="accent1">
-                <a:shade val="50000"/>
-              </a:schemeClr>
-            </a:lnRef>
-            <a:fillRef idx="1">
-              <a:schemeClr val="accent1"/>
-            </a:fillRef>
-            <a:effectRef idx="0">
-              <a:schemeClr val="accent1"/>
-            </a:effectRef>
-            <a:fontRef idx="minor">
-              <a:schemeClr val="lt1"/>
-            </a:fontRef>
-          </p:style>
-          <p:txBody>
-            <a:bodyPr rtlCol="0" anchor="ctr"/>
-            <a:lstStyle/>
-            <a:p>
-              <a:pPr algn="ctr"/>
-              <a:r>
-                <a:rPr lang="en-US" altLang="zh-CN" dirty="0">
-                  <a:solidFill>
-                    <a:schemeClr val="tx1"/>
-                  </a:solidFill>
-                </a:rPr>
-                <a:t>6</a:t>
-              </a:r>
-              <a:endParaRPr lang="zh-CN" altLang="en-US" dirty="0">
-                <a:solidFill>
-                  <a:schemeClr val="tx1"/>
-                </a:solidFill>
-              </a:endParaRPr>
-            </a:p>
-          </p:txBody>
-        </p:sp>
-        <p:sp>
-          <p:nvSpPr>
-            <p:cNvPr id="11" name="矩形 34"/>
-            <p:cNvSpPr/>
-            <p:nvPr/>
-          </p:nvSpPr>
-          <p:spPr>
-            <a:xfrm>
-              <a:off x="1187624" y="4365104"/>
-              <a:ext cx="288032" cy="288032"/>
-            </a:xfrm>
-            <a:prstGeom prst="rect">
-              <a:avLst/>
-            </a:prstGeom>
-            <a:noFill/>
-            <a:ln w="6350"/>
-          </p:spPr>
-          <p:style>
-            <a:lnRef idx="2">
-              <a:schemeClr val="accent1">
-                <a:shade val="50000"/>
-              </a:schemeClr>
-            </a:lnRef>
-            <a:fillRef idx="1">
-              <a:schemeClr val="accent1"/>
-            </a:fillRef>
-            <a:effectRef idx="0">
-              <a:schemeClr val="accent1"/>
-            </a:effectRef>
-            <a:fontRef idx="minor">
-              <a:schemeClr val="lt1"/>
-            </a:fontRef>
-          </p:style>
-          <p:txBody>
-            <a:bodyPr rtlCol="0" anchor="ctr"/>
-            <a:lstStyle/>
-            <a:p>
-              <a:pPr algn="ctr"/>
-              <a:r>
-                <a:rPr lang="en-US" altLang="zh-CN" dirty="0">
-                  <a:solidFill>
-                    <a:schemeClr val="tx1"/>
-                  </a:solidFill>
-                </a:rPr>
-                <a:t>1</a:t>
-              </a:r>
-              <a:endParaRPr lang="zh-CN" altLang="en-US" dirty="0">
-                <a:solidFill>
-                  <a:schemeClr val="tx1"/>
-                </a:solidFill>
-              </a:endParaRPr>
-            </a:p>
-          </p:txBody>
-        </p:sp>
-        <p:sp>
-          <p:nvSpPr>
-            <p:cNvPr id="12" name="矩形 35"/>
-            <p:cNvSpPr/>
-            <p:nvPr/>
-          </p:nvSpPr>
-          <p:spPr>
-            <a:xfrm>
-              <a:off x="611560" y="4653136"/>
-              <a:ext cx="288032" cy="288032"/>
-            </a:xfrm>
-            <a:prstGeom prst="rect">
-              <a:avLst/>
-            </a:prstGeom>
-            <a:noFill/>
-            <a:ln w="6350"/>
-          </p:spPr>
-          <p:style>
-            <a:lnRef idx="2">
-              <a:schemeClr val="accent1">
-                <a:shade val="50000"/>
-              </a:schemeClr>
-            </a:lnRef>
-            <a:fillRef idx="1">
-              <a:schemeClr val="accent1"/>
-            </a:fillRef>
-            <a:effectRef idx="0">
-              <a:schemeClr val="accent1"/>
-            </a:effectRef>
-            <a:fontRef idx="minor">
-              <a:schemeClr val="lt1"/>
-            </a:fontRef>
-          </p:style>
-          <p:txBody>
-            <a:bodyPr rtlCol="0" anchor="ctr"/>
-            <a:lstStyle/>
-            <a:p>
-              <a:pPr algn="ctr"/>
-              <a:r>
-                <a:rPr lang="en-US" altLang="zh-CN" dirty="0">
-                  <a:solidFill>
-                    <a:schemeClr val="tx1"/>
-                  </a:solidFill>
-                </a:rPr>
-                <a:t>1</a:t>
-              </a:r>
-              <a:endParaRPr lang="zh-CN" altLang="en-US" dirty="0">
-                <a:solidFill>
-                  <a:schemeClr val="tx1"/>
-                </a:solidFill>
-              </a:endParaRPr>
-            </a:p>
-          </p:txBody>
-        </p:sp>
-        <p:sp>
-          <p:nvSpPr>
-            <p:cNvPr id="13" name="矩形 36"/>
-            <p:cNvSpPr/>
-            <p:nvPr/>
-          </p:nvSpPr>
-          <p:spPr>
-            <a:xfrm>
-              <a:off x="899592" y="4653136"/>
-              <a:ext cx="288032" cy="288032"/>
-            </a:xfrm>
-            <a:prstGeom prst="rect">
-              <a:avLst/>
-            </a:prstGeom>
-            <a:ln/>
-          </p:spPr>
-          <p:style>
-            <a:lnRef idx="2">
-              <a:schemeClr val="accent2">
-                <a:shade val="50000"/>
-              </a:schemeClr>
-            </a:lnRef>
-            <a:fillRef idx="1">
-              <a:schemeClr val="accent2"/>
-            </a:fillRef>
-            <a:effectRef idx="0">
-              <a:schemeClr val="accent2"/>
-            </a:effectRef>
-            <a:fontRef idx="minor">
-              <a:schemeClr val="lt1"/>
-            </a:fontRef>
-          </p:style>
-          <p:txBody>
-            <a:bodyPr rtlCol="0" anchor="ctr"/>
-            <a:lstStyle/>
-            <a:p>
-              <a:pPr algn="ctr"/>
-              <a:r>
-                <a:rPr lang="en-US" altLang="zh-CN" dirty="0">
-                  <a:solidFill>
-                    <a:schemeClr val="tx1"/>
-                  </a:solidFill>
-                </a:rPr>
-                <a:t>9</a:t>
-              </a:r>
-              <a:endParaRPr lang="zh-CN" altLang="en-US" dirty="0">
-                <a:solidFill>
-                  <a:schemeClr val="tx1"/>
-                </a:solidFill>
-              </a:endParaRPr>
-            </a:p>
-          </p:txBody>
-        </p:sp>
-        <p:sp>
-          <p:nvSpPr>
-            <p:cNvPr id="14" name="矩形 37"/>
-            <p:cNvSpPr/>
-            <p:nvPr/>
-          </p:nvSpPr>
-          <p:spPr>
-            <a:xfrm>
-              <a:off x="1187624" y="4653136"/>
-              <a:ext cx="288032" cy="288032"/>
-            </a:xfrm>
-            <a:prstGeom prst="rect">
-              <a:avLst/>
-            </a:prstGeom>
-            <a:noFill/>
-            <a:ln w="6350"/>
-          </p:spPr>
-          <p:style>
-            <a:lnRef idx="2">
-              <a:schemeClr val="accent1">
-                <a:shade val="50000"/>
-              </a:schemeClr>
-            </a:lnRef>
-            <a:fillRef idx="1">
-              <a:schemeClr val="accent1"/>
-            </a:fillRef>
-            <a:effectRef idx="0">
-              <a:schemeClr val="accent1"/>
-            </a:effectRef>
-            <a:fontRef idx="minor">
-              <a:schemeClr val="lt1"/>
-            </a:fontRef>
-          </p:style>
-          <p:txBody>
-            <a:bodyPr rtlCol="0" anchor="ctr"/>
-            <a:lstStyle/>
-            <a:p>
-              <a:pPr algn="ctr"/>
-              <a:r>
-                <a:rPr lang="en-US" altLang="zh-CN" dirty="0">
-                  <a:solidFill>
-                    <a:schemeClr val="tx1"/>
-                  </a:solidFill>
-                </a:rPr>
-                <a:t>1</a:t>
-              </a:r>
-              <a:endParaRPr lang="zh-CN" altLang="en-US" dirty="0">
-                <a:solidFill>
-                  <a:schemeClr val="tx1"/>
-                </a:solidFill>
-              </a:endParaRPr>
-            </a:p>
-          </p:txBody>
-        </p:sp>
-      </p:grpSp>
-      <p:sp>
-        <p:nvSpPr>
-          <p:cNvPr id="15" name="Right Arrow 14"/>
-          <p:cNvSpPr/>
-          <p:nvPr/>
-        </p:nvSpPr>
-        <p:spPr>
-          <a:xfrm>
-            <a:off x="2523859" y="2060848"/>
-            <a:ext cx="648072" cy="216024"/>
-          </a:xfrm>
-          <a:prstGeom prst="rightArrow">
-            <a:avLst/>
-          </a:prstGeom>
-        </p:spPr>
-        <p:style>
-          <a:lnRef idx="2">
-            <a:schemeClr val="accent1">
-              <a:shade val="50000"/>
-            </a:schemeClr>
-          </a:lnRef>
-          <a:fillRef idx="1">
-            <a:schemeClr val="accent1"/>
-          </a:fillRef>
-          <a:effectRef idx="0">
-            <a:schemeClr val="accent1"/>
-          </a:effectRef>
-          <a:fontRef idx="minor">
-            <a:schemeClr val="lt1"/>
-          </a:fontRef>
-        </p:style>
-        <p:txBody>
-          <a:bodyPr rtlCol="0" anchor="ctr"/>
-          <a:lstStyle/>
-          <a:p>
-            <a:pPr algn="ctr"/>
-            <a:endParaRPr lang="en-US"/>
-          </a:p>
-        </p:txBody>
-      </p:sp>
-      <p:sp>
-        <p:nvSpPr>
-          <p:cNvPr id="16" name="矩形 36"/>
-          <p:cNvSpPr/>
-          <p:nvPr/>
-        </p:nvSpPr>
-        <p:spPr>
-          <a:xfrm>
-            <a:off x="3356038" y="2024844"/>
-            <a:ext cx="288032" cy="288032"/>
-          </a:xfrm>
-          <a:prstGeom prst="rect">
-            <a:avLst/>
-          </a:prstGeom>
-          <a:ln/>
-        </p:spPr>
-        <p:style>
-          <a:lnRef idx="2">
-            <a:schemeClr val="accent2">
-              <a:shade val="50000"/>
-            </a:schemeClr>
-          </a:lnRef>
-          <a:fillRef idx="1">
-            <a:schemeClr val="accent2"/>
-          </a:fillRef>
-          <a:effectRef idx="0">
-            <a:schemeClr val="accent2"/>
-          </a:effectRef>
-          <a:fontRef idx="minor">
-            <a:schemeClr val="lt1"/>
-          </a:fontRef>
-        </p:style>
-        <p:txBody>
-          <a:bodyPr rtlCol="0" anchor="ctr"/>
-          <a:lstStyle/>
-          <a:p>
-            <a:pPr algn="ctr"/>
-            <a:r>
-              <a:rPr lang="en-US" altLang="zh-CN" dirty="0">
-                <a:solidFill>
-                  <a:schemeClr val="tx1"/>
-                </a:solidFill>
-              </a:rPr>
-              <a:t>9</a:t>
-            </a:r>
-            <a:endParaRPr lang="zh-CN" altLang="en-US" dirty="0">
-              <a:solidFill>
-                <a:schemeClr val="tx1"/>
-              </a:solidFill>
-            </a:endParaRPr>
-          </a:p>
-        </p:txBody>
-      </p:sp>
-      <p:sp>
-        <p:nvSpPr>
-          <p:cNvPr id="17" name="TextBox 16"/>
-          <p:cNvSpPr txBox="1"/>
-          <p:nvPr/>
-        </p:nvSpPr>
-        <p:spPr>
-          <a:xfrm>
-            <a:off x="2408736" y="1294892"/>
-            <a:ext cx="878317" cy="338554"/>
-          </a:xfrm>
-          <a:prstGeom prst="rect">
-            <a:avLst/>
-          </a:prstGeom>
-          <a:noFill/>
-        </p:spPr>
-        <p:txBody>
-          <a:bodyPr wrap="none" rtlCol="0">
-            <a:spAutoFit/>
-          </a:bodyPr>
-          <a:lstStyle/>
-          <a:p>
-            <a:r>
-              <a:rPr lang="en-US" altLang="zh-CN" sz="1600" dirty="0" smtClean="0"/>
-              <a:t>Forward</a:t>
-            </a:r>
-            <a:endParaRPr lang="en-US" sz="1600" dirty="0"/>
-          </a:p>
-        </p:txBody>
-      </p:sp>
-      <p:grpSp>
-        <p:nvGrpSpPr>
-          <p:cNvPr id="18" name="组合 28"/>
-          <p:cNvGrpSpPr/>
-          <p:nvPr/>
-        </p:nvGrpSpPr>
-        <p:grpSpPr>
-          <a:xfrm>
-            <a:off x="1484971" y="4783277"/>
-            <a:ext cx="864096" cy="864096"/>
-            <a:chOff x="611560" y="4077072"/>
-            <a:chExt cx="864096" cy="864096"/>
-          </a:xfrm>
-        </p:grpSpPr>
-        <p:sp>
-          <p:nvSpPr>
-            <p:cNvPr id="19" name="矩形 29"/>
-            <p:cNvSpPr/>
-            <p:nvPr/>
-          </p:nvSpPr>
-          <p:spPr>
-            <a:xfrm>
-              <a:off x="611560" y="4077072"/>
-              <a:ext cx="288032" cy="288032"/>
-            </a:xfrm>
-            <a:prstGeom prst="rect">
-              <a:avLst/>
-            </a:prstGeom>
-            <a:noFill/>
-            <a:ln w="6350"/>
-          </p:spPr>
-          <p:style>
-            <a:lnRef idx="2">
-              <a:schemeClr val="accent1">
-                <a:shade val="50000"/>
-              </a:schemeClr>
-            </a:lnRef>
-            <a:fillRef idx="1">
-              <a:schemeClr val="accent1"/>
-            </a:fillRef>
-            <a:effectRef idx="0">
-              <a:schemeClr val="accent1"/>
-            </a:effectRef>
-            <a:fontRef idx="minor">
-              <a:schemeClr val="lt1"/>
-            </a:fontRef>
-          </p:style>
-          <p:txBody>
-            <a:bodyPr lIns="0" rIns="0" rtlCol="0" anchor="ctr"/>
-            <a:lstStyle/>
-            <a:p>
-              <a:pPr algn="ctr"/>
-              <a:r>
-                <a:rPr lang="en-US" altLang="zh-CN" dirty="0">
-                  <a:solidFill>
-                    <a:schemeClr val="tx1"/>
-                  </a:solidFill>
-                </a:rPr>
-                <a:t>1</a:t>
-              </a:r>
-              <a:endParaRPr lang="zh-CN" altLang="en-US" dirty="0">
-                <a:solidFill>
-                  <a:schemeClr val="tx1"/>
-                </a:solidFill>
-              </a:endParaRPr>
-            </a:p>
-          </p:txBody>
-        </p:sp>
-        <p:sp>
-          <p:nvSpPr>
-            <p:cNvPr id="20" name="矩形 30"/>
-            <p:cNvSpPr/>
-            <p:nvPr/>
-          </p:nvSpPr>
-          <p:spPr>
-            <a:xfrm>
-              <a:off x="899592" y="4077072"/>
-              <a:ext cx="288032" cy="288032"/>
-            </a:xfrm>
-            <a:prstGeom prst="rect">
-              <a:avLst/>
-            </a:prstGeom>
-            <a:noFill/>
-            <a:ln w="6350"/>
-          </p:spPr>
-          <p:style>
-            <a:lnRef idx="2">
-              <a:schemeClr val="accent1">
-                <a:shade val="50000"/>
-              </a:schemeClr>
-            </a:lnRef>
-            <a:fillRef idx="1">
-              <a:schemeClr val="accent1"/>
-            </a:fillRef>
-            <a:effectRef idx="0">
-              <a:schemeClr val="accent1"/>
-            </a:effectRef>
-            <a:fontRef idx="minor">
-              <a:schemeClr val="lt1"/>
-            </a:fontRef>
-          </p:style>
-          <p:txBody>
-            <a:bodyPr lIns="0" rIns="0" rtlCol="0" anchor="ctr"/>
-            <a:lstStyle/>
-            <a:p>
-              <a:pPr algn="ctr"/>
-              <a:r>
-                <a:rPr lang="en-US" altLang="zh-CN" dirty="0" smtClean="0">
-                  <a:solidFill>
-                    <a:schemeClr val="tx1"/>
-                  </a:solidFill>
-                </a:rPr>
-                <a:t>2</a:t>
-              </a:r>
-              <a:endParaRPr lang="zh-CN" altLang="en-US" dirty="0">
-                <a:solidFill>
-                  <a:schemeClr val="tx1"/>
-                </a:solidFill>
-              </a:endParaRPr>
-            </a:p>
-          </p:txBody>
-        </p:sp>
-        <p:sp>
-          <p:nvSpPr>
-            <p:cNvPr id="21" name="矩形 31"/>
-            <p:cNvSpPr/>
-            <p:nvPr/>
-          </p:nvSpPr>
-          <p:spPr>
-            <a:xfrm>
-              <a:off x="1187624" y="4077072"/>
-              <a:ext cx="288032" cy="288032"/>
-            </a:xfrm>
-            <a:prstGeom prst="rect">
-              <a:avLst/>
-            </a:prstGeom>
-            <a:noFill/>
-            <a:ln w="6350"/>
-          </p:spPr>
-          <p:style>
-            <a:lnRef idx="2">
-              <a:schemeClr val="accent1">
-                <a:shade val="50000"/>
-              </a:schemeClr>
-            </a:lnRef>
-            <a:fillRef idx="1">
-              <a:schemeClr val="accent1"/>
-            </a:fillRef>
-            <a:effectRef idx="0">
-              <a:schemeClr val="accent1"/>
-            </a:effectRef>
-            <a:fontRef idx="minor">
-              <a:schemeClr val="lt1"/>
-            </a:fontRef>
-          </p:style>
-          <p:txBody>
-            <a:bodyPr lIns="0" rIns="0" rtlCol="0" anchor="ctr"/>
-            <a:lstStyle/>
-            <a:p>
-              <a:pPr algn="ctr"/>
-              <a:r>
-                <a:rPr lang="en-US" altLang="zh-CN" dirty="0" smtClean="0">
-                  <a:solidFill>
-                    <a:schemeClr val="tx1"/>
-                  </a:solidFill>
-                </a:rPr>
-                <a:t>1</a:t>
-              </a:r>
-              <a:endParaRPr lang="zh-CN" altLang="en-US" dirty="0">
-                <a:solidFill>
-                  <a:schemeClr val="tx1"/>
-                </a:solidFill>
-              </a:endParaRPr>
-            </a:p>
-          </p:txBody>
-        </p:sp>
-        <p:sp>
-          <p:nvSpPr>
-            <p:cNvPr id="22" name="矩形 32"/>
-            <p:cNvSpPr/>
-            <p:nvPr/>
-          </p:nvSpPr>
-          <p:spPr>
-            <a:xfrm>
-              <a:off x="611560" y="4365104"/>
-              <a:ext cx="288032" cy="288032"/>
-            </a:xfrm>
-            <a:prstGeom prst="rect">
-              <a:avLst/>
-            </a:prstGeom>
-            <a:noFill/>
-            <a:ln w="6350"/>
-          </p:spPr>
-          <p:style>
-            <a:lnRef idx="2">
-              <a:schemeClr val="accent1">
-                <a:shade val="50000"/>
-              </a:schemeClr>
-            </a:lnRef>
-            <a:fillRef idx="1">
-              <a:schemeClr val="accent1"/>
-            </a:fillRef>
-            <a:effectRef idx="0">
-              <a:schemeClr val="accent1"/>
-            </a:effectRef>
-            <a:fontRef idx="minor">
-              <a:schemeClr val="lt1"/>
-            </a:fontRef>
-          </p:style>
-          <p:txBody>
-            <a:bodyPr rtlCol="0" anchor="ctr"/>
-            <a:lstStyle/>
-            <a:p>
-              <a:pPr algn="ctr"/>
-              <a:r>
-                <a:rPr lang="en-US" altLang="zh-CN" dirty="0">
-                  <a:solidFill>
-                    <a:schemeClr val="tx1"/>
-                  </a:solidFill>
-                </a:rPr>
-                <a:t>5</a:t>
-              </a:r>
-              <a:endParaRPr lang="zh-CN" altLang="en-US" dirty="0">
-                <a:solidFill>
-                  <a:schemeClr val="tx1"/>
-                </a:solidFill>
-              </a:endParaRPr>
-            </a:p>
-          </p:txBody>
-        </p:sp>
-        <p:sp>
-          <p:nvSpPr>
-            <p:cNvPr id="23" name="矩形 33"/>
-            <p:cNvSpPr/>
-            <p:nvPr/>
-          </p:nvSpPr>
-          <p:spPr>
-            <a:xfrm>
-              <a:off x="899592" y="4365104"/>
-              <a:ext cx="288032" cy="288032"/>
-            </a:xfrm>
-            <a:prstGeom prst="rect">
-              <a:avLst/>
-            </a:prstGeom>
-            <a:noFill/>
-            <a:ln w="6350"/>
-          </p:spPr>
-          <p:style>
-            <a:lnRef idx="2">
-              <a:schemeClr val="accent1">
-                <a:shade val="50000"/>
-              </a:schemeClr>
-            </a:lnRef>
-            <a:fillRef idx="1">
-              <a:schemeClr val="accent1"/>
-            </a:fillRef>
-            <a:effectRef idx="0">
-              <a:schemeClr val="accent1"/>
-            </a:effectRef>
-            <a:fontRef idx="minor">
-              <a:schemeClr val="lt1"/>
-            </a:fontRef>
-          </p:style>
-          <p:txBody>
-            <a:bodyPr rtlCol="0" anchor="ctr"/>
-            <a:lstStyle/>
-            <a:p>
-              <a:pPr algn="ctr"/>
-              <a:r>
-                <a:rPr lang="en-US" altLang="zh-CN" dirty="0">
-                  <a:solidFill>
-                    <a:schemeClr val="tx1"/>
-                  </a:solidFill>
-                </a:rPr>
-                <a:t>6</a:t>
-              </a:r>
-              <a:endParaRPr lang="zh-CN" altLang="en-US" dirty="0">
-                <a:solidFill>
-                  <a:schemeClr val="tx1"/>
-                </a:solidFill>
-              </a:endParaRPr>
-            </a:p>
-          </p:txBody>
-        </p:sp>
-        <p:sp>
-          <p:nvSpPr>
-            <p:cNvPr id="24" name="矩形 34"/>
-            <p:cNvSpPr/>
-            <p:nvPr/>
-          </p:nvSpPr>
-          <p:spPr>
-            <a:xfrm>
-              <a:off x="1187624" y="4365104"/>
-              <a:ext cx="288032" cy="288032"/>
-            </a:xfrm>
-            <a:prstGeom prst="rect">
-              <a:avLst/>
-            </a:prstGeom>
-            <a:noFill/>
-            <a:ln w="6350"/>
-          </p:spPr>
-          <p:style>
-            <a:lnRef idx="2">
-              <a:schemeClr val="accent1">
-                <a:shade val="50000"/>
-              </a:schemeClr>
-            </a:lnRef>
-            <a:fillRef idx="1">
-              <a:schemeClr val="accent1"/>
-            </a:fillRef>
-            <a:effectRef idx="0">
-              <a:schemeClr val="accent1"/>
-            </a:effectRef>
-            <a:fontRef idx="minor">
-              <a:schemeClr val="lt1"/>
-            </a:fontRef>
-          </p:style>
-          <p:txBody>
-            <a:bodyPr rtlCol="0" anchor="ctr"/>
-            <a:lstStyle/>
-            <a:p>
-              <a:pPr algn="ctr"/>
-              <a:r>
-                <a:rPr lang="en-US" altLang="zh-CN" dirty="0">
-                  <a:solidFill>
-                    <a:schemeClr val="tx1"/>
-                  </a:solidFill>
-                </a:rPr>
-                <a:t>1</a:t>
-              </a:r>
-              <a:endParaRPr lang="zh-CN" altLang="en-US" dirty="0">
-                <a:solidFill>
-                  <a:schemeClr val="tx1"/>
-                </a:solidFill>
-              </a:endParaRPr>
-            </a:p>
-          </p:txBody>
-        </p:sp>
-        <p:sp>
-          <p:nvSpPr>
-            <p:cNvPr id="25" name="矩形 35"/>
-            <p:cNvSpPr/>
-            <p:nvPr/>
-          </p:nvSpPr>
-          <p:spPr>
-            <a:xfrm>
-              <a:off x="611560" y="4653136"/>
-              <a:ext cx="288032" cy="288032"/>
-            </a:xfrm>
-            <a:prstGeom prst="rect">
-              <a:avLst/>
-            </a:prstGeom>
-            <a:noFill/>
-            <a:ln w="6350"/>
-          </p:spPr>
-          <p:style>
-            <a:lnRef idx="2">
-              <a:schemeClr val="accent1">
-                <a:shade val="50000"/>
-              </a:schemeClr>
-            </a:lnRef>
-            <a:fillRef idx="1">
-              <a:schemeClr val="accent1"/>
-            </a:fillRef>
-            <a:effectRef idx="0">
-              <a:schemeClr val="accent1"/>
-            </a:effectRef>
-            <a:fontRef idx="minor">
-              <a:schemeClr val="lt1"/>
-            </a:fontRef>
-          </p:style>
-          <p:txBody>
-            <a:bodyPr rtlCol="0" anchor="ctr"/>
-            <a:lstStyle/>
-            <a:p>
-              <a:pPr algn="ctr"/>
-              <a:r>
-                <a:rPr lang="en-US" altLang="zh-CN" dirty="0">
-                  <a:solidFill>
-                    <a:schemeClr val="tx1"/>
-                  </a:solidFill>
-                </a:rPr>
-                <a:t>1</a:t>
-              </a:r>
-              <a:endParaRPr lang="zh-CN" altLang="en-US" dirty="0">
-                <a:solidFill>
-                  <a:schemeClr val="tx1"/>
-                </a:solidFill>
-              </a:endParaRPr>
-            </a:p>
-          </p:txBody>
-        </p:sp>
-        <p:sp>
-          <p:nvSpPr>
-            <p:cNvPr id="26" name="矩形 36"/>
-            <p:cNvSpPr/>
-            <p:nvPr/>
-          </p:nvSpPr>
-          <p:spPr>
-            <a:xfrm>
-              <a:off x="899592" y="4653136"/>
-              <a:ext cx="288032" cy="288032"/>
-            </a:xfrm>
-            <a:prstGeom prst="rect">
-              <a:avLst/>
-            </a:prstGeom>
-            <a:ln w="3175"/>
-          </p:spPr>
-          <p:style>
-            <a:lnRef idx="2">
-              <a:schemeClr val="accent1"/>
-            </a:lnRef>
-            <a:fillRef idx="1">
-              <a:schemeClr val="lt1"/>
-            </a:fillRef>
-            <a:effectRef idx="0">
-              <a:schemeClr val="accent1"/>
-            </a:effectRef>
-            <a:fontRef idx="minor">
-              <a:schemeClr val="dk1"/>
-            </a:fontRef>
-          </p:style>
-          <p:txBody>
-            <a:bodyPr rtlCol="0" anchor="ctr"/>
-            <a:lstStyle/>
-            <a:p>
-              <a:pPr algn="ctr"/>
-              <a:r>
-                <a:rPr lang="en-US" altLang="zh-CN" dirty="0">
-                  <a:solidFill>
-                    <a:schemeClr val="tx1"/>
-                  </a:solidFill>
-                </a:rPr>
-                <a:t>9</a:t>
-              </a:r>
-              <a:endParaRPr lang="zh-CN" altLang="en-US" dirty="0">
-                <a:solidFill>
-                  <a:schemeClr val="tx1"/>
-                </a:solidFill>
-              </a:endParaRPr>
-            </a:p>
-          </p:txBody>
-        </p:sp>
-        <p:sp>
-          <p:nvSpPr>
-            <p:cNvPr id="27" name="矩形 37"/>
-            <p:cNvSpPr/>
-            <p:nvPr/>
-          </p:nvSpPr>
-          <p:spPr>
-            <a:xfrm>
-              <a:off x="1187624" y="4653136"/>
-              <a:ext cx="288032" cy="288032"/>
-            </a:xfrm>
-            <a:prstGeom prst="rect">
-              <a:avLst/>
-            </a:prstGeom>
-            <a:noFill/>
-            <a:ln w="6350"/>
-          </p:spPr>
-          <p:style>
-            <a:lnRef idx="2">
-              <a:schemeClr val="accent1">
-                <a:shade val="50000"/>
-              </a:schemeClr>
-            </a:lnRef>
-            <a:fillRef idx="1">
-              <a:schemeClr val="accent1"/>
-            </a:fillRef>
-            <a:effectRef idx="0">
-              <a:schemeClr val="accent1"/>
-            </a:effectRef>
-            <a:fontRef idx="minor">
-              <a:schemeClr val="lt1"/>
-            </a:fontRef>
-          </p:style>
-          <p:txBody>
-            <a:bodyPr rtlCol="0" anchor="ctr"/>
-            <a:lstStyle/>
-            <a:p>
-              <a:pPr algn="ctr"/>
-              <a:r>
-                <a:rPr lang="en-US" altLang="zh-CN" dirty="0">
-                  <a:solidFill>
-                    <a:schemeClr val="tx1"/>
-                  </a:solidFill>
-                </a:rPr>
-                <a:t>1</a:t>
-              </a:r>
-              <a:endParaRPr lang="zh-CN" altLang="en-US" dirty="0">
-                <a:solidFill>
-                  <a:schemeClr val="tx1"/>
-                </a:solidFill>
-              </a:endParaRPr>
-            </a:p>
-          </p:txBody>
-        </p:sp>
-      </p:grpSp>
-      <p:sp>
-        <p:nvSpPr>
-          <p:cNvPr id="28" name="Right Arrow 27"/>
-          <p:cNvSpPr/>
-          <p:nvPr/>
-        </p:nvSpPr>
-        <p:spPr>
-          <a:xfrm>
-            <a:off x="2523859" y="5071309"/>
-            <a:ext cx="648072" cy="216024"/>
-          </a:xfrm>
-          <a:prstGeom prst="rightArrow">
-            <a:avLst/>
-          </a:prstGeom>
-        </p:spPr>
-        <p:style>
-          <a:lnRef idx="2">
-            <a:schemeClr val="accent1">
-              <a:shade val="50000"/>
-            </a:schemeClr>
-          </a:lnRef>
-          <a:fillRef idx="1">
-            <a:schemeClr val="accent1"/>
-          </a:fillRef>
-          <a:effectRef idx="0">
-            <a:schemeClr val="accent1"/>
-          </a:effectRef>
-          <a:fontRef idx="minor">
-            <a:schemeClr val="lt1"/>
-          </a:fontRef>
-        </p:style>
-        <p:txBody>
-          <a:bodyPr rtlCol="0" anchor="ctr"/>
-          <a:lstStyle/>
-          <a:p>
-            <a:pPr algn="ctr"/>
-            <a:endParaRPr lang="en-US"/>
-          </a:p>
-        </p:txBody>
-      </p:sp>
-      <p:sp>
-        <p:nvSpPr>
-          <p:cNvPr id="29" name="矩形 36"/>
-          <p:cNvSpPr/>
-          <p:nvPr/>
-        </p:nvSpPr>
-        <p:spPr>
-          <a:xfrm>
-            <a:off x="3356038" y="5035305"/>
-            <a:ext cx="288032" cy="288032"/>
-          </a:xfrm>
-          <a:prstGeom prst="rect">
-            <a:avLst/>
-          </a:prstGeom>
-          <a:ln/>
-        </p:spPr>
-        <p:style>
-          <a:lnRef idx="2">
-            <a:schemeClr val="accent5">
-              <a:shade val="50000"/>
-            </a:schemeClr>
-          </a:lnRef>
-          <a:fillRef idx="1">
-            <a:schemeClr val="accent5"/>
-          </a:fillRef>
-          <a:effectRef idx="0">
-            <a:schemeClr val="accent5"/>
-          </a:effectRef>
-          <a:fontRef idx="minor">
-            <a:schemeClr val="lt1"/>
-          </a:fontRef>
-        </p:style>
-        <p:txBody>
-          <a:bodyPr rtlCol="0" anchor="ctr"/>
-          <a:lstStyle/>
-          <a:p>
-            <a:pPr algn="ctr"/>
-            <a:r>
-              <a:rPr lang="en-US" altLang="zh-CN" dirty="0" smtClean="0">
-                <a:solidFill>
-                  <a:schemeClr val="tx1"/>
-                </a:solidFill>
-              </a:rPr>
-              <a:t>3</a:t>
-            </a:r>
-            <a:endParaRPr lang="zh-CN" altLang="en-US" dirty="0">
-              <a:solidFill>
-                <a:schemeClr val="tx1"/>
-              </a:solidFill>
-            </a:endParaRPr>
-          </a:p>
-        </p:txBody>
-      </p:sp>
-      <p:sp>
-        <p:nvSpPr>
-          <p:cNvPr id="30" name="TextBox 29"/>
-          <p:cNvSpPr txBox="1"/>
-          <p:nvPr/>
-        </p:nvSpPr>
-        <p:spPr>
-          <a:xfrm>
-            <a:off x="2408736" y="4305353"/>
-            <a:ext cx="878317" cy="338554"/>
-          </a:xfrm>
-          <a:prstGeom prst="rect">
-            <a:avLst/>
-          </a:prstGeom>
-          <a:noFill/>
-        </p:spPr>
-        <p:txBody>
-          <a:bodyPr wrap="none" rtlCol="0">
-            <a:spAutoFit/>
-          </a:bodyPr>
-          <a:lstStyle/>
-          <a:p>
-            <a:r>
-              <a:rPr lang="en-US" altLang="zh-CN" sz="1600" dirty="0" smtClean="0"/>
-              <a:t>Forward</a:t>
-            </a:r>
-            <a:endParaRPr lang="en-US" sz="1600" dirty="0"/>
-          </a:p>
-        </p:txBody>
-      </p:sp>
-      <p:grpSp>
-        <p:nvGrpSpPr>
-          <p:cNvPr id="31" name="组合 28"/>
-          <p:cNvGrpSpPr/>
-          <p:nvPr/>
-        </p:nvGrpSpPr>
-        <p:grpSpPr>
-          <a:xfrm>
-            <a:off x="5088395" y="1768271"/>
-            <a:ext cx="864096" cy="864096"/>
-            <a:chOff x="611560" y="4077072"/>
-            <a:chExt cx="864096" cy="864096"/>
-          </a:xfrm>
-        </p:grpSpPr>
-        <p:sp>
-          <p:nvSpPr>
-            <p:cNvPr id="32" name="矩形 29"/>
-            <p:cNvSpPr/>
-            <p:nvPr/>
-          </p:nvSpPr>
-          <p:spPr>
-            <a:xfrm>
-              <a:off x="611560" y="4077072"/>
-              <a:ext cx="288032" cy="288032"/>
-            </a:xfrm>
-            <a:prstGeom prst="rect">
-              <a:avLst/>
-            </a:prstGeom>
-            <a:noFill/>
-            <a:ln w="6350"/>
-          </p:spPr>
-          <p:style>
-            <a:lnRef idx="2">
-              <a:schemeClr val="accent1">
-                <a:shade val="50000"/>
-              </a:schemeClr>
-            </a:lnRef>
-            <a:fillRef idx="1">
-              <a:schemeClr val="accent1"/>
-            </a:fillRef>
-            <a:effectRef idx="0">
-              <a:schemeClr val="accent1"/>
-            </a:effectRef>
-            <a:fontRef idx="minor">
-              <a:schemeClr val="lt1"/>
-            </a:fontRef>
-          </p:style>
-          <p:txBody>
-            <a:bodyPr lIns="0" rIns="0" rtlCol="0" anchor="ctr"/>
-            <a:lstStyle/>
-            <a:p>
-              <a:pPr algn="ctr"/>
-              <a:r>
-                <a:rPr lang="en-US" altLang="zh-CN" dirty="0" smtClean="0">
-                  <a:solidFill>
-                    <a:schemeClr val="tx1"/>
-                  </a:solidFill>
-                </a:rPr>
-                <a:t>0</a:t>
-              </a:r>
-              <a:endParaRPr lang="zh-CN" altLang="en-US" dirty="0">
-                <a:solidFill>
-                  <a:schemeClr val="tx1"/>
-                </a:solidFill>
-              </a:endParaRPr>
-            </a:p>
-          </p:txBody>
-        </p:sp>
-        <p:sp>
-          <p:nvSpPr>
-            <p:cNvPr id="33" name="矩形 30"/>
-            <p:cNvSpPr/>
-            <p:nvPr/>
-          </p:nvSpPr>
-          <p:spPr>
-            <a:xfrm>
-              <a:off x="899592" y="4077072"/>
-              <a:ext cx="288032" cy="288032"/>
-            </a:xfrm>
-            <a:prstGeom prst="rect">
-              <a:avLst/>
-            </a:prstGeom>
-            <a:noFill/>
-            <a:ln w="6350"/>
-          </p:spPr>
-          <p:style>
-            <a:lnRef idx="2">
-              <a:schemeClr val="accent1">
-                <a:shade val="50000"/>
-              </a:schemeClr>
-            </a:lnRef>
-            <a:fillRef idx="1">
-              <a:schemeClr val="accent1"/>
-            </a:fillRef>
-            <a:effectRef idx="0">
-              <a:schemeClr val="accent1"/>
-            </a:effectRef>
-            <a:fontRef idx="minor">
-              <a:schemeClr val="lt1"/>
-            </a:fontRef>
-          </p:style>
-          <p:txBody>
-            <a:bodyPr lIns="0" rIns="0" rtlCol="0" anchor="ctr"/>
-            <a:lstStyle/>
-            <a:p>
-              <a:pPr algn="ctr"/>
-              <a:r>
-                <a:rPr lang="en-US" altLang="zh-CN" dirty="0">
-                  <a:solidFill>
-                    <a:schemeClr val="tx1"/>
-                  </a:solidFill>
-                </a:rPr>
-                <a:t>0</a:t>
-              </a:r>
-              <a:endParaRPr lang="zh-CN" altLang="en-US" dirty="0">
-                <a:solidFill>
-                  <a:schemeClr val="tx1"/>
-                </a:solidFill>
-              </a:endParaRPr>
-            </a:p>
-          </p:txBody>
-        </p:sp>
-        <p:sp>
-          <p:nvSpPr>
-            <p:cNvPr id="34" name="矩形 31"/>
-            <p:cNvSpPr/>
-            <p:nvPr/>
-          </p:nvSpPr>
-          <p:spPr>
-            <a:xfrm>
-              <a:off x="1187624" y="4077072"/>
-              <a:ext cx="288032" cy="288032"/>
-            </a:xfrm>
-            <a:prstGeom prst="rect">
-              <a:avLst/>
-            </a:prstGeom>
-            <a:noFill/>
-            <a:ln w="6350"/>
-          </p:spPr>
-          <p:style>
-            <a:lnRef idx="2">
-              <a:schemeClr val="accent1">
-                <a:shade val="50000"/>
-              </a:schemeClr>
-            </a:lnRef>
-            <a:fillRef idx="1">
-              <a:schemeClr val="accent1"/>
-            </a:fillRef>
-            <a:effectRef idx="0">
-              <a:schemeClr val="accent1"/>
-            </a:effectRef>
-            <a:fontRef idx="minor">
-              <a:schemeClr val="lt1"/>
-            </a:fontRef>
-          </p:style>
-          <p:txBody>
-            <a:bodyPr lIns="0" rIns="0" rtlCol="0" anchor="ctr"/>
-            <a:lstStyle/>
-            <a:p>
-              <a:pPr algn="ctr"/>
-              <a:r>
-                <a:rPr lang="en-US" altLang="zh-CN" dirty="0">
-                  <a:solidFill>
-                    <a:schemeClr val="tx1"/>
-                  </a:solidFill>
-                </a:rPr>
-                <a:t>0</a:t>
-              </a:r>
-              <a:endParaRPr lang="zh-CN" altLang="en-US" dirty="0">
-                <a:solidFill>
-                  <a:schemeClr val="tx1"/>
-                </a:solidFill>
-              </a:endParaRPr>
-            </a:p>
-          </p:txBody>
-        </p:sp>
-        <p:sp>
-          <p:nvSpPr>
-            <p:cNvPr id="35" name="矩形 32"/>
-            <p:cNvSpPr/>
-            <p:nvPr/>
-          </p:nvSpPr>
-          <p:spPr>
-            <a:xfrm>
-              <a:off x="611560" y="4365104"/>
-              <a:ext cx="288032" cy="288032"/>
-            </a:xfrm>
-            <a:prstGeom prst="rect">
-              <a:avLst/>
-            </a:prstGeom>
-            <a:noFill/>
-            <a:ln w="6350"/>
-          </p:spPr>
-          <p:style>
-            <a:lnRef idx="2">
-              <a:schemeClr val="accent1">
-                <a:shade val="50000"/>
-              </a:schemeClr>
-            </a:lnRef>
-            <a:fillRef idx="1">
-              <a:schemeClr val="accent1"/>
-            </a:fillRef>
-            <a:effectRef idx="0">
-              <a:schemeClr val="accent1"/>
-            </a:effectRef>
-            <a:fontRef idx="minor">
-              <a:schemeClr val="lt1"/>
-            </a:fontRef>
-          </p:style>
-          <p:txBody>
-            <a:bodyPr rtlCol="0" anchor="ctr"/>
-            <a:lstStyle/>
-            <a:p>
-              <a:pPr algn="ctr"/>
-              <a:r>
-                <a:rPr lang="en-US" altLang="zh-CN" dirty="0" smtClean="0">
-                  <a:solidFill>
-                    <a:schemeClr val="tx1"/>
-                  </a:solidFill>
-                </a:rPr>
-                <a:t>0</a:t>
-              </a:r>
-              <a:endParaRPr lang="zh-CN" altLang="en-US" dirty="0">
-                <a:solidFill>
-                  <a:schemeClr val="tx1"/>
-                </a:solidFill>
-              </a:endParaRPr>
-            </a:p>
-          </p:txBody>
-        </p:sp>
-        <p:sp>
-          <p:nvSpPr>
-            <p:cNvPr id="36" name="矩形 33"/>
-            <p:cNvSpPr/>
-            <p:nvPr/>
-          </p:nvSpPr>
-          <p:spPr>
-            <a:xfrm>
-              <a:off x="899592" y="4365104"/>
-              <a:ext cx="288032" cy="288032"/>
-            </a:xfrm>
-            <a:prstGeom prst="rect">
-              <a:avLst/>
-            </a:prstGeom>
-            <a:noFill/>
-            <a:ln w="6350"/>
-          </p:spPr>
-          <p:style>
-            <a:lnRef idx="2">
-              <a:schemeClr val="accent1">
-                <a:shade val="50000"/>
-              </a:schemeClr>
-            </a:lnRef>
-            <a:fillRef idx="1">
-              <a:schemeClr val="accent1"/>
-            </a:fillRef>
-            <a:effectRef idx="0">
-              <a:schemeClr val="accent1"/>
-            </a:effectRef>
-            <a:fontRef idx="minor">
-              <a:schemeClr val="lt1"/>
-            </a:fontRef>
-          </p:style>
-          <p:txBody>
-            <a:bodyPr rtlCol="0" anchor="ctr"/>
-            <a:lstStyle/>
-            <a:p>
-              <a:pPr algn="ctr"/>
-              <a:r>
-                <a:rPr lang="en-US" altLang="zh-CN" dirty="0" smtClean="0">
-                  <a:solidFill>
-                    <a:schemeClr val="tx1"/>
-                  </a:solidFill>
-                </a:rPr>
-                <a:t>0</a:t>
-              </a:r>
-              <a:endParaRPr lang="zh-CN" altLang="en-US" dirty="0">
-                <a:solidFill>
-                  <a:schemeClr val="tx1"/>
-                </a:solidFill>
-              </a:endParaRPr>
-            </a:p>
-          </p:txBody>
-        </p:sp>
-        <p:sp>
-          <p:nvSpPr>
-            <p:cNvPr id="37" name="矩形 34"/>
-            <p:cNvSpPr/>
-            <p:nvPr/>
-          </p:nvSpPr>
-          <p:spPr>
-            <a:xfrm>
-              <a:off x="1187624" y="4365104"/>
-              <a:ext cx="288032" cy="288032"/>
-            </a:xfrm>
-            <a:prstGeom prst="rect">
-              <a:avLst/>
-            </a:prstGeom>
-            <a:noFill/>
-            <a:ln w="6350"/>
-          </p:spPr>
-          <p:style>
-            <a:lnRef idx="2">
-              <a:schemeClr val="accent1">
-                <a:shade val="50000"/>
-              </a:schemeClr>
-            </a:lnRef>
-            <a:fillRef idx="1">
-              <a:schemeClr val="accent1"/>
-            </a:fillRef>
-            <a:effectRef idx="0">
-              <a:schemeClr val="accent1"/>
-            </a:effectRef>
-            <a:fontRef idx="minor">
-              <a:schemeClr val="lt1"/>
-            </a:fontRef>
-          </p:style>
-          <p:txBody>
-            <a:bodyPr rtlCol="0" anchor="ctr"/>
-            <a:lstStyle/>
-            <a:p>
-              <a:pPr algn="ctr"/>
-              <a:r>
-                <a:rPr lang="en-US" altLang="zh-CN" dirty="0" smtClean="0">
-                  <a:solidFill>
-                    <a:schemeClr val="tx1"/>
-                  </a:solidFill>
-                </a:rPr>
-                <a:t>0</a:t>
-              </a:r>
-              <a:endParaRPr lang="zh-CN" altLang="en-US" dirty="0">
-                <a:solidFill>
-                  <a:schemeClr val="tx1"/>
-                </a:solidFill>
-              </a:endParaRPr>
-            </a:p>
-          </p:txBody>
-        </p:sp>
-        <p:sp>
-          <p:nvSpPr>
-            <p:cNvPr id="38" name="矩形 35"/>
-            <p:cNvSpPr/>
-            <p:nvPr/>
-          </p:nvSpPr>
-          <p:spPr>
-            <a:xfrm>
-              <a:off x="611560" y="4653136"/>
-              <a:ext cx="288032" cy="288032"/>
-            </a:xfrm>
-            <a:prstGeom prst="rect">
-              <a:avLst/>
-            </a:prstGeom>
-            <a:noFill/>
-            <a:ln w="6350"/>
-          </p:spPr>
-          <p:style>
-            <a:lnRef idx="2">
-              <a:schemeClr val="accent1">
-                <a:shade val="50000"/>
-              </a:schemeClr>
-            </a:lnRef>
-            <a:fillRef idx="1">
-              <a:schemeClr val="accent1"/>
-            </a:fillRef>
-            <a:effectRef idx="0">
-              <a:schemeClr val="accent1"/>
-            </a:effectRef>
-            <a:fontRef idx="minor">
-              <a:schemeClr val="lt1"/>
-            </a:fontRef>
-          </p:style>
-          <p:txBody>
-            <a:bodyPr rtlCol="0" anchor="ctr"/>
-            <a:lstStyle/>
-            <a:p>
-              <a:pPr algn="ctr"/>
-              <a:r>
-                <a:rPr lang="en-US" altLang="zh-CN" dirty="0">
-                  <a:solidFill>
-                    <a:schemeClr val="tx1"/>
-                  </a:solidFill>
-                </a:rPr>
-                <a:t>0</a:t>
-              </a:r>
-              <a:endParaRPr lang="zh-CN" altLang="en-US" dirty="0">
-                <a:solidFill>
-                  <a:schemeClr val="tx1"/>
-                </a:solidFill>
-              </a:endParaRPr>
-            </a:p>
-          </p:txBody>
-        </p:sp>
-        <p:sp>
-          <p:nvSpPr>
-            <p:cNvPr id="39" name="矩形 36"/>
-            <p:cNvSpPr/>
-            <p:nvPr/>
-          </p:nvSpPr>
-          <p:spPr>
-            <a:xfrm>
-              <a:off x="899592" y="4653136"/>
-              <a:ext cx="288032" cy="288032"/>
-            </a:xfrm>
-            <a:prstGeom prst="rect">
-              <a:avLst/>
-            </a:prstGeom>
-            <a:ln/>
-          </p:spPr>
-          <p:style>
-            <a:lnRef idx="2">
-              <a:schemeClr val="accent2">
-                <a:shade val="50000"/>
-              </a:schemeClr>
-            </a:lnRef>
-            <a:fillRef idx="1">
-              <a:schemeClr val="accent2"/>
-            </a:fillRef>
-            <a:effectRef idx="0">
-              <a:schemeClr val="accent2"/>
-            </a:effectRef>
-            <a:fontRef idx="minor">
-              <a:schemeClr val="lt1"/>
-            </a:fontRef>
-          </p:style>
-          <p:txBody>
-            <a:bodyPr rtlCol="0" anchor="ctr"/>
-            <a:lstStyle/>
-            <a:p>
-              <a:pPr algn="ctr"/>
-              <a:r>
-                <a:rPr lang="en-US" altLang="zh-CN" dirty="0" smtClean="0">
-                  <a:solidFill>
-                    <a:schemeClr val="tx1"/>
-                  </a:solidFill>
-                </a:rPr>
-                <a:t>1</a:t>
-              </a:r>
-              <a:endParaRPr lang="zh-CN" altLang="en-US" dirty="0">
-                <a:solidFill>
-                  <a:schemeClr val="tx1"/>
-                </a:solidFill>
-              </a:endParaRPr>
-            </a:p>
-          </p:txBody>
-        </p:sp>
-        <p:sp>
-          <p:nvSpPr>
-            <p:cNvPr id="40" name="矩形 37"/>
-            <p:cNvSpPr/>
-            <p:nvPr/>
-          </p:nvSpPr>
-          <p:spPr>
-            <a:xfrm>
-              <a:off x="1187624" y="4653136"/>
-              <a:ext cx="288032" cy="288032"/>
-            </a:xfrm>
-            <a:prstGeom prst="rect">
-              <a:avLst/>
-            </a:prstGeom>
-            <a:noFill/>
-            <a:ln w="6350"/>
-          </p:spPr>
-          <p:style>
-            <a:lnRef idx="2">
-              <a:schemeClr val="accent1">
-                <a:shade val="50000"/>
-              </a:schemeClr>
-            </a:lnRef>
-            <a:fillRef idx="1">
-              <a:schemeClr val="accent1"/>
-            </a:fillRef>
-            <a:effectRef idx="0">
-              <a:schemeClr val="accent1"/>
-            </a:effectRef>
-            <a:fontRef idx="minor">
-              <a:schemeClr val="lt1"/>
-            </a:fontRef>
-          </p:style>
-          <p:txBody>
-            <a:bodyPr rtlCol="0" anchor="ctr"/>
-            <a:lstStyle/>
-            <a:p>
-              <a:pPr algn="ctr"/>
-              <a:r>
-                <a:rPr lang="en-US" altLang="zh-CN" dirty="0">
-                  <a:solidFill>
-                    <a:schemeClr val="tx1"/>
-                  </a:solidFill>
-                </a:rPr>
-                <a:t>0</a:t>
-              </a:r>
-              <a:endParaRPr lang="zh-CN" altLang="en-US" dirty="0">
-                <a:solidFill>
-                  <a:schemeClr val="tx1"/>
-                </a:solidFill>
-              </a:endParaRPr>
-            </a:p>
-          </p:txBody>
-        </p:sp>
-      </p:grpSp>
-      <p:sp>
-        <p:nvSpPr>
-          <p:cNvPr id="41" name="Right Arrow 40"/>
-          <p:cNvSpPr/>
-          <p:nvPr/>
-        </p:nvSpPr>
-        <p:spPr>
-          <a:xfrm rot="10800000">
-            <a:off x="6127283" y="2056303"/>
-            <a:ext cx="648072" cy="216024"/>
-          </a:xfrm>
-          <a:prstGeom prst="rightArrow">
-            <a:avLst/>
-          </a:prstGeom>
-        </p:spPr>
-        <p:style>
-          <a:lnRef idx="2">
-            <a:schemeClr val="accent1">
-              <a:shade val="50000"/>
-            </a:schemeClr>
-          </a:lnRef>
-          <a:fillRef idx="1">
-            <a:schemeClr val="accent1"/>
-          </a:fillRef>
-          <a:effectRef idx="0">
-            <a:schemeClr val="accent1"/>
-          </a:effectRef>
-          <a:fontRef idx="minor">
-            <a:schemeClr val="lt1"/>
-          </a:fontRef>
-        </p:style>
-        <p:txBody>
-          <a:bodyPr rtlCol="0" anchor="ctr"/>
-          <a:lstStyle/>
-          <a:p>
-            <a:pPr algn="ctr"/>
-            <a:endParaRPr lang="en-US"/>
-          </a:p>
-        </p:txBody>
-      </p:sp>
-      <p:sp>
-        <p:nvSpPr>
-          <p:cNvPr id="42" name="矩形 36"/>
-          <p:cNvSpPr/>
-          <p:nvPr/>
-        </p:nvSpPr>
-        <p:spPr>
-          <a:xfrm>
-            <a:off x="6959462" y="2020299"/>
-            <a:ext cx="288032" cy="288032"/>
-          </a:xfrm>
-          <a:prstGeom prst="rect">
-            <a:avLst/>
-          </a:prstGeom>
-          <a:ln/>
-        </p:spPr>
-        <p:style>
-          <a:lnRef idx="2">
-            <a:schemeClr val="accent2">
-              <a:shade val="50000"/>
-            </a:schemeClr>
-          </a:lnRef>
-          <a:fillRef idx="1">
-            <a:schemeClr val="accent2"/>
-          </a:fillRef>
-          <a:effectRef idx="0">
-            <a:schemeClr val="accent2"/>
-          </a:effectRef>
-          <a:fontRef idx="minor">
-            <a:schemeClr val="lt1"/>
-          </a:fontRef>
-        </p:style>
-        <p:txBody>
-          <a:bodyPr rtlCol="0" anchor="ctr"/>
-          <a:lstStyle/>
-          <a:p>
-            <a:pPr algn="ctr"/>
-            <a:r>
-              <a:rPr lang="en-US" altLang="zh-CN" dirty="0">
-                <a:solidFill>
-                  <a:schemeClr val="tx1"/>
-                </a:solidFill>
-              </a:rPr>
-              <a:t>1</a:t>
-            </a:r>
-            <a:endParaRPr lang="zh-CN" altLang="en-US" dirty="0">
-              <a:solidFill>
-                <a:schemeClr val="tx1"/>
-              </a:solidFill>
-            </a:endParaRPr>
-          </a:p>
-        </p:txBody>
-      </p:sp>
-      <p:sp>
-        <p:nvSpPr>
-          <p:cNvPr id="43" name="TextBox 42"/>
-          <p:cNvSpPr txBox="1"/>
-          <p:nvPr/>
-        </p:nvSpPr>
-        <p:spPr>
-          <a:xfrm>
-            <a:off x="6012160" y="1290347"/>
-            <a:ext cx="966803" cy="338554"/>
-          </a:xfrm>
-          <a:prstGeom prst="rect">
-            <a:avLst/>
-          </a:prstGeom>
-          <a:noFill/>
-        </p:spPr>
-        <p:txBody>
-          <a:bodyPr wrap="none" rtlCol="0">
-            <a:spAutoFit/>
-          </a:bodyPr>
-          <a:lstStyle/>
-          <a:p>
-            <a:r>
-              <a:rPr lang="en-US" altLang="zh-CN" sz="1600" dirty="0" err="1" smtClean="0"/>
-              <a:t>Backprop</a:t>
-            </a:r>
-            <a:endParaRPr lang="en-US" sz="1600" dirty="0"/>
-          </a:p>
-        </p:txBody>
-      </p:sp>
-      <p:grpSp>
-        <p:nvGrpSpPr>
-          <p:cNvPr id="44" name="组合 28"/>
-          <p:cNvGrpSpPr/>
-          <p:nvPr/>
-        </p:nvGrpSpPr>
-        <p:grpSpPr>
-          <a:xfrm>
-            <a:off x="5203518" y="4783277"/>
-            <a:ext cx="864096" cy="864096"/>
-            <a:chOff x="611560" y="4077072"/>
-            <a:chExt cx="864096" cy="864096"/>
-          </a:xfrm>
-          <a:solidFill>
-            <a:schemeClr val="accent5">
-              <a:lumMod val="40000"/>
-              <a:lumOff val="60000"/>
-            </a:schemeClr>
-          </a:solidFill>
-        </p:grpSpPr>
-        <p:sp>
-          <p:nvSpPr>
-            <p:cNvPr id="45" name="矩形 29"/>
-            <p:cNvSpPr/>
-            <p:nvPr/>
-          </p:nvSpPr>
-          <p:spPr>
-            <a:xfrm>
-              <a:off x="611560" y="4077072"/>
-              <a:ext cx="288032" cy="288032"/>
-            </a:xfrm>
-            <a:prstGeom prst="rect">
-              <a:avLst/>
-            </a:prstGeom>
-            <a:grpFill/>
-            <a:ln w="6350"/>
-          </p:spPr>
-          <p:style>
-            <a:lnRef idx="2">
-              <a:schemeClr val="accent1">
-                <a:shade val="50000"/>
-              </a:schemeClr>
-            </a:lnRef>
-            <a:fillRef idx="1">
-              <a:schemeClr val="accent1"/>
-            </a:fillRef>
-            <a:effectRef idx="0">
-              <a:schemeClr val="accent1"/>
-            </a:effectRef>
-            <a:fontRef idx="minor">
-              <a:schemeClr val="lt1"/>
-            </a:fontRef>
-          </p:style>
-          <p:txBody>
-            <a:bodyPr lIns="0" rIns="0" rtlCol="0" anchor="ctr"/>
-            <a:lstStyle/>
-            <a:p>
-              <a:pPr algn="ctr"/>
-              <a:r>
-                <a:rPr lang="en-US" altLang="zh-CN" dirty="0">
-                  <a:solidFill>
-                    <a:schemeClr val="tx1"/>
-                  </a:solidFill>
-                </a:rPr>
-                <a:t>1</a:t>
-              </a:r>
-              <a:endParaRPr lang="zh-CN" altLang="en-US" dirty="0">
-                <a:solidFill>
-                  <a:schemeClr val="tx1"/>
-                </a:solidFill>
-              </a:endParaRPr>
-            </a:p>
-          </p:txBody>
-        </p:sp>
-        <p:sp>
-          <p:nvSpPr>
-            <p:cNvPr id="46" name="矩形 30"/>
-            <p:cNvSpPr/>
-            <p:nvPr/>
-          </p:nvSpPr>
-          <p:spPr>
-            <a:xfrm>
-              <a:off x="899592" y="4077072"/>
-              <a:ext cx="288032" cy="288032"/>
-            </a:xfrm>
-            <a:prstGeom prst="rect">
-              <a:avLst/>
-            </a:prstGeom>
-            <a:grpFill/>
-            <a:ln w="6350"/>
-          </p:spPr>
-          <p:style>
-            <a:lnRef idx="2">
-              <a:schemeClr val="accent1">
-                <a:shade val="50000"/>
-              </a:schemeClr>
-            </a:lnRef>
-            <a:fillRef idx="1">
-              <a:schemeClr val="accent1"/>
-            </a:fillRef>
-            <a:effectRef idx="0">
-              <a:schemeClr val="accent1"/>
-            </a:effectRef>
-            <a:fontRef idx="minor">
-              <a:schemeClr val="lt1"/>
-            </a:fontRef>
-          </p:style>
-          <p:txBody>
-            <a:bodyPr lIns="0" rIns="0" rtlCol="0" anchor="ctr"/>
-            <a:lstStyle/>
-            <a:p>
-              <a:pPr algn="ctr"/>
-              <a:r>
-                <a:rPr lang="en-US" altLang="zh-CN" dirty="0" smtClean="0">
-                  <a:solidFill>
-                    <a:schemeClr val="tx1"/>
-                  </a:solidFill>
-                </a:rPr>
-                <a:t>1</a:t>
-              </a:r>
-              <a:endParaRPr lang="zh-CN" altLang="en-US" dirty="0">
-                <a:solidFill>
-                  <a:schemeClr val="tx1"/>
-                </a:solidFill>
-              </a:endParaRPr>
-            </a:p>
-          </p:txBody>
-        </p:sp>
-        <p:sp>
-          <p:nvSpPr>
-            <p:cNvPr id="47" name="矩形 31"/>
-            <p:cNvSpPr/>
-            <p:nvPr/>
-          </p:nvSpPr>
-          <p:spPr>
-            <a:xfrm>
-              <a:off x="1187624" y="4077072"/>
-              <a:ext cx="288032" cy="288032"/>
-            </a:xfrm>
-            <a:prstGeom prst="rect">
-              <a:avLst/>
-            </a:prstGeom>
-            <a:grpFill/>
-            <a:ln w="6350"/>
-          </p:spPr>
-          <p:style>
-            <a:lnRef idx="2">
-              <a:schemeClr val="accent1">
-                <a:shade val="50000"/>
-              </a:schemeClr>
-            </a:lnRef>
-            <a:fillRef idx="1">
-              <a:schemeClr val="accent1"/>
-            </a:fillRef>
-            <a:effectRef idx="0">
-              <a:schemeClr val="accent1"/>
-            </a:effectRef>
-            <a:fontRef idx="minor">
-              <a:schemeClr val="lt1"/>
-            </a:fontRef>
-          </p:style>
-          <p:txBody>
-            <a:bodyPr lIns="0" rIns="0" rtlCol="0" anchor="ctr"/>
-            <a:lstStyle/>
-            <a:p>
-              <a:pPr algn="ctr"/>
-              <a:r>
-                <a:rPr lang="en-US" altLang="zh-CN" dirty="0" smtClean="0">
-                  <a:solidFill>
-                    <a:schemeClr val="tx1"/>
-                  </a:solidFill>
-                </a:rPr>
-                <a:t>1</a:t>
-              </a:r>
-              <a:endParaRPr lang="zh-CN" altLang="en-US" dirty="0">
-                <a:solidFill>
-                  <a:schemeClr val="tx1"/>
-                </a:solidFill>
-              </a:endParaRPr>
-            </a:p>
-          </p:txBody>
-        </p:sp>
-        <p:sp>
-          <p:nvSpPr>
-            <p:cNvPr id="48" name="矩形 32"/>
-            <p:cNvSpPr/>
-            <p:nvPr/>
-          </p:nvSpPr>
-          <p:spPr>
-            <a:xfrm>
-              <a:off x="611560" y="4365104"/>
-              <a:ext cx="288032" cy="288032"/>
-            </a:xfrm>
-            <a:prstGeom prst="rect">
-              <a:avLst/>
-            </a:prstGeom>
-            <a:grpFill/>
-            <a:ln w="6350"/>
-          </p:spPr>
-          <p:style>
-            <a:lnRef idx="2">
-              <a:schemeClr val="accent1">
-                <a:shade val="50000"/>
-              </a:schemeClr>
-            </a:lnRef>
-            <a:fillRef idx="1">
-              <a:schemeClr val="accent1"/>
-            </a:fillRef>
-            <a:effectRef idx="0">
-              <a:schemeClr val="accent1"/>
-            </a:effectRef>
-            <a:fontRef idx="minor">
-              <a:schemeClr val="lt1"/>
-            </a:fontRef>
-          </p:style>
-          <p:txBody>
-            <a:bodyPr rtlCol="0" anchor="ctr"/>
-            <a:lstStyle/>
-            <a:p>
-              <a:pPr algn="ctr"/>
-              <a:r>
-                <a:rPr lang="en-US" altLang="zh-CN" dirty="0">
-                  <a:solidFill>
-                    <a:schemeClr val="tx1"/>
-                  </a:solidFill>
-                </a:rPr>
-                <a:t>1</a:t>
-              </a:r>
-              <a:endParaRPr lang="zh-CN" altLang="en-US" dirty="0">
-                <a:solidFill>
-                  <a:schemeClr val="tx1"/>
-                </a:solidFill>
-              </a:endParaRPr>
-            </a:p>
-          </p:txBody>
-        </p:sp>
-        <p:sp>
-          <p:nvSpPr>
-            <p:cNvPr id="49" name="矩形 33"/>
-            <p:cNvSpPr/>
-            <p:nvPr/>
-          </p:nvSpPr>
-          <p:spPr>
-            <a:xfrm>
-              <a:off x="899592" y="4365104"/>
-              <a:ext cx="288032" cy="288032"/>
-            </a:xfrm>
-            <a:prstGeom prst="rect">
-              <a:avLst/>
-            </a:prstGeom>
-            <a:grpFill/>
-            <a:ln w="6350"/>
-          </p:spPr>
-          <p:style>
-            <a:lnRef idx="2">
-              <a:schemeClr val="accent1">
-                <a:shade val="50000"/>
-              </a:schemeClr>
-            </a:lnRef>
-            <a:fillRef idx="1">
-              <a:schemeClr val="accent1"/>
-            </a:fillRef>
-            <a:effectRef idx="0">
-              <a:schemeClr val="accent1"/>
-            </a:effectRef>
-            <a:fontRef idx="minor">
-              <a:schemeClr val="lt1"/>
-            </a:fontRef>
-          </p:style>
-          <p:txBody>
-            <a:bodyPr rtlCol="0" anchor="ctr"/>
-            <a:lstStyle/>
-            <a:p>
-              <a:pPr algn="ctr"/>
-              <a:r>
-                <a:rPr lang="en-US" altLang="zh-CN" dirty="0">
-                  <a:solidFill>
-                    <a:schemeClr val="tx1"/>
-                  </a:solidFill>
-                </a:rPr>
-                <a:t>1</a:t>
-              </a:r>
-              <a:endParaRPr lang="zh-CN" altLang="en-US" dirty="0">
-                <a:solidFill>
-                  <a:schemeClr val="tx1"/>
-                </a:solidFill>
-              </a:endParaRPr>
-            </a:p>
-          </p:txBody>
-        </p:sp>
-        <p:sp>
-          <p:nvSpPr>
-            <p:cNvPr id="50" name="矩形 34"/>
-            <p:cNvSpPr/>
-            <p:nvPr/>
-          </p:nvSpPr>
-          <p:spPr>
-            <a:xfrm>
-              <a:off x="1187624" y="4365104"/>
-              <a:ext cx="288032" cy="288032"/>
-            </a:xfrm>
-            <a:prstGeom prst="rect">
-              <a:avLst/>
-            </a:prstGeom>
-            <a:grpFill/>
-            <a:ln w="6350"/>
-          </p:spPr>
-          <p:style>
-            <a:lnRef idx="2">
-              <a:schemeClr val="accent1">
-                <a:shade val="50000"/>
-              </a:schemeClr>
-            </a:lnRef>
-            <a:fillRef idx="1">
-              <a:schemeClr val="accent1"/>
-            </a:fillRef>
-            <a:effectRef idx="0">
-              <a:schemeClr val="accent1"/>
-            </a:effectRef>
-            <a:fontRef idx="minor">
-              <a:schemeClr val="lt1"/>
-            </a:fontRef>
-          </p:style>
-          <p:txBody>
-            <a:bodyPr rtlCol="0" anchor="ctr"/>
-            <a:lstStyle/>
-            <a:p>
-              <a:pPr algn="ctr"/>
-              <a:r>
-                <a:rPr lang="en-US" altLang="zh-CN" dirty="0">
-                  <a:solidFill>
-                    <a:schemeClr val="tx1"/>
-                  </a:solidFill>
-                </a:rPr>
-                <a:t>1</a:t>
-              </a:r>
-              <a:endParaRPr lang="zh-CN" altLang="en-US" dirty="0">
-                <a:solidFill>
-                  <a:schemeClr val="tx1"/>
-                </a:solidFill>
-              </a:endParaRPr>
-            </a:p>
-          </p:txBody>
-        </p:sp>
-        <p:sp>
-          <p:nvSpPr>
-            <p:cNvPr id="51" name="矩形 35"/>
-            <p:cNvSpPr/>
-            <p:nvPr/>
-          </p:nvSpPr>
-          <p:spPr>
-            <a:xfrm>
-              <a:off x="611560" y="4653136"/>
-              <a:ext cx="288032" cy="288032"/>
-            </a:xfrm>
-            <a:prstGeom prst="rect">
-              <a:avLst/>
-            </a:prstGeom>
-            <a:grpFill/>
-            <a:ln w="6350"/>
-          </p:spPr>
-          <p:style>
-            <a:lnRef idx="2">
-              <a:schemeClr val="accent1">
-                <a:shade val="50000"/>
-              </a:schemeClr>
-            </a:lnRef>
-            <a:fillRef idx="1">
-              <a:schemeClr val="accent1"/>
-            </a:fillRef>
-            <a:effectRef idx="0">
-              <a:schemeClr val="accent1"/>
-            </a:effectRef>
-            <a:fontRef idx="minor">
-              <a:schemeClr val="lt1"/>
-            </a:fontRef>
-          </p:style>
-          <p:txBody>
-            <a:bodyPr rtlCol="0" anchor="ctr"/>
-            <a:lstStyle/>
-            <a:p>
-              <a:pPr algn="ctr"/>
-              <a:r>
-                <a:rPr lang="en-US" altLang="zh-CN" dirty="0">
-                  <a:solidFill>
-                    <a:schemeClr val="tx1"/>
-                  </a:solidFill>
-                </a:rPr>
-                <a:t>1</a:t>
-              </a:r>
-              <a:endParaRPr lang="zh-CN" altLang="en-US" dirty="0">
-                <a:solidFill>
-                  <a:schemeClr val="tx1"/>
-                </a:solidFill>
-              </a:endParaRPr>
-            </a:p>
-          </p:txBody>
-        </p:sp>
-        <p:sp>
-          <p:nvSpPr>
-            <p:cNvPr id="52" name="矩形 36"/>
-            <p:cNvSpPr/>
-            <p:nvPr/>
-          </p:nvSpPr>
-          <p:spPr>
-            <a:xfrm>
-              <a:off x="899592" y="4653136"/>
-              <a:ext cx="288032" cy="288032"/>
-            </a:xfrm>
-            <a:prstGeom prst="rect">
-              <a:avLst/>
-            </a:prstGeom>
-            <a:grpFill/>
-            <a:ln w="3175"/>
-          </p:spPr>
-          <p:style>
-            <a:lnRef idx="2">
-              <a:schemeClr val="accent1"/>
-            </a:lnRef>
-            <a:fillRef idx="1">
-              <a:schemeClr val="lt1"/>
-            </a:fillRef>
-            <a:effectRef idx="0">
-              <a:schemeClr val="accent1"/>
-            </a:effectRef>
-            <a:fontRef idx="minor">
-              <a:schemeClr val="dk1"/>
-            </a:fontRef>
-          </p:style>
-          <p:txBody>
-            <a:bodyPr rtlCol="0" anchor="ctr"/>
-            <a:lstStyle/>
-            <a:p>
-              <a:pPr algn="ctr"/>
-              <a:r>
-                <a:rPr lang="en-US" altLang="zh-CN" dirty="0" smtClean="0">
-                  <a:solidFill>
-                    <a:schemeClr val="tx1"/>
-                  </a:solidFill>
-                </a:rPr>
-                <a:t>1</a:t>
-              </a:r>
-              <a:endParaRPr lang="zh-CN" altLang="en-US" dirty="0">
-                <a:solidFill>
-                  <a:schemeClr val="tx1"/>
-                </a:solidFill>
-              </a:endParaRPr>
-            </a:p>
-          </p:txBody>
-        </p:sp>
-        <p:sp>
-          <p:nvSpPr>
-            <p:cNvPr id="53" name="矩形 37"/>
-            <p:cNvSpPr/>
-            <p:nvPr/>
-          </p:nvSpPr>
-          <p:spPr>
-            <a:xfrm>
-              <a:off x="1187624" y="4653136"/>
-              <a:ext cx="288032" cy="288032"/>
-            </a:xfrm>
-            <a:prstGeom prst="rect">
-              <a:avLst/>
-            </a:prstGeom>
-            <a:grpFill/>
-            <a:ln w="6350"/>
-          </p:spPr>
-          <p:style>
-            <a:lnRef idx="2">
-              <a:schemeClr val="accent1">
-                <a:shade val="50000"/>
-              </a:schemeClr>
-            </a:lnRef>
-            <a:fillRef idx="1">
-              <a:schemeClr val="accent1"/>
-            </a:fillRef>
-            <a:effectRef idx="0">
-              <a:schemeClr val="accent1"/>
-            </a:effectRef>
-            <a:fontRef idx="minor">
-              <a:schemeClr val="lt1"/>
-            </a:fontRef>
-          </p:style>
-          <p:txBody>
-            <a:bodyPr rtlCol="0" anchor="ctr"/>
-            <a:lstStyle/>
-            <a:p>
-              <a:pPr algn="ctr"/>
-              <a:r>
-                <a:rPr lang="en-US" altLang="zh-CN" dirty="0">
-                  <a:solidFill>
-                    <a:schemeClr val="tx1"/>
-                  </a:solidFill>
-                </a:rPr>
-                <a:t>1</a:t>
-              </a:r>
-              <a:endParaRPr lang="zh-CN" altLang="en-US" dirty="0">
-                <a:solidFill>
-                  <a:schemeClr val="tx1"/>
-                </a:solidFill>
-              </a:endParaRPr>
-            </a:p>
-          </p:txBody>
-        </p:sp>
-      </p:grpSp>
-      <p:sp>
-        <p:nvSpPr>
-          <p:cNvPr id="54" name="Right Arrow 53"/>
-          <p:cNvSpPr/>
-          <p:nvPr/>
-        </p:nvSpPr>
-        <p:spPr>
-          <a:xfrm rot="10800000">
-            <a:off x="6242406" y="5071309"/>
-            <a:ext cx="648072" cy="216024"/>
-          </a:xfrm>
-          <a:prstGeom prst="rightArrow">
-            <a:avLst/>
-          </a:prstGeom>
-        </p:spPr>
-        <p:style>
-          <a:lnRef idx="2">
-            <a:schemeClr val="accent1">
-              <a:shade val="50000"/>
-            </a:schemeClr>
-          </a:lnRef>
-          <a:fillRef idx="1">
-            <a:schemeClr val="accent1"/>
-          </a:fillRef>
-          <a:effectRef idx="0">
-            <a:schemeClr val="accent1"/>
-          </a:effectRef>
-          <a:fontRef idx="minor">
-            <a:schemeClr val="lt1"/>
-          </a:fontRef>
-        </p:style>
-        <p:txBody>
-          <a:bodyPr rtlCol="0" anchor="ctr"/>
-          <a:lstStyle/>
-          <a:p>
-            <a:pPr algn="ctr"/>
-            <a:endParaRPr lang="en-US"/>
-          </a:p>
-        </p:txBody>
-      </p:sp>
-      <p:sp>
-        <p:nvSpPr>
-          <p:cNvPr id="55" name="矩形 36"/>
-          <p:cNvSpPr/>
-          <p:nvPr/>
-        </p:nvSpPr>
-        <p:spPr>
-          <a:xfrm>
-            <a:off x="7074585" y="5035305"/>
-            <a:ext cx="288032" cy="288032"/>
-          </a:xfrm>
-          <a:prstGeom prst="rect">
-            <a:avLst/>
-          </a:prstGeom>
-          <a:ln/>
-        </p:spPr>
-        <p:style>
-          <a:lnRef idx="2">
-            <a:schemeClr val="accent5">
-              <a:shade val="50000"/>
-            </a:schemeClr>
-          </a:lnRef>
-          <a:fillRef idx="1">
-            <a:schemeClr val="accent5"/>
-          </a:fillRef>
-          <a:effectRef idx="0">
-            <a:schemeClr val="accent5"/>
-          </a:effectRef>
-          <a:fontRef idx="minor">
-            <a:schemeClr val="lt1"/>
-          </a:fontRef>
-        </p:style>
-        <p:txBody>
-          <a:bodyPr rtlCol="0" anchor="ctr"/>
-          <a:lstStyle/>
-          <a:p>
-            <a:pPr algn="ctr"/>
-            <a:r>
-              <a:rPr lang="en-US" altLang="zh-CN" dirty="0" smtClean="0">
-                <a:solidFill>
-                  <a:schemeClr val="tx1"/>
-                </a:solidFill>
-              </a:rPr>
-              <a:t>9</a:t>
-            </a:r>
-            <a:endParaRPr lang="zh-CN" altLang="en-US" dirty="0">
-              <a:solidFill>
-                <a:schemeClr val="tx1"/>
-              </a:solidFill>
-            </a:endParaRPr>
-          </a:p>
-        </p:txBody>
-      </p:sp>
-      <p:sp>
-        <p:nvSpPr>
-          <p:cNvPr id="56" name="TextBox 55"/>
-          <p:cNvSpPr txBox="1"/>
-          <p:nvPr/>
-        </p:nvSpPr>
-        <p:spPr>
-          <a:xfrm>
-            <a:off x="6127283" y="4305353"/>
-            <a:ext cx="966803" cy="338554"/>
-          </a:xfrm>
-          <a:prstGeom prst="rect">
-            <a:avLst/>
-          </a:prstGeom>
-          <a:noFill/>
-        </p:spPr>
-        <p:txBody>
-          <a:bodyPr wrap="none" rtlCol="0">
-            <a:spAutoFit/>
-          </a:bodyPr>
-          <a:lstStyle/>
-          <a:p>
-            <a:r>
-              <a:rPr lang="en-US" altLang="zh-CN" sz="1600" dirty="0" err="1" smtClean="0"/>
-              <a:t>Backprop</a:t>
-            </a:r>
-            <a:endParaRPr lang="en-US" sz="1600" dirty="0"/>
-          </a:p>
-        </p:txBody>
-      </p:sp>
-      <p:pic>
-        <p:nvPicPr>
-          <p:cNvPr id="57" name="Picture 56"/>
-          <p:cNvPicPr>
-            <a:picLocks noChangeAspect="1"/>
-          </p:cNvPicPr>
-          <p:nvPr/>
-        </p:nvPicPr>
-        <p:blipFill>
-          <a:blip r:embed="rId2"/>
-          <a:stretch>
-            <a:fillRect/>
-          </a:stretch>
-        </p:blipFill>
-        <p:spPr>
-          <a:xfrm>
-            <a:off x="2025317" y="2921205"/>
-            <a:ext cx="4599037" cy="372071"/>
-          </a:xfrm>
-          <a:prstGeom prst="rect">
-            <a:avLst/>
-          </a:prstGeom>
+          <a:extLst>
+            <a:ext uri="{909E8E84-426E-40DD-AFC4-6F175D3DCCD1}">
+              <a14:hiddenFill xmlns:a14="http://schemas.microsoft.com/office/drawing/2010/main">
+                <a:solidFill>
+                  <a:srgbClr val="FFFFFF"/>
+                </a:solidFill>
+              </a14:hiddenFill>
+            </a:ext>
+          </a:extLst>
         </p:spPr>
       </p:pic>
       <p:pic>
         <p:nvPicPr>
-          <p:cNvPr id="59" name="Picture 58"/>
+          <p:cNvPr id="5" name="Picture 4"/>
           <p:cNvPicPr>
             <a:picLocks noChangeAspect="1"/>
           </p:cNvPicPr>
@@ -5966,14 +3555,166 @@
         </p:blipFill>
         <p:spPr>
           <a:xfrm>
-            <a:off x="1647441" y="5905054"/>
-            <a:ext cx="5498595" cy="457708"/>
+            <a:off x="4354392" y="2132856"/>
+            <a:ext cx="4583009" cy="3435032"/>
           </a:xfrm>
           <a:prstGeom prst="rect">
             <a:avLst/>
           </a:prstGeom>
         </p:spPr>
       </p:pic>
+      <p:sp>
+        <p:nvSpPr>
+          <p:cNvPr id="6" name="Rectangle 5"/>
+          <p:cNvSpPr/>
+          <p:nvPr/>
+        </p:nvSpPr>
+        <p:spPr>
+          <a:xfrm>
+            <a:off x="1245940" y="3975447"/>
+            <a:ext cx="3245064" cy="923330"/>
+          </a:xfrm>
+          <a:prstGeom prst="rect">
+            <a:avLst/>
+          </a:prstGeom>
+        </p:spPr>
+        <p:txBody>
+          <a:bodyPr wrap="square">
+            <a:spAutoFit/>
+          </a:bodyPr>
+          <a:lstStyle/>
+          <a:p>
+            <a:pPr algn="just"/>
+            <a:r>
+              <a:rPr lang="en-US" dirty="0"/>
+              <a:t>The rectifier activation function </a:t>
+            </a:r>
+            <a:r>
+              <a:rPr lang="en-US" dirty="0" smtClean="0"/>
+              <a:t>allows a </a:t>
+            </a:r>
+            <a:r>
+              <a:rPr lang="en-US" dirty="0"/>
+              <a:t>network to easily obtain sparse representations.</a:t>
+            </a:r>
+          </a:p>
+        </p:txBody>
+      </p:sp>
+      <p:sp>
+        <p:nvSpPr>
+          <p:cNvPr id="7" name="Rectangle 6"/>
+          <p:cNvSpPr/>
+          <p:nvPr/>
+        </p:nvSpPr>
+        <p:spPr>
+          <a:xfrm>
+            <a:off x="325961" y="693857"/>
+            <a:ext cx="8529805" cy="430887"/>
+          </a:xfrm>
+          <a:prstGeom prst="rect">
+            <a:avLst/>
+          </a:prstGeom>
+        </p:spPr>
+        <p:txBody>
+          <a:bodyPr wrap="square">
+            <a:spAutoFit/>
+          </a:bodyPr>
+          <a:lstStyle/>
+          <a:p>
+            <a:r>
+              <a:rPr lang="en-US" sz="1100" dirty="0" err="1">
+                <a:solidFill>
+                  <a:srgbClr val="222222"/>
+                </a:solidFill>
+                <a:latin typeface="Arial" panose="020B0604020202020204" pitchFamily="34" charset="0"/>
+              </a:rPr>
+              <a:t>Glorot</a:t>
+            </a:r>
+            <a:r>
+              <a:rPr lang="en-US" sz="1100" dirty="0">
+                <a:solidFill>
+                  <a:srgbClr val="222222"/>
+                </a:solidFill>
+                <a:latin typeface="Arial" panose="020B0604020202020204" pitchFamily="34" charset="0"/>
+              </a:rPr>
+              <a:t>, Xavier, Antoine </a:t>
+            </a:r>
+            <a:r>
+              <a:rPr lang="en-US" sz="1100" dirty="0" err="1">
+                <a:solidFill>
+                  <a:srgbClr val="222222"/>
+                </a:solidFill>
+                <a:latin typeface="Arial" panose="020B0604020202020204" pitchFamily="34" charset="0"/>
+              </a:rPr>
+              <a:t>Bordes</a:t>
+            </a:r>
+            <a:r>
+              <a:rPr lang="en-US" sz="1100" dirty="0">
+                <a:solidFill>
+                  <a:srgbClr val="222222"/>
+                </a:solidFill>
+                <a:latin typeface="Arial" panose="020B0604020202020204" pitchFamily="34" charset="0"/>
+              </a:rPr>
+              <a:t>, and </a:t>
+            </a:r>
+            <a:r>
+              <a:rPr lang="en-US" sz="1100" dirty="0" err="1">
+                <a:solidFill>
+                  <a:srgbClr val="222222"/>
+                </a:solidFill>
+                <a:latin typeface="Arial" panose="020B0604020202020204" pitchFamily="34" charset="0"/>
+              </a:rPr>
+              <a:t>Yoshua</a:t>
+            </a:r>
+            <a:r>
+              <a:rPr lang="en-US" sz="1100" dirty="0">
+                <a:solidFill>
+                  <a:srgbClr val="222222"/>
+                </a:solidFill>
+                <a:latin typeface="Arial" panose="020B0604020202020204" pitchFamily="34" charset="0"/>
+              </a:rPr>
+              <a:t> </a:t>
+            </a:r>
+            <a:r>
+              <a:rPr lang="en-US" sz="1100" dirty="0" err="1">
+                <a:solidFill>
+                  <a:srgbClr val="222222"/>
+                </a:solidFill>
+                <a:latin typeface="Arial" panose="020B0604020202020204" pitchFamily="34" charset="0"/>
+              </a:rPr>
+              <a:t>Bengio</a:t>
+            </a:r>
+            <a:r>
+              <a:rPr lang="en-US" sz="1100" dirty="0">
+                <a:solidFill>
+                  <a:srgbClr val="222222"/>
+                </a:solidFill>
+                <a:latin typeface="Arial" panose="020B0604020202020204" pitchFamily="34" charset="0"/>
+              </a:rPr>
+              <a:t>. "Deep sparse rectifier networks." </a:t>
+            </a:r>
+            <a:r>
+              <a:rPr lang="en-US" sz="1100" i="1" dirty="0">
+                <a:solidFill>
+                  <a:srgbClr val="222222"/>
+                </a:solidFill>
+                <a:latin typeface="Arial" panose="020B0604020202020204" pitchFamily="34" charset="0"/>
+              </a:rPr>
+              <a:t>Proceedings of the 14th International Conference on Artificial Intelligence and Statistics. JMLR W&amp;CP Volume</a:t>
+            </a:r>
+            <a:r>
+              <a:rPr lang="en-US" sz="1100" dirty="0">
+                <a:solidFill>
+                  <a:srgbClr val="222222"/>
+                </a:solidFill>
+                <a:latin typeface="Arial" panose="020B0604020202020204" pitchFamily="34" charset="0"/>
+              </a:rPr>
+              <a:t>. Vol. 15. 2011.</a:t>
+            </a:r>
+            <a:endParaRPr lang="en-US" sz="1100" dirty="0"/>
+          </a:p>
+        </p:txBody>
+      </p:sp>
     </p:spTree>
     <p:extLst>
       <p:ext uri="{BB962C8B-B14F-4D97-AF65-F5344CB8AC3E}">
@@ -6030,149 +3771,50 @@
           <a:p>
             <a:r>
               <a:rPr lang="en-US" altLang="zh-CN" dirty="0" smtClean="0"/>
-              <a:t>Definition </a:t>
-            </a:r>
-            <a:r>
-              <a:rPr lang="en-US" altLang="zh-CN" dirty="0"/>
-              <a:t>– </a:t>
-            </a:r>
-            <a:r>
-              <a:rPr lang="en-US" altLang="zh-CN" dirty="0" smtClean="0"/>
-              <a:t>Active Function</a:t>
-            </a:r>
-            <a:endParaRPr lang="zh-CN" altLang="en-US" dirty="0"/>
-          </a:p>
-        </p:txBody>
-      </p:sp>
-      <p:sp>
-        <p:nvSpPr>
-          <p:cNvPr id="3" name="Rectangle 2"/>
-          <p:cNvSpPr/>
+              <a:t>Application – Image</a:t>
+            </a:r>
+          </a:p>
+        </p:txBody>
+      </p:sp>
+      <p:sp>
+        <p:nvSpPr>
+          <p:cNvPr id="3" name="文本框 2"/>
+          <p:cNvSpPr txBox="1"/>
           <p:nvPr/>
         </p:nvSpPr>
         <p:spPr>
           <a:xfrm>
-            <a:off x="1403648" y="2492896"/>
-            <a:ext cx="2929648" cy="369332"/>
+            <a:off x="1115616" y="106759"/>
+            <a:ext cx="6894388" cy="307777"/>
           </a:xfrm>
           <a:prstGeom prst="rect">
             <a:avLst/>
           </a:prstGeom>
-        </p:spPr>
-        <p:txBody>
-          <a:bodyPr wrap="none">
+          <a:noFill/>
+        </p:spPr>
+        <p:txBody>
+          <a:bodyPr wrap="none" rtlCol="0">
             <a:spAutoFit/>
           </a:bodyPr>
           <a:lstStyle/>
           <a:p>
             <a:r>
-              <a:rPr lang="en-US" b="1" dirty="0" err="1" smtClean="0">
-                <a:solidFill>
-                  <a:srgbClr val="252525"/>
-                </a:solidFill>
-                <a:latin typeface="Arial" panose="020B0604020202020204" pitchFamily="34" charset="0"/>
-              </a:rPr>
-              <a:t>ReLU</a:t>
-            </a:r>
-            <a:r>
-              <a:rPr lang="en-US" b="1" dirty="0" smtClean="0">
-                <a:solidFill>
-                  <a:srgbClr val="252525"/>
-                </a:solidFill>
-                <a:latin typeface="Arial" panose="020B0604020202020204" pitchFamily="34" charset="0"/>
-              </a:rPr>
-              <a:t> : </a:t>
-            </a:r>
-            <a:r>
-              <a:rPr lang="en-US" dirty="0"/>
-              <a:t> </a:t>
-            </a:r>
-            <a:r>
-              <a:rPr lang="en-US" b="1" dirty="0"/>
-              <a:t>rectified linear unit</a:t>
-            </a:r>
-            <a:r>
-              <a:rPr lang="en-US" dirty="0"/>
-              <a:t> </a:t>
-            </a:r>
-          </a:p>
-        </p:txBody>
-      </p:sp>
-      <p:sp>
-        <p:nvSpPr>
-          <p:cNvPr id="4" name="Rectangle 3"/>
-          <p:cNvSpPr/>
-          <p:nvPr/>
-        </p:nvSpPr>
-        <p:spPr>
-          <a:xfrm>
-            <a:off x="323528" y="268152"/>
-            <a:ext cx="8532238" cy="430887"/>
-          </a:xfrm>
-          <a:prstGeom prst="rect">
-            <a:avLst/>
-          </a:prstGeom>
-        </p:spPr>
-        <p:txBody>
-          <a:bodyPr wrap="square">
-            <a:spAutoFit/>
-          </a:bodyPr>
-          <a:lstStyle/>
-          <a:p>
-            <a:r>
-              <a:rPr lang="en-US" sz="1100" dirty="0">
-                <a:solidFill>
-                  <a:srgbClr val="222222"/>
-                </a:solidFill>
-                <a:latin typeface="Arial" panose="020B0604020202020204" pitchFamily="34" charset="0"/>
-              </a:rPr>
-              <a:t>Nair, Vinod, and Geoffrey E. Hinton. "Rectified linear units improve restricted </a:t>
-            </a:r>
-            <a:r>
-              <a:rPr lang="en-US" sz="1100" dirty="0" err="1">
-                <a:solidFill>
-                  <a:srgbClr val="222222"/>
-                </a:solidFill>
-                <a:latin typeface="Arial" panose="020B0604020202020204" pitchFamily="34" charset="0"/>
-              </a:rPr>
-              <a:t>boltzmann</a:t>
-            </a:r>
-            <a:r>
-              <a:rPr lang="en-US" sz="1100" dirty="0">
-                <a:solidFill>
-                  <a:srgbClr val="222222"/>
-                </a:solidFill>
-                <a:latin typeface="Arial" panose="020B0604020202020204" pitchFamily="34" charset="0"/>
-              </a:rPr>
-              <a:t> machines." </a:t>
-            </a:r>
-            <a:r>
-              <a:rPr lang="en-US" sz="1100" i="1" dirty="0">
-                <a:solidFill>
-                  <a:srgbClr val="222222"/>
-                </a:solidFill>
-                <a:latin typeface="Arial" panose="020B0604020202020204" pitchFamily="34" charset="0"/>
-              </a:rPr>
-              <a:t>Proceedings of the 27th International Conference on Machine Learning (ICML-10)</a:t>
-            </a:r>
-            <a:r>
-              <a:rPr lang="en-US" sz="1100" dirty="0">
-                <a:solidFill>
-                  <a:srgbClr val="222222"/>
-                </a:solidFill>
-                <a:latin typeface="Arial" panose="020B0604020202020204" pitchFamily="34" charset="0"/>
-              </a:rPr>
-              <a:t>. 2010.</a:t>
-            </a:r>
-            <a:endParaRPr lang="en-US" sz="1100" dirty="0"/>
+              <a:rPr lang="en-US" altLang="zh-CN" sz="1400" dirty="0" smtClean="0"/>
+              <a:t>From http</a:t>
+            </a:r>
+            <a:r>
+              <a:rPr lang="en-US" altLang="zh-CN" sz="1400" dirty="0"/>
+              <a:t>://rodrigob.github.io/are_we_there_yet/build/classification_datasets_results.html</a:t>
+            </a:r>
+            <a:endParaRPr lang="zh-CN" altLang="en-US" sz="1400" dirty="0"/>
           </a:p>
         </p:txBody>
       </p:sp>
       <p:pic>
         <p:nvPicPr>
-          <p:cNvPr id="13314" name="Picture 2" descr="f(x) = \max(0, x)"/>
+          <p:cNvPr id="6" name="图片 5"/>
           <p:cNvPicPr>
-            <a:picLocks noChangeAspect="1" noChangeArrowheads="1"/>
+            <a:picLocks noChangeAspect="1"/>
           </p:cNvPicPr>
           <p:nvPr/>
         </p:nvPicPr>
@@ -6184,211 +3826,24 @@
               </a:ext>
             </a:extLst>
           </a:blip>
-          <a:srcRect/>
           <a:stretch>
             <a:fillRect/>
           </a:stretch>
         </p:blipFill>
-        <p:spPr bwMode="auto">
-          <a:xfrm>
-            <a:off x="1979712" y="3318048"/>
-            <a:ext cx="1897451" cy="278647"/>
+        <p:spPr>
+          <a:xfrm>
+            <a:off x="1259632" y="764705"/>
+            <a:ext cx="6823836" cy="5400600"/>
           </a:xfrm>
           <a:prstGeom prst="rect">
             <a:avLst/>
           </a:prstGeom>
-          <a:noFill/>
-          <a:extLst>
-            <a:ext uri="{909E8E84-426E-40DD-AFC4-6F175D3DCCD1}">
-              <a14:hiddenFill xmlns:a14="http://schemas.microsoft.com/office/drawing/2010/main">
-                <a:solidFill>
-                  <a:srgbClr val="FFFFFF"/>
-                </a:solidFill>
-              </a14:hiddenFill>
-            </a:ext>
-          </a:extLst>
         </p:spPr>
       </p:pic>
-      <p:pic>
-        <p:nvPicPr>
-          <p:cNvPr id="5" name="Picture 4"/>
-          <p:cNvPicPr>
-            <a:picLocks noChangeAspect="1"/>
-          </p:cNvPicPr>
-          <p:nvPr/>
-        </p:nvPicPr>
-        <p:blipFill>
-          <a:blip r:embed="rId3"/>
-          <a:stretch>
-            <a:fillRect/>
-          </a:stretch>
-        </p:blipFill>
-        <p:spPr>
-          <a:xfrm>
-            <a:off x="4354392" y="2132856"/>
-            <a:ext cx="4583009" cy="3435032"/>
-          </a:xfrm>
-          <a:prstGeom prst="rect">
-            <a:avLst/>
-          </a:prstGeom>
-        </p:spPr>
-      </p:pic>
-      <p:sp>
-        <p:nvSpPr>
-          <p:cNvPr id="6" name="Rectangle 5"/>
-          <p:cNvSpPr/>
-          <p:nvPr/>
-        </p:nvSpPr>
-        <p:spPr>
-          <a:xfrm>
-            <a:off x="1245940" y="3975447"/>
-            <a:ext cx="3245064" cy="923330"/>
-          </a:xfrm>
-          <a:prstGeom prst="rect">
-            <a:avLst/>
-          </a:prstGeom>
-        </p:spPr>
-        <p:txBody>
-          <a:bodyPr wrap="square">
-            <a:spAutoFit/>
-          </a:bodyPr>
-          <a:lstStyle/>
-          <a:p>
-            <a:pPr algn="just"/>
-            <a:r>
-              <a:rPr lang="en-US" dirty="0"/>
-              <a:t>The rectifier activation function </a:t>
-            </a:r>
-            <a:r>
-              <a:rPr lang="en-US" dirty="0" smtClean="0"/>
-              <a:t>allows a </a:t>
-            </a:r>
-            <a:r>
-              <a:rPr lang="en-US" dirty="0"/>
-              <a:t>network to easily obtain sparse representations.</a:t>
-            </a:r>
-          </a:p>
-        </p:txBody>
-      </p:sp>
-      <p:sp>
-        <p:nvSpPr>
-          <p:cNvPr id="7" name="Rectangle 6"/>
-          <p:cNvSpPr/>
-          <p:nvPr/>
-        </p:nvSpPr>
-        <p:spPr>
-          <a:xfrm>
-            <a:off x="325961" y="693857"/>
-            <a:ext cx="8529805" cy="430887"/>
-          </a:xfrm>
-          <a:prstGeom prst="rect">
-            <a:avLst/>
-          </a:prstGeom>
-        </p:spPr>
-        <p:txBody>
-          <a:bodyPr wrap="square">
-            <a:spAutoFit/>
-          </a:bodyPr>
-          <a:lstStyle/>
-          <a:p>
-            <a:r>
-              <a:rPr lang="en-US" sz="1100" dirty="0" err="1">
-                <a:solidFill>
-                  <a:srgbClr val="222222"/>
-                </a:solidFill>
-                <a:latin typeface="Arial" panose="020B0604020202020204" pitchFamily="34" charset="0"/>
-              </a:rPr>
-              <a:t>Glorot</a:t>
-            </a:r>
-            <a:r>
-              <a:rPr lang="en-US" sz="1100" dirty="0">
-                <a:solidFill>
-                  <a:srgbClr val="222222"/>
-                </a:solidFill>
-                <a:latin typeface="Arial" panose="020B0604020202020204" pitchFamily="34" charset="0"/>
-              </a:rPr>
-              <a:t>, Xavier, Antoine </a:t>
-            </a:r>
-            <a:r>
-              <a:rPr lang="en-US" sz="1100" dirty="0" err="1">
-                <a:solidFill>
-                  <a:srgbClr val="222222"/>
-                </a:solidFill>
-                <a:latin typeface="Arial" panose="020B0604020202020204" pitchFamily="34" charset="0"/>
-              </a:rPr>
-              <a:t>Bordes</a:t>
-            </a:r>
-            <a:r>
-              <a:rPr lang="en-US" sz="1100" dirty="0">
-                <a:solidFill>
-                  <a:srgbClr val="222222"/>
-                </a:solidFill>
-                <a:latin typeface="Arial" panose="020B0604020202020204" pitchFamily="34" charset="0"/>
-              </a:rPr>
-              <a:t>, and </a:t>
-            </a:r>
-            <a:r>
-              <a:rPr lang="en-US" sz="1100" dirty="0" err="1">
-                <a:solidFill>
-                  <a:srgbClr val="222222"/>
-                </a:solidFill>
-                <a:latin typeface="Arial" panose="020B0604020202020204" pitchFamily="34" charset="0"/>
-              </a:rPr>
-              <a:t>Yoshua</a:t>
-            </a:r>
-            <a:r>
-              <a:rPr lang="en-US" sz="1100" dirty="0">
-                <a:solidFill>
-                  <a:srgbClr val="222222"/>
-                </a:solidFill>
-                <a:latin typeface="Arial" panose="020B0604020202020204" pitchFamily="34" charset="0"/>
-              </a:rPr>
-              <a:t> </a:t>
-            </a:r>
-            <a:r>
-              <a:rPr lang="en-US" sz="1100" dirty="0" err="1">
-                <a:solidFill>
-                  <a:srgbClr val="222222"/>
-                </a:solidFill>
-                <a:latin typeface="Arial" panose="020B0604020202020204" pitchFamily="34" charset="0"/>
-              </a:rPr>
-              <a:t>Bengio</a:t>
-            </a:r>
-            <a:r>
-              <a:rPr lang="en-US" sz="1100" dirty="0">
-                <a:solidFill>
-                  <a:srgbClr val="222222"/>
-                </a:solidFill>
-                <a:latin typeface="Arial" panose="020B0604020202020204" pitchFamily="34" charset="0"/>
-              </a:rPr>
-              <a:t>. "Deep sparse rectifier networks." </a:t>
-            </a:r>
-            <a:r>
-              <a:rPr lang="en-US" sz="1100" i="1" dirty="0">
-                <a:solidFill>
-                  <a:srgbClr val="222222"/>
-                </a:solidFill>
-                <a:latin typeface="Arial" panose="020B0604020202020204" pitchFamily="34" charset="0"/>
-              </a:rPr>
-              <a:t>Proceedings of the 14th International Conference on Artificial Intelligence and Statistics. JMLR W&amp;CP Volume</a:t>
-            </a:r>
-            <a:r>
-              <a:rPr lang="en-US" sz="1100" dirty="0">
-                <a:solidFill>
-                  <a:srgbClr val="222222"/>
-                </a:solidFill>
-                <a:latin typeface="Arial" panose="020B0604020202020204" pitchFamily="34" charset="0"/>
-              </a:rPr>
-              <a:t>. Vol. 15. 2011.</a:t>
-            </a:r>
-            <a:endParaRPr lang="en-US" sz="1100" dirty="0"/>
-          </a:p>
-        </p:txBody>
-      </p:sp>
     </p:spTree>
     <p:extLst>
       <p:ext uri="{BB962C8B-B14F-4D97-AF65-F5344CB8AC3E}">
-        <p14:creationId xmlns:p14="http://schemas.microsoft.com/office/powerpoint/2010/main" val="3566627902"/>
+        <p14:creationId xmlns:p14="http://schemas.microsoft.com/office/powerpoint/2010/main" val="942761673"/>
       </p:ext>
     </p:extLst>
   </p:cSld>
@@ -6446,10 +3901,74 @@
           </a:p>
         </p:txBody>
       </p:sp>
+      <p:sp>
+        <p:nvSpPr>
+          <p:cNvPr id="3" name="文本框 2"/>
+          <p:cNvSpPr txBox="1"/>
+          <p:nvPr/>
+        </p:nvSpPr>
+        <p:spPr>
+          <a:xfrm>
+            <a:off x="1115616" y="106759"/>
+            <a:ext cx="6894388" cy="307777"/>
+          </a:xfrm>
+          <a:prstGeom prst="rect">
+            <a:avLst/>
+          </a:prstGeom>
+          <a:noFill/>
+        </p:spPr>
+        <p:txBody>
+          <a:bodyPr wrap="none" rtlCol="0">
+            <a:spAutoFit/>
+          </a:bodyPr>
+          <a:lstStyle/>
+          <a:p>
+            <a:r>
+              <a:rPr lang="en-US" altLang="zh-CN" sz="1400" dirty="0" smtClean="0"/>
+              <a:t>From http</a:t>
+            </a:r>
+            <a:r>
+              <a:rPr lang="en-US" altLang="zh-CN" sz="1400" dirty="0"/>
+              <a:t>://rodrigob.github.io/are_we_there_yet/build/classification_datasets_results.html</a:t>
+            </a:r>
+            <a:endParaRPr lang="zh-CN" altLang="en-US" sz="1400" dirty="0"/>
+          </a:p>
+        </p:txBody>
+      </p:sp>
+      <p:pic>
+        <p:nvPicPr>
+          <p:cNvPr id="4" name="图片 3"/>
+          <p:cNvPicPr>
+            <a:picLocks noChangeAspect="1"/>
+          </p:cNvPicPr>
+          <p:nvPr/>
+        </p:nvPicPr>
+        <p:blipFill>
+          <a:blip r:embed="rId2">
+            <a:extLst>
+              <a:ext uri="{28A0092B-C50C-407E-A947-70E740481C1C}">
+                <a14:useLocalDpi xmlns:a14="http://schemas.microsoft.com/office/drawing/2010/main" val="0"/>
+              </a:ext>
+            </a:extLst>
+          </a:blip>
+          <a:stretch>
+            <a:fillRect/>
+          </a:stretch>
+        </p:blipFill>
+        <p:spPr>
+          <a:xfrm>
+            <a:off x="971600" y="620688"/>
+            <a:ext cx="7654541" cy="5966792"/>
+          </a:xfrm>
+          <a:prstGeom prst="rect">
+            <a:avLst/>
+          </a:prstGeom>
+        </p:spPr>
+      </p:pic>
     </p:spTree>
     <p:extLst>
       <p:ext uri="{BB962C8B-B14F-4D97-AF65-F5344CB8AC3E}">
-        <p14:creationId xmlns:p14="http://schemas.microsoft.com/office/powerpoint/2010/main" val="942761673"/>
+        <p14:creationId xmlns:p14="http://schemas.microsoft.com/office/powerpoint/2010/main" val="2058189189"/>
       </p:ext>
     </p:extLst>
   </p:cSld>
@@ -6502,15 +4021,79 @@
           <a:p>
             <a:r>
               <a:rPr lang="en-US" altLang="zh-CN" dirty="0" smtClean="0"/>
-              <a:t>Application – Voice &amp; Text</a:t>
-            </a:r>
-          </a:p>
-        </p:txBody>
-      </p:sp>
+              <a:t>Application – Image</a:t>
+            </a:r>
+          </a:p>
+        </p:txBody>
+      </p:sp>
+      <p:sp>
+        <p:nvSpPr>
+          <p:cNvPr id="3" name="文本框 2"/>
+          <p:cNvSpPr txBox="1"/>
+          <p:nvPr/>
+        </p:nvSpPr>
+        <p:spPr>
+          <a:xfrm>
+            <a:off x="1115616" y="106759"/>
+            <a:ext cx="6894388" cy="307777"/>
+          </a:xfrm>
+          <a:prstGeom prst="rect">
+            <a:avLst/>
+          </a:prstGeom>
+          <a:noFill/>
+        </p:spPr>
+        <p:txBody>
+          <a:bodyPr wrap="none" rtlCol="0">
+            <a:spAutoFit/>
+          </a:bodyPr>
+          <a:lstStyle/>
+          <a:p>
+            <a:r>
+              <a:rPr lang="en-US" altLang="zh-CN" sz="1400" dirty="0" smtClean="0"/>
+              <a:t>From http</a:t>
+            </a:r>
+            <a:r>
+              <a:rPr lang="en-US" altLang="zh-CN" sz="1400" dirty="0"/>
+              <a:t>://rodrigob.github.io/are_we_there_yet/build/classification_datasets_results.html</a:t>
+            </a:r>
+            <a:endParaRPr lang="zh-CN" altLang="en-US" sz="1400" dirty="0"/>
+          </a:p>
+        </p:txBody>
+      </p:sp>
+      <p:pic>
+        <p:nvPicPr>
+          <p:cNvPr id="5" name="图片 4"/>
+          <p:cNvPicPr>
+            <a:picLocks noChangeAspect="1"/>
+          </p:cNvPicPr>
+          <p:nvPr/>
+        </p:nvPicPr>
+        <p:blipFill>
+          <a:blip r:embed="rId2">
+            <a:extLst>
+              <a:ext uri="{28A0092B-C50C-407E-A947-70E740481C1C}">
+                <a14:useLocalDpi xmlns:a14="http://schemas.microsoft.com/office/drawing/2010/main" val="0"/>
+              </a:ext>
+            </a:extLst>
+          </a:blip>
+          <a:stretch>
+            <a:fillRect/>
+          </a:stretch>
+        </p:blipFill>
+        <p:spPr>
+          <a:xfrm>
+            <a:off x="1115616" y="650098"/>
+            <a:ext cx="7344816" cy="5913687"/>
+          </a:xfrm>
+          <a:prstGeom prst="rect">
+            <a:avLst/>
+          </a:prstGeom>
+        </p:spPr>
+      </p:pic>
     </p:spTree>
     <p:extLst>
       <p:ext uri="{BB962C8B-B14F-4D97-AF65-F5344CB8AC3E}">
-        <p14:creationId xmlns:p14="http://schemas.microsoft.com/office/powerpoint/2010/main" val="2950921926"/>
+        <p14:creationId xmlns:p14="http://schemas.microsoft.com/office/powerpoint/2010/main" val="3034705112"/>
       </p:ext>
     </p:extLst>
   </p:cSld>
@@ -6651,8 +4234,8 @@
           </a:p>
         </p:txBody>
       </p:sp>
-      <mc:AlternateContent xmlns:mc="http://schemas.openxmlformats.org/markup-compatibility/2006">
-        <mc:Choice xmlns:a14="http://schemas.microsoft.com/office/drawing/2010/main" Requires="a14">
+      <mc:AlternateContent xmlns:mc="http://schemas.openxmlformats.org/markup-compatibility/2006" xmlns:a14="http://schemas.microsoft.com/office/drawing/2010/main">
+        <mc:Choice Requires="a14">
           <p:sp>
             <p:nvSpPr>
               <p:cNvPr id="6" name="Rectangle 5"/>
@@ -6674,6 +4257,7 @@
               </a:bodyPr>
               <a:lstStyle/>
               <a:p>
+                <a:pPr/>
                 <a14:m>
                   <m:oMathPara xmlns:m="http://schemas.openxmlformats.org/officeDocument/2006/math">
                     <m:oMathParaPr>
@@ -6714,7 +4298,9 @@
                         </m:sup>
                       </m:sSubSup>
                       <m:r>
-                        <a:rPr lang="en-US"/>
+                        <a:rPr lang="en-US">
+                          <a:latin typeface="Cambria Math" panose="02040503050406030204" pitchFamily="18" charset="0"/>
+                        </a:rPr>
                         <m:t>=</m:t>
                       </m:r>
                       <m:r>
@@ -6727,108 +4313,148 @@
                         <m:t>W</m:t>
                       </m:r>
                       <m:r>
-                        <a:rPr lang="en-US"/>
+                        <a:rPr lang="en-US">
+                          <a:latin typeface="Cambria Math" panose="02040503050406030204" pitchFamily="18" charset="0"/>
+                        </a:rPr>
                         <m:t>∙</m:t>
                       </m:r>
                       <m:sSubSup>
                         <m:sSubSupPr>
                           <m:ctrlPr>
-                            <a:rPr lang="en-US" i="1"/>
+                            <a:rPr lang="en-US" i="1">
+                              <a:latin typeface="Cambria Math" panose="02040503050406030204" pitchFamily="18" charset="0"/>
+                            </a:rPr>
                           </m:ctrlPr>
                         </m:sSubSupPr>
                         <m:e>
                           <m:r>
-                            <a:rPr lang="en-US"/>
+                            <a:rPr lang="en-US">
+                              <a:latin typeface="Cambria Math" panose="02040503050406030204" pitchFamily="18" charset="0"/>
+                            </a:rPr>
                             <m:t>𝑡𝑜𝑝</m:t>
                           </m:r>
                         </m:e>
                         <m:sub>
                           <m:r>
-                            <a:rPr lang="en-US"/>
+                            <a:rPr lang="en-US">
+                              <a:latin typeface="Cambria Math" panose="02040503050406030204" pitchFamily="18" charset="0"/>
+                            </a:rPr>
                             <m:t>𝑙</m:t>
                           </m:r>
                           <m:r>
-                            <a:rPr lang="en-US"/>
+                            <a:rPr lang="en-US">
+                              <a:latin typeface="Cambria Math" panose="02040503050406030204" pitchFamily="18" charset="0"/>
+                            </a:rPr>
                             <m:t>−1</m:t>
                           </m:r>
                         </m:sub>
                         <m:sup>
                           <m:r>
-                            <a:rPr lang="en-US"/>
+                            <a:rPr lang="en-US">
+                              <a:latin typeface="Cambria Math" panose="02040503050406030204" pitchFamily="18" charset="0"/>
+                            </a:rPr>
                             <m:t>𝑇</m:t>
                           </m:r>
                         </m:sup>
                       </m:sSubSup>
                       <m:r>
-                        <a:rPr lang="en-US" i="1"/>
+                        <a:rPr lang="en-US" i="1">
+                          <a:latin typeface="Cambria Math" panose="02040503050406030204" pitchFamily="18" charset="0"/>
+                        </a:rPr>
                         <m:t> </m:t>
                       </m:r>
                       <m:r>
-                        <a:rPr lang="en-US"/>
+                        <a:rPr lang="en-US">
+                          <a:latin typeface="Cambria Math" panose="02040503050406030204" pitchFamily="18" charset="0"/>
+                        </a:rPr>
                         <m:t>,</m:t>
                       </m:r>
                       <m:r>
-                        <a:rPr lang="en-US" i="1"/>
+                        <a:rPr lang="en-US" i="1">
+                          <a:latin typeface="Cambria Math" panose="02040503050406030204" pitchFamily="18" charset="0"/>
+                        </a:rPr>
                         <m:t> </m:t>
                       </m:r>
                       <m:r>
-                        <a:rPr lang="en-US"/>
+                        <a:rPr lang="en-US">
+                          <a:latin typeface="Cambria Math" panose="02040503050406030204" pitchFamily="18" charset="0"/>
+                        </a:rPr>
                         <m:t>其中</m:t>
                       </m:r>
                       <m:sSubSup>
                         <m:sSubSupPr>
                           <m:ctrlPr>
-                            <a:rPr lang="en-US" i="1"/>
+                            <a:rPr lang="en-US" i="1">
+                              <a:latin typeface="Cambria Math" panose="02040503050406030204" pitchFamily="18" charset="0"/>
+                            </a:rPr>
                           </m:ctrlPr>
                         </m:sSubSupPr>
                         <m:e>
                           <m:r>
-                            <a:rPr lang="en-US"/>
+                            <a:rPr lang="en-US">
+                              <a:latin typeface="Cambria Math" panose="02040503050406030204" pitchFamily="18" charset="0"/>
+                            </a:rPr>
                             <m:t>𝑡𝑜𝑝</m:t>
                           </m:r>
                         </m:e>
                         <m:sub>
                           <m:r>
-                            <a:rPr lang="en-US"/>
+                            <a:rPr lang="en-US">
+                              <a:latin typeface="Cambria Math" panose="02040503050406030204" pitchFamily="18" charset="0"/>
+                            </a:rPr>
                             <m:t>𝑙</m:t>
                           </m:r>
                           <m:r>
-                            <a:rPr lang="en-US"/>
+                            <a:rPr lang="en-US">
+                              <a:latin typeface="Cambria Math" panose="02040503050406030204" pitchFamily="18" charset="0"/>
+                            </a:rPr>
                             <m:t>−1</m:t>
                           </m:r>
                         </m:sub>
                         <m:sup>
                           <m:r>
-                            <a:rPr lang="en-US"/>
+                            <a:rPr lang="en-US">
+                              <a:latin typeface="Cambria Math" panose="02040503050406030204" pitchFamily="18" charset="0"/>
+                            </a:rPr>
                             <m:t>𝑇</m:t>
                           </m:r>
                         </m:sup>
                       </m:sSubSup>
                       <m:r>
-                        <a:rPr lang="en-US"/>
+                        <a:rPr lang="en-US">
+                          <a:latin typeface="Cambria Math" panose="02040503050406030204" pitchFamily="18" charset="0"/>
+                        </a:rPr>
                         <m:t>=</m:t>
                       </m:r>
                       <m:sSubSup>
                         <m:sSubSupPr>
                           <m:ctrlPr>
-                            <a:rPr lang="en-US" i="1"/>
+                            <a:rPr lang="en-US" i="1">
+                              <a:latin typeface="Cambria Math" panose="02040503050406030204" pitchFamily="18" charset="0"/>
+                            </a:rPr>
                           </m:ctrlPr>
                         </m:sSubSupPr>
                         <m:e>
                           <m:r>
-                            <a:rPr lang="en-US"/>
+                            <a:rPr lang="en-US">
+                              <a:latin typeface="Cambria Math" panose="02040503050406030204" pitchFamily="18" charset="0"/>
+                            </a:rPr>
                             <m:t>𝑏𝑜𝑡𝑡𝑜𝑚</m:t>
                           </m:r>
                         </m:e>
                         <m:sub>
                           <m:r>
-                            <a:rPr lang="en-US"/>
+                            <a:rPr lang="en-US">
+                              <a:latin typeface="Cambria Math" panose="02040503050406030204" pitchFamily="18" charset="0"/>
+                            </a:rPr>
                             <m:t>𝑙</m:t>
                           </m:r>
                         </m:sub>
                         <m:sup>
                           <m:r>
-                            <a:rPr lang="en-US"/>
+                            <a:rPr lang="en-US">
+                              <a:latin typeface="Cambria Math" panose="02040503050406030204" pitchFamily="18" charset="0"/>
+                            </a:rPr>
                             <m:t>𝑇</m:t>
                           </m:r>
                         </m:sup>
@@ -6841,7 +4467,7 @@
             </p:txBody>
           </p:sp>
         </mc:Choice>
-        <mc:Fallback>
+        <mc:Fallback xmlns="">
           <p:sp>
             <p:nvSpPr>
               <p:cNvPr id="6" name="Rectangle 5"/>
@@ -7054,8 +4680,8 @@
           </a:p>
         </p:txBody>
       </p:sp>
-      <mc:AlternateContent xmlns:mc="http://schemas.openxmlformats.org/markup-compatibility/2006">
-        <mc:Choice xmlns:a14="http://schemas.microsoft.com/office/drawing/2010/main" Requires="a14">
+      <mc:AlternateContent xmlns:mc="http://schemas.openxmlformats.org/markup-compatibility/2006" xmlns:a14="http://schemas.microsoft.com/office/drawing/2010/main">
+        <mc:Choice Requires="a14">
           <p:sp>
             <p:nvSpPr>
               <p:cNvPr id="8" name="Rectangle 7"/>
@@ -7077,6 +4703,7 @@
               </a:bodyPr>
               <a:lstStyle/>
               <a:p>
+                <a:pPr/>
                 <a14:m>
                   <m:oMathPara xmlns:m="http://schemas.openxmlformats.org/officeDocument/2006/math">
                     <m:oMathParaPr>
@@ -7084,154 +4711,210 @@
                     </m:oMathParaPr>
                     <m:oMath xmlns:m="http://schemas.openxmlformats.org/officeDocument/2006/math">
                       <m:r>
-                        <a:rPr lang="en-US"/>
+                        <a:rPr lang="en-US">
+                          <a:latin typeface="Cambria Math" panose="02040503050406030204" pitchFamily="18" charset="0"/>
+                        </a:rPr>
                         <m:t>∆</m:t>
                       </m:r>
                       <m:sSub>
                         <m:sSubPr>
                           <m:ctrlPr>
-                            <a:rPr lang="en-US" i="1"/>
+                            <a:rPr lang="en-US" i="1">
+                              <a:latin typeface="Cambria Math" panose="02040503050406030204" pitchFamily="18" charset="0"/>
+                            </a:rPr>
                           </m:ctrlPr>
                         </m:sSubPr>
                         <m:e>
                           <m:r>
-                            <a:rPr lang="en-US"/>
+                            <a:rPr lang="en-US">
+                              <a:latin typeface="Cambria Math" panose="02040503050406030204" pitchFamily="18" charset="0"/>
+                            </a:rPr>
                             <m:t>𝑊</m:t>
                           </m:r>
                         </m:e>
                         <m:sub>
                           <m:r>
-                            <a:rPr lang="en-US"/>
+                            <a:rPr lang="en-US">
+                              <a:latin typeface="Cambria Math" panose="02040503050406030204" pitchFamily="18" charset="0"/>
+                            </a:rPr>
                             <m:t>𝑙</m:t>
                           </m:r>
                         </m:sub>
                       </m:sSub>
                       <m:r>
-                        <a:rPr lang="en-US"/>
+                        <a:rPr lang="en-US">
+                          <a:latin typeface="Cambria Math" panose="02040503050406030204" pitchFamily="18" charset="0"/>
+                        </a:rPr>
                         <m:t>=</m:t>
                       </m:r>
                       <m:sSub>
                         <m:sSubPr>
                           <m:ctrlPr>
-                            <a:rPr lang="en-US" i="1"/>
+                            <a:rPr lang="en-US" i="1">
+                              <a:latin typeface="Cambria Math" panose="02040503050406030204" pitchFamily="18" charset="0"/>
+                            </a:rPr>
                           </m:ctrlPr>
                         </m:sSubPr>
                         <m:e>
                           <m:r>
-                            <a:rPr lang="en-US"/>
+                            <a:rPr lang="en-US">
+                              <a:latin typeface="Cambria Math" panose="02040503050406030204" pitchFamily="18" charset="0"/>
+                            </a:rPr>
                             <m:t>𝛿</m:t>
                           </m:r>
                         </m:e>
                         <m:sub>
                           <m:r>
-                            <a:rPr lang="en-US"/>
+                            <a:rPr lang="en-US">
+                              <a:latin typeface="Cambria Math" panose="02040503050406030204" pitchFamily="18" charset="0"/>
+                            </a:rPr>
                             <m:t>𝑙</m:t>
                           </m:r>
                         </m:sub>
                       </m:sSub>
                       <m:r>
-                        <a:rPr lang="en-US"/>
+                        <a:rPr lang="en-US">
+                          <a:latin typeface="Cambria Math" panose="02040503050406030204" pitchFamily="18" charset="0"/>
+                        </a:rPr>
                         <m:t>∙</m:t>
                       </m:r>
                       <m:sSubSup>
                         <m:sSubSupPr>
                           <m:ctrlPr>
-                            <a:rPr lang="en-US" i="1"/>
+                            <a:rPr lang="en-US" i="1">
+                              <a:latin typeface="Cambria Math" panose="02040503050406030204" pitchFamily="18" charset="0"/>
+                            </a:rPr>
                           </m:ctrlPr>
                         </m:sSubSupPr>
                         <m:e>
                           <m:r>
-                            <a:rPr lang="en-US"/>
+                            <a:rPr lang="en-US">
+                              <a:latin typeface="Cambria Math" panose="02040503050406030204" pitchFamily="18" charset="0"/>
+                            </a:rPr>
                             <m:t>𝑡𝑜𝑝</m:t>
                           </m:r>
                         </m:e>
                         <m:sub>
                           <m:r>
-                            <a:rPr lang="en-US"/>
+                            <a:rPr lang="en-US">
+                              <a:latin typeface="Cambria Math" panose="02040503050406030204" pitchFamily="18" charset="0"/>
+                            </a:rPr>
                             <m:t>𝑙</m:t>
                           </m:r>
                           <m:r>
-                            <a:rPr lang="en-US"/>
+                            <a:rPr lang="en-US">
+                              <a:latin typeface="Cambria Math" panose="02040503050406030204" pitchFamily="18" charset="0"/>
+                            </a:rPr>
                             <m:t>−1</m:t>
                           </m:r>
                         </m:sub>
                         <m:sup>
                           <m:r>
-                            <a:rPr lang="en-US"/>
+                            <a:rPr lang="en-US">
+                              <a:latin typeface="Cambria Math" panose="02040503050406030204" pitchFamily="18" charset="0"/>
+                            </a:rPr>
                             <m:t>𝑇</m:t>
                           </m:r>
                         </m:sup>
                       </m:sSubSup>
                       <m:r>
-                        <a:rPr lang="en-US" i="1"/>
+                        <a:rPr lang="en-US" i="1">
+                          <a:latin typeface="Cambria Math" panose="02040503050406030204" pitchFamily="18" charset="0"/>
+                        </a:rPr>
                         <m:t> </m:t>
                       </m:r>
                       <m:r>
-                        <a:rPr lang="en-US"/>
+                        <a:rPr lang="en-US">
+                          <a:latin typeface="Cambria Math" panose="02040503050406030204" pitchFamily="18" charset="0"/>
+                        </a:rPr>
                         <m:t>,</m:t>
                       </m:r>
                       <m:r>
-                        <a:rPr lang="en-US" i="1"/>
+                        <a:rPr lang="en-US" i="1">
+                          <a:latin typeface="Cambria Math" panose="02040503050406030204" pitchFamily="18" charset="0"/>
+                        </a:rPr>
                         <m:t> </m:t>
                       </m:r>
                       <m:r>
-                        <a:rPr lang="en-US"/>
+                        <a:rPr lang="en-US">
+                          <a:latin typeface="Cambria Math" panose="02040503050406030204" pitchFamily="18" charset="0"/>
+                        </a:rPr>
                         <m:t>其中</m:t>
                       </m:r>
                       <m:sSubSup>
                         <m:sSubSupPr>
                           <m:ctrlPr>
-                            <a:rPr lang="en-US" i="1"/>
+                            <a:rPr lang="en-US" i="1">
+                              <a:latin typeface="Cambria Math" panose="02040503050406030204" pitchFamily="18" charset="0"/>
+                            </a:rPr>
                           </m:ctrlPr>
                         </m:sSubSupPr>
                         <m:e>
                           <m:r>
-                            <a:rPr lang="en-US"/>
+                            <a:rPr lang="en-US">
+                              <a:latin typeface="Cambria Math" panose="02040503050406030204" pitchFamily="18" charset="0"/>
+                            </a:rPr>
                             <m:t>𝑡𝑜𝑝</m:t>
                           </m:r>
                         </m:e>
                         <m:sub>
                           <m:r>
-                            <a:rPr lang="en-US"/>
+                            <a:rPr lang="en-US">
+                              <a:latin typeface="Cambria Math" panose="02040503050406030204" pitchFamily="18" charset="0"/>
+                            </a:rPr>
                             <m:t>𝑙</m:t>
                           </m:r>
                           <m:r>
-                            <a:rPr lang="en-US"/>
+                            <a:rPr lang="en-US">
+                              <a:latin typeface="Cambria Math" panose="02040503050406030204" pitchFamily="18" charset="0"/>
+                            </a:rPr>
                             <m:t>−1</m:t>
                           </m:r>
                         </m:sub>
                         <m:sup>
                           <m:r>
-                            <a:rPr lang="en-US"/>
+                            <a:rPr lang="en-US">
+                              <a:latin typeface="Cambria Math" panose="02040503050406030204" pitchFamily="18" charset="0"/>
+                            </a:rPr>
                             <m:t>𝑇</m:t>
                           </m:r>
                         </m:sup>
                       </m:sSubSup>
                       <m:r>
-                        <a:rPr lang="en-US"/>
+                        <a:rPr lang="en-US">
+                          <a:latin typeface="Cambria Math" panose="02040503050406030204" pitchFamily="18" charset="0"/>
+                        </a:rPr>
                         <m:t>=</m:t>
                       </m:r>
                       <m:sSubSup>
                         <m:sSubSupPr>
                           <m:ctrlPr>
-                            <a:rPr lang="en-US" i="1"/>
+                            <a:rPr lang="en-US" i="1">
+                              <a:latin typeface="Cambria Math" panose="02040503050406030204" pitchFamily="18" charset="0"/>
+                            </a:rPr>
                           </m:ctrlPr>
                         </m:sSubSupPr>
                         <m:e>
                           <m:r>
-                            <a:rPr lang="en-US"/>
+                            <a:rPr lang="en-US">
+                              <a:latin typeface="Cambria Math" panose="02040503050406030204" pitchFamily="18" charset="0"/>
+                            </a:rPr>
                             <m:t>𝑏𝑜𝑡𝑡𝑜𝑚</m:t>
                           </m:r>
                         </m:e>
                         <m:sub>
                           <m:r>
-                            <a:rPr lang="en-US"/>
+                            <a:rPr lang="en-US">
+                              <a:latin typeface="Cambria Math" panose="02040503050406030204" pitchFamily="18" charset="0"/>
+                            </a:rPr>
                             <m:t>𝑙</m:t>
                           </m:r>
                         </m:sub>
                         <m:sup>
                           <m:r>
-                            <a:rPr lang="en-US"/>
+                            <a:rPr lang="en-US">
+                              <a:latin typeface="Cambria Math" panose="02040503050406030204" pitchFamily="18" charset="0"/>
+                            </a:rPr>
                             <m:t>𝑇</m:t>
                           </m:r>
                         </m:sup>
@@ -7244,7 +4927,7 @@
             </p:txBody>
           </p:sp>
         </mc:Choice>
-        <mc:Fallback>
+        <mc:Fallback xmlns="">
           <p:sp>
             <p:nvSpPr>
               <p:cNvPr id="8" name="Rectangle 7"/>
@@ -7283,8 +4966,8 @@
           </p:sp>
         </mc:Fallback>
       </mc:AlternateContent>
-      <mc:AlternateContent xmlns:mc="http://schemas.openxmlformats.org/markup-compatibility/2006">
-        <mc:Choice xmlns:a14="http://schemas.microsoft.com/office/drawing/2010/main" Requires="a14">
+      <mc:AlternateContent xmlns:mc="http://schemas.openxmlformats.org/markup-compatibility/2006" xmlns:a14="http://schemas.microsoft.com/office/drawing/2010/main">
+        <mc:Choice Requires="a14">
           <p:sp>
             <p:nvSpPr>
               <p:cNvPr id="9" name="Rectangle 8"/>
@@ -7306,6 +4989,7 @@
               </a:bodyPr>
               <a:lstStyle/>
               <a:p>
+                <a:pPr/>
                 <a14:m>
                   <m:oMathPara xmlns:m="http://schemas.openxmlformats.org/officeDocument/2006/math">
                     <m:oMathParaPr>
@@ -7315,7 +4999,7 @@
                       <m:sSub>
                         <m:sSubPr>
                           <m:ctrlPr>
-                            <a:rPr lang="en-US">
+                            <a:rPr lang="en-US" i="1">
                               <a:latin typeface="Cambria Math" panose="02040503050406030204" pitchFamily="18" charset="0"/>
                             </a:rPr>
                           </m:ctrlPr>
@@ -7424,7 +5108,7 @@
             </p:txBody>
           </p:sp>
         </mc:Choice>
-        <mc:Fallback>
+        <mc:Fallback xmlns="">
           <p:sp>
             <p:nvSpPr>
               <p:cNvPr id="9" name="Rectangle 8"/>
@@ -7573,20 +5257,149 @@
           <a:p>
             <a:r>
               <a:rPr lang="en-US" altLang="zh-CN" dirty="0" smtClean="0"/>
-              <a:t>Implementation – </a:t>
-            </a:r>
-            <a:r>
-              <a:rPr lang="en-US" altLang="zh-CN" dirty="0" err="1" smtClean="0"/>
-              <a:t>duda-convnet</a:t>
-            </a:r>
-            <a:endParaRPr lang="en-US" altLang="zh-CN" dirty="0" smtClean="0"/>
-          </a:p>
-        </p:txBody>
-      </p:sp>
+              <a:t>Extension – Network in Network</a:t>
+            </a:r>
+            <a:endParaRPr lang="zh-CN" altLang="en-US" dirty="0"/>
+          </a:p>
+        </p:txBody>
+      </p:sp>
+      <p:pic>
+        <p:nvPicPr>
+          <p:cNvPr id="4" name="Picture 3"/>
+          <p:cNvPicPr>
+            <a:picLocks noChangeAspect="1"/>
+          </p:cNvPicPr>
+          <p:nvPr/>
+        </p:nvPicPr>
+        <p:blipFill>
+          <a:blip r:embed="rId2"/>
+          <a:stretch>
+            <a:fillRect/>
+          </a:stretch>
+        </p:blipFill>
+        <p:spPr>
+          <a:xfrm>
+            <a:off x="1475656" y="1268760"/>
+            <a:ext cx="6570514" cy="2340785"/>
+          </a:xfrm>
+          <a:prstGeom prst="rect">
+            <a:avLst/>
+          </a:prstGeom>
+        </p:spPr>
+      </p:pic>
+      <p:sp>
+        <p:nvSpPr>
+          <p:cNvPr id="5" name="Rectangle 4"/>
+          <p:cNvSpPr/>
+          <p:nvPr/>
+        </p:nvSpPr>
+        <p:spPr>
+          <a:xfrm>
+            <a:off x="539552" y="227788"/>
+            <a:ext cx="7254552" cy="261610"/>
+          </a:xfrm>
+          <a:prstGeom prst="rect">
+            <a:avLst/>
+          </a:prstGeom>
+        </p:spPr>
+        <p:txBody>
+          <a:bodyPr wrap="square">
+            <a:spAutoFit/>
+          </a:bodyPr>
+          <a:lstStyle/>
+          <a:p>
+            <a:r>
+              <a:rPr lang="en-US" sz="1100" dirty="0">
+                <a:solidFill>
+                  <a:srgbClr val="222222"/>
+                </a:solidFill>
+                <a:latin typeface="Arial" panose="020B0604020202020204" pitchFamily="34" charset="0"/>
+              </a:rPr>
+              <a:t>Lin, Min, Qiang Chen, and </a:t>
+            </a:r>
+            <a:r>
+              <a:rPr lang="en-US" sz="1100" dirty="0" err="1">
+                <a:solidFill>
+                  <a:srgbClr val="222222"/>
+                </a:solidFill>
+                <a:latin typeface="Arial" panose="020B0604020202020204" pitchFamily="34" charset="0"/>
+              </a:rPr>
+              <a:t>Shuicheng</a:t>
+            </a:r>
+            <a:r>
+              <a:rPr lang="en-US" sz="1100" dirty="0">
+                <a:solidFill>
+                  <a:srgbClr val="222222"/>
+                </a:solidFill>
+                <a:latin typeface="Arial" panose="020B0604020202020204" pitchFamily="34" charset="0"/>
+              </a:rPr>
+              <a:t> Yan. "Network In Network." </a:t>
+            </a:r>
+            <a:r>
+              <a:rPr lang="en-US" sz="1100" i="1" dirty="0" err="1">
+                <a:solidFill>
+                  <a:srgbClr val="222222"/>
+                </a:solidFill>
+                <a:latin typeface="Arial" panose="020B0604020202020204" pitchFamily="34" charset="0"/>
+              </a:rPr>
+              <a:t>arXiv</a:t>
+            </a:r>
+            <a:r>
+              <a:rPr lang="en-US" sz="1100" i="1" dirty="0">
+                <a:solidFill>
+                  <a:srgbClr val="222222"/>
+                </a:solidFill>
+                <a:latin typeface="Arial" panose="020B0604020202020204" pitchFamily="34" charset="0"/>
+              </a:rPr>
+              <a:t> preprint arXiv:1312.4400</a:t>
+            </a:r>
+            <a:r>
+              <a:rPr lang="en-US" sz="1100" dirty="0">
+                <a:solidFill>
+                  <a:srgbClr val="222222"/>
+                </a:solidFill>
+                <a:latin typeface="Arial" panose="020B0604020202020204" pitchFamily="34" charset="0"/>
+              </a:rPr>
+              <a:t> (2013).</a:t>
+            </a:r>
+            <a:endParaRPr lang="en-US" sz="1100" dirty="0"/>
+          </a:p>
+        </p:txBody>
+      </p:sp>
+      <p:pic>
+        <p:nvPicPr>
+          <p:cNvPr id="8" name="图片 7"/>
+          <p:cNvPicPr>
+            <a:picLocks noChangeAspect="1"/>
+          </p:cNvPicPr>
+          <p:nvPr/>
+        </p:nvPicPr>
+        <p:blipFill>
+          <a:blip r:embed="rId3">
+            <a:extLst>
+              <a:ext uri="{28A0092B-C50C-407E-A947-70E740481C1C}">
+                <a14:useLocalDpi xmlns:a14="http://schemas.microsoft.com/office/drawing/2010/main" val="0"/>
+              </a:ext>
+            </a:extLst>
+          </a:blip>
+          <a:stretch>
+            <a:fillRect/>
+          </a:stretch>
+        </p:blipFill>
+        <p:spPr>
+          <a:xfrm>
+            <a:off x="2339752" y="3933056"/>
+            <a:ext cx="4485714" cy="2104762"/>
+          </a:xfrm>
+          <a:prstGeom prst="rect">
+            <a:avLst/>
+          </a:prstGeom>
+        </p:spPr>
+      </p:pic>
     </p:spTree>
     <p:extLst>
       <p:ext uri="{BB962C8B-B14F-4D97-AF65-F5344CB8AC3E}">
-        <p14:creationId xmlns:p14="http://schemas.microsoft.com/office/powerpoint/2010/main" val="4163181458"/>
+        <p14:creationId xmlns:p14="http://schemas.microsoft.com/office/powerpoint/2010/main" val="3706038794"/>
       </p:ext>
     </p:extLst>
   </p:cSld>
@@ -7638,47 +5451,26 @@
           <a:lstStyle/>
           <a:p>
             <a:r>
-              <a:rPr lang="en-US" altLang="zh-CN" dirty="0" smtClean="0"/>
+              <a:rPr lang="en-US" altLang="zh-CN" dirty="0"/>
               <a:t>Extension – Network in Network</a:t>
             </a:r>
             <a:endParaRPr lang="zh-CN" altLang="en-US" dirty="0"/>
           </a:p>
-        </p:txBody>
-      </p:sp>
-      <p:pic>
-        <p:nvPicPr>
-          <p:cNvPr id="4" name="Picture 3"/>
-          <p:cNvPicPr>
-            <a:picLocks noChangeAspect="1"/>
-          </p:cNvPicPr>
-          <p:nvPr/>
-        </p:nvPicPr>
-        <p:blipFill>
-          <a:blip r:embed="rId2"/>
-          <a:stretch>
-            <a:fillRect/>
-          </a:stretch>
-        </p:blipFill>
-        <p:spPr>
-          <a:xfrm>
-            <a:off x="1200263" y="986565"/>
-            <a:ext cx="6570514" cy="2340785"/>
-          </a:xfrm>
-          <a:prstGeom prst="rect">
-            <a:avLst/>
-          </a:prstGeom>
-        </p:spPr>
-      </p:pic>
-      <p:sp>
-        <p:nvSpPr>
-          <p:cNvPr id="5" name="Rectangle 4"/>
+          <a:p>
+            <a:endParaRPr lang="zh-CN" altLang="en-US" dirty="0"/>
+          </a:p>
+        </p:txBody>
+      </p:sp>
+      <p:sp>
+        <p:nvSpPr>
+          <p:cNvPr id="4" name="矩形 3"/>
           <p:cNvSpPr/>
           <p:nvPr/>
         </p:nvSpPr>
         <p:spPr>
           <a:xfrm>
-            <a:off x="539552" y="227788"/>
-            <a:ext cx="7254552" cy="261610"/>
+            <a:off x="1115616" y="116632"/>
+            <a:ext cx="2160240" cy="5909310"/>
           </a:xfrm>
           <a:prstGeom prst="rect">
             <a:avLst/>
@@ -7691,104 +5483,592 @@
           <a:lstStyle/>
           <a:p>
             <a:r>
-              <a:rPr lang="en-US" sz="1100" dirty="0">
-                <a:solidFill>
-                  <a:srgbClr val="222222"/>
-                </a:solidFill>
-                <a:latin typeface="Arial" panose="020B0604020202020204" pitchFamily="34" charset="0"/>
+              <a:rPr lang="zh-CN" altLang="en-US" b="1" dirty="0">
+                <a:solidFill>
+                  <a:schemeClr val="tx2">
+                    <a:lumMod val="60000"/>
+                    <a:lumOff val="40000"/>
+                  </a:schemeClr>
+                </a:solidFill>
               </a:rPr>
-              <a:t>Lin, Min, Qiang Chen, and </a:t>
-            </a:r>
-            <a:r>
-              <a:rPr lang="en-US" sz="1100" dirty="0" err="1">
-                <a:solidFill>
-                  <a:srgbClr val="222222"/>
-                </a:solidFill>
-                <a:latin typeface="Arial" panose="020B0604020202020204" pitchFamily="34" charset="0"/>
+              <a:t>CONVOLUTION</a:t>
+            </a:r>
+          </a:p>
+          <a:p>
+            <a:r>
+              <a:rPr lang="zh-CN" altLang="en-US" dirty="0"/>
+              <a:t>    num_output: 192</a:t>
+            </a:r>
+          </a:p>
+          <a:p>
+            <a:r>
+              <a:rPr lang="zh-CN" altLang="en-US" dirty="0"/>
+              <a:t>    pad: 2</a:t>
+            </a:r>
+          </a:p>
+          <a:p>
+            <a:r>
+              <a:rPr lang="zh-CN" altLang="en-US" dirty="0"/>
+              <a:t>    kernel_size: 5</a:t>
+            </a:r>
+          </a:p>
+          <a:p>
+            <a:r>
+              <a:rPr lang="zh-CN" altLang="en-US" b="1" dirty="0">
+                <a:solidFill>
+                  <a:schemeClr val="accent6">
+                    <a:lumMod val="75000"/>
+                  </a:schemeClr>
+                </a:solidFill>
               </a:rPr>
-              <a:t>Shuicheng</a:t>
-            </a:r>
-            <a:r>
-              <a:rPr lang="en-US" sz="1100" dirty="0">
-                <a:solidFill>
-                  <a:srgbClr val="222222"/>
-                </a:solidFill>
-                <a:latin typeface="Arial" panose="020B0604020202020204" pitchFamily="34" charset="0"/>
+              <a:t>RELU</a:t>
+            </a:r>
+          </a:p>
+          <a:p>
+            <a:r>
+              <a:rPr lang="zh-CN" altLang="en-US" b="1" dirty="0">
+                <a:solidFill>
+                  <a:schemeClr val="accent5">
+                    <a:lumMod val="75000"/>
+                  </a:schemeClr>
+                </a:solidFill>
               </a:rPr>
-              <a:t> Yan. "Network In Network." </a:t>
-            </a:r>
-            <a:r>
-              <a:rPr lang="en-US" sz="1100" i="1" dirty="0" err="1">
-                <a:solidFill>
-                  <a:srgbClr val="222222"/>
-                </a:solidFill>
-                <a:latin typeface="Arial" panose="020B0604020202020204" pitchFamily="34" charset="0"/>
+              <a:t>CONVOLUTION</a:t>
+            </a:r>
+          </a:p>
+          <a:p>
+            <a:r>
+              <a:rPr lang="zh-CN" altLang="en-US" dirty="0"/>
+              <a:t>    num_output: 160</a:t>
+            </a:r>
+          </a:p>
+          <a:p>
+            <a:r>
+              <a:rPr lang="zh-CN" altLang="en-US" dirty="0" smtClean="0"/>
+              <a:t>    pad</a:t>
+            </a:r>
+            <a:r>
+              <a:rPr lang="zh-CN" altLang="en-US" dirty="0"/>
+              <a:t>: 1</a:t>
+            </a:r>
+          </a:p>
+          <a:p>
+            <a:r>
+              <a:rPr lang="zh-CN" altLang="en-US" dirty="0"/>
+              <a:t>    kernel_size: 1</a:t>
+            </a:r>
+          </a:p>
+          <a:p>
+            <a:r>
+              <a:rPr lang="zh-CN" altLang="en-US" b="1" dirty="0">
+                <a:solidFill>
+                  <a:schemeClr val="accent6">
+                    <a:lumMod val="75000"/>
+                  </a:schemeClr>
+                </a:solidFill>
               </a:rPr>
-              <a:t>arXiv</a:t>
-            </a:r>
-            <a:r>
-              <a:rPr lang="en-US" sz="1100" i="1" dirty="0">
-                <a:solidFill>
-                  <a:srgbClr val="222222"/>
-                </a:solidFill>
-                <a:latin typeface="Arial" panose="020B0604020202020204" pitchFamily="34" charset="0"/>
+              <a:t>RELU</a:t>
+            </a:r>
+          </a:p>
+          <a:p>
+            <a:r>
+              <a:rPr lang="zh-CN" altLang="en-US" b="1" dirty="0">
+                <a:solidFill>
+                  <a:schemeClr val="accent5">
+                    <a:lumMod val="75000"/>
+                  </a:schemeClr>
+                </a:solidFill>
               </a:rPr>
-              <a:t> preprint arXiv:1312.4400</a:t>
-            </a:r>
-            <a:r>
-              <a:rPr lang="en-US" sz="1100" dirty="0">
-                <a:solidFill>
-                  <a:srgbClr val="222222"/>
-                </a:solidFill>
-                <a:latin typeface="Arial" panose="020B0604020202020204" pitchFamily="34" charset="0"/>
+              <a:t>CONVOLUTION</a:t>
+            </a:r>
+          </a:p>
+          <a:p>
+            <a:r>
+              <a:rPr lang="zh-CN" altLang="en-US" dirty="0"/>
+              <a:t>    num_output: 96</a:t>
+            </a:r>
+          </a:p>
+          <a:p>
+            <a:r>
+              <a:rPr lang="zh-CN" altLang="en-US" dirty="0"/>
+              <a:t>    pad: 1</a:t>
+            </a:r>
+          </a:p>
+          <a:p>
+            <a:r>
+              <a:rPr lang="zh-CN" altLang="en-US" dirty="0"/>
+              <a:t>    kernel_size: 1</a:t>
+            </a:r>
+          </a:p>
+          <a:p>
+            <a:r>
+              <a:rPr lang="zh-CN" altLang="en-US" b="1" dirty="0">
+                <a:solidFill>
+                  <a:schemeClr val="accent6">
+                    <a:lumMod val="75000"/>
+                  </a:schemeClr>
+                </a:solidFill>
               </a:rPr>
-              <a:t> (2013).</a:t>
-            </a:r>
-            <a:endParaRPr lang="en-US" sz="1100" dirty="0"/>
-          </a:p>
-        </p:txBody>
-      </p:sp>
-      <p:pic>
-        <p:nvPicPr>
-          <p:cNvPr id="6" name="Picture 5"/>
-          <p:cNvPicPr>
-            <a:picLocks noChangeAspect="1"/>
-          </p:cNvPicPr>
+              <a:t>RELU</a:t>
+            </a:r>
+          </a:p>
+          <a:p>
+            <a:r>
+              <a:rPr lang="zh-CN" altLang="en-US" b="1" dirty="0">
+                <a:solidFill>
+                  <a:srgbClr val="92D050"/>
+                </a:solidFill>
+              </a:rPr>
+              <a:t>POOLING</a:t>
+            </a:r>
+          </a:p>
+          <a:p>
+            <a:r>
+              <a:rPr lang="zh-CN" altLang="en-US" dirty="0"/>
+              <a:t>    pool: MAX</a:t>
+            </a:r>
+          </a:p>
+          <a:p>
+            <a:r>
+              <a:rPr lang="zh-CN" altLang="en-US" dirty="0"/>
+              <a:t>    kernel_size: 3</a:t>
+            </a:r>
+          </a:p>
+          <a:p>
+            <a:r>
+              <a:rPr lang="zh-CN" altLang="en-US" dirty="0"/>
+              <a:t>    stride: 2</a:t>
+            </a:r>
+          </a:p>
+          <a:p>
+            <a:r>
+              <a:rPr lang="zh-CN" altLang="en-US" b="1" dirty="0">
+                <a:solidFill>
+                  <a:schemeClr val="accent4">
+                    <a:lumMod val="75000"/>
+                  </a:schemeClr>
+                </a:solidFill>
+              </a:rPr>
+              <a:t>DROPOUT</a:t>
+            </a:r>
+          </a:p>
+          <a:p>
+            <a:r>
+              <a:rPr lang="zh-CN" altLang="en-US" dirty="0"/>
+              <a:t>    dropout_ratio: 0.5</a:t>
+            </a:r>
+          </a:p>
+        </p:txBody>
+      </p:sp>
+      <p:sp>
+        <p:nvSpPr>
+          <p:cNvPr id="5" name="矩形 4"/>
+          <p:cNvSpPr/>
           <p:nvPr/>
-        </p:nvPicPr>
-        <p:blipFill>
-          <a:blip r:embed="rId3"/>
-          <a:stretch>
-            <a:fillRect/>
-          </a:stretch>
-        </p:blipFill>
-        <p:spPr>
-          <a:xfrm>
-            <a:off x="2627784" y="3933056"/>
-            <a:ext cx="4243268" cy="1944215"/>
+        </p:nvSpPr>
+        <p:spPr>
+          <a:xfrm>
+            <a:off x="3563888" y="116632"/>
+            <a:ext cx="2141984" cy="5909310"/>
           </a:xfrm>
           <a:prstGeom prst="rect">
             <a:avLst/>
           </a:prstGeom>
         </p:spPr>
-      </p:pic>
+        <p:txBody>
+          <a:bodyPr wrap="square">
+            <a:spAutoFit/>
+          </a:bodyPr>
+          <a:lstStyle/>
+          <a:p>
+            <a:r>
+              <a:rPr lang="zh-CN" altLang="en-US" b="1" dirty="0">
+                <a:solidFill>
+                  <a:schemeClr val="tx2">
+                    <a:lumMod val="60000"/>
+                    <a:lumOff val="40000"/>
+                  </a:schemeClr>
+                </a:solidFill>
+              </a:rPr>
+              <a:t>CONVOLUTION</a:t>
+            </a:r>
+          </a:p>
+          <a:p>
+            <a:r>
+              <a:rPr lang="zh-CN" altLang="en-US" dirty="0"/>
+              <a:t>    num_output: 192</a:t>
+            </a:r>
+          </a:p>
+          <a:p>
+            <a:r>
+              <a:rPr lang="zh-CN" altLang="en-US" dirty="0"/>
+              <a:t>    pad: 2</a:t>
+            </a:r>
+          </a:p>
+          <a:p>
+            <a:r>
+              <a:rPr lang="zh-CN" altLang="en-US" dirty="0"/>
+              <a:t>    kernel_size: 5</a:t>
+            </a:r>
+          </a:p>
+          <a:p>
+            <a:r>
+              <a:rPr lang="zh-CN" altLang="en-US" b="1" dirty="0">
+                <a:solidFill>
+                  <a:schemeClr val="accent6">
+                    <a:lumMod val="75000"/>
+                  </a:schemeClr>
+                </a:solidFill>
+              </a:rPr>
+              <a:t>RELU</a:t>
+            </a:r>
+          </a:p>
+          <a:p>
+            <a:r>
+              <a:rPr lang="zh-CN" altLang="en-US" b="1" dirty="0">
+                <a:solidFill>
+                  <a:schemeClr val="accent5">
+                    <a:lumMod val="75000"/>
+                  </a:schemeClr>
+                </a:solidFill>
+              </a:rPr>
+              <a:t>CONVOLUTION</a:t>
+            </a:r>
+          </a:p>
+          <a:p>
+            <a:r>
+              <a:rPr lang="zh-CN" altLang="en-US" dirty="0"/>
+              <a:t>    num_output: 192</a:t>
+            </a:r>
+          </a:p>
+          <a:p>
+            <a:r>
+              <a:rPr lang="zh-CN" altLang="en-US" dirty="0"/>
+              <a:t>    pad: 1</a:t>
+            </a:r>
+          </a:p>
+          <a:p>
+            <a:r>
+              <a:rPr lang="zh-CN" altLang="en-US" dirty="0"/>
+              <a:t>    kernel_size: 1</a:t>
+            </a:r>
+          </a:p>
+          <a:p>
+            <a:r>
+              <a:rPr lang="zh-CN" altLang="en-US" b="1" dirty="0">
+                <a:solidFill>
+                  <a:schemeClr val="accent6">
+                    <a:lumMod val="75000"/>
+                  </a:schemeClr>
+                </a:solidFill>
+              </a:rPr>
+              <a:t>RELU</a:t>
+            </a:r>
+          </a:p>
+          <a:p>
+            <a:r>
+              <a:rPr lang="zh-CN" altLang="en-US" b="1" dirty="0">
+                <a:solidFill>
+                  <a:schemeClr val="accent5">
+                    <a:lumMod val="75000"/>
+                  </a:schemeClr>
+                </a:solidFill>
+              </a:rPr>
+              <a:t>CONVOLUTION</a:t>
+            </a:r>
+          </a:p>
+          <a:p>
+            <a:r>
+              <a:rPr lang="zh-CN" altLang="en-US" dirty="0"/>
+              <a:t>    num_output: 192</a:t>
+            </a:r>
+          </a:p>
+          <a:p>
+            <a:r>
+              <a:rPr lang="zh-CN" altLang="en-US" dirty="0"/>
+              <a:t>    pad: 1</a:t>
+            </a:r>
+          </a:p>
+          <a:p>
+            <a:r>
+              <a:rPr lang="zh-CN" altLang="en-US" dirty="0"/>
+              <a:t>    kernel_size: 1</a:t>
+            </a:r>
+          </a:p>
+          <a:p>
+            <a:r>
+              <a:rPr lang="zh-CN" altLang="en-US" b="1" dirty="0">
+                <a:solidFill>
+                  <a:schemeClr val="accent6">
+                    <a:lumMod val="75000"/>
+                  </a:schemeClr>
+                </a:solidFill>
+              </a:rPr>
+              <a:t>RELU</a:t>
+            </a:r>
+          </a:p>
+          <a:p>
+            <a:r>
+              <a:rPr lang="zh-CN" altLang="en-US" b="1" dirty="0">
+                <a:solidFill>
+                  <a:srgbClr val="92D050"/>
+                </a:solidFill>
+              </a:rPr>
+              <a:t>POOLING</a:t>
+            </a:r>
+          </a:p>
+          <a:p>
+            <a:r>
+              <a:rPr lang="zh-CN" altLang="en-US" dirty="0"/>
+              <a:t>    pool: AVE</a:t>
+            </a:r>
+          </a:p>
+          <a:p>
+            <a:r>
+              <a:rPr lang="zh-CN" altLang="en-US" dirty="0"/>
+              <a:t>    kernel_size: 3</a:t>
+            </a:r>
+          </a:p>
+          <a:p>
+            <a:r>
+              <a:rPr lang="zh-CN" altLang="en-US" dirty="0"/>
+              <a:t>    stride: 2</a:t>
+            </a:r>
+          </a:p>
+          <a:p>
+            <a:r>
+              <a:rPr lang="zh-CN" altLang="en-US" b="1" dirty="0">
+                <a:solidFill>
+                  <a:schemeClr val="accent4">
+                    <a:lumMod val="75000"/>
+                  </a:schemeClr>
+                </a:solidFill>
+              </a:rPr>
+              <a:t>DROPOUT</a:t>
+            </a:r>
+          </a:p>
+          <a:p>
+            <a:r>
+              <a:rPr lang="zh-CN" altLang="en-US" dirty="0"/>
+              <a:t>    dropout_ratio: 0.5</a:t>
+            </a:r>
+          </a:p>
+        </p:txBody>
+      </p:sp>
+      <p:sp>
+        <p:nvSpPr>
+          <p:cNvPr id="6" name="矩形 5"/>
+          <p:cNvSpPr/>
+          <p:nvPr/>
+        </p:nvSpPr>
+        <p:spPr>
+          <a:xfrm>
+            <a:off x="6228184" y="116632"/>
+            <a:ext cx="2430016" cy="5909310"/>
+          </a:xfrm>
+          <a:prstGeom prst="rect">
+            <a:avLst/>
+          </a:prstGeom>
+        </p:spPr>
+        <p:txBody>
+          <a:bodyPr wrap="square">
+            <a:spAutoFit/>
+          </a:bodyPr>
+          <a:lstStyle/>
+          <a:p>
+            <a:r>
+              <a:rPr lang="zh-CN" altLang="en-US" b="1" dirty="0">
+                <a:solidFill>
+                  <a:schemeClr val="tx2">
+                    <a:lumMod val="60000"/>
+                    <a:lumOff val="40000"/>
+                  </a:schemeClr>
+                </a:solidFill>
+              </a:rPr>
+              <a:t>CONVOLUTION</a:t>
+            </a:r>
+          </a:p>
+          <a:p>
+            <a:r>
+              <a:rPr lang="zh-CN" altLang="en-US" dirty="0"/>
+              <a:t>    num_output: 192</a:t>
+            </a:r>
+          </a:p>
+          <a:p>
+            <a:r>
+              <a:rPr lang="zh-CN" altLang="en-US" dirty="0"/>
+              <a:t>    pad: 1</a:t>
+            </a:r>
+          </a:p>
+          <a:p>
+            <a:r>
+              <a:rPr lang="zh-CN" altLang="en-US" dirty="0"/>
+              <a:t>    kernel_size: 3</a:t>
+            </a:r>
+          </a:p>
+          <a:p>
+            <a:r>
+              <a:rPr lang="zh-CN" altLang="en-US" b="1" dirty="0">
+                <a:solidFill>
+                  <a:schemeClr val="accent6">
+                    <a:lumMod val="75000"/>
+                  </a:schemeClr>
+                </a:solidFill>
+              </a:rPr>
+              <a:t>RELU</a:t>
+            </a:r>
+          </a:p>
+          <a:p>
+            <a:r>
+              <a:rPr lang="zh-CN" altLang="en-US" b="1" dirty="0">
+                <a:solidFill>
+                  <a:schemeClr val="accent5">
+                    <a:lumMod val="75000"/>
+                  </a:schemeClr>
+                </a:solidFill>
+              </a:rPr>
+              <a:t>CONVOLUTION</a:t>
+            </a:r>
+          </a:p>
+          <a:p>
+            <a:r>
+              <a:rPr lang="zh-CN" altLang="en-US" dirty="0"/>
+              <a:t>    num_output: 192</a:t>
+            </a:r>
+          </a:p>
+          <a:p>
+            <a:r>
+              <a:rPr lang="zh-CN" altLang="en-US" dirty="0"/>
+              <a:t>    pad: 1</a:t>
+            </a:r>
+          </a:p>
+          <a:p>
+            <a:r>
+              <a:rPr lang="zh-CN" altLang="en-US" dirty="0"/>
+              <a:t>    kernel_size: 1</a:t>
+            </a:r>
+          </a:p>
+          <a:p>
+            <a:r>
+              <a:rPr lang="zh-CN" altLang="en-US" b="1" dirty="0">
+                <a:solidFill>
+                  <a:schemeClr val="accent6">
+                    <a:lumMod val="75000"/>
+                  </a:schemeClr>
+                </a:solidFill>
+              </a:rPr>
+              <a:t>RELU</a:t>
+            </a:r>
+          </a:p>
+          <a:p>
+            <a:r>
+              <a:rPr lang="zh-CN" altLang="en-US" b="1" dirty="0">
+                <a:solidFill>
+                  <a:schemeClr val="accent5">
+                    <a:lumMod val="75000"/>
+                  </a:schemeClr>
+                </a:solidFill>
+              </a:rPr>
+              <a:t>CONVOLUTION</a:t>
+            </a:r>
+          </a:p>
+          <a:p>
+            <a:r>
+              <a:rPr lang="zh-CN" altLang="en-US" dirty="0"/>
+              <a:t>    num_output: 10</a:t>
+            </a:r>
+          </a:p>
+          <a:p>
+            <a:r>
+              <a:rPr lang="zh-CN" altLang="en-US" dirty="0"/>
+              <a:t>    pad: 1</a:t>
+            </a:r>
+          </a:p>
+          <a:p>
+            <a:r>
+              <a:rPr lang="zh-CN" altLang="en-US" dirty="0"/>
+              <a:t>    kernel_size: 1</a:t>
+            </a:r>
+          </a:p>
+          <a:p>
+            <a:r>
+              <a:rPr lang="zh-CN" altLang="en-US" b="1" dirty="0">
+                <a:solidFill>
+                  <a:schemeClr val="accent6">
+                    <a:lumMod val="75000"/>
+                  </a:schemeClr>
+                </a:solidFill>
+              </a:rPr>
+              <a:t>RELU</a:t>
+            </a:r>
+          </a:p>
+          <a:p>
+            <a:r>
+              <a:rPr lang="zh-CN" altLang="en-US" b="1" dirty="0">
+                <a:solidFill>
+                  <a:srgbClr val="92D050"/>
+                </a:solidFill>
+              </a:rPr>
+              <a:t>POOLING</a:t>
+            </a:r>
+          </a:p>
+          <a:p>
+            <a:r>
+              <a:rPr lang="zh-CN" altLang="en-US" dirty="0"/>
+              <a:t>    pool: AVE</a:t>
+            </a:r>
+          </a:p>
+          <a:p>
+            <a:r>
+              <a:rPr lang="zh-CN" altLang="en-US" dirty="0"/>
+              <a:t>    kernel_size: 8</a:t>
+            </a:r>
+          </a:p>
+          <a:p>
+            <a:r>
+              <a:rPr lang="zh-CN" altLang="en-US" dirty="0"/>
+              <a:t>    stride: </a:t>
+            </a:r>
+            <a:r>
+              <a:rPr lang="zh-CN" altLang="en-US" dirty="0" smtClean="0"/>
+              <a:t>1</a:t>
+            </a:r>
+            <a:endParaRPr lang="en-US" altLang="zh-CN" dirty="0" smtClean="0"/>
+          </a:p>
+          <a:p>
+            <a:endParaRPr lang="en-US" altLang="zh-CN" b="1" dirty="0" smtClean="0">
+              <a:solidFill>
+                <a:srgbClr val="C00000"/>
+              </a:solidFill>
+            </a:endParaRPr>
+          </a:p>
+          <a:p>
+            <a:r>
+              <a:rPr lang="en-US" altLang="zh-CN" b="1" dirty="0" smtClean="0">
+                <a:solidFill>
+                  <a:srgbClr val="C00000"/>
+                </a:solidFill>
+              </a:rPr>
+              <a:t>SOFTMAX_LOSS</a:t>
+            </a:r>
+            <a:endParaRPr lang="zh-CN" altLang="en-US" b="1" dirty="0">
+              <a:solidFill>
+                <a:srgbClr val="C00000"/>
+              </a:solidFill>
+            </a:endParaRPr>
+          </a:p>
+        </p:txBody>
+      </p:sp>
     </p:spTree>
     <p:extLst>
       <p:ext uri="{BB962C8B-B14F-4D97-AF65-F5344CB8AC3E}">
-        <p14:creationId xmlns:p14="http://schemas.microsoft.com/office/powerpoint/2010/main" val="3706038794"/>
+        <p14:creationId xmlns:p14="http://schemas.microsoft.com/office/powerpoint/2010/main" val="1715044916"/>
       </p:ext>
     </p:extLst>
   </p:cSld>
   <p:clrMapOvr>
     <a:masterClrMapping/>
   </p:clrMapOvr>
-  <p:timing>
-    <p:tnLst>
-      <p:par>
-        <p:cTn id="1" dur="indefinite" restart="never" nodeType="tmRoot"/>
-      </p:par>
-    </p:tnLst>
-  </p:timing>
 </p:sld>
 </file>
 
@@ -8746,7 +7026,7 @@
 </p:sld>
 </file>
 
-<file path=ppt/slides/slide3.xml><?xml version="1.0" encoding="utf-8"?>
+<file path=ppt/slides/slide21.xml><?xml version="1.0" encoding="utf-8"?>
 <p:sld xmlns:a="http://schemas.openxmlformats.org/drawingml/2006/main" xmlns:r="http://schemas.openxmlformats.org/officeDocument/2006/relationships" xmlns:p="http://schemas.openxmlformats.org/presentationml/2006/main">
   <p:cSld>
     <p:spTree>
@@ -8779,10 +7059,18 @@
           <a:lstStyle/>
           <a:p>
             <a:r>
-              <a:rPr lang="en-US" altLang="zh-CN" dirty="0" smtClean="0"/>
+              <a:rPr lang="en-US" altLang="zh-CN" dirty="0" smtClean="0">
+                <a:solidFill>
+                  <a:schemeClr val="bg1"/>
+                </a:solidFill>
+              </a:rPr>
               <a:t>Content</a:t>
             </a:r>
-            <a:endParaRPr lang="zh-CN" altLang="en-US" dirty="0"/>
+            <a:endParaRPr lang="zh-CN" altLang="en-US" dirty="0">
+              <a:solidFill>
+                <a:schemeClr val="bg1"/>
+              </a:solidFill>
+            </a:endParaRPr>
           </a:p>
         </p:txBody>
       </p:sp>
@@ -8804,56 +7092,88 @@
           <a:lstStyle/>
           <a:p>
             <a:r>
-              <a:rPr lang="en-US" altLang="zh-CN" dirty="0" smtClean="0"/>
+              <a:rPr lang="en-US" altLang="zh-CN" dirty="0" smtClean="0">
+                <a:solidFill>
+                  <a:schemeClr val="bg1"/>
+                </a:solidFill>
+              </a:rPr>
               <a:t>Derivation</a:t>
             </a:r>
           </a:p>
           <a:p>
             <a:pPr lvl="1"/>
             <a:r>
-              <a:rPr lang="en-US" altLang="zh-CN" dirty="0" smtClean="0"/>
+              <a:rPr lang="en-US" altLang="zh-CN" dirty="0" smtClean="0">
+                <a:solidFill>
+                  <a:schemeClr val="bg1"/>
+                </a:solidFill>
+              </a:rPr>
               <a:t>Term expand</a:t>
             </a:r>
           </a:p>
           <a:p>
             <a:pPr lvl="1"/>
             <a:r>
-              <a:rPr lang="en-US" altLang="zh-CN" dirty="0" smtClean="0"/>
+              <a:rPr lang="en-US" altLang="zh-CN" dirty="0" smtClean="0">
+                <a:solidFill>
+                  <a:schemeClr val="bg1"/>
+                </a:solidFill>
+              </a:rPr>
               <a:t>Digital image process</a:t>
             </a:r>
           </a:p>
           <a:p>
             <a:pPr lvl="2"/>
             <a:r>
-              <a:rPr lang="en-US" altLang="zh-CN" dirty="0" smtClean="0"/>
+              <a:rPr lang="en-US" altLang="zh-CN" dirty="0" smtClean="0">
+                <a:solidFill>
+                  <a:schemeClr val="bg1"/>
+                </a:solidFill>
+              </a:rPr>
               <a:t>Edge detection</a:t>
             </a:r>
           </a:p>
           <a:p>
             <a:pPr lvl="2"/>
             <a:r>
-              <a:rPr lang="en-US" altLang="zh-CN" dirty="0" smtClean="0"/>
+              <a:rPr lang="en-US" altLang="zh-CN" dirty="0" smtClean="0">
+                <a:solidFill>
+                  <a:schemeClr val="bg1"/>
+                </a:solidFill>
+              </a:rPr>
               <a:t>SIFT features</a:t>
             </a:r>
           </a:p>
           <a:p>
             <a:pPr lvl="1"/>
             <a:r>
-              <a:rPr lang="en-US" altLang="zh-CN" dirty="0" smtClean="0"/>
+              <a:rPr lang="en-US" altLang="zh-CN" dirty="0" smtClean="0">
+                <a:solidFill>
+                  <a:schemeClr val="bg1"/>
+                </a:solidFill>
+              </a:rPr>
               <a:t>Important properties</a:t>
             </a:r>
           </a:p>
           <a:p>
             <a:pPr lvl="2"/>
             <a:r>
-              <a:rPr lang="en-US" altLang="zh-CN" dirty="0" smtClean="0"/>
+              <a:rPr lang="en-US" altLang="zh-CN" dirty="0" smtClean="0">
+                <a:solidFill>
+                  <a:schemeClr val="bg1"/>
+                </a:solidFill>
+              </a:rPr>
               <a:t>Local invariance</a:t>
             </a:r>
           </a:p>
           <a:p>
             <a:pPr lvl="2"/>
             <a:r>
-              <a:rPr lang="en-US" altLang="zh-CN" dirty="0" smtClean="0"/>
+              <a:rPr lang="en-US" altLang="zh-CN" dirty="0" smtClean="0">
+                <a:solidFill>
+                  <a:schemeClr val="bg1"/>
+                </a:solidFill>
+              </a:rPr>
               <a:t>Hierarchical structure</a:t>
             </a:r>
           </a:p>
@@ -8861,7 +7181,7 @@
             <a:r>
               <a:rPr lang="en-US" altLang="zh-CN" dirty="0" smtClean="0">
                 <a:solidFill>
-                  <a:srgbClr val="FF0000"/>
+                  <a:schemeClr val="bg1"/>
                 </a:solidFill>
               </a:rPr>
               <a:t>Definition</a:t>
@@ -8870,53 +7190,89 @@
           <a:p>
             <a:pPr lvl="1"/>
             <a:r>
-              <a:rPr lang="en-US" altLang="zh-CN" dirty="0" smtClean="0"/>
+              <a:rPr lang="en-US" altLang="zh-CN" dirty="0" smtClean="0">
+                <a:solidFill>
+                  <a:schemeClr val="bg1"/>
+                </a:solidFill>
+              </a:rPr>
               <a:t>Convolutional Layer (with padding)</a:t>
             </a:r>
           </a:p>
           <a:p>
             <a:pPr lvl="1"/>
             <a:r>
-              <a:rPr lang="en-US" altLang="zh-CN" dirty="0" smtClean="0"/>
+              <a:rPr lang="en-US" altLang="zh-CN" dirty="0" smtClean="0">
+                <a:solidFill>
+                  <a:schemeClr val="bg1"/>
+                </a:solidFill>
+              </a:rPr>
               <a:t>Pooling Layer</a:t>
             </a:r>
           </a:p>
           <a:p>
             <a:pPr lvl="1"/>
             <a:r>
-              <a:rPr lang="en-US" altLang="zh-CN" dirty="0" smtClean="0"/>
+              <a:rPr lang="en-US" altLang="zh-CN" dirty="0" smtClean="0">
+                <a:solidFill>
+                  <a:schemeClr val="bg1"/>
+                </a:solidFill>
+              </a:rPr>
               <a:t>Active function - </a:t>
             </a:r>
             <a:r>
-              <a:rPr lang="en-US" altLang="zh-CN" dirty="0" err="1" smtClean="0"/>
+              <a:rPr lang="en-US" altLang="zh-CN" dirty="0" err="1" smtClean="0">
+                <a:solidFill>
+                  <a:schemeClr val="bg1"/>
+                </a:solidFill>
+              </a:rPr>
               <a:t>Relu</a:t>
             </a:r>
-            <a:endParaRPr lang="en-US" altLang="zh-CN" dirty="0" smtClean="0"/>
-          </a:p>
-          <a:p>
-            <a:r>
-              <a:rPr lang="en-US" altLang="zh-CN" dirty="0" smtClean="0"/>
+            <a:endParaRPr lang="en-US" altLang="zh-CN" dirty="0" smtClean="0">
+              <a:solidFill>
+                <a:schemeClr val="bg1"/>
+              </a:solidFill>
+            </a:endParaRPr>
+          </a:p>
+          <a:p>
+            <a:r>
+              <a:rPr lang="en-US" altLang="zh-CN" dirty="0" smtClean="0">
+                <a:solidFill>
+                  <a:schemeClr val="bg1"/>
+                </a:solidFill>
+              </a:rPr>
               <a:t>Application</a:t>
             </a:r>
           </a:p>
           <a:p>
             <a:pPr lvl="1"/>
             <a:r>
-              <a:rPr lang="en-US" altLang="zh-CN" dirty="0" smtClean="0"/>
+              <a:rPr lang="en-US" altLang="zh-CN" dirty="0" smtClean="0">
+                <a:solidFill>
+                  <a:schemeClr val="bg1"/>
+                </a:solidFill>
+              </a:rPr>
               <a:t>Image</a:t>
             </a:r>
           </a:p>
           <a:p>
             <a:pPr lvl="1"/>
             <a:r>
-              <a:rPr lang="en-US" altLang="zh-CN" dirty="0" smtClean="0"/>
+              <a:rPr lang="en-US" altLang="zh-CN" dirty="0" smtClean="0">
+                <a:solidFill>
+                  <a:schemeClr val="bg1"/>
+                </a:solidFill>
+              </a:rPr>
               <a:t>Voice</a:t>
             </a:r>
           </a:p>
           <a:p>
             <a:pPr lvl="1"/>
             <a:r>
-              <a:rPr lang="en-US" altLang="zh-CN" dirty="0" smtClean="0"/>
+              <a:rPr lang="en-US" altLang="zh-CN" dirty="0" smtClean="0">
+                <a:solidFill>
+                  <a:schemeClr val="bg1"/>
+                </a:solidFill>
+              </a:rPr>
               <a:t>Text</a:t>
             </a:r>
           </a:p>
@@ -8924,7 +7280,7 @@
             <a:r>
               <a:rPr lang="en-US" altLang="zh-CN" dirty="0" smtClean="0">
                 <a:solidFill>
-                  <a:srgbClr val="FF0000"/>
+                  <a:schemeClr val="bg1"/>
                 </a:solidFill>
               </a:rPr>
               <a:t>Implementation</a:t>
@@ -8933,59 +7289,103 @@
           <a:p>
             <a:pPr lvl="1"/>
             <a:r>
-              <a:rPr lang="en-US" altLang="zh-CN" dirty="0" smtClean="0"/>
+              <a:rPr lang="en-US" altLang="zh-CN" dirty="0" smtClean="0">
+                <a:solidFill>
+                  <a:schemeClr val="bg1"/>
+                </a:solidFill>
+              </a:rPr>
               <a:t>Expand / </a:t>
             </a:r>
             <a:r>
-              <a:rPr lang="en-US" altLang="zh-CN" dirty="0" err="1" smtClean="0"/>
+              <a:rPr lang="en-US" altLang="zh-CN" dirty="0" err="1" smtClean="0">
+                <a:solidFill>
+                  <a:schemeClr val="bg1"/>
+                </a:solidFill>
+              </a:rPr>
               <a:t>Unexpand</a:t>
             </a:r>
             <a:r>
-              <a:rPr lang="en-US" altLang="zh-CN" dirty="0" smtClean="0"/>
+              <a:rPr lang="en-US" altLang="zh-CN" dirty="0" smtClean="0">
+                <a:solidFill>
+                  <a:schemeClr val="bg1"/>
+                </a:solidFill>
+              </a:rPr>
               <a:t> method</a:t>
             </a:r>
           </a:p>
           <a:p>
             <a:pPr lvl="1"/>
             <a:r>
-              <a:rPr lang="en-US" altLang="zh-CN" dirty="0" err="1" smtClean="0"/>
+              <a:rPr lang="en-US" altLang="zh-CN" dirty="0" err="1" smtClean="0">
+                <a:solidFill>
+                  <a:schemeClr val="bg1"/>
+                </a:solidFill>
+              </a:rPr>
               <a:t>Cuda-convnet</a:t>
             </a:r>
-            <a:endParaRPr lang="en-US" altLang="zh-CN" dirty="0" smtClean="0"/>
-          </a:p>
-          <a:p>
-            <a:r>
-              <a:rPr lang="en-US" altLang="zh-CN" dirty="0" smtClean="0"/>
+            <a:endParaRPr lang="en-US" altLang="zh-CN" dirty="0" smtClean="0">
+              <a:solidFill>
+                <a:schemeClr val="bg1"/>
+              </a:solidFill>
+            </a:endParaRPr>
+          </a:p>
+          <a:p>
+            <a:r>
+              <a:rPr lang="en-US" altLang="zh-CN" dirty="0" smtClean="0">
+                <a:solidFill>
+                  <a:schemeClr val="bg1"/>
+                </a:solidFill>
+              </a:rPr>
               <a:t>Extension</a:t>
             </a:r>
           </a:p>
           <a:p>
             <a:pPr lvl="1"/>
             <a:r>
-              <a:rPr lang="en-US" altLang="zh-CN" dirty="0" smtClean="0"/>
+              <a:rPr lang="en-US" altLang="zh-CN" dirty="0" smtClean="0">
+                <a:solidFill>
+                  <a:schemeClr val="bg1"/>
+                </a:solidFill>
+              </a:rPr>
               <a:t>Network in Network</a:t>
             </a:r>
           </a:p>
           <a:p>
             <a:pPr lvl="1"/>
             <a:r>
-              <a:rPr lang="en-US" altLang="zh-CN" dirty="0" smtClean="0"/>
+              <a:rPr lang="en-US" altLang="zh-CN" dirty="0" smtClean="0">
+                <a:solidFill>
+                  <a:schemeClr val="bg1"/>
+                </a:solidFill>
+              </a:rPr>
               <a:t>Saliency base improve</a:t>
             </a:r>
           </a:p>
           <a:p>
             <a:pPr lvl="1"/>
             <a:r>
-              <a:rPr lang="en-US" altLang="zh-CN" dirty="0" err="1" smtClean="0"/>
+              <a:rPr lang="en-US" altLang="zh-CN" dirty="0" err="1" smtClean="0">
+                <a:solidFill>
+                  <a:schemeClr val="bg1"/>
+                </a:solidFill>
+              </a:rPr>
               <a:t>Colinear</a:t>
             </a:r>
             <a:r>
-              <a:rPr lang="en-US" altLang="zh-CN" dirty="0" smtClean="0"/>
+              <a:rPr lang="en-US" altLang="zh-CN" dirty="0" smtClean="0">
+                <a:solidFill>
+                  <a:schemeClr val="bg1"/>
+                </a:solidFill>
+              </a:rPr>
               <a:t> Convolutional Layer</a:t>
             </a:r>
           </a:p>
           <a:p>
-            <a:endParaRPr lang="zh-CN" altLang="en-US" dirty="0"/>
+            <a:endParaRPr lang="zh-CN" altLang="en-US" dirty="0">
+              <a:solidFill>
+                <a:schemeClr val="bg1"/>
+              </a:solidFill>
+            </a:endParaRPr>
           </a:p>
         </p:txBody>
       </p:sp>
@@ -9009,7 +7409,7 @@
 </p:sld>
 </file>
 
-<file path=ppt/slides/slide4.xml><?xml version="1.0" encoding="utf-8"?>
+<file path=ppt/slides/slide3.xml><?xml version="1.0" encoding="utf-8"?>
 <p:sld xmlns:a="http://schemas.openxmlformats.org/drawingml/2006/main" xmlns:r="http://schemas.openxmlformats.org/officeDocument/2006/relationships" xmlns:p="http://schemas.openxmlformats.org/presentationml/2006/main">
   <p:cSld>
     <p:spTree>
@@ -11068,7 +9468,7 @@
 </p:sld>
 </file>
 
-<file path=ppt/slides/slide5.xml><?xml version="1.0" encoding="utf-8"?>
+<file path=ppt/slides/slide4.xml><?xml version="1.0" encoding="utf-8"?>
 <p:sld xmlns:a="http://schemas.openxmlformats.org/drawingml/2006/main" xmlns:r="http://schemas.openxmlformats.org/officeDocument/2006/relationships" xmlns:p="http://schemas.openxmlformats.org/presentationml/2006/main">
   <p:cSld>
     <p:spTree>
@@ -12645,7 +11045,7 @@
           <a:graphicData uri="http://schemas.openxmlformats.org/presentationml/2006/ole">
             <mc:AlternateContent xmlns:mc="http://schemas.openxmlformats.org/markup-compatibility/2006">
               <mc:Choice xmlns:v="urn:schemas-microsoft-com:vml" Requires="v">
-                <p:oleObj spid="_x0000_s10273" name="Equation" r:id="rId5" imgW="215640" imgH="393480" progId="Equation.DSMT4">
+                <p:oleObj spid="_x0000_s10281" name="Equation" r:id="rId5" imgW="215640" imgH="393480" progId="Equation.DSMT4">
                   <p:embed/>
                 </p:oleObj>
               </mc:Choice>
@@ -13004,7 +11404,7 @@
 </p:sld>
 </file>
 
-<file path=ppt/slides/slide6.xml><?xml version="1.0" encoding="utf-8"?>
+<file path=ppt/slides/slide5.xml><?xml version="1.0" encoding="utf-8"?>
 <p:sld xmlns:a="http://schemas.openxmlformats.org/drawingml/2006/main" xmlns:r="http://schemas.openxmlformats.org/officeDocument/2006/relationships" xmlns:p="http://schemas.openxmlformats.org/presentationml/2006/main">
   <p:cSld>
     <p:spTree>
@@ -13440,7 +11840,7 @@
 </p:sld>
 </file>
 
-<file path=ppt/slides/slide7.xml><?xml version="1.0" encoding="utf-8"?>
+<file path=ppt/slides/slide6.xml><?xml version="1.0" encoding="utf-8"?>
 <p:sld xmlns:a="http://schemas.openxmlformats.org/drawingml/2006/main" xmlns:r="http://schemas.openxmlformats.org/officeDocument/2006/relationships" xmlns:p="http://schemas.openxmlformats.org/presentationml/2006/main">
   <p:cSld>
     <p:bg>
@@ -13916,6 +12316,437 @@
     <p:extLst>
       <p:ext uri="{BB962C8B-B14F-4D97-AF65-F5344CB8AC3E}">
         <p14:creationId xmlns:p14="http://schemas.microsoft.com/office/powerpoint/2010/main" val="2067709457"/>
+      </p:ext>
+    </p:extLst>
+  </p:cSld>
+  <p:clrMapOvr>
+    <a:masterClrMapping/>
+  </p:clrMapOvr>
+  <p:timing>
+    <p:tnLst>
+      <p:par>
+        <p:cTn id="1" dur="indefinite" restart="never" nodeType="tmRoot"/>
+      </p:par>
+    </p:tnLst>
+  </p:timing>
+</p:sld>
+</file>
+
+<file path=ppt/slides/slide7.xml><?xml version="1.0" encoding="utf-8"?>
+<p:sld xmlns:a="http://schemas.openxmlformats.org/drawingml/2006/main" xmlns:r="http://schemas.openxmlformats.org/officeDocument/2006/relationships" xmlns:p="http://schemas.openxmlformats.org/presentationml/2006/main">
+  <p:cSld>
+    <p:spTree>
+      <p:nvGrpSpPr>
+        <p:cNvPr id="1" name=""/>
+        <p:cNvGrpSpPr/>
+        <p:nvPr/>
+      </p:nvGrpSpPr>
+      <p:grpSpPr>
+        <a:xfrm>
+          <a:off x="0" y="0"/>
+          <a:ext cx="0" cy="0"/>
+          <a:chOff x="0" y="0"/>
+          <a:chExt cx="0" cy="0"/>
+        </a:xfrm>
+      </p:grpSpPr>
+      <p:sp>
+        <p:nvSpPr>
+          <p:cNvPr id="2" name="竖排文字占位符 1"/>
+          <p:cNvSpPr>
+            <a:spLocks noGrp="1"/>
+          </p:cNvSpPr>
+          <p:nvPr>
+            <p:ph type="body" orient="vert" sz="quarter" idx="13"/>
+          </p:nvPr>
+        </p:nvSpPr>
+        <p:spPr/>
+        <p:txBody>
+          <a:bodyPr>
+            <a:normAutofit lnSpcReduction="10000"/>
+          </a:bodyPr>
+          <a:lstStyle/>
+          <a:p>
+            <a:r>
+              <a:rPr lang="en-US" altLang="zh-CN" dirty="0"/>
+              <a:t>Deviation – </a:t>
+            </a:r>
+            <a:r>
+              <a:rPr lang="en-US" altLang="zh-CN" dirty="0" smtClean="0"/>
+              <a:t>Important properties</a:t>
+            </a:r>
+            <a:endParaRPr lang="zh-CN" altLang="en-US" dirty="0"/>
+          </a:p>
+        </p:txBody>
+      </p:sp>
+      <p:sp>
+        <p:nvSpPr>
+          <p:cNvPr id="3" name="TextBox 2"/>
+          <p:cNvSpPr txBox="1"/>
+          <p:nvPr/>
+        </p:nvSpPr>
+        <p:spPr>
+          <a:xfrm>
+            <a:off x="1659732" y="1124744"/>
+            <a:ext cx="5904656" cy="1631216"/>
+          </a:xfrm>
+          <a:prstGeom prst="rect">
+            <a:avLst/>
+          </a:prstGeom>
+          <a:noFill/>
+        </p:spPr>
+        <p:txBody>
+          <a:bodyPr wrap="square" rtlCol="0">
+            <a:spAutoFit/>
+          </a:bodyPr>
+          <a:lstStyle/>
+          <a:p>
+            <a:pPr algn="just"/>
+            <a:r>
+              <a:rPr lang="en-US" sz="2000" b="1" dirty="0" smtClean="0"/>
+              <a:t>Convolutional Networks </a:t>
+            </a:r>
+            <a:r>
+              <a:rPr lang="en-US" sz="2000" dirty="0" smtClean="0"/>
+              <a:t>combine three architectural ideas to ensure some degree of </a:t>
+            </a:r>
+            <a:r>
+              <a:rPr lang="en-US" sz="2000" b="1" dirty="0" smtClean="0"/>
+              <a:t>shift, scale</a:t>
+            </a:r>
+            <a:r>
+              <a:rPr lang="en-US" sz="2000" dirty="0" smtClean="0"/>
+              <a:t>, and </a:t>
+            </a:r>
+            <a:r>
+              <a:rPr lang="en-US" sz="2000" b="1" dirty="0" smtClean="0"/>
+              <a:t>distortion</a:t>
+            </a:r>
+            <a:r>
+              <a:rPr lang="en-US" sz="2000" dirty="0" smtClean="0"/>
+              <a:t> </a:t>
+            </a:r>
+            <a:r>
+              <a:rPr lang="en-US" sz="2000" i="1" dirty="0" smtClean="0"/>
+              <a:t>invariance</a:t>
+            </a:r>
+            <a:r>
+              <a:rPr lang="en-US" sz="2000" dirty="0" smtClean="0"/>
+              <a:t>: </a:t>
+            </a:r>
+            <a:r>
+              <a:rPr lang="en-US" sz="2000" u="sng" dirty="0" smtClean="0"/>
+              <a:t>local receptive fields, shared weights (or weight replication), and spatial or temporal sub-sampling</a:t>
+            </a:r>
+            <a:r>
+              <a:rPr lang="en-US" sz="2000" dirty="0" smtClean="0"/>
+              <a:t>.</a:t>
+            </a:r>
+            <a:endParaRPr lang="en-US" sz="2000" dirty="0"/>
+          </a:p>
+        </p:txBody>
+      </p:sp>
+      <p:sp>
+        <p:nvSpPr>
+          <p:cNvPr id="4" name="Rectangle 3"/>
+          <p:cNvSpPr/>
+          <p:nvPr/>
+        </p:nvSpPr>
+        <p:spPr>
+          <a:xfrm>
+            <a:off x="543608" y="248071"/>
+            <a:ext cx="8136904" cy="253916"/>
+          </a:xfrm>
+          <a:prstGeom prst="rect">
+            <a:avLst/>
+          </a:prstGeom>
+        </p:spPr>
+        <p:txBody>
+          <a:bodyPr wrap="square">
+            <a:spAutoFit/>
+          </a:bodyPr>
+          <a:lstStyle/>
+          <a:p>
+            <a:r>
+              <a:rPr lang="en-US" sz="1050" dirty="0" err="1">
+                <a:solidFill>
+                  <a:srgbClr val="222222"/>
+                </a:solidFill>
+                <a:latin typeface="Arial" panose="020B0604020202020204" pitchFamily="34" charset="0"/>
+              </a:rPr>
+              <a:t>LeCun</a:t>
+            </a:r>
+            <a:r>
+              <a:rPr lang="en-US" sz="1050" dirty="0">
+                <a:solidFill>
+                  <a:srgbClr val="222222"/>
+                </a:solidFill>
+                <a:latin typeface="Arial" panose="020B0604020202020204" pitchFamily="34" charset="0"/>
+              </a:rPr>
+              <a:t>, </a:t>
+            </a:r>
+            <a:r>
+              <a:rPr lang="en-US" sz="1050" dirty="0" err="1">
+                <a:solidFill>
+                  <a:srgbClr val="222222"/>
+                </a:solidFill>
+                <a:latin typeface="Arial" panose="020B0604020202020204" pitchFamily="34" charset="0"/>
+              </a:rPr>
+              <a:t>Yann</a:t>
+            </a:r>
+            <a:r>
+              <a:rPr lang="en-US" sz="1050" dirty="0">
+                <a:solidFill>
+                  <a:srgbClr val="222222"/>
+                </a:solidFill>
+                <a:latin typeface="Arial" panose="020B0604020202020204" pitchFamily="34" charset="0"/>
+              </a:rPr>
+              <a:t>, et al. "Gradient-based learning applied to document </a:t>
+            </a:r>
+            <a:r>
+              <a:rPr lang="en-US" sz="1050" dirty="0" err="1">
+                <a:solidFill>
+                  <a:srgbClr val="222222"/>
+                </a:solidFill>
+                <a:latin typeface="Arial" panose="020B0604020202020204" pitchFamily="34" charset="0"/>
+              </a:rPr>
+              <a:t>recognition."</a:t>
+            </a:r>
+            <a:r>
+              <a:rPr lang="en-US" sz="1050" i="1" dirty="0" err="1">
+                <a:solidFill>
+                  <a:srgbClr val="222222"/>
+                </a:solidFill>
+                <a:latin typeface="Arial" panose="020B0604020202020204" pitchFamily="34" charset="0"/>
+              </a:rPr>
+              <a:t>Proceedings</a:t>
+            </a:r>
+            <a:r>
+              <a:rPr lang="en-US" sz="1050" i="1" dirty="0">
+                <a:solidFill>
+                  <a:srgbClr val="222222"/>
+                </a:solidFill>
+                <a:latin typeface="Arial" panose="020B0604020202020204" pitchFamily="34" charset="0"/>
+              </a:rPr>
+              <a:t> of the IEEE</a:t>
+            </a:r>
+            <a:r>
+              <a:rPr lang="en-US" sz="1050" dirty="0">
+                <a:solidFill>
+                  <a:srgbClr val="222222"/>
+                </a:solidFill>
+                <a:latin typeface="Arial" panose="020B0604020202020204" pitchFamily="34" charset="0"/>
+              </a:rPr>
+              <a:t> 86.11 (1998): 2278-2324.</a:t>
+            </a:r>
+            <a:endParaRPr lang="en-US" sz="1050" dirty="0"/>
+          </a:p>
+        </p:txBody>
+      </p:sp>
+      <p:sp>
+        <p:nvSpPr>
+          <p:cNvPr id="5" name="TextBox 4"/>
+          <p:cNvSpPr txBox="1"/>
+          <p:nvPr/>
+        </p:nvSpPr>
+        <p:spPr>
+          <a:xfrm>
+            <a:off x="1907704" y="2996952"/>
+            <a:ext cx="2420021" cy="1477328"/>
+          </a:xfrm>
+          <a:prstGeom prst="rect">
+            <a:avLst/>
+          </a:prstGeom>
+          <a:noFill/>
+        </p:spPr>
+        <p:txBody>
+          <a:bodyPr wrap="none" rtlCol="0">
+            <a:spAutoFit/>
+          </a:bodyPr>
+          <a:lstStyle/>
+          <a:p>
+            <a:pPr marL="285750" indent="-285750">
+              <a:buFont typeface="Arial" panose="020B0604020202020204" pitchFamily="34" charset="0"/>
+              <a:buChar char="•"/>
+            </a:pPr>
+            <a:r>
+              <a:rPr lang="en-US" dirty="0" smtClean="0"/>
+              <a:t>Shift invariance</a:t>
+            </a:r>
+          </a:p>
+          <a:p>
+            <a:pPr marL="285750" indent="-285750">
+              <a:buFont typeface="Arial" panose="020B0604020202020204" pitchFamily="34" charset="0"/>
+              <a:buChar char="•"/>
+            </a:pPr>
+            <a:endParaRPr lang="en-US" dirty="0" smtClean="0"/>
+          </a:p>
+          <a:p>
+            <a:pPr marL="285750" indent="-285750">
+              <a:buFont typeface="Arial" panose="020B0604020202020204" pitchFamily="34" charset="0"/>
+              <a:buChar char="•"/>
+            </a:pPr>
+            <a:r>
+              <a:rPr lang="en-US" dirty="0" smtClean="0"/>
+              <a:t>Scale invariance</a:t>
+            </a:r>
+          </a:p>
+          <a:p>
+            <a:pPr marL="285750" indent="-285750">
+              <a:buFont typeface="Arial" panose="020B0604020202020204" pitchFamily="34" charset="0"/>
+              <a:buChar char="•"/>
+            </a:pPr>
+            <a:endParaRPr lang="en-US" dirty="0" smtClean="0"/>
+          </a:p>
+          <a:p>
+            <a:pPr marL="285750" indent="-285750">
+              <a:buFont typeface="Arial" panose="020B0604020202020204" pitchFamily="34" charset="0"/>
+              <a:buChar char="•"/>
+            </a:pPr>
+            <a:r>
+              <a:rPr lang="en-US" dirty="0" smtClean="0"/>
+              <a:t>Distortion invariance</a:t>
+            </a:r>
+            <a:endParaRPr lang="en-US" dirty="0"/>
+          </a:p>
+        </p:txBody>
+      </p:sp>
+      <p:sp>
+        <p:nvSpPr>
+          <p:cNvPr id="6" name="TextBox 5"/>
+          <p:cNvSpPr txBox="1"/>
+          <p:nvPr/>
+        </p:nvSpPr>
+        <p:spPr>
+          <a:xfrm>
+            <a:off x="4788024" y="2996952"/>
+            <a:ext cx="2435090" cy="1477328"/>
+          </a:xfrm>
+          <a:prstGeom prst="rect">
+            <a:avLst/>
+          </a:prstGeom>
+          <a:noFill/>
+        </p:spPr>
+        <p:txBody>
+          <a:bodyPr wrap="none" rtlCol="0">
+            <a:spAutoFit/>
+          </a:bodyPr>
+          <a:lstStyle/>
+          <a:p>
+            <a:pPr marL="285750" indent="-285750">
+              <a:buFont typeface="Arial" panose="020B0604020202020204" pitchFamily="34" charset="0"/>
+              <a:buChar char="•"/>
+            </a:pPr>
+            <a:r>
+              <a:rPr lang="en-US" dirty="0" smtClean="0"/>
+              <a:t>Local </a:t>
+            </a:r>
+            <a:r>
+              <a:rPr lang="en-US" dirty="0"/>
+              <a:t>receptive </a:t>
+            </a:r>
+            <a:r>
+              <a:rPr lang="en-US" dirty="0" smtClean="0"/>
+              <a:t>fields</a:t>
+            </a:r>
+          </a:p>
+          <a:p>
+            <a:pPr marL="285750" indent="-285750">
+              <a:buFont typeface="Arial" panose="020B0604020202020204" pitchFamily="34" charset="0"/>
+              <a:buChar char="•"/>
+            </a:pPr>
+            <a:endParaRPr lang="en-US" dirty="0" smtClean="0"/>
+          </a:p>
+          <a:p>
+            <a:pPr marL="285750" indent="-285750">
+              <a:buFont typeface="Arial" panose="020B0604020202020204" pitchFamily="34" charset="0"/>
+              <a:buChar char="•"/>
+            </a:pPr>
+            <a:r>
+              <a:rPr lang="en-US" dirty="0" smtClean="0"/>
+              <a:t>Shared weights</a:t>
+            </a:r>
+          </a:p>
+          <a:p>
+            <a:pPr marL="285750" indent="-285750">
+              <a:buFont typeface="Arial" panose="020B0604020202020204" pitchFamily="34" charset="0"/>
+              <a:buChar char="•"/>
+            </a:pPr>
+            <a:endParaRPr lang="en-US" dirty="0" smtClean="0"/>
+          </a:p>
+          <a:p>
+            <a:pPr marL="285750" indent="-285750">
+              <a:buFont typeface="Arial" panose="020B0604020202020204" pitchFamily="34" charset="0"/>
+              <a:buChar char="•"/>
+            </a:pPr>
+            <a:r>
+              <a:rPr lang="en-US" dirty="0"/>
+              <a:t>S</a:t>
+            </a:r>
+            <a:r>
+              <a:rPr lang="en-US" dirty="0" smtClean="0"/>
+              <a:t>ub-sampling</a:t>
+            </a:r>
+          </a:p>
+        </p:txBody>
+      </p:sp>
+      <p:pic>
+        <p:nvPicPr>
+          <p:cNvPr id="7" name="Picture 6"/>
+          <p:cNvPicPr>
+            <a:picLocks noChangeAspect="1"/>
+          </p:cNvPicPr>
+          <p:nvPr/>
+        </p:nvPicPr>
+        <p:blipFill>
+          <a:blip r:embed="rId2"/>
+          <a:stretch>
+            <a:fillRect/>
+          </a:stretch>
+        </p:blipFill>
+        <p:spPr>
+          <a:xfrm>
+            <a:off x="1331640" y="4845753"/>
+            <a:ext cx="6770465" cy="1828831"/>
+          </a:xfrm>
+          <a:prstGeom prst="rect">
+            <a:avLst/>
+          </a:prstGeom>
+        </p:spPr>
+      </p:pic>
+      <p:sp>
+        <p:nvSpPr>
+          <p:cNvPr id="8" name="TextBox 7"/>
+          <p:cNvSpPr txBox="1"/>
+          <p:nvPr/>
+        </p:nvSpPr>
+        <p:spPr>
+          <a:xfrm>
+            <a:off x="1115616" y="4530606"/>
+            <a:ext cx="925638" cy="369332"/>
+          </a:xfrm>
+          <a:prstGeom prst="rect">
+            <a:avLst/>
+          </a:prstGeom>
+          <a:noFill/>
+        </p:spPr>
+        <p:txBody>
+          <a:bodyPr wrap="none" rtlCol="0">
+            <a:spAutoFit/>
+          </a:bodyPr>
+          <a:lstStyle/>
+          <a:p>
+            <a:r>
+              <a:rPr lang="en-US" dirty="0" smtClean="0"/>
+              <a:t>LeNet-5</a:t>
+            </a:r>
+            <a:endParaRPr lang="en-US" dirty="0"/>
+          </a:p>
+        </p:txBody>
+      </p:sp>
+    </p:spTree>
+    <p:extLst>
+      <p:ext uri="{BB962C8B-B14F-4D97-AF65-F5344CB8AC3E}">
+        <p14:creationId xmlns:p14="http://schemas.microsoft.com/office/powerpoint/2010/main" val="971340916"/>
       </p:ext>
     </p:extLst>
   </p:cSld>
@@ -13967,331 +12798,24 @@
           <a:lstStyle/>
           <a:p>
             <a:r>
+              <a:rPr lang="en-US" altLang="zh-CN" dirty="0" smtClean="0"/>
+              <a:t>Definition </a:t>
+            </a:r>
+            <a:r>
               <a:rPr lang="en-US" altLang="zh-CN" dirty="0"/>
-              <a:t>Deviation – </a:t>
+              <a:t>– </a:t>
             </a:r>
             <a:r>
               <a:rPr lang="en-US" altLang="zh-CN" dirty="0" smtClean="0"/>
-              <a:t>Important properties</a:t>
+              <a:t>Convolutional Layer</a:t>
             </a:r>
             <a:endParaRPr lang="zh-CN" altLang="en-US" dirty="0"/>
-          </a:p>
-        </p:txBody>
-      </p:sp>
-      <p:sp>
-        <p:nvSpPr>
-          <p:cNvPr id="3" name="TextBox 2"/>
-          <p:cNvSpPr txBox="1"/>
-          <p:nvPr/>
-        </p:nvSpPr>
-        <p:spPr>
-          <a:xfrm>
-            <a:off x="1659732" y="1124744"/>
-            <a:ext cx="5904656" cy="1631216"/>
-          </a:xfrm>
-          <a:prstGeom prst="rect">
-            <a:avLst/>
-          </a:prstGeom>
-          <a:noFill/>
-        </p:spPr>
-        <p:txBody>
-          <a:bodyPr wrap="square" rtlCol="0">
-            <a:spAutoFit/>
-          </a:bodyPr>
-          <a:lstStyle/>
-          <a:p>
-            <a:pPr algn="just"/>
-            <a:r>
-              <a:rPr lang="en-US" sz="2000" b="1" dirty="0" smtClean="0"/>
-              <a:t>Convolutional Networks </a:t>
-            </a:r>
-            <a:r>
-              <a:rPr lang="en-US" sz="2000" dirty="0" smtClean="0"/>
-              <a:t>combine three architectural ideas to ensure some degree of </a:t>
-            </a:r>
-            <a:r>
-              <a:rPr lang="en-US" sz="2000" b="1" dirty="0" smtClean="0"/>
-              <a:t>shift, scale</a:t>
-            </a:r>
-            <a:r>
-              <a:rPr lang="en-US" sz="2000" dirty="0" smtClean="0"/>
-              <a:t>, and </a:t>
-            </a:r>
-            <a:r>
-              <a:rPr lang="en-US" sz="2000" b="1" dirty="0" smtClean="0"/>
-              <a:t>distortion</a:t>
-            </a:r>
-            <a:r>
-              <a:rPr lang="en-US" sz="2000" dirty="0" smtClean="0"/>
-              <a:t> </a:t>
-            </a:r>
-            <a:r>
-              <a:rPr lang="en-US" sz="2000" i="1" dirty="0" smtClean="0"/>
-              <a:t>invariance</a:t>
-            </a:r>
-            <a:r>
-              <a:rPr lang="en-US" sz="2000" dirty="0" smtClean="0"/>
-              <a:t>: </a:t>
-            </a:r>
-            <a:r>
-              <a:rPr lang="en-US" sz="2000" u="sng" dirty="0" smtClean="0"/>
-              <a:t>local receptive fields, shared weights (or weight replication), and spatial or temporal sub-sampling</a:t>
-            </a:r>
-            <a:r>
-              <a:rPr lang="en-US" sz="2000" dirty="0" smtClean="0"/>
-              <a:t>.</a:t>
-            </a:r>
-            <a:endParaRPr lang="en-US" sz="2000" dirty="0"/>
-          </a:p>
-        </p:txBody>
-      </p:sp>
-      <p:sp>
-        <p:nvSpPr>
-          <p:cNvPr id="4" name="Rectangle 3"/>
-          <p:cNvSpPr/>
-          <p:nvPr/>
-        </p:nvSpPr>
-        <p:spPr>
-          <a:xfrm>
-            <a:off x="543608" y="248071"/>
-            <a:ext cx="8136904" cy="253916"/>
-          </a:xfrm>
-          <a:prstGeom prst="rect">
-            <a:avLst/>
-          </a:prstGeom>
-        </p:spPr>
-        <p:txBody>
-          <a:bodyPr wrap="square">
-            <a:spAutoFit/>
-          </a:bodyPr>
-          <a:lstStyle/>
-          <a:p>
-            <a:r>
-              <a:rPr lang="en-US" sz="1050" dirty="0" err="1">
-                <a:solidFill>
-                  <a:srgbClr val="222222"/>
-                </a:solidFill>
-                <a:latin typeface="Arial" panose="020B0604020202020204" pitchFamily="34" charset="0"/>
-              </a:rPr>
-              <a:t>LeCun</a:t>
-            </a:r>
-            <a:r>
-              <a:rPr lang="en-US" sz="1050" dirty="0">
-                <a:solidFill>
-                  <a:srgbClr val="222222"/>
-                </a:solidFill>
-                <a:latin typeface="Arial" panose="020B0604020202020204" pitchFamily="34" charset="0"/>
-              </a:rPr>
-              <a:t>, </a:t>
-            </a:r>
-            <a:r>
-              <a:rPr lang="en-US" sz="1050" dirty="0" err="1">
-                <a:solidFill>
-                  <a:srgbClr val="222222"/>
-                </a:solidFill>
-                <a:latin typeface="Arial" panose="020B0604020202020204" pitchFamily="34" charset="0"/>
-              </a:rPr>
-              <a:t>Yann</a:t>
-            </a:r>
-            <a:r>
-              <a:rPr lang="en-US" sz="1050" dirty="0">
-                <a:solidFill>
-                  <a:srgbClr val="222222"/>
-                </a:solidFill>
-                <a:latin typeface="Arial" panose="020B0604020202020204" pitchFamily="34" charset="0"/>
-              </a:rPr>
-              <a:t>, et al. "Gradient-based learning applied to document </a:t>
-            </a:r>
-            <a:r>
-              <a:rPr lang="en-US" sz="1050" dirty="0" err="1">
-                <a:solidFill>
-                  <a:srgbClr val="222222"/>
-                </a:solidFill>
-                <a:latin typeface="Arial" panose="020B0604020202020204" pitchFamily="34" charset="0"/>
-              </a:rPr>
-              <a:t>recognition."</a:t>
-            </a:r>
-            <a:r>
-              <a:rPr lang="en-US" sz="1050" i="1" dirty="0" err="1">
-                <a:solidFill>
-                  <a:srgbClr val="222222"/>
-                </a:solidFill>
-                <a:latin typeface="Arial" panose="020B0604020202020204" pitchFamily="34" charset="0"/>
-              </a:rPr>
-              <a:t>Proceedings</a:t>
-            </a:r>
-            <a:r>
-              <a:rPr lang="en-US" sz="1050" i="1" dirty="0">
-                <a:solidFill>
-                  <a:srgbClr val="222222"/>
-                </a:solidFill>
-                <a:latin typeface="Arial" panose="020B0604020202020204" pitchFamily="34" charset="0"/>
-              </a:rPr>
-              <a:t> of the IEEE</a:t>
-            </a:r>
-            <a:r>
-              <a:rPr lang="en-US" sz="1050" dirty="0">
-                <a:solidFill>
-                  <a:srgbClr val="222222"/>
-                </a:solidFill>
-                <a:latin typeface="Arial" panose="020B0604020202020204" pitchFamily="34" charset="0"/>
-              </a:rPr>
-              <a:t> 86.11 (1998): 2278-2324.</a:t>
-            </a:r>
-            <a:endParaRPr lang="en-US" sz="1050" dirty="0"/>
-          </a:p>
-        </p:txBody>
-      </p:sp>
-      <p:sp>
-        <p:nvSpPr>
-          <p:cNvPr id="5" name="TextBox 4"/>
-          <p:cNvSpPr txBox="1"/>
-          <p:nvPr/>
-        </p:nvSpPr>
-        <p:spPr>
-          <a:xfrm>
-            <a:off x="1907704" y="2996952"/>
-            <a:ext cx="2420021" cy="1477328"/>
-          </a:xfrm>
-          <a:prstGeom prst="rect">
-            <a:avLst/>
-          </a:prstGeom>
-          <a:noFill/>
-        </p:spPr>
-        <p:txBody>
-          <a:bodyPr wrap="none" rtlCol="0">
-            <a:spAutoFit/>
-          </a:bodyPr>
-          <a:lstStyle/>
-          <a:p>
-            <a:pPr marL="285750" indent="-285750">
-              <a:buFont typeface="Arial" panose="020B0604020202020204" pitchFamily="34" charset="0"/>
-              <a:buChar char="•"/>
-            </a:pPr>
-            <a:r>
-              <a:rPr lang="en-US" dirty="0" smtClean="0"/>
-              <a:t>Shift invariance</a:t>
-            </a:r>
-          </a:p>
-          <a:p>
-            <a:pPr marL="285750" indent="-285750">
-              <a:buFont typeface="Arial" panose="020B0604020202020204" pitchFamily="34" charset="0"/>
-              <a:buChar char="•"/>
-            </a:pPr>
-            <a:endParaRPr lang="en-US" dirty="0" smtClean="0"/>
-          </a:p>
-          <a:p>
-            <a:pPr marL="285750" indent="-285750">
-              <a:buFont typeface="Arial" panose="020B0604020202020204" pitchFamily="34" charset="0"/>
-              <a:buChar char="•"/>
-            </a:pPr>
-            <a:r>
-              <a:rPr lang="en-US" dirty="0" smtClean="0"/>
-              <a:t>Scale invariance</a:t>
-            </a:r>
-          </a:p>
-          <a:p>
-            <a:pPr marL="285750" indent="-285750">
-              <a:buFont typeface="Arial" panose="020B0604020202020204" pitchFamily="34" charset="0"/>
-              <a:buChar char="•"/>
-            </a:pPr>
-            <a:endParaRPr lang="en-US" dirty="0" smtClean="0"/>
-          </a:p>
-          <a:p>
-            <a:pPr marL="285750" indent="-285750">
-              <a:buFont typeface="Arial" panose="020B0604020202020204" pitchFamily="34" charset="0"/>
-              <a:buChar char="•"/>
-            </a:pPr>
-            <a:r>
-              <a:rPr lang="en-US" dirty="0" smtClean="0"/>
-              <a:t>Distortion invariance</a:t>
-            </a:r>
-            <a:endParaRPr lang="en-US" dirty="0"/>
-          </a:p>
-        </p:txBody>
-      </p:sp>
-      <p:sp>
-        <p:nvSpPr>
-          <p:cNvPr id="6" name="TextBox 5"/>
-          <p:cNvSpPr txBox="1"/>
-          <p:nvPr/>
-        </p:nvSpPr>
-        <p:spPr>
-          <a:xfrm>
-            <a:off x="4788024" y="2996952"/>
-            <a:ext cx="2435090" cy="1477328"/>
-          </a:xfrm>
-          <a:prstGeom prst="rect">
-            <a:avLst/>
-          </a:prstGeom>
-          <a:noFill/>
-        </p:spPr>
-        <p:txBody>
-          <a:bodyPr wrap="none" rtlCol="0">
-            <a:spAutoFit/>
-          </a:bodyPr>
-          <a:lstStyle/>
-          <a:p>
-            <a:pPr marL="285750" indent="-285750">
-              <a:buFont typeface="Arial" panose="020B0604020202020204" pitchFamily="34" charset="0"/>
-              <a:buChar char="•"/>
-            </a:pPr>
-            <a:r>
-              <a:rPr lang="en-US" dirty="0" smtClean="0"/>
-              <a:t>Local </a:t>
-            </a:r>
-            <a:r>
-              <a:rPr lang="en-US" dirty="0"/>
-              <a:t>receptive </a:t>
-            </a:r>
-            <a:r>
-              <a:rPr lang="en-US" dirty="0" smtClean="0"/>
-              <a:t>fields</a:t>
-            </a:r>
-          </a:p>
-          <a:p>
-            <a:pPr marL="285750" indent="-285750">
-              <a:buFont typeface="Arial" panose="020B0604020202020204" pitchFamily="34" charset="0"/>
-              <a:buChar char="•"/>
-            </a:pPr>
-            <a:endParaRPr lang="en-US" dirty="0" smtClean="0"/>
-          </a:p>
-          <a:p>
-            <a:pPr marL="285750" indent="-285750">
-              <a:buFont typeface="Arial" panose="020B0604020202020204" pitchFamily="34" charset="0"/>
-              <a:buChar char="•"/>
-            </a:pPr>
-            <a:r>
-              <a:rPr lang="en-US" dirty="0" smtClean="0"/>
-              <a:t>Shared weights</a:t>
-            </a:r>
-          </a:p>
-          <a:p>
-            <a:pPr marL="285750" indent="-285750">
-              <a:buFont typeface="Arial" panose="020B0604020202020204" pitchFamily="34" charset="0"/>
-              <a:buChar char="•"/>
-            </a:pPr>
-            <a:endParaRPr lang="en-US" dirty="0" smtClean="0"/>
-          </a:p>
-          <a:p>
-            <a:pPr marL="285750" indent="-285750">
-              <a:buFont typeface="Arial" panose="020B0604020202020204" pitchFamily="34" charset="0"/>
-              <a:buChar char="•"/>
-            </a:pPr>
-            <a:r>
-              <a:rPr lang="en-US" dirty="0"/>
-              <a:t>S</a:t>
-            </a:r>
-            <a:r>
-              <a:rPr lang="en-US" dirty="0" smtClean="0"/>
-              <a:t>ub-sampling</a:t>
-            </a:r>
           </a:p>
         </p:txBody>
       </p:sp>
       <p:pic>
         <p:nvPicPr>
-          <p:cNvPr id="7" name="Picture 6"/>
+          <p:cNvPr id="9" name="Picture 8"/>
           <p:cNvPicPr>
             <a:picLocks noChangeAspect="1"/>
           </p:cNvPicPr>
@@ -14305,24 +12829,297 @@
         </p:blipFill>
         <p:spPr>
           <a:xfrm>
-            <a:off x="1331640" y="4845753"/>
-            <a:ext cx="6770465" cy="1828831"/>
+            <a:off x="1403648" y="548681"/>
+            <a:ext cx="1737231" cy="1575628"/>
           </a:xfrm>
           <a:prstGeom prst="rect">
             <a:avLst/>
           </a:prstGeom>
         </p:spPr>
       </p:pic>
-      <p:sp>
-        <p:nvSpPr>
-          <p:cNvPr id="8" name="TextBox 7"/>
+      <p:pic>
+        <p:nvPicPr>
+          <p:cNvPr id="10" name="Picture 9"/>
+          <p:cNvPicPr>
+            <a:picLocks noChangeAspect="1"/>
+          </p:cNvPicPr>
+          <p:nvPr/>
+        </p:nvPicPr>
+        <p:blipFill>
+          <a:blip r:embed="rId2"/>
+          <a:stretch>
+            <a:fillRect/>
+          </a:stretch>
+        </p:blipFill>
+        <p:spPr>
+          <a:xfrm>
+            <a:off x="1259632" y="2425162"/>
+            <a:ext cx="1737231" cy="1575628"/>
+          </a:xfrm>
+          <a:prstGeom prst="rect">
+            <a:avLst/>
+          </a:prstGeom>
+        </p:spPr>
+      </p:pic>
+      <p:pic>
+        <p:nvPicPr>
+          <p:cNvPr id="11" name="Picture 10"/>
+          <p:cNvPicPr>
+            <a:picLocks noChangeAspect="1"/>
+          </p:cNvPicPr>
+          <p:nvPr/>
+        </p:nvPicPr>
+        <p:blipFill>
+          <a:blip r:embed="rId2"/>
+          <a:stretch>
+            <a:fillRect/>
+          </a:stretch>
+        </p:blipFill>
+        <p:spPr>
+          <a:xfrm>
+            <a:off x="3004368" y="263082"/>
+            <a:ext cx="1190900" cy="1080119"/>
+          </a:xfrm>
+          <a:prstGeom prst="rect">
+            <a:avLst/>
+          </a:prstGeom>
+        </p:spPr>
+      </p:pic>
+      <p:pic>
+        <p:nvPicPr>
+          <p:cNvPr id="12" name="Picture 11"/>
+          <p:cNvPicPr>
+            <a:picLocks noChangeAspect="1"/>
+          </p:cNvPicPr>
+          <p:nvPr/>
+        </p:nvPicPr>
+        <p:blipFill>
+          <a:blip r:embed="rId2"/>
+          <a:stretch>
+            <a:fillRect/>
+          </a:stretch>
+        </p:blipFill>
+        <p:spPr>
+          <a:xfrm>
+            <a:off x="3004368" y="1988840"/>
+            <a:ext cx="1190901" cy="1080120"/>
+          </a:xfrm>
+          <a:prstGeom prst="rect">
+            <a:avLst/>
+          </a:prstGeom>
+        </p:spPr>
+      </p:pic>
+      <p:pic>
+        <p:nvPicPr>
+          <p:cNvPr id="13" name="Picture 12"/>
+          <p:cNvPicPr>
+            <a:picLocks noChangeAspect="1"/>
+          </p:cNvPicPr>
+          <p:nvPr/>
+        </p:nvPicPr>
+        <p:blipFill>
+          <a:blip r:embed="rId3"/>
+          <a:stretch>
+            <a:fillRect/>
+          </a:stretch>
+        </p:blipFill>
+        <p:spPr>
+          <a:xfrm>
+            <a:off x="4427984" y="2124309"/>
+            <a:ext cx="1552575" cy="1724025"/>
+          </a:xfrm>
+          <a:prstGeom prst="rect">
+            <a:avLst/>
+          </a:prstGeom>
+        </p:spPr>
+      </p:pic>
+      <p:pic>
+        <p:nvPicPr>
+          <p:cNvPr id="14" name="Picture 13"/>
+          <p:cNvPicPr>
+            <a:picLocks noChangeAspect="1"/>
+          </p:cNvPicPr>
+          <p:nvPr/>
+        </p:nvPicPr>
+        <p:blipFill>
+          <a:blip r:embed="rId4"/>
+          <a:stretch>
+            <a:fillRect/>
+          </a:stretch>
+        </p:blipFill>
+        <p:spPr>
+          <a:xfrm>
+            <a:off x="6495176" y="2425162"/>
+            <a:ext cx="1243841" cy="2078634"/>
+          </a:xfrm>
+          <a:prstGeom prst="rect">
+            <a:avLst/>
+          </a:prstGeom>
+        </p:spPr>
+      </p:pic>
+      <p:cxnSp>
+        <p:nvCxnSpPr>
+          <p:cNvPr id="16" name="Straight Arrow Connector 15"/>
+          <p:cNvCxnSpPr/>
+          <p:nvPr/>
+        </p:nvCxnSpPr>
+        <p:spPr>
+          <a:xfrm>
+            <a:off x="2771800" y="2204864"/>
+            <a:ext cx="1656184" cy="648072"/>
+          </a:xfrm>
+          <a:prstGeom prst="straightConnector1">
+            <a:avLst/>
+          </a:prstGeom>
+          <a:ln>
+            <a:tailEnd type="triangle"/>
+          </a:ln>
+        </p:spPr>
+        <p:style>
+          <a:lnRef idx="1">
+            <a:schemeClr val="accent1"/>
+          </a:lnRef>
+          <a:fillRef idx="0">
+            <a:schemeClr val="accent1"/>
+          </a:fillRef>
+          <a:effectRef idx="0">
+            <a:schemeClr val="accent1"/>
+          </a:effectRef>
+          <a:fontRef idx="minor">
+            <a:schemeClr val="tx1"/>
+          </a:fontRef>
+        </p:style>
+      </p:cxnSp>
+      <p:cxnSp>
+        <p:nvCxnSpPr>
+          <p:cNvPr id="18" name="Straight Arrow Connector 17"/>
+          <p:cNvCxnSpPr/>
+          <p:nvPr/>
+        </p:nvCxnSpPr>
+        <p:spPr>
+          <a:xfrm>
+            <a:off x="5504334" y="2986321"/>
+            <a:ext cx="1155898" cy="226655"/>
+          </a:xfrm>
+          <a:prstGeom prst="straightConnector1">
+            <a:avLst/>
+          </a:prstGeom>
+          <a:ln>
+            <a:tailEnd type="triangle"/>
+          </a:ln>
+        </p:spPr>
+        <p:style>
+          <a:lnRef idx="1">
+            <a:schemeClr val="accent1"/>
+          </a:lnRef>
+          <a:fillRef idx="0">
+            <a:schemeClr val="accent1"/>
+          </a:fillRef>
+          <a:effectRef idx="0">
+            <a:schemeClr val="accent1"/>
+          </a:effectRef>
+          <a:fontRef idx="minor">
+            <a:schemeClr val="tx1"/>
+          </a:fontRef>
+        </p:style>
+      </p:cxnSp>
+      <p:pic>
+        <p:nvPicPr>
+          <p:cNvPr id="21" name="Picture 20"/>
+          <p:cNvPicPr>
+            <a:picLocks noChangeAspect="1"/>
+          </p:cNvPicPr>
+          <p:nvPr/>
+        </p:nvPicPr>
+        <p:blipFill>
+          <a:blip r:embed="rId5"/>
+          <a:stretch>
+            <a:fillRect/>
+          </a:stretch>
+        </p:blipFill>
+        <p:spPr>
+          <a:xfrm>
+            <a:off x="7034167" y="217190"/>
+            <a:ext cx="1409700" cy="1771650"/>
+          </a:xfrm>
+          <a:prstGeom prst="rect">
+            <a:avLst/>
+          </a:prstGeom>
+        </p:spPr>
+      </p:pic>
+      <p:pic>
+        <p:nvPicPr>
+          <p:cNvPr id="22" name="Picture 21"/>
+          <p:cNvPicPr>
+            <a:picLocks noChangeAspect="1"/>
+          </p:cNvPicPr>
+          <p:nvPr/>
+        </p:nvPicPr>
+        <p:blipFill>
+          <a:blip r:embed="rId6">
+            <a:extLst>
+              <a:ext uri="{28A0092B-C50C-407E-A947-70E740481C1C}">
+                <a14:useLocalDpi xmlns:a14="http://schemas.microsoft.com/office/drawing/2010/main" val="0"/>
+              </a:ext>
+            </a:extLst>
+          </a:blip>
+          <a:stretch>
+            <a:fillRect/>
+          </a:stretch>
+        </p:blipFill>
+        <p:spPr>
+          <a:xfrm>
+            <a:off x="5338788" y="574551"/>
+            <a:ext cx="914400" cy="914400"/>
+          </a:xfrm>
+          <a:prstGeom prst="rect">
+            <a:avLst/>
+          </a:prstGeom>
+        </p:spPr>
+      </p:pic>
+      <p:cxnSp>
+        <p:nvCxnSpPr>
+          <p:cNvPr id="24" name="Straight Arrow Connector 23"/>
+          <p:cNvCxnSpPr/>
+          <p:nvPr/>
+        </p:nvCxnSpPr>
+        <p:spPr>
+          <a:xfrm>
+            <a:off x="6300192" y="1031751"/>
+            <a:ext cx="733975" cy="0"/>
+          </a:xfrm>
+          <a:prstGeom prst="straightConnector1">
+            <a:avLst/>
+          </a:prstGeom>
+          <a:ln>
+            <a:tailEnd type="triangle"/>
+          </a:ln>
+        </p:spPr>
+        <p:style>
+          <a:lnRef idx="1">
+            <a:schemeClr val="accent1"/>
+          </a:lnRef>
+          <a:fillRef idx="0">
+            <a:schemeClr val="accent1"/>
+          </a:fillRef>
+          <a:effectRef idx="0">
+            <a:schemeClr val="accent1"/>
+          </a:effectRef>
+          <a:fontRef idx="minor">
+            <a:schemeClr val="tx1"/>
+          </a:fontRef>
+        </p:style>
+      </p:cxnSp>
+      <p:sp>
+        <p:nvSpPr>
+          <p:cNvPr id="25" name="TextBox 24"/>
           <p:cNvSpPr txBox="1"/>
           <p:nvPr/>
         </p:nvSpPr>
         <p:spPr>
           <a:xfrm>
-            <a:off x="1115616" y="4530606"/>
-            <a:ext cx="925638" cy="369332"/>
+            <a:off x="5479971" y="1503527"/>
+            <a:ext cx="632033" cy="307777"/>
           </a:xfrm>
           <a:prstGeom prst="rect">
             <a:avLst/>
@@ -14336,17 +13133,247 @@
           <a:lstStyle/>
           <a:p>
             <a:r>
+              <a:rPr lang="en-US" altLang="zh-CN" sz="1400" dirty="0" smtClean="0"/>
+              <a:t>Image</a:t>
+            </a:r>
+            <a:endParaRPr lang="en-US" sz="1400" dirty="0"/>
+          </a:p>
+        </p:txBody>
+      </p:sp>
+      <p:sp>
+        <p:nvSpPr>
+          <p:cNvPr id="26" name="TextBox 25"/>
+          <p:cNvSpPr txBox="1"/>
+          <p:nvPr/>
+        </p:nvSpPr>
+        <p:spPr>
+          <a:xfrm>
+            <a:off x="6988901" y="1816532"/>
+            <a:ext cx="1462195" cy="307777"/>
+          </a:xfrm>
+          <a:prstGeom prst="rect">
+            <a:avLst/>
+          </a:prstGeom>
+          <a:noFill/>
+        </p:spPr>
+        <p:txBody>
+          <a:bodyPr wrap="none" rtlCol="0">
+            <a:spAutoFit/>
+          </a:bodyPr>
+          <a:lstStyle/>
+          <a:p>
+            <a:r>
+              <a:rPr lang="en-US" altLang="zh-CN" sz="1400" dirty="0" smtClean="0"/>
+              <a:t>RGB – 3 Channels</a:t>
+            </a:r>
+            <a:endParaRPr lang="en-US" sz="1400" dirty="0"/>
+          </a:p>
+        </p:txBody>
+      </p:sp>
+      <p:sp>
+        <p:nvSpPr>
+          <p:cNvPr id="27" name="TextBox 26"/>
+          <p:cNvSpPr txBox="1"/>
+          <p:nvPr/>
+        </p:nvSpPr>
+        <p:spPr>
+          <a:xfrm>
+            <a:off x="2947485" y="4226799"/>
+            <a:ext cx="3033074" cy="369332"/>
+          </a:xfrm>
+          <a:prstGeom prst="rect">
+            <a:avLst/>
+          </a:prstGeom>
+          <a:noFill/>
+        </p:spPr>
+        <p:txBody>
+          <a:bodyPr wrap="none" rtlCol="0">
+            <a:spAutoFit/>
+          </a:bodyPr>
+          <a:lstStyle/>
+          <a:p>
+            <a:r>
+              <a:rPr lang="en-US" altLang="zh-CN" dirty="0" smtClean="0"/>
+              <a:t>Filter count = Output channels</a:t>
+            </a:r>
+            <a:endParaRPr lang="en-US" dirty="0"/>
+          </a:p>
+        </p:txBody>
+      </p:sp>
+      <p:sp>
+        <p:nvSpPr>
+          <p:cNvPr id="28" name="TextBox 27"/>
+          <p:cNvSpPr txBox="1"/>
+          <p:nvPr/>
+        </p:nvSpPr>
+        <p:spPr>
+          <a:xfrm>
+            <a:off x="4535000" y="3765873"/>
+            <a:ext cx="1177374" cy="307777"/>
+          </a:xfrm>
+          <a:prstGeom prst="rect">
+            <a:avLst/>
+          </a:prstGeom>
+          <a:noFill/>
+        </p:spPr>
+        <p:txBody>
+          <a:bodyPr wrap="none" rtlCol="0">
+            <a:spAutoFit/>
+          </a:bodyPr>
+          <a:lstStyle/>
+          <a:p>
+            <a:r>
+              <a:rPr lang="en-US" altLang="zh-CN" sz="1400" dirty="0" smtClean="0"/>
+              <a:t>Feature maps</a:t>
+            </a:r>
+            <a:endParaRPr lang="en-US" sz="1400" dirty="0"/>
+          </a:p>
+        </p:txBody>
+      </p:sp>
+      <p:sp>
+        <p:nvSpPr>
+          <p:cNvPr id="29" name="TextBox 28"/>
+          <p:cNvSpPr txBox="1"/>
+          <p:nvPr/>
+        </p:nvSpPr>
+        <p:spPr>
+          <a:xfrm>
+            <a:off x="6623210" y="4432116"/>
+            <a:ext cx="987771" cy="307777"/>
+          </a:xfrm>
+          <a:prstGeom prst="rect">
+            <a:avLst/>
+          </a:prstGeom>
+          <a:noFill/>
+        </p:spPr>
+        <p:txBody>
+          <a:bodyPr wrap="none" rtlCol="0">
+            <a:spAutoFit/>
+          </a:bodyPr>
+          <a:lstStyle/>
+          <a:p>
+            <a:r>
+              <a:rPr lang="en-US" altLang="zh-CN" sz="1400" dirty="0" smtClean="0"/>
+              <a:t>n Channels</a:t>
+            </a:r>
+            <a:endParaRPr lang="en-US" sz="1400" dirty="0"/>
+          </a:p>
+        </p:txBody>
+      </p:sp>
+      <p:pic>
+        <p:nvPicPr>
+          <p:cNvPr id="30" name="Picture 29"/>
+          <p:cNvPicPr>
+            <a:picLocks noChangeAspect="1"/>
+          </p:cNvPicPr>
+          <p:nvPr/>
+        </p:nvPicPr>
+        <p:blipFill>
+          <a:blip r:embed="rId7"/>
+          <a:stretch>
+            <a:fillRect/>
+          </a:stretch>
+        </p:blipFill>
+        <p:spPr>
+          <a:xfrm>
+            <a:off x="3198675" y="4799826"/>
+            <a:ext cx="2458617" cy="453899"/>
+          </a:xfrm>
+          <a:prstGeom prst="rect">
+            <a:avLst/>
+          </a:prstGeom>
+        </p:spPr>
+      </p:pic>
+      <p:sp>
+        <p:nvSpPr>
+          <p:cNvPr id="31" name="TextBox 30"/>
+          <p:cNvSpPr txBox="1"/>
+          <p:nvPr/>
+        </p:nvSpPr>
+        <p:spPr>
+          <a:xfrm>
+            <a:off x="2190050" y="5445804"/>
+            <a:ext cx="4897366" cy="646331"/>
+          </a:xfrm>
+          <a:prstGeom prst="rect">
+            <a:avLst/>
+          </a:prstGeom>
+          <a:noFill/>
+        </p:spPr>
+        <p:txBody>
+          <a:bodyPr wrap="none" rtlCol="0">
+            <a:spAutoFit/>
+          </a:bodyPr>
+          <a:lstStyle/>
+          <a:p>
+            <a:r>
               <a:rPr lang="en-US" dirty="0" smtClean="0"/>
-              <a:t>LeNet-5</a:t>
+              <a:t> </a:t>
+            </a:r>
+            <a:r>
+              <a:rPr lang="en-US" dirty="0" err="1" smtClean="0"/>
+              <a:t>x</a:t>
+            </a:r>
+            <a:r>
+              <a:rPr lang="en-US" baseline="-25000" dirty="0" err="1" smtClean="0"/>
+              <a:t>i,j</a:t>
+            </a:r>
+            <a:r>
+              <a:rPr lang="en-US" dirty="0" smtClean="0"/>
+              <a:t> stands for input patch centered at location (</a:t>
+            </a:r>
+            <a:r>
+              <a:rPr lang="en-US" dirty="0" err="1" smtClean="0"/>
+              <a:t>i</a:t>
+            </a:r>
+            <a:r>
+              <a:rPr lang="en-US" dirty="0" smtClean="0"/>
+              <a:t>, j)</a:t>
+            </a:r>
+          </a:p>
+          <a:p>
+            <a:r>
+              <a:rPr lang="en-US" dirty="0" smtClean="0"/>
+              <a:t> k is the index of output feature map</a:t>
             </a:r>
             <a:endParaRPr lang="en-US" dirty="0"/>
           </a:p>
         </p:txBody>
       </p:sp>
+      <p:pic>
+        <p:nvPicPr>
+          <p:cNvPr id="3" name="图片 2"/>
+          <p:cNvPicPr>
+            <a:picLocks noChangeAspect="1"/>
+          </p:cNvPicPr>
+          <p:nvPr/>
+        </p:nvPicPr>
+        <p:blipFill>
+          <a:blip r:embed="rId8" cstate="print">
+            <a:extLst>
+              <a:ext uri="{28A0092B-C50C-407E-A947-70E740481C1C}">
+                <a14:useLocalDpi xmlns:a14="http://schemas.microsoft.com/office/drawing/2010/main" val="0"/>
+              </a:ext>
+            </a:extLst>
+          </a:blip>
+          <a:stretch>
+            <a:fillRect/>
+          </a:stretch>
+        </p:blipFill>
+        <p:spPr>
+          <a:xfrm>
+            <a:off x="6974721" y="5039739"/>
+            <a:ext cx="2014978" cy="1471011"/>
+          </a:xfrm>
+          <a:prstGeom prst="rect">
+            <a:avLst/>
+          </a:prstGeom>
+        </p:spPr>
+      </p:pic>
     </p:spTree>
     <p:extLst>
       <p:ext uri="{BB962C8B-B14F-4D97-AF65-F5344CB8AC3E}">
-        <p14:creationId xmlns:p14="http://schemas.microsoft.com/office/powerpoint/2010/main" val="971340916"/>
+        <p14:creationId xmlns:p14="http://schemas.microsoft.com/office/powerpoint/2010/main" val="4234183240"/>
       </p:ext>
     </p:extLst>
   </p:cSld>
@@ -14407,15 +13434,2570 @@
             </a:r>
             <a:r>
               <a:rPr lang="en-US" altLang="zh-CN" dirty="0" smtClean="0"/>
-              <a:t>Convolutional Layer</a:t>
+              <a:t>Pooling Layer</a:t>
             </a:r>
             <a:endParaRPr lang="zh-CN" altLang="en-US" dirty="0"/>
+          </a:p>
+        </p:txBody>
+      </p:sp>
+      <p:sp>
+        <p:nvSpPr>
+          <p:cNvPr id="3" name="TextBox 2"/>
+          <p:cNvSpPr txBox="1"/>
+          <p:nvPr/>
+        </p:nvSpPr>
+        <p:spPr>
+          <a:xfrm>
+            <a:off x="1403648" y="692696"/>
+            <a:ext cx="1890839" cy="369332"/>
+          </a:xfrm>
+          <a:prstGeom prst="rect">
+            <a:avLst/>
+          </a:prstGeom>
+          <a:noFill/>
+        </p:spPr>
+        <p:txBody>
+          <a:bodyPr wrap="none" rtlCol="0">
+            <a:spAutoFit/>
+          </a:bodyPr>
+          <a:lstStyle/>
+          <a:p>
+            <a:r>
+              <a:rPr lang="en-US" dirty="0" smtClean="0"/>
+              <a:t>Max Pooling Layer</a:t>
+            </a:r>
+            <a:endParaRPr lang="en-US" dirty="0"/>
+          </a:p>
+        </p:txBody>
+      </p:sp>
+      <p:sp>
+        <p:nvSpPr>
+          <p:cNvPr id="4" name="TextBox 3"/>
+          <p:cNvSpPr txBox="1"/>
+          <p:nvPr/>
+        </p:nvSpPr>
+        <p:spPr>
+          <a:xfrm>
+            <a:off x="1403648" y="3717032"/>
+            <a:ext cx="2240422" cy="369332"/>
+          </a:xfrm>
+          <a:prstGeom prst="rect">
+            <a:avLst/>
+          </a:prstGeom>
+          <a:noFill/>
+        </p:spPr>
+        <p:txBody>
+          <a:bodyPr wrap="none" rtlCol="0">
+            <a:spAutoFit/>
+          </a:bodyPr>
+          <a:lstStyle/>
+          <a:p>
+            <a:r>
+              <a:rPr lang="en-US" dirty="0" smtClean="0"/>
+              <a:t>Average Pooling Layer</a:t>
+            </a:r>
+            <a:endParaRPr lang="en-US" dirty="0"/>
+          </a:p>
+        </p:txBody>
+      </p:sp>
+      <p:grpSp>
+        <p:nvGrpSpPr>
+          <p:cNvPr id="5" name="组合 28"/>
+          <p:cNvGrpSpPr/>
+          <p:nvPr/>
+        </p:nvGrpSpPr>
+        <p:grpSpPr>
+          <a:xfrm>
+            <a:off x="1484971" y="1772816"/>
+            <a:ext cx="864096" cy="864096"/>
+            <a:chOff x="611560" y="4077072"/>
+            <a:chExt cx="864096" cy="864096"/>
+          </a:xfrm>
+        </p:grpSpPr>
+        <p:sp>
+          <p:nvSpPr>
+            <p:cNvPr id="6" name="矩形 29"/>
+            <p:cNvSpPr/>
+            <p:nvPr/>
+          </p:nvSpPr>
+          <p:spPr>
+            <a:xfrm>
+              <a:off x="611560" y="4077072"/>
+              <a:ext cx="288032" cy="288032"/>
+            </a:xfrm>
+            <a:prstGeom prst="rect">
+              <a:avLst/>
+            </a:prstGeom>
+            <a:noFill/>
+            <a:ln w="6350"/>
+          </p:spPr>
+          <p:style>
+            <a:lnRef idx="2">
+              <a:schemeClr val="accent1">
+                <a:shade val="50000"/>
+              </a:schemeClr>
+            </a:lnRef>
+            <a:fillRef idx="1">
+              <a:schemeClr val="accent1"/>
+            </a:fillRef>
+            <a:effectRef idx="0">
+              <a:schemeClr val="accent1"/>
+            </a:effectRef>
+            <a:fontRef idx="minor">
+              <a:schemeClr val="lt1"/>
+            </a:fontRef>
+          </p:style>
+          <p:txBody>
+            <a:bodyPr lIns="0" rIns="0" rtlCol="0" anchor="ctr"/>
+            <a:lstStyle/>
+            <a:p>
+              <a:pPr algn="ctr"/>
+              <a:r>
+                <a:rPr lang="en-US" altLang="zh-CN" dirty="0">
+                  <a:solidFill>
+                    <a:schemeClr val="tx1"/>
+                  </a:solidFill>
+                </a:rPr>
+                <a:t>1</a:t>
+              </a:r>
+              <a:endParaRPr lang="zh-CN" altLang="en-US" dirty="0">
+                <a:solidFill>
+                  <a:schemeClr val="tx1"/>
+                </a:solidFill>
+              </a:endParaRPr>
+            </a:p>
+          </p:txBody>
+        </p:sp>
+        <p:sp>
+          <p:nvSpPr>
+            <p:cNvPr id="7" name="矩形 30"/>
+            <p:cNvSpPr/>
+            <p:nvPr/>
+          </p:nvSpPr>
+          <p:spPr>
+            <a:xfrm>
+              <a:off x="899592" y="4077072"/>
+              <a:ext cx="288032" cy="288032"/>
+            </a:xfrm>
+            <a:prstGeom prst="rect">
+              <a:avLst/>
+            </a:prstGeom>
+            <a:noFill/>
+            <a:ln w="6350"/>
+          </p:spPr>
+          <p:style>
+            <a:lnRef idx="2">
+              <a:schemeClr val="accent1">
+                <a:shade val="50000"/>
+              </a:schemeClr>
+            </a:lnRef>
+            <a:fillRef idx="1">
+              <a:schemeClr val="accent1"/>
+            </a:fillRef>
+            <a:effectRef idx="0">
+              <a:schemeClr val="accent1"/>
+            </a:effectRef>
+            <a:fontRef idx="minor">
+              <a:schemeClr val="lt1"/>
+            </a:fontRef>
+          </p:style>
+          <p:txBody>
+            <a:bodyPr lIns="0" rIns="0" rtlCol="0" anchor="ctr"/>
+            <a:lstStyle/>
+            <a:p>
+              <a:pPr algn="ctr"/>
+              <a:r>
+                <a:rPr lang="en-US" altLang="zh-CN" dirty="0" smtClean="0">
+                  <a:solidFill>
+                    <a:schemeClr val="tx1"/>
+                  </a:solidFill>
+                </a:rPr>
+                <a:t>2</a:t>
+              </a:r>
+              <a:endParaRPr lang="zh-CN" altLang="en-US" dirty="0">
+                <a:solidFill>
+                  <a:schemeClr val="tx1"/>
+                </a:solidFill>
+              </a:endParaRPr>
+            </a:p>
+          </p:txBody>
+        </p:sp>
+        <p:sp>
+          <p:nvSpPr>
+            <p:cNvPr id="8" name="矩形 31"/>
+            <p:cNvSpPr/>
+            <p:nvPr/>
+          </p:nvSpPr>
+          <p:spPr>
+            <a:xfrm>
+              <a:off x="1187624" y="4077072"/>
+              <a:ext cx="288032" cy="288032"/>
+            </a:xfrm>
+            <a:prstGeom prst="rect">
+              <a:avLst/>
+            </a:prstGeom>
+            <a:noFill/>
+            <a:ln w="6350"/>
+          </p:spPr>
+          <p:style>
+            <a:lnRef idx="2">
+              <a:schemeClr val="accent1">
+                <a:shade val="50000"/>
+              </a:schemeClr>
+            </a:lnRef>
+            <a:fillRef idx="1">
+              <a:schemeClr val="accent1"/>
+            </a:fillRef>
+            <a:effectRef idx="0">
+              <a:schemeClr val="accent1"/>
+            </a:effectRef>
+            <a:fontRef idx="minor">
+              <a:schemeClr val="lt1"/>
+            </a:fontRef>
+          </p:style>
+          <p:txBody>
+            <a:bodyPr lIns="0" rIns="0" rtlCol="0" anchor="ctr"/>
+            <a:lstStyle/>
+            <a:p>
+              <a:pPr algn="ctr"/>
+              <a:r>
+                <a:rPr lang="en-US" altLang="zh-CN" dirty="0" smtClean="0">
+                  <a:solidFill>
+                    <a:schemeClr val="tx1"/>
+                  </a:solidFill>
+                </a:rPr>
+                <a:t>1</a:t>
+              </a:r>
+              <a:endParaRPr lang="zh-CN" altLang="en-US" dirty="0">
+                <a:solidFill>
+                  <a:schemeClr val="tx1"/>
+                </a:solidFill>
+              </a:endParaRPr>
+            </a:p>
+          </p:txBody>
+        </p:sp>
+        <p:sp>
+          <p:nvSpPr>
+            <p:cNvPr id="9" name="矩形 32"/>
+            <p:cNvSpPr/>
+            <p:nvPr/>
+          </p:nvSpPr>
+          <p:spPr>
+            <a:xfrm>
+              <a:off x="611560" y="4365104"/>
+              <a:ext cx="288032" cy="288032"/>
+            </a:xfrm>
+            <a:prstGeom prst="rect">
+              <a:avLst/>
+            </a:prstGeom>
+            <a:noFill/>
+            <a:ln w="6350"/>
+          </p:spPr>
+          <p:style>
+            <a:lnRef idx="2">
+              <a:schemeClr val="accent1">
+                <a:shade val="50000"/>
+              </a:schemeClr>
+            </a:lnRef>
+            <a:fillRef idx="1">
+              <a:schemeClr val="accent1"/>
+            </a:fillRef>
+            <a:effectRef idx="0">
+              <a:schemeClr val="accent1"/>
+            </a:effectRef>
+            <a:fontRef idx="minor">
+              <a:schemeClr val="lt1"/>
+            </a:fontRef>
+          </p:style>
+          <p:txBody>
+            <a:bodyPr rtlCol="0" anchor="ctr"/>
+            <a:lstStyle/>
+            <a:p>
+              <a:pPr algn="ctr"/>
+              <a:r>
+                <a:rPr lang="en-US" altLang="zh-CN" dirty="0">
+                  <a:solidFill>
+                    <a:schemeClr val="tx1"/>
+                  </a:solidFill>
+                </a:rPr>
+                <a:t>5</a:t>
+              </a:r>
+              <a:endParaRPr lang="zh-CN" altLang="en-US" dirty="0">
+                <a:solidFill>
+                  <a:schemeClr val="tx1"/>
+                </a:solidFill>
+              </a:endParaRPr>
+            </a:p>
+          </p:txBody>
+        </p:sp>
+        <p:sp>
+          <p:nvSpPr>
+            <p:cNvPr id="10" name="矩形 33"/>
+            <p:cNvSpPr/>
+            <p:nvPr/>
+          </p:nvSpPr>
+          <p:spPr>
+            <a:xfrm>
+              <a:off x="899592" y="4365104"/>
+              <a:ext cx="288032" cy="288032"/>
+            </a:xfrm>
+            <a:prstGeom prst="rect">
+              <a:avLst/>
+            </a:prstGeom>
+            <a:noFill/>
+            <a:ln w="6350"/>
+          </p:spPr>
+          <p:style>
+            <a:lnRef idx="2">
+              <a:schemeClr val="accent1">
+                <a:shade val="50000"/>
+              </a:schemeClr>
+            </a:lnRef>
+            <a:fillRef idx="1">
+              <a:schemeClr val="accent1"/>
+            </a:fillRef>
+            <a:effectRef idx="0">
+              <a:schemeClr val="accent1"/>
+            </a:effectRef>
+            <a:fontRef idx="minor">
+              <a:schemeClr val="lt1"/>
+            </a:fontRef>
+          </p:style>
+          <p:txBody>
+            <a:bodyPr rtlCol="0" anchor="ctr"/>
+            <a:lstStyle/>
+            <a:p>
+              <a:pPr algn="ctr"/>
+              <a:r>
+                <a:rPr lang="en-US" altLang="zh-CN" dirty="0">
+                  <a:solidFill>
+                    <a:schemeClr val="tx1"/>
+                  </a:solidFill>
+                </a:rPr>
+                <a:t>6</a:t>
+              </a:r>
+              <a:endParaRPr lang="zh-CN" altLang="en-US" dirty="0">
+                <a:solidFill>
+                  <a:schemeClr val="tx1"/>
+                </a:solidFill>
+              </a:endParaRPr>
+            </a:p>
+          </p:txBody>
+        </p:sp>
+        <p:sp>
+          <p:nvSpPr>
+            <p:cNvPr id="11" name="矩形 34"/>
+            <p:cNvSpPr/>
+            <p:nvPr/>
+          </p:nvSpPr>
+          <p:spPr>
+            <a:xfrm>
+              <a:off x="1187624" y="4365104"/>
+              <a:ext cx="288032" cy="288032"/>
+            </a:xfrm>
+            <a:prstGeom prst="rect">
+              <a:avLst/>
+            </a:prstGeom>
+            <a:noFill/>
+            <a:ln w="6350"/>
+          </p:spPr>
+          <p:style>
+            <a:lnRef idx="2">
+              <a:schemeClr val="accent1">
+                <a:shade val="50000"/>
+              </a:schemeClr>
+            </a:lnRef>
+            <a:fillRef idx="1">
+              <a:schemeClr val="accent1"/>
+            </a:fillRef>
+            <a:effectRef idx="0">
+              <a:schemeClr val="accent1"/>
+            </a:effectRef>
+            <a:fontRef idx="minor">
+              <a:schemeClr val="lt1"/>
+            </a:fontRef>
+          </p:style>
+          <p:txBody>
+            <a:bodyPr rtlCol="0" anchor="ctr"/>
+            <a:lstStyle/>
+            <a:p>
+              <a:pPr algn="ctr"/>
+              <a:r>
+                <a:rPr lang="en-US" altLang="zh-CN" dirty="0">
+                  <a:solidFill>
+                    <a:schemeClr val="tx1"/>
+                  </a:solidFill>
+                </a:rPr>
+                <a:t>1</a:t>
+              </a:r>
+              <a:endParaRPr lang="zh-CN" altLang="en-US" dirty="0">
+                <a:solidFill>
+                  <a:schemeClr val="tx1"/>
+                </a:solidFill>
+              </a:endParaRPr>
+            </a:p>
+          </p:txBody>
+        </p:sp>
+        <p:sp>
+          <p:nvSpPr>
+            <p:cNvPr id="12" name="矩形 35"/>
+            <p:cNvSpPr/>
+            <p:nvPr/>
+          </p:nvSpPr>
+          <p:spPr>
+            <a:xfrm>
+              <a:off x="611560" y="4653136"/>
+              <a:ext cx="288032" cy="288032"/>
+            </a:xfrm>
+            <a:prstGeom prst="rect">
+              <a:avLst/>
+            </a:prstGeom>
+            <a:noFill/>
+            <a:ln w="6350"/>
+          </p:spPr>
+          <p:style>
+            <a:lnRef idx="2">
+              <a:schemeClr val="accent1">
+                <a:shade val="50000"/>
+              </a:schemeClr>
+            </a:lnRef>
+            <a:fillRef idx="1">
+              <a:schemeClr val="accent1"/>
+            </a:fillRef>
+            <a:effectRef idx="0">
+              <a:schemeClr val="accent1"/>
+            </a:effectRef>
+            <a:fontRef idx="minor">
+              <a:schemeClr val="lt1"/>
+            </a:fontRef>
+          </p:style>
+          <p:txBody>
+            <a:bodyPr rtlCol="0" anchor="ctr"/>
+            <a:lstStyle/>
+            <a:p>
+              <a:pPr algn="ctr"/>
+              <a:r>
+                <a:rPr lang="en-US" altLang="zh-CN" dirty="0">
+                  <a:solidFill>
+                    <a:schemeClr val="tx1"/>
+                  </a:solidFill>
+                </a:rPr>
+                <a:t>1</a:t>
+              </a:r>
+              <a:endParaRPr lang="zh-CN" altLang="en-US" dirty="0">
+                <a:solidFill>
+                  <a:schemeClr val="tx1"/>
+                </a:solidFill>
+              </a:endParaRPr>
+            </a:p>
+          </p:txBody>
+        </p:sp>
+        <p:sp>
+          <p:nvSpPr>
+            <p:cNvPr id="13" name="矩形 36"/>
+            <p:cNvSpPr/>
+            <p:nvPr/>
+          </p:nvSpPr>
+          <p:spPr>
+            <a:xfrm>
+              <a:off x="899592" y="4653136"/>
+              <a:ext cx="288032" cy="288032"/>
+            </a:xfrm>
+            <a:prstGeom prst="rect">
+              <a:avLst/>
+            </a:prstGeom>
+            <a:ln/>
+          </p:spPr>
+          <p:style>
+            <a:lnRef idx="2">
+              <a:schemeClr val="accent2">
+                <a:shade val="50000"/>
+              </a:schemeClr>
+            </a:lnRef>
+            <a:fillRef idx="1">
+              <a:schemeClr val="accent2"/>
+            </a:fillRef>
+            <a:effectRef idx="0">
+              <a:schemeClr val="accent2"/>
+            </a:effectRef>
+            <a:fontRef idx="minor">
+              <a:schemeClr val="lt1"/>
+            </a:fontRef>
+          </p:style>
+          <p:txBody>
+            <a:bodyPr rtlCol="0" anchor="ctr"/>
+            <a:lstStyle/>
+            <a:p>
+              <a:pPr algn="ctr"/>
+              <a:r>
+                <a:rPr lang="en-US" altLang="zh-CN" dirty="0">
+                  <a:solidFill>
+                    <a:schemeClr val="tx1"/>
+                  </a:solidFill>
+                </a:rPr>
+                <a:t>9</a:t>
+              </a:r>
+              <a:endParaRPr lang="zh-CN" altLang="en-US" dirty="0">
+                <a:solidFill>
+                  <a:schemeClr val="tx1"/>
+                </a:solidFill>
+              </a:endParaRPr>
+            </a:p>
+          </p:txBody>
+        </p:sp>
+        <p:sp>
+          <p:nvSpPr>
+            <p:cNvPr id="14" name="矩形 37"/>
+            <p:cNvSpPr/>
+            <p:nvPr/>
+          </p:nvSpPr>
+          <p:spPr>
+            <a:xfrm>
+              <a:off x="1187624" y="4653136"/>
+              <a:ext cx="288032" cy="288032"/>
+            </a:xfrm>
+            <a:prstGeom prst="rect">
+              <a:avLst/>
+            </a:prstGeom>
+            <a:noFill/>
+            <a:ln w="6350"/>
+          </p:spPr>
+          <p:style>
+            <a:lnRef idx="2">
+              <a:schemeClr val="accent1">
+                <a:shade val="50000"/>
+              </a:schemeClr>
+            </a:lnRef>
+            <a:fillRef idx="1">
+              <a:schemeClr val="accent1"/>
+            </a:fillRef>
+            <a:effectRef idx="0">
+              <a:schemeClr val="accent1"/>
+            </a:effectRef>
+            <a:fontRef idx="minor">
+              <a:schemeClr val="lt1"/>
+            </a:fontRef>
+          </p:style>
+          <p:txBody>
+            <a:bodyPr rtlCol="0" anchor="ctr"/>
+            <a:lstStyle/>
+            <a:p>
+              <a:pPr algn="ctr"/>
+              <a:r>
+                <a:rPr lang="en-US" altLang="zh-CN" dirty="0">
+                  <a:solidFill>
+                    <a:schemeClr val="tx1"/>
+                  </a:solidFill>
+                </a:rPr>
+                <a:t>1</a:t>
+              </a:r>
+              <a:endParaRPr lang="zh-CN" altLang="en-US" dirty="0">
+                <a:solidFill>
+                  <a:schemeClr val="tx1"/>
+                </a:solidFill>
+              </a:endParaRPr>
+            </a:p>
+          </p:txBody>
+        </p:sp>
+      </p:grpSp>
+      <p:sp>
+        <p:nvSpPr>
+          <p:cNvPr id="15" name="Right Arrow 14"/>
+          <p:cNvSpPr/>
+          <p:nvPr/>
+        </p:nvSpPr>
+        <p:spPr>
+          <a:xfrm>
+            <a:off x="2523859" y="2060848"/>
+            <a:ext cx="648072" cy="216024"/>
+          </a:xfrm>
+          <a:prstGeom prst="rightArrow">
+            <a:avLst/>
+          </a:prstGeom>
+        </p:spPr>
+        <p:style>
+          <a:lnRef idx="2">
+            <a:schemeClr val="accent1">
+              <a:shade val="50000"/>
+            </a:schemeClr>
+          </a:lnRef>
+          <a:fillRef idx="1">
+            <a:schemeClr val="accent1"/>
+          </a:fillRef>
+          <a:effectRef idx="0">
+            <a:schemeClr val="accent1"/>
+          </a:effectRef>
+          <a:fontRef idx="minor">
+            <a:schemeClr val="lt1"/>
+          </a:fontRef>
+        </p:style>
+        <p:txBody>
+          <a:bodyPr rtlCol="0" anchor="ctr"/>
+          <a:lstStyle/>
+          <a:p>
+            <a:pPr algn="ctr"/>
+            <a:endParaRPr lang="en-US"/>
+          </a:p>
+        </p:txBody>
+      </p:sp>
+      <p:sp>
+        <p:nvSpPr>
+          <p:cNvPr id="16" name="矩形 36"/>
+          <p:cNvSpPr/>
+          <p:nvPr/>
+        </p:nvSpPr>
+        <p:spPr>
+          <a:xfrm>
+            <a:off x="3356038" y="2024844"/>
+            <a:ext cx="288032" cy="288032"/>
+          </a:xfrm>
+          <a:prstGeom prst="rect">
+            <a:avLst/>
+          </a:prstGeom>
+          <a:ln/>
+        </p:spPr>
+        <p:style>
+          <a:lnRef idx="2">
+            <a:schemeClr val="accent2">
+              <a:shade val="50000"/>
+            </a:schemeClr>
+          </a:lnRef>
+          <a:fillRef idx="1">
+            <a:schemeClr val="accent2"/>
+          </a:fillRef>
+          <a:effectRef idx="0">
+            <a:schemeClr val="accent2"/>
+          </a:effectRef>
+          <a:fontRef idx="minor">
+            <a:schemeClr val="lt1"/>
+          </a:fontRef>
+        </p:style>
+        <p:txBody>
+          <a:bodyPr rtlCol="0" anchor="ctr"/>
+          <a:lstStyle/>
+          <a:p>
+            <a:pPr algn="ctr"/>
+            <a:r>
+              <a:rPr lang="en-US" altLang="zh-CN" dirty="0">
+                <a:solidFill>
+                  <a:schemeClr val="tx1"/>
+                </a:solidFill>
+              </a:rPr>
+              <a:t>9</a:t>
+            </a:r>
+            <a:endParaRPr lang="zh-CN" altLang="en-US" dirty="0">
+              <a:solidFill>
+                <a:schemeClr val="tx1"/>
+              </a:solidFill>
+            </a:endParaRPr>
+          </a:p>
+        </p:txBody>
+      </p:sp>
+      <p:sp>
+        <p:nvSpPr>
+          <p:cNvPr id="17" name="TextBox 16"/>
+          <p:cNvSpPr txBox="1"/>
+          <p:nvPr/>
+        </p:nvSpPr>
+        <p:spPr>
+          <a:xfrm>
+            <a:off x="2408736" y="1294892"/>
+            <a:ext cx="878317" cy="338554"/>
+          </a:xfrm>
+          <a:prstGeom prst="rect">
+            <a:avLst/>
+          </a:prstGeom>
+          <a:noFill/>
+        </p:spPr>
+        <p:txBody>
+          <a:bodyPr wrap="none" rtlCol="0">
+            <a:spAutoFit/>
+          </a:bodyPr>
+          <a:lstStyle/>
+          <a:p>
+            <a:r>
+              <a:rPr lang="en-US" altLang="zh-CN" sz="1600" dirty="0" smtClean="0"/>
+              <a:t>Forward</a:t>
+            </a:r>
+            <a:endParaRPr lang="en-US" sz="1600" dirty="0"/>
+          </a:p>
+        </p:txBody>
+      </p:sp>
+      <p:grpSp>
+        <p:nvGrpSpPr>
+          <p:cNvPr id="18" name="组合 28"/>
+          <p:cNvGrpSpPr/>
+          <p:nvPr/>
+        </p:nvGrpSpPr>
+        <p:grpSpPr>
+          <a:xfrm>
+            <a:off x="1484971" y="4783277"/>
+            <a:ext cx="864096" cy="864096"/>
+            <a:chOff x="611560" y="4077072"/>
+            <a:chExt cx="864096" cy="864096"/>
+          </a:xfrm>
+        </p:grpSpPr>
+        <p:sp>
+          <p:nvSpPr>
+            <p:cNvPr id="19" name="矩形 29"/>
+            <p:cNvSpPr/>
+            <p:nvPr/>
+          </p:nvSpPr>
+          <p:spPr>
+            <a:xfrm>
+              <a:off x="611560" y="4077072"/>
+              <a:ext cx="288032" cy="288032"/>
+            </a:xfrm>
+            <a:prstGeom prst="rect">
+              <a:avLst/>
+            </a:prstGeom>
+            <a:noFill/>
+            <a:ln w="6350"/>
+          </p:spPr>
+          <p:style>
+            <a:lnRef idx="2">
+              <a:schemeClr val="accent1">
+                <a:shade val="50000"/>
+              </a:schemeClr>
+            </a:lnRef>
+            <a:fillRef idx="1">
+              <a:schemeClr val="accent1"/>
+            </a:fillRef>
+            <a:effectRef idx="0">
+              <a:schemeClr val="accent1"/>
+            </a:effectRef>
+            <a:fontRef idx="minor">
+              <a:schemeClr val="lt1"/>
+            </a:fontRef>
+          </p:style>
+          <p:txBody>
+            <a:bodyPr lIns="0" rIns="0" rtlCol="0" anchor="ctr"/>
+            <a:lstStyle/>
+            <a:p>
+              <a:pPr algn="ctr"/>
+              <a:r>
+                <a:rPr lang="en-US" altLang="zh-CN" dirty="0">
+                  <a:solidFill>
+                    <a:schemeClr val="tx1"/>
+                  </a:solidFill>
+                </a:rPr>
+                <a:t>1</a:t>
+              </a:r>
+              <a:endParaRPr lang="zh-CN" altLang="en-US" dirty="0">
+                <a:solidFill>
+                  <a:schemeClr val="tx1"/>
+                </a:solidFill>
+              </a:endParaRPr>
+            </a:p>
+          </p:txBody>
+        </p:sp>
+        <p:sp>
+          <p:nvSpPr>
+            <p:cNvPr id="20" name="矩形 30"/>
+            <p:cNvSpPr/>
+            <p:nvPr/>
+          </p:nvSpPr>
+          <p:spPr>
+            <a:xfrm>
+              <a:off x="899592" y="4077072"/>
+              <a:ext cx="288032" cy="288032"/>
+            </a:xfrm>
+            <a:prstGeom prst="rect">
+              <a:avLst/>
+            </a:prstGeom>
+            <a:noFill/>
+            <a:ln w="6350"/>
+          </p:spPr>
+          <p:style>
+            <a:lnRef idx="2">
+              <a:schemeClr val="accent1">
+                <a:shade val="50000"/>
+              </a:schemeClr>
+            </a:lnRef>
+            <a:fillRef idx="1">
+              <a:schemeClr val="accent1"/>
+            </a:fillRef>
+            <a:effectRef idx="0">
+              <a:schemeClr val="accent1"/>
+            </a:effectRef>
+            <a:fontRef idx="minor">
+              <a:schemeClr val="lt1"/>
+            </a:fontRef>
+          </p:style>
+          <p:txBody>
+            <a:bodyPr lIns="0" rIns="0" rtlCol="0" anchor="ctr"/>
+            <a:lstStyle/>
+            <a:p>
+              <a:pPr algn="ctr"/>
+              <a:r>
+                <a:rPr lang="en-US" altLang="zh-CN" dirty="0" smtClean="0">
+                  <a:solidFill>
+                    <a:schemeClr val="tx1"/>
+                  </a:solidFill>
+                </a:rPr>
+                <a:t>2</a:t>
+              </a:r>
+              <a:endParaRPr lang="zh-CN" altLang="en-US" dirty="0">
+                <a:solidFill>
+                  <a:schemeClr val="tx1"/>
+                </a:solidFill>
+              </a:endParaRPr>
+            </a:p>
+          </p:txBody>
+        </p:sp>
+        <p:sp>
+          <p:nvSpPr>
+            <p:cNvPr id="21" name="矩形 31"/>
+            <p:cNvSpPr/>
+            <p:nvPr/>
+          </p:nvSpPr>
+          <p:spPr>
+            <a:xfrm>
+              <a:off x="1187624" y="4077072"/>
+              <a:ext cx="288032" cy="288032"/>
+            </a:xfrm>
+            <a:prstGeom prst="rect">
+              <a:avLst/>
+            </a:prstGeom>
+            <a:noFill/>
+            <a:ln w="6350"/>
+          </p:spPr>
+          <p:style>
+            <a:lnRef idx="2">
+              <a:schemeClr val="accent1">
+                <a:shade val="50000"/>
+              </a:schemeClr>
+            </a:lnRef>
+            <a:fillRef idx="1">
+              <a:schemeClr val="accent1"/>
+            </a:fillRef>
+            <a:effectRef idx="0">
+              <a:schemeClr val="accent1"/>
+            </a:effectRef>
+            <a:fontRef idx="minor">
+              <a:schemeClr val="lt1"/>
+            </a:fontRef>
+          </p:style>
+          <p:txBody>
+            <a:bodyPr lIns="0" rIns="0" rtlCol="0" anchor="ctr"/>
+            <a:lstStyle/>
+            <a:p>
+              <a:pPr algn="ctr"/>
+              <a:r>
+                <a:rPr lang="en-US" altLang="zh-CN" dirty="0" smtClean="0">
+                  <a:solidFill>
+                    <a:schemeClr val="tx1"/>
+                  </a:solidFill>
+                </a:rPr>
+                <a:t>1</a:t>
+              </a:r>
+              <a:endParaRPr lang="zh-CN" altLang="en-US" dirty="0">
+                <a:solidFill>
+                  <a:schemeClr val="tx1"/>
+                </a:solidFill>
+              </a:endParaRPr>
+            </a:p>
+          </p:txBody>
+        </p:sp>
+        <p:sp>
+          <p:nvSpPr>
+            <p:cNvPr id="22" name="矩形 32"/>
+            <p:cNvSpPr/>
+            <p:nvPr/>
+          </p:nvSpPr>
+          <p:spPr>
+            <a:xfrm>
+              <a:off x="611560" y="4365104"/>
+              <a:ext cx="288032" cy="288032"/>
+            </a:xfrm>
+            <a:prstGeom prst="rect">
+              <a:avLst/>
+            </a:prstGeom>
+            <a:noFill/>
+            <a:ln w="6350"/>
+          </p:spPr>
+          <p:style>
+            <a:lnRef idx="2">
+              <a:schemeClr val="accent1">
+                <a:shade val="50000"/>
+              </a:schemeClr>
+            </a:lnRef>
+            <a:fillRef idx="1">
+              <a:schemeClr val="accent1"/>
+            </a:fillRef>
+            <a:effectRef idx="0">
+              <a:schemeClr val="accent1"/>
+            </a:effectRef>
+            <a:fontRef idx="minor">
+              <a:schemeClr val="lt1"/>
+            </a:fontRef>
+          </p:style>
+          <p:txBody>
+            <a:bodyPr rtlCol="0" anchor="ctr"/>
+            <a:lstStyle/>
+            <a:p>
+              <a:pPr algn="ctr"/>
+              <a:r>
+                <a:rPr lang="en-US" altLang="zh-CN" dirty="0">
+                  <a:solidFill>
+                    <a:schemeClr val="tx1"/>
+                  </a:solidFill>
+                </a:rPr>
+                <a:t>5</a:t>
+              </a:r>
+              <a:endParaRPr lang="zh-CN" altLang="en-US" dirty="0">
+                <a:solidFill>
+                  <a:schemeClr val="tx1"/>
+                </a:solidFill>
+              </a:endParaRPr>
+            </a:p>
+          </p:txBody>
+        </p:sp>
+        <p:sp>
+          <p:nvSpPr>
+            <p:cNvPr id="23" name="矩形 33"/>
+            <p:cNvSpPr/>
+            <p:nvPr/>
+          </p:nvSpPr>
+          <p:spPr>
+            <a:xfrm>
+              <a:off x="899592" y="4365104"/>
+              <a:ext cx="288032" cy="288032"/>
+            </a:xfrm>
+            <a:prstGeom prst="rect">
+              <a:avLst/>
+            </a:prstGeom>
+            <a:noFill/>
+            <a:ln w="6350"/>
+          </p:spPr>
+          <p:style>
+            <a:lnRef idx="2">
+              <a:schemeClr val="accent1">
+                <a:shade val="50000"/>
+              </a:schemeClr>
+            </a:lnRef>
+            <a:fillRef idx="1">
+              <a:schemeClr val="accent1"/>
+            </a:fillRef>
+            <a:effectRef idx="0">
+              <a:schemeClr val="accent1"/>
+            </a:effectRef>
+            <a:fontRef idx="minor">
+              <a:schemeClr val="lt1"/>
+            </a:fontRef>
+          </p:style>
+          <p:txBody>
+            <a:bodyPr rtlCol="0" anchor="ctr"/>
+            <a:lstStyle/>
+            <a:p>
+              <a:pPr algn="ctr"/>
+              <a:r>
+                <a:rPr lang="en-US" altLang="zh-CN" dirty="0">
+                  <a:solidFill>
+                    <a:schemeClr val="tx1"/>
+                  </a:solidFill>
+                </a:rPr>
+                <a:t>6</a:t>
+              </a:r>
+              <a:endParaRPr lang="zh-CN" altLang="en-US" dirty="0">
+                <a:solidFill>
+                  <a:schemeClr val="tx1"/>
+                </a:solidFill>
+              </a:endParaRPr>
+            </a:p>
+          </p:txBody>
+        </p:sp>
+        <p:sp>
+          <p:nvSpPr>
+            <p:cNvPr id="24" name="矩形 34"/>
+            <p:cNvSpPr/>
+            <p:nvPr/>
+          </p:nvSpPr>
+          <p:spPr>
+            <a:xfrm>
+              <a:off x="1187624" y="4365104"/>
+              <a:ext cx="288032" cy="288032"/>
+            </a:xfrm>
+            <a:prstGeom prst="rect">
+              <a:avLst/>
+            </a:prstGeom>
+            <a:noFill/>
+            <a:ln w="6350"/>
+          </p:spPr>
+          <p:style>
+            <a:lnRef idx="2">
+              <a:schemeClr val="accent1">
+                <a:shade val="50000"/>
+              </a:schemeClr>
+            </a:lnRef>
+            <a:fillRef idx="1">
+              <a:schemeClr val="accent1"/>
+            </a:fillRef>
+            <a:effectRef idx="0">
+              <a:schemeClr val="accent1"/>
+            </a:effectRef>
+            <a:fontRef idx="minor">
+              <a:schemeClr val="lt1"/>
+            </a:fontRef>
+          </p:style>
+          <p:txBody>
+            <a:bodyPr rtlCol="0" anchor="ctr"/>
+            <a:lstStyle/>
+            <a:p>
+              <a:pPr algn="ctr"/>
+              <a:r>
+                <a:rPr lang="en-US" altLang="zh-CN" dirty="0">
+                  <a:solidFill>
+                    <a:schemeClr val="tx1"/>
+                  </a:solidFill>
+                </a:rPr>
+                <a:t>1</a:t>
+              </a:r>
+              <a:endParaRPr lang="zh-CN" altLang="en-US" dirty="0">
+                <a:solidFill>
+                  <a:schemeClr val="tx1"/>
+                </a:solidFill>
+              </a:endParaRPr>
+            </a:p>
+          </p:txBody>
+        </p:sp>
+        <p:sp>
+          <p:nvSpPr>
+            <p:cNvPr id="25" name="矩形 35"/>
+            <p:cNvSpPr/>
+            <p:nvPr/>
+          </p:nvSpPr>
+          <p:spPr>
+            <a:xfrm>
+              <a:off x="611560" y="4653136"/>
+              <a:ext cx="288032" cy="288032"/>
+            </a:xfrm>
+            <a:prstGeom prst="rect">
+              <a:avLst/>
+            </a:prstGeom>
+            <a:noFill/>
+            <a:ln w="6350"/>
+          </p:spPr>
+          <p:style>
+            <a:lnRef idx="2">
+              <a:schemeClr val="accent1">
+                <a:shade val="50000"/>
+              </a:schemeClr>
+            </a:lnRef>
+            <a:fillRef idx="1">
+              <a:schemeClr val="accent1"/>
+            </a:fillRef>
+            <a:effectRef idx="0">
+              <a:schemeClr val="accent1"/>
+            </a:effectRef>
+            <a:fontRef idx="minor">
+              <a:schemeClr val="lt1"/>
+            </a:fontRef>
+          </p:style>
+          <p:txBody>
+            <a:bodyPr rtlCol="0" anchor="ctr"/>
+            <a:lstStyle/>
+            <a:p>
+              <a:pPr algn="ctr"/>
+              <a:r>
+                <a:rPr lang="en-US" altLang="zh-CN" dirty="0">
+                  <a:solidFill>
+                    <a:schemeClr val="tx1"/>
+                  </a:solidFill>
+                </a:rPr>
+                <a:t>1</a:t>
+              </a:r>
+              <a:endParaRPr lang="zh-CN" altLang="en-US" dirty="0">
+                <a:solidFill>
+                  <a:schemeClr val="tx1"/>
+                </a:solidFill>
+              </a:endParaRPr>
+            </a:p>
+          </p:txBody>
+        </p:sp>
+        <p:sp>
+          <p:nvSpPr>
+            <p:cNvPr id="26" name="矩形 36"/>
+            <p:cNvSpPr/>
+            <p:nvPr/>
+          </p:nvSpPr>
+          <p:spPr>
+            <a:xfrm>
+              <a:off x="899592" y="4653136"/>
+              <a:ext cx="288032" cy="288032"/>
+            </a:xfrm>
+            <a:prstGeom prst="rect">
+              <a:avLst/>
+            </a:prstGeom>
+            <a:ln w="3175"/>
+          </p:spPr>
+          <p:style>
+            <a:lnRef idx="2">
+              <a:schemeClr val="accent1"/>
+            </a:lnRef>
+            <a:fillRef idx="1">
+              <a:schemeClr val="lt1"/>
+            </a:fillRef>
+            <a:effectRef idx="0">
+              <a:schemeClr val="accent1"/>
+            </a:effectRef>
+            <a:fontRef idx="minor">
+              <a:schemeClr val="dk1"/>
+            </a:fontRef>
+          </p:style>
+          <p:txBody>
+            <a:bodyPr rtlCol="0" anchor="ctr"/>
+            <a:lstStyle/>
+            <a:p>
+              <a:pPr algn="ctr"/>
+              <a:r>
+                <a:rPr lang="en-US" altLang="zh-CN" dirty="0">
+                  <a:solidFill>
+                    <a:schemeClr val="tx1"/>
+                  </a:solidFill>
+                </a:rPr>
+                <a:t>9</a:t>
+              </a:r>
+              <a:endParaRPr lang="zh-CN" altLang="en-US" dirty="0">
+                <a:solidFill>
+                  <a:schemeClr val="tx1"/>
+                </a:solidFill>
+              </a:endParaRPr>
+            </a:p>
+          </p:txBody>
+        </p:sp>
+        <p:sp>
+          <p:nvSpPr>
+            <p:cNvPr id="27" name="矩形 37"/>
+            <p:cNvSpPr/>
+            <p:nvPr/>
+          </p:nvSpPr>
+          <p:spPr>
+            <a:xfrm>
+              <a:off x="1187624" y="4653136"/>
+              <a:ext cx="288032" cy="288032"/>
+            </a:xfrm>
+            <a:prstGeom prst="rect">
+              <a:avLst/>
+            </a:prstGeom>
+            <a:noFill/>
+            <a:ln w="6350"/>
+          </p:spPr>
+          <p:style>
+            <a:lnRef idx="2">
+              <a:schemeClr val="accent1">
+                <a:shade val="50000"/>
+              </a:schemeClr>
+            </a:lnRef>
+            <a:fillRef idx="1">
+              <a:schemeClr val="accent1"/>
+            </a:fillRef>
+            <a:effectRef idx="0">
+              <a:schemeClr val="accent1"/>
+            </a:effectRef>
+            <a:fontRef idx="minor">
+              <a:schemeClr val="lt1"/>
+            </a:fontRef>
+          </p:style>
+          <p:txBody>
+            <a:bodyPr rtlCol="0" anchor="ctr"/>
+            <a:lstStyle/>
+            <a:p>
+              <a:pPr algn="ctr"/>
+              <a:r>
+                <a:rPr lang="en-US" altLang="zh-CN" dirty="0">
+                  <a:solidFill>
+                    <a:schemeClr val="tx1"/>
+                  </a:solidFill>
+                </a:rPr>
+                <a:t>1</a:t>
+              </a:r>
+              <a:endParaRPr lang="zh-CN" altLang="en-US" dirty="0">
+                <a:solidFill>
+                  <a:schemeClr val="tx1"/>
+                </a:solidFill>
+              </a:endParaRPr>
+            </a:p>
+          </p:txBody>
+        </p:sp>
+      </p:grpSp>
+      <p:sp>
+        <p:nvSpPr>
+          <p:cNvPr id="28" name="Right Arrow 27"/>
+          <p:cNvSpPr/>
+          <p:nvPr/>
+        </p:nvSpPr>
+        <p:spPr>
+          <a:xfrm>
+            <a:off x="2523859" y="5071309"/>
+            <a:ext cx="648072" cy="216024"/>
+          </a:xfrm>
+          <a:prstGeom prst="rightArrow">
+            <a:avLst/>
+          </a:prstGeom>
+        </p:spPr>
+        <p:style>
+          <a:lnRef idx="2">
+            <a:schemeClr val="accent1">
+              <a:shade val="50000"/>
+            </a:schemeClr>
+          </a:lnRef>
+          <a:fillRef idx="1">
+            <a:schemeClr val="accent1"/>
+          </a:fillRef>
+          <a:effectRef idx="0">
+            <a:schemeClr val="accent1"/>
+          </a:effectRef>
+          <a:fontRef idx="minor">
+            <a:schemeClr val="lt1"/>
+          </a:fontRef>
+        </p:style>
+        <p:txBody>
+          <a:bodyPr rtlCol="0" anchor="ctr"/>
+          <a:lstStyle/>
+          <a:p>
+            <a:pPr algn="ctr"/>
+            <a:endParaRPr lang="en-US"/>
+          </a:p>
+        </p:txBody>
+      </p:sp>
+      <p:sp>
+        <p:nvSpPr>
+          <p:cNvPr id="29" name="矩形 36"/>
+          <p:cNvSpPr/>
+          <p:nvPr/>
+        </p:nvSpPr>
+        <p:spPr>
+          <a:xfrm>
+            <a:off x="3356038" y="5035305"/>
+            <a:ext cx="288032" cy="288032"/>
+          </a:xfrm>
+          <a:prstGeom prst="rect">
+            <a:avLst/>
+          </a:prstGeom>
+          <a:ln/>
+        </p:spPr>
+        <p:style>
+          <a:lnRef idx="2">
+            <a:schemeClr val="accent5">
+              <a:shade val="50000"/>
+            </a:schemeClr>
+          </a:lnRef>
+          <a:fillRef idx="1">
+            <a:schemeClr val="accent5"/>
+          </a:fillRef>
+          <a:effectRef idx="0">
+            <a:schemeClr val="accent5"/>
+          </a:effectRef>
+          <a:fontRef idx="minor">
+            <a:schemeClr val="lt1"/>
+          </a:fontRef>
+        </p:style>
+        <p:txBody>
+          <a:bodyPr rtlCol="0" anchor="ctr"/>
+          <a:lstStyle/>
+          <a:p>
+            <a:pPr algn="ctr"/>
+            <a:r>
+              <a:rPr lang="en-US" altLang="zh-CN" dirty="0" smtClean="0">
+                <a:solidFill>
+                  <a:schemeClr val="tx1"/>
+                </a:solidFill>
+              </a:rPr>
+              <a:t>3</a:t>
+            </a:r>
+            <a:endParaRPr lang="zh-CN" altLang="en-US" dirty="0">
+              <a:solidFill>
+                <a:schemeClr val="tx1"/>
+              </a:solidFill>
+            </a:endParaRPr>
+          </a:p>
+        </p:txBody>
+      </p:sp>
+      <p:sp>
+        <p:nvSpPr>
+          <p:cNvPr id="30" name="TextBox 29"/>
+          <p:cNvSpPr txBox="1"/>
+          <p:nvPr/>
+        </p:nvSpPr>
+        <p:spPr>
+          <a:xfrm>
+            <a:off x="2408736" y="4305353"/>
+            <a:ext cx="878317" cy="338554"/>
+          </a:xfrm>
+          <a:prstGeom prst="rect">
+            <a:avLst/>
+          </a:prstGeom>
+          <a:noFill/>
+        </p:spPr>
+        <p:txBody>
+          <a:bodyPr wrap="none" rtlCol="0">
+            <a:spAutoFit/>
+          </a:bodyPr>
+          <a:lstStyle/>
+          <a:p>
+            <a:r>
+              <a:rPr lang="en-US" altLang="zh-CN" sz="1600" dirty="0" smtClean="0"/>
+              <a:t>Forward</a:t>
+            </a:r>
+            <a:endParaRPr lang="en-US" sz="1600" dirty="0"/>
+          </a:p>
+        </p:txBody>
+      </p:sp>
+      <p:grpSp>
+        <p:nvGrpSpPr>
+          <p:cNvPr id="31" name="组合 28"/>
+          <p:cNvGrpSpPr/>
+          <p:nvPr/>
+        </p:nvGrpSpPr>
+        <p:grpSpPr>
+          <a:xfrm>
+            <a:off x="5088395" y="1768271"/>
+            <a:ext cx="864096" cy="864096"/>
+            <a:chOff x="611560" y="4077072"/>
+            <a:chExt cx="864096" cy="864096"/>
+          </a:xfrm>
+        </p:grpSpPr>
+        <p:sp>
+          <p:nvSpPr>
+            <p:cNvPr id="32" name="矩形 29"/>
+            <p:cNvSpPr/>
+            <p:nvPr/>
+          </p:nvSpPr>
+          <p:spPr>
+            <a:xfrm>
+              <a:off x="611560" y="4077072"/>
+              <a:ext cx="288032" cy="288032"/>
+            </a:xfrm>
+            <a:prstGeom prst="rect">
+              <a:avLst/>
+            </a:prstGeom>
+            <a:noFill/>
+            <a:ln w="6350"/>
+          </p:spPr>
+          <p:style>
+            <a:lnRef idx="2">
+              <a:schemeClr val="accent1">
+                <a:shade val="50000"/>
+              </a:schemeClr>
+            </a:lnRef>
+            <a:fillRef idx="1">
+              <a:schemeClr val="accent1"/>
+            </a:fillRef>
+            <a:effectRef idx="0">
+              <a:schemeClr val="accent1"/>
+            </a:effectRef>
+            <a:fontRef idx="minor">
+              <a:schemeClr val="lt1"/>
+            </a:fontRef>
+          </p:style>
+          <p:txBody>
+            <a:bodyPr lIns="0" rIns="0" rtlCol="0" anchor="ctr"/>
+            <a:lstStyle/>
+            <a:p>
+              <a:pPr algn="ctr"/>
+              <a:r>
+                <a:rPr lang="en-US" altLang="zh-CN" dirty="0" smtClean="0">
+                  <a:solidFill>
+                    <a:schemeClr val="tx1"/>
+                  </a:solidFill>
+                </a:rPr>
+                <a:t>0</a:t>
+              </a:r>
+              <a:endParaRPr lang="zh-CN" altLang="en-US" dirty="0">
+                <a:solidFill>
+                  <a:schemeClr val="tx1"/>
+                </a:solidFill>
+              </a:endParaRPr>
+            </a:p>
+          </p:txBody>
+        </p:sp>
+        <p:sp>
+          <p:nvSpPr>
+            <p:cNvPr id="33" name="矩形 30"/>
+            <p:cNvSpPr/>
+            <p:nvPr/>
+          </p:nvSpPr>
+          <p:spPr>
+            <a:xfrm>
+              <a:off x="899592" y="4077072"/>
+              <a:ext cx="288032" cy="288032"/>
+            </a:xfrm>
+            <a:prstGeom prst="rect">
+              <a:avLst/>
+            </a:prstGeom>
+            <a:noFill/>
+            <a:ln w="6350"/>
+          </p:spPr>
+          <p:style>
+            <a:lnRef idx="2">
+              <a:schemeClr val="accent1">
+                <a:shade val="50000"/>
+              </a:schemeClr>
+            </a:lnRef>
+            <a:fillRef idx="1">
+              <a:schemeClr val="accent1"/>
+            </a:fillRef>
+            <a:effectRef idx="0">
+              <a:schemeClr val="accent1"/>
+            </a:effectRef>
+            <a:fontRef idx="minor">
+              <a:schemeClr val="lt1"/>
+            </a:fontRef>
+          </p:style>
+          <p:txBody>
+            <a:bodyPr lIns="0" rIns="0" rtlCol="0" anchor="ctr"/>
+            <a:lstStyle/>
+            <a:p>
+              <a:pPr algn="ctr"/>
+              <a:r>
+                <a:rPr lang="en-US" altLang="zh-CN" dirty="0">
+                  <a:solidFill>
+                    <a:schemeClr val="tx1"/>
+                  </a:solidFill>
+                </a:rPr>
+                <a:t>0</a:t>
+              </a:r>
+              <a:endParaRPr lang="zh-CN" altLang="en-US" dirty="0">
+                <a:solidFill>
+                  <a:schemeClr val="tx1"/>
+                </a:solidFill>
+              </a:endParaRPr>
+            </a:p>
+          </p:txBody>
+        </p:sp>
+        <p:sp>
+          <p:nvSpPr>
+            <p:cNvPr id="34" name="矩形 31"/>
+            <p:cNvSpPr/>
+            <p:nvPr/>
+          </p:nvSpPr>
+          <p:spPr>
+            <a:xfrm>
+              <a:off x="1187624" y="4077072"/>
+              <a:ext cx="288032" cy="288032"/>
+            </a:xfrm>
+            <a:prstGeom prst="rect">
+              <a:avLst/>
+            </a:prstGeom>
+            <a:noFill/>
+            <a:ln w="6350"/>
+          </p:spPr>
+          <p:style>
+            <a:lnRef idx="2">
+              <a:schemeClr val="accent1">
+                <a:shade val="50000"/>
+              </a:schemeClr>
+            </a:lnRef>
+            <a:fillRef idx="1">
+              <a:schemeClr val="accent1"/>
+            </a:fillRef>
+            <a:effectRef idx="0">
+              <a:schemeClr val="accent1"/>
+            </a:effectRef>
+            <a:fontRef idx="minor">
+              <a:schemeClr val="lt1"/>
+            </a:fontRef>
+          </p:style>
+          <p:txBody>
+            <a:bodyPr lIns="0" rIns="0" rtlCol="0" anchor="ctr"/>
+            <a:lstStyle/>
+            <a:p>
+              <a:pPr algn="ctr"/>
+              <a:r>
+                <a:rPr lang="en-US" altLang="zh-CN" dirty="0">
+                  <a:solidFill>
+                    <a:schemeClr val="tx1"/>
+                  </a:solidFill>
+                </a:rPr>
+                <a:t>0</a:t>
+              </a:r>
+              <a:endParaRPr lang="zh-CN" altLang="en-US" dirty="0">
+                <a:solidFill>
+                  <a:schemeClr val="tx1"/>
+                </a:solidFill>
+              </a:endParaRPr>
+            </a:p>
+          </p:txBody>
+        </p:sp>
+        <p:sp>
+          <p:nvSpPr>
+            <p:cNvPr id="35" name="矩形 32"/>
+            <p:cNvSpPr/>
+            <p:nvPr/>
+          </p:nvSpPr>
+          <p:spPr>
+            <a:xfrm>
+              <a:off x="611560" y="4365104"/>
+              <a:ext cx="288032" cy="288032"/>
+            </a:xfrm>
+            <a:prstGeom prst="rect">
+              <a:avLst/>
+            </a:prstGeom>
+            <a:noFill/>
+            <a:ln w="6350"/>
+          </p:spPr>
+          <p:style>
+            <a:lnRef idx="2">
+              <a:schemeClr val="accent1">
+                <a:shade val="50000"/>
+              </a:schemeClr>
+            </a:lnRef>
+            <a:fillRef idx="1">
+              <a:schemeClr val="accent1"/>
+            </a:fillRef>
+            <a:effectRef idx="0">
+              <a:schemeClr val="accent1"/>
+            </a:effectRef>
+            <a:fontRef idx="minor">
+              <a:schemeClr val="lt1"/>
+            </a:fontRef>
+          </p:style>
+          <p:txBody>
+            <a:bodyPr rtlCol="0" anchor="ctr"/>
+            <a:lstStyle/>
+            <a:p>
+              <a:pPr algn="ctr"/>
+              <a:r>
+                <a:rPr lang="en-US" altLang="zh-CN" dirty="0" smtClean="0">
+                  <a:solidFill>
+                    <a:schemeClr val="tx1"/>
+                  </a:solidFill>
+                </a:rPr>
+                <a:t>0</a:t>
+              </a:r>
+              <a:endParaRPr lang="zh-CN" altLang="en-US" dirty="0">
+                <a:solidFill>
+                  <a:schemeClr val="tx1"/>
+                </a:solidFill>
+              </a:endParaRPr>
+            </a:p>
+          </p:txBody>
+        </p:sp>
+        <p:sp>
+          <p:nvSpPr>
+            <p:cNvPr id="36" name="矩形 33"/>
+            <p:cNvSpPr/>
+            <p:nvPr/>
+          </p:nvSpPr>
+          <p:spPr>
+            <a:xfrm>
+              <a:off x="899592" y="4365104"/>
+              <a:ext cx="288032" cy="288032"/>
+            </a:xfrm>
+            <a:prstGeom prst="rect">
+              <a:avLst/>
+            </a:prstGeom>
+            <a:noFill/>
+            <a:ln w="6350"/>
+          </p:spPr>
+          <p:style>
+            <a:lnRef idx="2">
+              <a:schemeClr val="accent1">
+                <a:shade val="50000"/>
+              </a:schemeClr>
+            </a:lnRef>
+            <a:fillRef idx="1">
+              <a:schemeClr val="accent1"/>
+            </a:fillRef>
+            <a:effectRef idx="0">
+              <a:schemeClr val="accent1"/>
+            </a:effectRef>
+            <a:fontRef idx="minor">
+              <a:schemeClr val="lt1"/>
+            </a:fontRef>
+          </p:style>
+          <p:txBody>
+            <a:bodyPr rtlCol="0" anchor="ctr"/>
+            <a:lstStyle/>
+            <a:p>
+              <a:pPr algn="ctr"/>
+              <a:r>
+                <a:rPr lang="en-US" altLang="zh-CN" dirty="0" smtClean="0">
+                  <a:solidFill>
+                    <a:schemeClr val="tx1"/>
+                  </a:solidFill>
+                </a:rPr>
+                <a:t>0</a:t>
+              </a:r>
+              <a:endParaRPr lang="zh-CN" altLang="en-US" dirty="0">
+                <a:solidFill>
+                  <a:schemeClr val="tx1"/>
+                </a:solidFill>
+              </a:endParaRPr>
+            </a:p>
+          </p:txBody>
+        </p:sp>
+        <p:sp>
+          <p:nvSpPr>
+            <p:cNvPr id="37" name="矩形 34"/>
+            <p:cNvSpPr/>
+            <p:nvPr/>
+          </p:nvSpPr>
+          <p:spPr>
+            <a:xfrm>
+              <a:off x="1187624" y="4365104"/>
+              <a:ext cx="288032" cy="288032"/>
+            </a:xfrm>
+            <a:prstGeom prst="rect">
+              <a:avLst/>
+            </a:prstGeom>
+            <a:noFill/>
+            <a:ln w="6350"/>
+          </p:spPr>
+          <p:style>
+            <a:lnRef idx="2">
+              <a:schemeClr val="accent1">
+                <a:shade val="50000"/>
+              </a:schemeClr>
+            </a:lnRef>
+            <a:fillRef idx="1">
+              <a:schemeClr val="accent1"/>
+            </a:fillRef>
+            <a:effectRef idx="0">
+              <a:schemeClr val="accent1"/>
+            </a:effectRef>
+            <a:fontRef idx="minor">
+              <a:schemeClr val="lt1"/>
+            </a:fontRef>
+          </p:style>
+          <p:txBody>
+            <a:bodyPr rtlCol="0" anchor="ctr"/>
+            <a:lstStyle/>
+            <a:p>
+              <a:pPr algn="ctr"/>
+              <a:r>
+                <a:rPr lang="en-US" altLang="zh-CN" dirty="0" smtClean="0">
+                  <a:solidFill>
+                    <a:schemeClr val="tx1"/>
+                  </a:solidFill>
+                </a:rPr>
+                <a:t>0</a:t>
+              </a:r>
+              <a:endParaRPr lang="zh-CN" altLang="en-US" dirty="0">
+                <a:solidFill>
+                  <a:schemeClr val="tx1"/>
+                </a:solidFill>
+              </a:endParaRPr>
+            </a:p>
+          </p:txBody>
+        </p:sp>
+        <p:sp>
+          <p:nvSpPr>
+            <p:cNvPr id="38" name="矩形 35"/>
+            <p:cNvSpPr/>
+            <p:nvPr/>
+          </p:nvSpPr>
+          <p:spPr>
+            <a:xfrm>
+              <a:off x="611560" y="4653136"/>
+              <a:ext cx="288032" cy="288032"/>
+            </a:xfrm>
+            <a:prstGeom prst="rect">
+              <a:avLst/>
+            </a:prstGeom>
+            <a:noFill/>
+            <a:ln w="6350"/>
+          </p:spPr>
+          <p:style>
+            <a:lnRef idx="2">
+              <a:schemeClr val="accent1">
+                <a:shade val="50000"/>
+              </a:schemeClr>
+            </a:lnRef>
+            <a:fillRef idx="1">
+              <a:schemeClr val="accent1"/>
+            </a:fillRef>
+            <a:effectRef idx="0">
+              <a:schemeClr val="accent1"/>
+            </a:effectRef>
+            <a:fontRef idx="minor">
+              <a:schemeClr val="lt1"/>
+            </a:fontRef>
+          </p:style>
+          <p:txBody>
+            <a:bodyPr rtlCol="0" anchor="ctr"/>
+            <a:lstStyle/>
+            <a:p>
+              <a:pPr algn="ctr"/>
+              <a:r>
+                <a:rPr lang="en-US" altLang="zh-CN" dirty="0">
+                  <a:solidFill>
+                    <a:schemeClr val="tx1"/>
+                  </a:solidFill>
+                </a:rPr>
+                <a:t>0</a:t>
+              </a:r>
+              <a:endParaRPr lang="zh-CN" altLang="en-US" dirty="0">
+                <a:solidFill>
+                  <a:schemeClr val="tx1"/>
+                </a:solidFill>
+              </a:endParaRPr>
+            </a:p>
+          </p:txBody>
+        </p:sp>
+        <p:sp>
+          <p:nvSpPr>
+            <p:cNvPr id="39" name="矩形 36"/>
+            <p:cNvSpPr/>
+            <p:nvPr/>
+          </p:nvSpPr>
+          <p:spPr>
+            <a:xfrm>
+              <a:off x="899592" y="4653136"/>
+              <a:ext cx="288032" cy="288032"/>
+            </a:xfrm>
+            <a:prstGeom prst="rect">
+              <a:avLst/>
+            </a:prstGeom>
+            <a:ln/>
+          </p:spPr>
+          <p:style>
+            <a:lnRef idx="2">
+              <a:schemeClr val="accent2">
+                <a:shade val="50000"/>
+              </a:schemeClr>
+            </a:lnRef>
+            <a:fillRef idx="1">
+              <a:schemeClr val="accent2"/>
+            </a:fillRef>
+            <a:effectRef idx="0">
+              <a:schemeClr val="accent2"/>
+            </a:effectRef>
+            <a:fontRef idx="minor">
+              <a:schemeClr val="lt1"/>
+            </a:fontRef>
+          </p:style>
+          <p:txBody>
+            <a:bodyPr rtlCol="0" anchor="ctr"/>
+            <a:lstStyle/>
+            <a:p>
+              <a:pPr algn="ctr"/>
+              <a:r>
+                <a:rPr lang="en-US" altLang="zh-CN" dirty="0" smtClean="0">
+                  <a:solidFill>
+                    <a:schemeClr val="tx1"/>
+                  </a:solidFill>
+                </a:rPr>
+                <a:t>1</a:t>
+              </a:r>
+              <a:endParaRPr lang="zh-CN" altLang="en-US" dirty="0">
+                <a:solidFill>
+                  <a:schemeClr val="tx1"/>
+                </a:solidFill>
+              </a:endParaRPr>
+            </a:p>
+          </p:txBody>
+        </p:sp>
+        <p:sp>
+          <p:nvSpPr>
+            <p:cNvPr id="40" name="矩形 37"/>
+            <p:cNvSpPr/>
+            <p:nvPr/>
+          </p:nvSpPr>
+          <p:spPr>
+            <a:xfrm>
+              <a:off x="1187624" y="4653136"/>
+              <a:ext cx="288032" cy="288032"/>
+            </a:xfrm>
+            <a:prstGeom prst="rect">
+              <a:avLst/>
+            </a:prstGeom>
+            <a:noFill/>
+            <a:ln w="6350"/>
+          </p:spPr>
+          <p:style>
+            <a:lnRef idx="2">
+              <a:schemeClr val="accent1">
+                <a:shade val="50000"/>
+              </a:schemeClr>
+            </a:lnRef>
+            <a:fillRef idx="1">
+              <a:schemeClr val="accent1"/>
+            </a:fillRef>
+            <a:effectRef idx="0">
+              <a:schemeClr val="accent1"/>
+            </a:effectRef>
+            <a:fontRef idx="minor">
+              <a:schemeClr val="lt1"/>
+            </a:fontRef>
+          </p:style>
+          <p:txBody>
+            <a:bodyPr rtlCol="0" anchor="ctr"/>
+            <a:lstStyle/>
+            <a:p>
+              <a:pPr algn="ctr"/>
+              <a:r>
+                <a:rPr lang="en-US" altLang="zh-CN" dirty="0">
+                  <a:solidFill>
+                    <a:schemeClr val="tx1"/>
+                  </a:solidFill>
+                </a:rPr>
+                <a:t>0</a:t>
+              </a:r>
+              <a:endParaRPr lang="zh-CN" altLang="en-US" dirty="0">
+                <a:solidFill>
+                  <a:schemeClr val="tx1"/>
+                </a:solidFill>
+              </a:endParaRPr>
+            </a:p>
+          </p:txBody>
+        </p:sp>
+      </p:grpSp>
+      <p:sp>
+        <p:nvSpPr>
+          <p:cNvPr id="41" name="Right Arrow 40"/>
+          <p:cNvSpPr/>
+          <p:nvPr/>
+        </p:nvSpPr>
+        <p:spPr>
+          <a:xfrm rot="10800000">
+            <a:off x="6127283" y="2056303"/>
+            <a:ext cx="648072" cy="216024"/>
+          </a:xfrm>
+          <a:prstGeom prst="rightArrow">
+            <a:avLst/>
+          </a:prstGeom>
+        </p:spPr>
+        <p:style>
+          <a:lnRef idx="2">
+            <a:schemeClr val="accent1">
+              <a:shade val="50000"/>
+            </a:schemeClr>
+          </a:lnRef>
+          <a:fillRef idx="1">
+            <a:schemeClr val="accent1"/>
+          </a:fillRef>
+          <a:effectRef idx="0">
+            <a:schemeClr val="accent1"/>
+          </a:effectRef>
+          <a:fontRef idx="minor">
+            <a:schemeClr val="lt1"/>
+          </a:fontRef>
+        </p:style>
+        <p:txBody>
+          <a:bodyPr rtlCol="0" anchor="ctr"/>
+          <a:lstStyle/>
+          <a:p>
+            <a:pPr algn="ctr"/>
+            <a:endParaRPr lang="en-US"/>
+          </a:p>
+        </p:txBody>
+      </p:sp>
+      <p:sp>
+        <p:nvSpPr>
+          <p:cNvPr id="42" name="矩形 36"/>
+          <p:cNvSpPr/>
+          <p:nvPr/>
+        </p:nvSpPr>
+        <p:spPr>
+          <a:xfrm>
+            <a:off x="6959462" y="2020299"/>
+            <a:ext cx="288032" cy="288032"/>
+          </a:xfrm>
+          <a:prstGeom prst="rect">
+            <a:avLst/>
+          </a:prstGeom>
+          <a:ln/>
+        </p:spPr>
+        <p:style>
+          <a:lnRef idx="2">
+            <a:schemeClr val="accent2">
+              <a:shade val="50000"/>
+            </a:schemeClr>
+          </a:lnRef>
+          <a:fillRef idx="1">
+            <a:schemeClr val="accent2"/>
+          </a:fillRef>
+          <a:effectRef idx="0">
+            <a:schemeClr val="accent2"/>
+          </a:effectRef>
+          <a:fontRef idx="minor">
+            <a:schemeClr val="lt1"/>
+          </a:fontRef>
+        </p:style>
+        <p:txBody>
+          <a:bodyPr rtlCol="0" anchor="ctr"/>
+          <a:lstStyle/>
+          <a:p>
+            <a:pPr algn="ctr"/>
+            <a:r>
+              <a:rPr lang="en-US" altLang="zh-CN" dirty="0">
+                <a:solidFill>
+                  <a:schemeClr val="tx1"/>
+                </a:solidFill>
+              </a:rPr>
+              <a:t>1</a:t>
+            </a:r>
+            <a:endParaRPr lang="zh-CN" altLang="en-US" dirty="0">
+              <a:solidFill>
+                <a:schemeClr val="tx1"/>
+              </a:solidFill>
+            </a:endParaRPr>
+          </a:p>
+        </p:txBody>
+      </p:sp>
+      <p:sp>
+        <p:nvSpPr>
+          <p:cNvPr id="43" name="TextBox 42"/>
+          <p:cNvSpPr txBox="1"/>
+          <p:nvPr/>
+        </p:nvSpPr>
+        <p:spPr>
+          <a:xfrm>
+            <a:off x="6012160" y="1290347"/>
+            <a:ext cx="966803" cy="338554"/>
+          </a:xfrm>
+          <a:prstGeom prst="rect">
+            <a:avLst/>
+          </a:prstGeom>
+          <a:noFill/>
+        </p:spPr>
+        <p:txBody>
+          <a:bodyPr wrap="none" rtlCol="0">
+            <a:spAutoFit/>
+          </a:bodyPr>
+          <a:lstStyle/>
+          <a:p>
+            <a:r>
+              <a:rPr lang="en-US" altLang="zh-CN" sz="1600" dirty="0" err="1" smtClean="0"/>
+              <a:t>Backprop</a:t>
+            </a:r>
+            <a:endParaRPr lang="en-US" sz="1600" dirty="0"/>
+          </a:p>
+        </p:txBody>
+      </p:sp>
+      <p:grpSp>
+        <p:nvGrpSpPr>
+          <p:cNvPr id="44" name="组合 28"/>
+          <p:cNvGrpSpPr/>
+          <p:nvPr/>
+        </p:nvGrpSpPr>
+        <p:grpSpPr>
+          <a:xfrm>
+            <a:off x="5203518" y="4783277"/>
+            <a:ext cx="864096" cy="864096"/>
+            <a:chOff x="611560" y="4077072"/>
+            <a:chExt cx="864096" cy="864096"/>
+          </a:xfrm>
+          <a:solidFill>
+            <a:schemeClr val="accent5">
+              <a:lumMod val="40000"/>
+              <a:lumOff val="60000"/>
+            </a:schemeClr>
+          </a:solidFill>
+        </p:grpSpPr>
+        <p:sp>
+          <p:nvSpPr>
+            <p:cNvPr id="45" name="矩形 29"/>
+            <p:cNvSpPr/>
+            <p:nvPr/>
+          </p:nvSpPr>
+          <p:spPr>
+            <a:xfrm>
+              <a:off x="611560" y="4077072"/>
+              <a:ext cx="288032" cy="288032"/>
+            </a:xfrm>
+            <a:prstGeom prst="rect">
+              <a:avLst/>
+            </a:prstGeom>
+            <a:grpFill/>
+            <a:ln w="6350"/>
+          </p:spPr>
+          <p:style>
+            <a:lnRef idx="2">
+              <a:schemeClr val="accent1">
+                <a:shade val="50000"/>
+              </a:schemeClr>
+            </a:lnRef>
+            <a:fillRef idx="1">
+              <a:schemeClr val="accent1"/>
+            </a:fillRef>
+            <a:effectRef idx="0">
+              <a:schemeClr val="accent1"/>
+            </a:effectRef>
+            <a:fontRef idx="minor">
+              <a:schemeClr val="lt1"/>
+            </a:fontRef>
+          </p:style>
+          <p:txBody>
+            <a:bodyPr lIns="0" rIns="0" rtlCol="0" anchor="ctr"/>
+            <a:lstStyle/>
+            <a:p>
+              <a:pPr algn="ctr"/>
+              <a:r>
+                <a:rPr lang="en-US" altLang="zh-CN" dirty="0">
+                  <a:solidFill>
+                    <a:schemeClr val="tx1"/>
+                  </a:solidFill>
+                </a:rPr>
+                <a:t>1</a:t>
+              </a:r>
+              <a:endParaRPr lang="zh-CN" altLang="en-US" dirty="0">
+                <a:solidFill>
+                  <a:schemeClr val="tx1"/>
+                </a:solidFill>
+              </a:endParaRPr>
+            </a:p>
+          </p:txBody>
+        </p:sp>
+        <p:sp>
+          <p:nvSpPr>
+            <p:cNvPr id="46" name="矩形 30"/>
+            <p:cNvSpPr/>
+            <p:nvPr/>
+          </p:nvSpPr>
+          <p:spPr>
+            <a:xfrm>
+              <a:off x="899592" y="4077072"/>
+              <a:ext cx="288032" cy="288032"/>
+            </a:xfrm>
+            <a:prstGeom prst="rect">
+              <a:avLst/>
+            </a:prstGeom>
+            <a:grpFill/>
+            <a:ln w="6350"/>
+          </p:spPr>
+          <p:style>
+            <a:lnRef idx="2">
+              <a:schemeClr val="accent1">
+                <a:shade val="50000"/>
+              </a:schemeClr>
+            </a:lnRef>
+            <a:fillRef idx="1">
+              <a:schemeClr val="accent1"/>
+            </a:fillRef>
+            <a:effectRef idx="0">
+              <a:schemeClr val="accent1"/>
+            </a:effectRef>
+            <a:fontRef idx="minor">
+              <a:schemeClr val="lt1"/>
+            </a:fontRef>
+          </p:style>
+          <p:txBody>
+            <a:bodyPr lIns="0" rIns="0" rtlCol="0" anchor="ctr"/>
+            <a:lstStyle/>
+            <a:p>
+              <a:pPr algn="ctr"/>
+              <a:r>
+                <a:rPr lang="en-US" altLang="zh-CN" dirty="0" smtClean="0">
+                  <a:solidFill>
+                    <a:schemeClr val="tx1"/>
+                  </a:solidFill>
+                </a:rPr>
+                <a:t>1</a:t>
+              </a:r>
+              <a:endParaRPr lang="zh-CN" altLang="en-US" dirty="0">
+                <a:solidFill>
+                  <a:schemeClr val="tx1"/>
+                </a:solidFill>
+              </a:endParaRPr>
+            </a:p>
+          </p:txBody>
+        </p:sp>
+        <p:sp>
+          <p:nvSpPr>
+            <p:cNvPr id="47" name="矩形 31"/>
+            <p:cNvSpPr/>
+            <p:nvPr/>
+          </p:nvSpPr>
+          <p:spPr>
+            <a:xfrm>
+              <a:off x="1187624" y="4077072"/>
+              <a:ext cx="288032" cy="288032"/>
+            </a:xfrm>
+            <a:prstGeom prst="rect">
+              <a:avLst/>
+            </a:prstGeom>
+            <a:grpFill/>
+            <a:ln w="6350"/>
+          </p:spPr>
+          <p:style>
+            <a:lnRef idx="2">
+              <a:schemeClr val="accent1">
+                <a:shade val="50000"/>
+              </a:schemeClr>
+            </a:lnRef>
+            <a:fillRef idx="1">
+              <a:schemeClr val="accent1"/>
+            </a:fillRef>
+            <a:effectRef idx="0">
+              <a:schemeClr val="accent1"/>
+            </a:effectRef>
+            <a:fontRef idx="minor">
+              <a:schemeClr val="lt1"/>
+            </a:fontRef>
+          </p:style>
+          <p:txBody>
+            <a:bodyPr lIns="0" rIns="0" rtlCol="0" anchor="ctr"/>
+            <a:lstStyle/>
+            <a:p>
+              <a:pPr algn="ctr"/>
+              <a:r>
+                <a:rPr lang="en-US" altLang="zh-CN" dirty="0" smtClean="0">
+                  <a:solidFill>
+                    <a:schemeClr val="tx1"/>
+                  </a:solidFill>
+                </a:rPr>
+                <a:t>1</a:t>
+              </a:r>
+              <a:endParaRPr lang="zh-CN" altLang="en-US" dirty="0">
+                <a:solidFill>
+                  <a:schemeClr val="tx1"/>
+                </a:solidFill>
+              </a:endParaRPr>
+            </a:p>
+          </p:txBody>
+        </p:sp>
+        <p:sp>
+          <p:nvSpPr>
+            <p:cNvPr id="48" name="矩形 32"/>
+            <p:cNvSpPr/>
+            <p:nvPr/>
+          </p:nvSpPr>
+          <p:spPr>
+            <a:xfrm>
+              <a:off x="611560" y="4365104"/>
+              <a:ext cx="288032" cy="288032"/>
+            </a:xfrm>
+            <a:prstGeom prst="rect">
+              <a:avLst/>
+            </a:prstGeom>
+            <a:grpFill/>
+            <a:ln w="6350"/>
+          </p:spPr>
+          <p:style>
+            <a:lnRef idx="2">
+              <a:schemeClr val="accent1">
+                <a:shade val="50000"/>
+              </a:schemeClr>
+            </a:lnRef>
+            <a:fillRef idx="1">
+              <a:schemeClr val="accent1"/>
+            </a:fillRef>
+            <a:effectRef idx="0">
+              <a:schemeClr val="accent1"/>
+            </a:effectRef>
+            <a:fontRef idx="minor">
+              <a:schemeClr val="lt1"/>
+            </a:fontRef>
+          </p:style>
+          <p:txBody>
+            <a:bodyPr rtlCol="0" anchor="ctr"/>
+            <a:lstStyle/>
+            <a:p>
+              <a:pPr algn="ctr"/>
+              <a:r>
+                <a:rPr lang="en-US" altLang="zh-CN" dirty="0">
+                  <a:solidFill>
+                    <a:schemeClr val="tx1"/>
+                  </a:solidFill>
+                </a:rPr>
+                <a:t>1</a:t>
+              </a:r>
+              <a:endParaRPr lang="zh-CN" altLang="en-US" dirty="0">
+                <a:solidFill>
+                  <a:schemeClr val="tx1"/>
+                </a:solidFill>
+              </a:endParaRPr>
+            </a:p>
+          </p:txBody>
+        </p:sp>
+        <p:sp>
+          <p:nvSpPr>
+            <p:cNvPr id="49" name="矩形 33"/>
+            <p:cNvSpPr/>
+            <p:nvPr/>
+          </p:nvSpPr>
+          <p:spPr>
+            <a:xfrm>
+              <a:off x="899592" y="4365104"/>
+              <a:ext cx="288032" cy="288032"/>
+            </a:xfrm>
+            <a:prstGeom prst="rect">
+              <a:avLst/>
+            </a:prstGeom>
+            <a:grpFill/>
+            <a:ln w="6350"/>
+          </p:spPr>
+          <p:style>
+            <a:lnRef idx="2">
+              <a:schemeClr val="accent1">
+                <a:shade val="50000"/>
+              </a:schemeClr>
+            </a:lnRef>
+            <a:fillRef idx="1">
+              <a:schemeClr val="accent1"/>
+            </a:fillRef>
+            <a:effectRef idx="0">
+              <a:schemeClr val="accent1"/>
+            </a:effectRef>
+            <a:fontRef idx="minor">
+              <a:schemeClr val="lt1"/>
+            </a:fontRef>
+          </p:style>
+          <p:txBody>
+            <a:bodyPr rtlCol="0" anchor="ctr"/>
+            <a:lstStyle/>
+            <a:p>
+              <a:pPr algn="ctr"/>
+              <a:r>
+                <a:rPr lang="en-US" altLang="zh-CN" dirty="0">
+                  <a:solidFill>
+                    <a:schemeClr val="tx1"/>
+                  </a:solidFill>
+                </a:rPr>
+                <a:t>1</a:t>
+              </a:r>
+              <a:endParaRPr lang="zh-CN" altLang="en-US" dirty="0">
+                <a:solidFill>
+                  <a:schemeClr val="tx1"/>
+                </a:solidFill>
+              </a:endParaRPr>
+            </a:p>
+          </p:txBody>
+        </p:sp>
+        <p:sp>
+          <p:nvSpPr>
+            <p:cNvPr id="50" name="矩形 34"/>
+            <p:cNvSpPr/>
+            <p:nvPr/>
+          </p:nvSpPr>
+          <p:spPr>
+            <a:xfrm>
+              <a:off x="1187624" y="4365104"/>
+              <a:ext cx="288032" cy="288032"/>
+            </a:xfrm>
+            <a:prstGeom prst="rect">
+              <a:avLst/>
+            </a:prstGeom>
+            <a:grpFill/>
+            <a:ln w="6350"/>
+          </p:spPr>
+          <p:style>
+            <a:lnRef idx="2">
+              <a:schemeClr val="accent1">
+                <a:shade val="50000"/>
+              </a:schemeClr>
+            </a:lnRef>
+            <a:fillRef idx="1">
+              <a:schemeClr val="accent1"/>
+            </a:fillRef>
+            <a:effectRef idx="0">
+              <a:schemeClr val="accent1"/>
+            </a:effectRef>
+            <a:fontRef idx="minor">
+              <a:schemeClr val="lt1"/>
+            </a:fontRef>
+          </p:style>
+          <p:txBody>
+            <a:bodyPr rtlCol="0" anchor="ctr"/>
+            <a:lstStyle/>
+            <a:p>
+              <a:pPr algn="ctr"/>
+              <a:r>
+                <a:rPr lang="en-US" altLang="zh-CN" dirty="0">
+                  <a:solidFill>
+                    <a:schemeClr val="tx1"/>
+                  </a:solidFill>
+                </a:rPr>
+                <a:t>1</a:t>
+              </a:r>
+              <a:endParaRPr lang="zh-CN" altLang="en-US" dirty="0">
+                <a:solidFill>
+                  <a:schemeClr val="tx1"/>
+                </a:solidFill>
+              </a:endParaRPr>
+            </a:p>
+          </p:txBody>
+        </p:sp>
+        <p:sp>
+          <p:nvSpPr>
+            <p:cNvPr id="51" name="矩形 35"/>
+            <p:cNvSpPr/>
+            <p:nvPr/>
+          </p:nvSpPr>
+          <p:spPr>
+            <a:xfrm>
+              <a:off x="611560" y="4653136"/>
+              <a:ext cx="288032" cy="288032"/>
+            </a:xfrm>
+            <a:prstGeom prst="rect">
+              <a:avLst/>
+            </a:prstGeom>
+            <a:grpFill/>
+            <a:ln w="6350"/>
+          </p:spPr>
+          <p:style>
+            <a:lnRef idx="2">
+              <a:schemeClr val="accent1">
+                <a:shade val="50000"/>
+              </a:schemeClr>
+            </a:lnRef>
+            <a:fillRef idx="1">
+              <a:schemeClr val="accent1"/>
+            </a:fillRef>
+            <a:effectRef idx="0">
+              <a:schemeClr val="accent1"/>
+            </a:effectRef>
+            <a:fontRef idx="minor">
+              <a:schemeClr val="lt1"/>
+            </a:fontRef>
+          </p:style>
+          <p:txBody>
+            <a:bodyPr rtlCol="0" anchor="ctr"/>
+            <a:lstStyle/>
+            <a:p>
+              <a:pPr algn="ctr"/>
+              <a:r>
+                <a:rPr lang="en-US" altLang="zh-CN" dirty="0">
+                  <a:solidFill>
+                    <a:schemeClr val="tx1"/>
+                  </a:solidFill>
+                </a:rPr>
+                <a:t>1</a:t>
+              </a:r>
+              <a:endParaRPr lang="zh-CN" altLang="en-US" dirty="0">
+                <a:solidFill>
+                  <a:schemeClr val="tx1"/>
+                </a:solidFill>
+              </a:endParaRPr>
+            </a:p>
+          </p:txBody>
+        </p:sp>
+        <p:sp>
+          <p:nvSpPr>
+            <p:cNvPr id="52" name="矩形 36"/>
+            <p:cNvSpPr/>
+            <p:nvPr/>
+          </p:nvSpPr>
+          <p:spPr>
+            <a:xfrm>
+              <a:off x="899592" y="4653136"/>
+              <a:ext cx="288032" cy="288032"/>
+            </a:xfrm>
+            <a:prstGeom prst="rect">
+              <a:avLst/>
+            </a:prstGeom>
+            <a:grpFill/>
+            <a:ln w="3175"/>
+          </p:spPr>
+          <p:style>
+            <a:lnRef idx="2">
+              <a:schemeClr val="accent1"/>
+            </a:lnRef>
+            <a:fillRef idx="1">
+              <a:schemeClr val="lt1"/>
+            </a:fillRef>
+            <a:effectRef idx="0">
+              <a:schemeClr val="accent1"/>
+            </a:effectRef>
+            <a:fontRef idx="minor">
+              <a:schemeClr val="dk1"/>
+            </a:fontRef>
+          </p:style>
+          <p:txBody>
+            <a:bodyPr rtlCol="0" anchor="ctr"/>
+            <a:lstStyle/>
+            <a:p>
+              <a:pPr algn="ctr"/>
+              <a:r>
+                <a:rPr lang="en-US" altLang="zh-CN" dirty="0" smtClean="0">
+                  <a:solidFill>
+                    <a:schemeClr val="tx1"/>
+                  </a:solidFill>
+                </a:rPr>
+                <a:t>1</a:t>
+              </a:r>
+              <a:endParaRPr lang="zh-CN" altLang="en-US" dirty="0">
+                <a:solidFill>
+                  <a:schemeClr val="tx1"/>
+                </a:solidFill>
+              </a:endParaRPr>
+            </a:p>
+          </p:txBody>
+        </p:sp>
+        <p:sp>
+          <p:nvSpPr>
+            <p:cNvPr id="53" name="矩形 37"/>
+            <p:cNvSpPr/>
+            <p:nvPr/>
+          </p:nvSpPr>
+          <p:spPr>
+            <a:xfrm>
+              <a:off x="1187624" y="4653136"/>
+              <a:ext cx="288032" cy="288032"/>
+            </a:xfrm>
+            <a:prstGeom prst="rect">
+              <a:avLst/>
+            </a:prstGeom>
+            <a:grpFill/>
+            <a:ln w="6350"/>
+          </p:spPr>
+          <p:style>
+            <a:lnRef idx="2">
+              <a:schemeClr val="accent1">
+                <a:shade val="50000"/>
+              </a:schemeClr>
+            </a:lnRef>
+            <a:fillRef idx="1">
+              <a:schemeClr val="accent1"/>
+            </a:fillRef>
+            <a:effectRef idx="0">
+              <a:schemeClr val="accent1"/>
+            </a:effectRef>
+            <a:fontRef idx="minor">
+              <a:schemeClr val="lt1"/>
+            </a:fontRef>
+          </p:style>
+          <p:txBody>
+            <a:bodyPr rtlCol="0" anchor="ctr"/>
+            <a:lstStyle/>
+            <a:p>
+              <a:pPr algn="ctr"/>
+              <a:r>
+                <a:rPr lang="en-US" altLang="zh-CN" dirty="0">
+                  <a:solidFill>
+                    <a:schemeClr val="tx1"/>
+                  </a:solidFill>
+                </a:rPr>
+                <a:t>1</a:t>
+              </a:r>
+              <a:endParaRPr lang="zh-CN" altLang="en-US" dirty="0">
+                <a:solidFill>
+                  <a:schemeClr val="tx1"/>
+                </a:solidFill>
+              </a:endParaRPr>
+            </a:p>
+          </p:txBody>
+        </p:sp>
+      </p:grpSp>
+      <p:sp>
+        <p:nvSpPr>
+          <p:cNvPr id="54" name="Right Arrow 53"/>
+          <p:cNvSpPr/>
+          <p:nvPr/>
+        </p:nvSpPr>
+        <p:spPr>
+          <a:xfrm rot="10800000">
+            <a:off x="6242406" y="5071309"/>
+            <a:ext cx="648072" cy="216024"/>
+          </a:xfrm>
+          <a:prstGeom prst="rightArrow">
+            <a:avLst/>
+          </a:prstGeom>
+        </p:spPr>
+        <p:style>
+          <a:lnRef idx="2">
+            <a:schemeClr val="accent1">
+              <a:shade val="50000"/>
+            </a:schemeClr>
+          </a:lnRef>
+          <a:fillRef idx="1">
+            <a:schemeClr val="accent1"/>
+          </a:fillRef>
+          <a:effectRef idx="0">
+            <a:schemeClr val="accent1"/>
+          </a:effectRef>
+          <a:fontRef idx="minor">
+            <a:schemeClr val="lt1"/>
+          </a:fontRef>
+        </p:style>
+        <p:txBody>
+          <a:bodyPr rtlCol="0" anchor="ctr"/>
+          <a:lstStyle/>
+          <a:p>
+            <a:pPr algn="ctr"/>
+            <a:endParaRPr lang="en-US"/>
+          </a:p>
+        </p:txBody>
+      </p:sp>
+      <p:sp>
+        <p:nvSpPr>
+          <p:cNvPr id="55" name="矩形 36"/>
+          <p:cNvSpPr/>
+          <p:nvPr/>
+        </p:nvSpPr>
+        <p:spPr>
+          <a:xfrm>
+            <a:off x="7074585" y="5035305"/>
+            <a:ext cx="288032" cy="288032"/>
+          </a:xfrm>
+          <a:prstGeom prst="rect">
+            <a:avLst/>
+          </a:prstGeom>
+          <a:ln/>
+        </p:spPr>
+        <p:style>
+          <a:lnRef idx="2">
+            <a:schemeClr val="accent5">
+              <a:shade val="50000"/>
+            </a:schemeClr>
+          </a:lnRef>
+          <a:fillRef idx="1">
+            <a:schemeClr val="accent5"/>
+          </a:fillRef>
+          <a:effectRef idx="0">
+            <a:schemeClr val="accent5"/>
+          </a:effectRef>
+          <a:fontRef idx="minor">
+            <a:schemeClr val="lt1"/>
+          </a:fontRef>
+        </p:style>
+        <p:txBody>
+          <a:bodyPr rtlCol="0" anchor="ctr"/>
+          <a:lstStyle/>
+          <a:p>
+            <a:pPr algn="ctr"/>
+            <a:r>
+              <a:rPr lang="en-US" altLang="zh-CN" dirty="0" smtClean="0">
+                <a:solidFill>
+                  <a:schemeClr val="tx1"/>
+                </a:solidFill>
+              </a:rPr>
+              <a:t>9</a:t>
+            </a:r>
+            <a:endParaRPr lang="zh-CN" altLang="en-US" dirty="0">
+              <a:solidFill>
+                <a:schemeClr val="tx1"/>
+              </a:solidFill>
+            </a:endParaRPr>
+          </a:p>
+        </p:txBody>
+      </p:sp>
+      <p:sp>
+        <p:nvSpPr>
+          <p:cNvPr id="56" name="TextBox 55"/>
+          <p:cNvSpPr txBox="1"/>
+          <p:nvPr/>
+        </p:nvSpPr>
+        <p:spPr>
+          <a:xfrm>
+            <a:off x="6127283" y="4305353"/>
+            <a:ext cx="966803" cy="338554"/>
+          </a:xfrm>
+          <a:prstGeom prst="rect">
+            <a:avLst/>
+          </a:prstGeom>
+          <a:noFill/>
+        </p:spPr>
+        <p:txBody>
+          <a:bodyPr wrap="none" rtlCol="0">
+            <a:spAutoFit/>
+          </a:bodyPr>
+          <a:lstStyle/>
+          <a:p>
+            <a:r>
+              <a:rPr lang="en-US" altLang="zh-CN" sz="1600" dirty="0" err="1" smtClean="0"/>
+              <a:t>Backprop</a:t>
+            </a:r>
+            <a:endParaRPr lang="en-US" sz="1600" dirty="0"/>
           </a:p>
         </p:txBody>
       </p:sp>
       <p:pic>
         <p:nvPicPr>
-          <p:cNvPr id="9" name="Picture 8"/>
+          <p:cNvPr id="57" name="Picture 56"/>
           <p:cNvPicPr>
             <a:picLocks noChangeAspect="1"/>
           </p:cNvPicPr>
@@ -14429,8 +16011,8 @@
         </p:blipFill>
         <p:spPr>
           <a:xfrm>
-            <a:off x="1403648" y="548681"/>
-            <a:ext cx="1737231" cy="1575628"/>
+            <a:off x="2025317" y="2921205"/>
+            <a:ext cx="4599037" cy="372071"/>
           </a:xfrm>
           <a:prstGeom prst="rect">
             <a:avLst/>
@@ -14439,79 +16021,7 @@
       </p:pic>
       <p:pic>
         <p:nvPicPr>
-          <p:cNvPr id="10" name="Picture 9"/>
-          <p:cNvPicPr>
-            <a:picLocks noChangeAspect="1"/>
-          </p:cNvPicPr>
-          <p:nvPr/>
-        </p:nvPicPr>
-        <p:blipFill>
-          <a:blip r:embed="rId2"/>
-          <a:stretch>
-            <a:fillRect/>
-          </a:stretch>
-        </p:blipFill>
-        <p:spPr>
-          <a:xfrm>
-            <a:off x="1259632" y="2425162"/>
-            <a:ext cx="1737231" cy="1575628"/>
-          </a:xfrm>
-          <a:prstGeom prst="rect">
-            <a:avLst/>
-          </a:prstGeom>
-        </p:spPr>
-      </p:pic>
-      <p:pic>
-        <p:nvPicPr>
-          <p:cNvPr id="11" name="Picture 10"/>
-          <p:cNvPicPr>
-            <a:picLocks noChangeAspect="1"/>
-          </p:cNvPicPr>
-          <p:nvPr/>
-        </p:nvPicPr>
-        <p:blipFill>
-          <a:blip r:embed="rId2"/>
-          <a:stretch>
-            <a:fillRect/>
-          </a:stretch>
-        </p:blipFill>
-        <p:spPr>
-          <a:xfrm>
-            <a:off x="3004368" y="263082"/>
-            <a:ext cx="1190900" cy="1080119"/>
-          </a:xfrm>
-          <a:prstGeom prst="rect">
-            <a:avLst/>
-          </a:prstGeom>
-        </p:spPr>
-      </p:pic>
-      <p:pic>
-        <p:nvPicPr>
-          <p:cNvPr id="12" name="Picture 11"/>
-          <p:cNvPicPr>
-            <a:picLocks noChangeAspect="1"/>
-          </p:cNvPicPr>
-          <p:nvPr/>
-        </p:nvPicPr>
-        <p:blipFill>
-          <a:blip r:embed="rId2"/>
-          <a:stretch>
-            <a:fillRect/>
-          </a:stretch>
-        </p:blipFill>
-        <p:spPr>
-          <a:xfrm>
-            <a:off x="3004368" y="1988840"/>
-            <a:ext cx="1190901" cy="1080120"/>
-          </a:xfrm>
-          <a:prstGeom prst="rect">
-            <a:avLst/>
-          </a:prstGeom>
-        </p:spPr>
-      </p:pic>
-      <p:pic>
-        <p:nvPicPr>
-          <p:cNvPr id="13" name="Picture 12"/>
+          <p:cNvPr id="59" name="Picture 58"/>
           <p:cNvPicPr>
             <a:picLocks noChangeAspect="1"/>
           </p:cNvPicPr>
@@ -14525,425 +16035,18 @@
         </p:blipFill>
         <p:spPr>
           <a:xfrm>
-            <a:off x="4427984" y="2124309"/>
-            <a:ext cx="1552575" cy="1724025"/>
+            <a:off x="1647441" y="5905054"/>
+            <a:ext cx="5498595" cy="457708"/>
           </a:xfrm>
           <a:prstGeom prst="rect">
             <a:avLst/>
           </a:prstGeom>
         </p:spPr>
       </p:pic>
-      <p:pic>
-        <p:nvPicPr>
-          <p:cNvPr id="14" name="Picture 13"/>
-          <p:cNvPicPr>
-            <a:picLocks noChangeAspect="1"/>
-          </p:cNvPicPr>
-          <p:nvPr/>
-        </p:nvPicPr>
-        <p:blipFill>
-          <a:blip r:embed="rId4"/>
-          <a:stretch>
-            <a:fillRect/>
-          </a:stretch>
-        </p:blipFill>
-        <p:spPr>
-          <a:xfrm>
-            <a:off x="6495176" y="2425162"/>
-            <a:ext cx="1243841" cy="2078634"/>
-          </a:xfrm>
-          <a:prstGeom prst="rect">
-            <a:avLst/>
-          </a:prstGeom>
-        </p:spPr>
-      </p:pic>
-      <p:cxnSp>
-        <p:nvCxnSpPr>
-          <p:cNvPr id="16" name="Straight Arrow Connector 15"/>
-          <p:cNvCxnSpPr/>
-          <p:nvPr/>
-        </p:nvCxnSpPr>
-        <p:spPr>
-          <a:xfrm>
-            <a:off x="2771800" y="2204864"/>
-            <a:ext cx="1656184" cy="648072"/>
-          </a:xfrm>
-          <a:prstGeom prst="straightConnector1">
-            <a:avLst/>
-          </a:prstGeom>
-          <a:ln>
-            <a:tailEnd type="triangle"/>
-          </a:ln>
-        </p:spPr>
-        <p:style>
-          <a:lnRef idx="1">
-            <a:schemeClr val="accent1"/>
-          </a:lnRef>
-          <a:fillRef idx="0">
-            <a:schemeClr val="accent1"/>
-          </a:fillRef>
-          <a:effectRef idx="0">
-            <a:schemeClr val="accent1"/>
-          </a:effectRef>
-          <a:fontRef idx="minor">
-            <a:schemeClr val="tx1"/>
-          </a:fontRef>
-        </p:style>
-      </p:cxnSp>
-      <p:cxnSp>
-        <p:nvCxnSpPr>
-          <p:cNvPr id="18" name="Straight Arrow Connector 17"/>
-          <p:cNvCxnSpPr/>
-          <p:nvPr/>
-        </p:nvCxnSpPr>
-        <p:spPr>
-          <a:xfrm>
-            <a:off x="5504334" y="2986321"/>
-            <a:ext cx="1155898" cy="226655"/>
-          </a:xfrm>
-          <a:prstGeom prst="straightConnector1">
-            <a:avLst/>
-          </a:prstGeom>
-          <a:ln>
-            <a:tailEnd type="triangle"/>
-          </a:ln>
-        </p:spPr>
-        <p:style>
-          <a:lnRef idx="1">
-            <a:schemeClr val="accent1"/>
-          </a:lnRef>
-          <a:fillRef idx="0">
-            <a:schemeClr val="accent1"/>
-          </a:fillRef>
-          <a:effectRef idx="0">
-            <a:schemeClr val="accent1"/>
-          </a:effectRef>
-          <a:fontRef idx="minor">
-            <a:schemeClr val="tx1"/>
-          </a:fontRef>
-        </p:style>
-      </p:cxnSp>
-      <p:pic>
-        <p:nvPicPr>
-          <p:cNvPr id="21" name="Picture 20"/>
-          <p:cNvPicPr>
-            <a:picLocks noChangeAspect="1"/>
-          </p:cNvPicPr>
-          <p:nvPr/>
-        </p:nvPicPr>
-        <p:blipFill>
-          <a:blip r:embed="rId5"/>
-          <a:stretch>
-            <a:fillRect/>
-          </a:stretch>
-        </p:blipFill>
-        <p:spPr>
-          <a:xfrm>
-            <a:off x="7034167" y="217190"/>
-            <a:ext cx="1409700" cy="1771650"/>
-          </a:xfrm>
-          <a:prstGeom prst="rect">
-            <a:avLst/>
-          </a:prstGeom>
-        </p:spPr>
-      </p:pic>
-      <p:pic>
-        <p:nvPicPr>
-          <p:cNvPr id="22" name="Picture 21"/>
-          <p:cNvPicPr>
-            <a:picLocks noChangeAspect="1"/>
-          </p:cNvPicPr>
-          <p:nvPr/>
-        </p:nvPicPr>
-        <p:blipFill>
-          <a:blip r:embed="rId6">
-            <a:extLst>
-              <a:ext uri="{28A0092B-C50C-407E-A947-70E740481C1C}">
-                <a14:useLocalDpi xmlns:a14="http://schemas.microsoft.com/office/drawing/2010/main" val="0"/>
-              </a:ext>
-            </a:extLst>
-          </a:blip>
-          <a:stretch>
-            <a:fillRect/>
-          </a:stretch>
-        </p:blipFill>
-        <p:spPr>
-          <a:xfrm>
-            <a:off x="5338788" y="574551"/>
-            <a:ext cx="914400" cy="914400"/>
-          </a:xfrm>
-          <a:prstGeom prst="rect">
-            <a:avLst/>
-          </a:prstGeom>
-        </p:spPr>
-      </p:pic>
-      <p:cxnSp>
-        <p:nvCxnSpPr>
-          <p:cNvPr id="24" name="Straight Arrow Connector 23"/>
-          <p:cNvCxnSpPr/>
-          <p:nvPr/>
-        </p:nvCxnSpPr>
-        <p:spPr>
-          <a:xfrm>
-            <a:off x="6300192" y="1031751"/>
-            <a:ext cx="733975" cy="0"/>
-          </a:xfrm>
-          <a:prstGeom prst="straightConnector1">
-            <a:avLst/>
-          </a:prstGeom>
-          <a:ln>
-            <a:tailEnd type="triangle"/>
-          </a:ln>
-        </p:spPr>
-        <p:style>
-          <a:lnRef idx="1">
-            <a:schemeClr val="accent1"/>
-          </a:lnRef>
-          <a:fillRef idx="0">
-            <a:schemeClr val="accent1"/>
-          </a:fillRef>
-          <a:effectRef idx="0">
-            <a:schemeClr val="accent1"/>
-          </a:effectRef>
-          <a:fontRef idx="minor">
-            <a:schemeClr val="tx1"/>
-          </a:fontRef>
-        </p:style>
-      </p:cxnSp>
-      <p:sp>
-        <p:nvSpPr>
-          <p:cNvPr id="25" name="TextBox 24"/>
-          <p:cNvSpPr txBox="1"/>
-          <p:nvPr/>
-        </p:nvSpPr>
-        <p:spPr>
-          <a:xfrm>
-            <a:off x="5479971" y="1503527"/>
-            <a:ext cx="632033" cy="307777"/>
-          </a:xfrm>
-          <a:prstGeom prst="rect">
-            <a:avLst/>
-          </a:prstGeom>
-          <a:noFill/>
-        </p:spPr>
-        <p:txBody>
-          <a:bodyPr wrap="none" rtlCol="0">
-            <a:spAutoFit/>
-          </a:bodyPr>
-          <a:lstStyle/>
-          <a:p>
-            <a:r>
-              <a:rPr lang="en-US" altLang="zh-CN" sz="1400" dirty="0" smtClean="0"/>
-              <a:t>Image</a:t>
-            </a:r>
-            <a:endParaRPr lang="en-US" sz="1400" dirty="0"/>
-          </a:p>
-        </p:txBody>
-      </p:sp>
-      <p:sp>
-        <p:nvSpPr>
-          <p:cNvPr id="26" name="TextBox 25"/>
-          <p:cNvSpPr txBox="1"/>
-          <p:nvPr/>
-        </p:nvSpPr>
-        <p:spPr>
-          <a:xfrm>
-            <a:off x="6988901" y="1816532"/>
-            <a:ext cx="1462195" cy="307777"/>
-          </a:xfrm>
-          <a:prstGeom prst="rect">
-            <a:avLst/>
-          </a:prstGeom>
-          <a:noFill/>
-        </p:spPr>
-        <p:txBody>
-          <a:bodyPr wrap="none" rtlCol="0">
-            <a:spAutoFit/>
-          </a:bodyPr>
-          <a:lstStyle/>
-          <a:p>
-            <a:r>
-              <a:rPr lang="en-US" altLang="zh-CN" sz="1400" dirty="0" smtClean="0"/>
-              <a:t>RGB – 3 Channels</a:t>
-            </a:r>
-            <a:endParaRPr lang="en-US" sz="1400" dirty="0"/>
-          </a:p>
-        </p:txBody>
-      </p:sp>
-      <p:sp>
-        <p:nvSpPr>
-          <p:cNvPr id="27" name="TextBox 26"/>
-          <p:cNvSpPr txBox="1"/>
-          <p:nvPr/>
-        </p:nvSpPr>
-        <p:spPr>
-          <a:xfrm>
-            <a:off x="2947485" y="4226799"/>
-            <a:ext cx="3033074" cy="369332"/>
-          </a:xfrm>
-          <a:prstGeom prst="rect">
-            <a:avLst/>
-          </a:prstGeom>
-          <a:noFill/>
-        </p:spPr>
-        <p:txBody>
-          <a:bodyPr wrap="none" rtlCol="0">
-            <a:spAutoFit/>
-          </a:bodyPr>
-          <a:lstStyle/>
-          <a:p>
-            <a:r>
-              <a:rPr lang="en-US" altLang="zh-CN" dirty="0" smtClean="0"/>
-              <a:t>Filter count = Output channels</a:t>
-            </a:r>
-            <a:endParaRPr lang="en-US" dirty="0"/>
-          </a:p>
-        </p:txBody>
-      </p:sp>
-      <p:sp>
-        <p:nvSpPr>
-          <p:cNvPr id="28" name="TextBox 27"/>
-          <p:cNvSpPr txBox="1"/>
-          <p:nvPr/>
-        </p:nvSpPr>
-        <p:spPr>
-          <a:xfrm>
-            <a:off x="4535000" y="3765873"/>
-            <a:ext cx="1177374" cy="307777"/>
-          </a:xfrm>
-          <a:prstGeom prst="rect">
-            <a:avLst/>
-          </a:prstGeom>
-          <a:noFill/>
-        </p:spPr>
-        <p:txBody>
-          <a:bodyPr wrap="none" rtlCol="0">
-            <a:spAutoFit/>
-          </a:bodyPr>
-          <a:lstStyle/>
-          <a:p>
-            <a:r>
-              <a:rPr lang="en-US" altLang="zh-CN" sz="1400" dirty="0" smtClean="0"/>
-              <a:t>Feature maps</a:t>
-            </a:r>
-            <a:endParaRPr lang="en-US" sz="1400" dirty="0"/>
-          </a:p>
-        </p:txBody>
-      </p:sp>
-      <p:sp>
-        <p:nvSpPr>
-          <p:cNvPr id="29" name="TextBox 28"/>
-          <p:cNvSpPr txBox="1"/>
-          <p:nvPr/>
-        </p:nvSpPr>
-        <p:spPr>
-          <a:xfrm>
-            <a:off x="6623210" y="4432116"/>
-            <a:ext cx="987771" cy="307777"/>
-          </a:xfrm>
-          <a:prstGeom prst="rect">
-            <a:avLst/>
-          </a:prstGeom>
-          <a:noFill/>
-        </p:spPr>
-        <p:txBody>
-          <a:bodyPr wrap="none" rtlCol="0">
-            <a:spAutoFit/>
-          </a:bodyPr>
-          <a:lstStyle/>
-          <a:p>
-            <a:r>
-              <a:rPr lang="en-US" altLang="zh-CN" sz="1400" dirty="0" smtClean="0"/>
-              <a:t>n Channels</a:t>
-            </a:r>
-            <a:endParaRPr lang="en-US" sz="1400" dirty="0"/>
-          </a:p>
-        </p:txBody>
-      </p:sp>
-      <p:pic>
-        <p:nvPicPr>
-          <p:cNvPr id="30" name="Picture 29"/>
-          <p:cNvPicPr>
-            <a:picLocks noChangeAspect="1"/>
-          </p:cNvPicPr>
-          <p:nvPr/>
-        </p:nvPicPr>
-        <p:blipFill>
-          <a:blip r:embed="rId7"/>
-          <a:stretch>
-            <a:fillRect/>
-          </a:stretch>
-        </p:blipFill>
-        <p:spPr>
-          <a:xfrm>
-            <a:off x="3198675" y="4799826"/>
-            <a:ext cx="2458617" cy="453899"/>
-          </a:xfrm>
-          <a:prstGeom prst="rect">
-            <a:avLst/>
-          </a:prstGeom>
-        </p:spPr>
-      </p:pic>
-      <p:sp>
-        <p:nvSpPr>
-          <p:cNvPr id="31" name="TextBox 30"/>
-          <p:cNvSpPr txBox="1"/>
-          <p:nvPr/>
-        </p:nvSpPr>
-        <p:spPr>
-          <a:xfrm>
-            <a:off x="2190050" y="5445804"/>
-            <a:ext cx="4897366" cy="646331"/>
-          </a:xfrm>
-          <a:prstGeom prst="rect">
-            <a:avLst/>
-          </a:prstGeom>
-          <a:noFill/>
-        </p:spPr>
-        <p:txBody>
-          <a:bodyPr wrap="none" rtlCol="0">
-            <a:spAutoFit/>
-          </a:bodyPr>
-          <a:lstStyle/>
-          <a:p>
-            <a:r>
-              <a:rPr lang="en-US" dirty="0" smtClean="0"/>
-              <a:t> </a:t>
-            </a:r>
-            <a:r>
-              <a:rPr lang="en-US" dirty="0" err="1" smtClean="0"/>
-              <a:t>x</a:t>
-            </a:r>
-            <a:r>
-              <a:rPr lang="en-US" baseline="-25000" dirty="0" err="1" smtClean="0"/>
-              <a:t>i,j</a:t>
-            </a:r>
-            <a:r>
-              <a:rPr lang="en-US" dirty="0" smtClean="0"/>
-              <a:t> stands for input patch centered at location (</a:t>
-            </a:r>
-            <a:r>
-              <a:rPr lang="en-US" dirty="0" err="1" smtClean="0"/>
-              <a:t>i</a:t>
-            </a:r>
-            <a:r>
-              <a:rPr lang="en-US" dirty="0" smtClean="0"/>
-              <a:t>, j)</a:t>
-            </a:r>
-          </a:p>
-          <a:p>
-            <a:r>
-              <a:rPr lang="en-US" dirty="0" smtClean="0"/>
-              <a:t> k is the index of output feature map</a:t>
-            </a:r>
-            <a:endParaRPr lang="en-US" dirty="0"/>
-          </a:p>
-        </p:txBody>
-      </p:sp>
     </p:spTree>
     <p:extLst>
       <p:ext uri="{BB962C8B-B14F-4D97-AF65-F5344CB8AC3E}">
-        <p14:creationId xmlns:p14="http://schemas.microsoft.com/office/powerpoint/2010/main" val="4234183240"/>
+        <p14:creationId xmlns:p14="http://schemas.microsoft.com/office/powerpoint/2010/main" val="3566627902"/>
       </p:ext>
     </p:extLst>
   </p:cSld>
